--- a/lectures/Introduction_to_Stable_Diffusions_with_Codes.pptx
+++ b/lectures/Introduction_to_Stable_Diffusions_with_Codes.pptx
@@ -111,6 +111,11 @@
       </a:defRPr>
     </a:lvl9pPr>
   </p:defaultTextStyle>
+  <p:extLst>
+    <p:ext uri="{EFAFB233-063F-42B5-8137-9DF3F51BA10A}">
+      <p15:sldGuideLst xmlns:p15="http://schemas.microsoft.com/office/powerpoint/2012/main"/>
+    </p:ext>
+  </p:extLst>
 </p:presentation>
 </file>
 
@@ -3605,14 +3610,7 @@
                 <a:latin typeface="Times New Roman" panose="02020603050405020304" pitchFamily="18" charset="0"/>
                 <a:cs typeface="Times New Roman" panose="02020603050405020304" pitchFamily="18" charset="0"/>
               </a:rPr>
-              <a:t>14, </a:t>
-            </a:r>
-            <a:r>
-              <a:rPr lang="en-US" altLang="zh-CN" sz="2400" dirty="0" smtClean="0">
-                <a:latin typeface="Times New Roman" panose="02020603050405020304" pitchFamily="18" charset="0"/>
-                <a:cs typeface="Times New Roman" panose="02020603050405020304" pitchFamily="18" charset="0"/>
-              </a:rPr>
-              <a:t>2024</a:t>
+              <a:t>14, 2024</a:t>
             </a:r>
             <a:endParaRPr lang="en-US" altLang="zh-CN" sz="2400" dirty="0">
               <a:latin typeface="Times New Roman" panose="02020603050405020304" pitchFamily="18" charset="0"/>
@@ -3647,19 +3645,7 @@
               <a:rPr lang="en-US" altLang="zh-CN" sz="4400" b="1" dirty="0" smtClean="0">
                 <a:latin typeface="Times New Roman" panose="02020603050405020304" pitchFamily="18" charset="0"/>
               </a:rPr>
-              <a:t>Introduction to </a:t>
-            </a:r>
-            <a:r>
-              <a:rPr lang="en-US" altLang="zh-CN" sz="4400" b="1" dirty="0" smtClean="0">
-                <a:latin typeface="Times New Roman" panose="02020603050405020304" pitchFamily="18" charset="0"/>
-              </a:rPr>
-              <a:t>Stable Diffusion </a:t>
-            </a:r>
-            <a:r>
-              <a:rPr lang="en-US" altLang="zh-CN" sz="4400" b="1" dirty="0" smtClean="0">
-                <a:latin typeface="Times New Roman" panose="02020603050405020304" pitchFamily="18" charset="0"/>
-              </a:rPr>
-              <a:t/>
+              <a:t>Introduction to Stable Diffusion </a:t>
             </a:r>
             <a:br>
               <a:rPr lang="en-US" altLang="zh-CN" sz="4400" b="1" dirty="0" smtClean="0">
@@ -3981,14 +3967,6 @@
               </a:rPr>
               <a:t>Latent Diffusion Model (LDM)</a:t>
             </a:r>
-            <a:endParaRPr lang="en-US" altLang="zh-CN" sz="2800" dirty="0" smtClean="0">
-              <a:solidFill>
-                <a:srgbClr val="333333"/>
-              </a:solidFill>
-              <a:latin typeface="Times New Roman" panose="02020603050405020304" pitchFamily="18" charset="0"/>
-              <a:ea typeface="Open Sans"/>
-              <a:cs typeface="Times New Roman" panose="02020603050405020304" pitchFamily="18" charset="0"/>
-            </a:endParaRPr>
           </a:p>
           <a:p>
             <a:pPr marL="800100" lvl="1" indent="-342900" eaLnBrk="0" fontAlgn="base" hangingPunct="0">

--- a/lectures/Introduction_to_Stable_Diffusions_with_Codes.pptx
+++ b/lectures/Introduction_to_Stable_Diffusions_with_Codes.pptx
@@ -5,14 +5,27 @@
     <p:sldMasterId id="2147483648" r:id="rId1"/>
   </p:sldMasterIdLst>
   <p:notesMasterIdLst>
-    <p:notesMasterId r:id="rId7"/>
+    <p:notesMasterId r:id="rId20"/>
   </p:notesMasterIdLst>
   <p:sldIdLst>
     <p:sldId id="256" r:id="rId2"/>
     <p:sldId id="257" r:id="rId3"/>
     <p:sldId id="258" r:id="rId4"/>
-    <p:sldId id="259" r:id="rId5"/>
-    <p:sldId id="260" r:id="rId6"/>
+    <p:sldId id="261" r:id="rId5"/>
+    <p:sldId id="259" r:id="rId6"/>
+    <p:sldId id="265" r:id="rId7"/>
+    <p:sldId id="262" r:id="rId8"/>
+    <p:sldId id="267" r:id="rId9"/>
+    <p:sldId id="268" r:id="rId10"/>
+    <p:sldId id="263" r:id="rId11"/>
+    <p:sldId id="266" r:id="rId12"/>
+    <p:sldId id="264" r:id="rId13"/>
+    <p:sldId id="269" r:id="rId14"/>
+    <p:sldId id="270" r:id="rId15"/>
+    <p:sldId id="271" r:id="rId16"/>
+    <p:sldId id="272" r:id="rId17"/>
+    <p:sldId id="273" r:id="rId18"/>
+    <p:sldId id="260" r:id="rId19"/>
   </p:sldIdLst>
   <p:sldSz cx="12192000" cy="6858000"/>
   <p:notesSz cx="6858000" cy="9144000"/>
@@ -201,7 +214,7 @@
           <a:p>
             <a:fld id="{D0E1548B-C603-4D15-850D-CBF4F10D9EA7}" type="datetimeFigureOut">
               <a:rPr lang="zh-CN" altLang="en-US" smtClean="0"/>
-              <a:t>2024/7/14</a:t>
+              <a:t>2024/7/15</a:t>
             </a:fld>
             <a:endParaRPr lang="zh-CN" altLang="en-US"/>
           </a:p>
@@ -684,7 +697,7 @@
           <a:p>
             <a:fld id="{6610E71E-2695-45D4-94CF-9FE6BDD36E50}" type="datetimeFigureOut">
               <a:rPr lang="zh-CN" altLang="en-US" smtClean="0"/>
-              <a:t>2024/7/14</a:t>
+              <a:t>2024/7/15</a:t>
             </a:fld>
             <a:endParaRPr lang="zh-CN" altLang="en-US"/>
           </a:p>
@@ -854,7 +867,7 @@
           <a:p>
             <a:fld id="{6610E71E-2695-45D4-94CF-9FE6BDD36E50}" type="datetimeFigureOut">
               <a:rPr lang="zh-CN" altLang="en-US" smtClean="0"/>
-              <a:t>2024/7/14</a:t>
+              <a:t>2024/7/15</a:t>
             </a:fld>
             <a:endParaRPr lang="zh-CN" altLang="en-US"/>
           </a:p>
@@ -1034,7 +1047,7 @@
           <a:p>
             <a:fld id="{6610E71E-2695-45D4-94CF-9FE6BDD36E50}" type="datetimeFigureOut">
               <a:rPr lang="zh-CN" altLang="en-US" smtClean="0"/>
-              <a:t>2024/7/14</a:t>
+              <a:t>2024/7/15</a:t>
             </a:fld>
             <a:endParaRPr lang="zh-CN" altLang="en-US"/>
           </a:p>
@@ -1204,7 +1217,7 @@
           <a:p>
             <a:fld id="{6610E71E-2695-45D4-94CF-9FE6BDD36E50}" type="datetimeFigureOut">
               <a:rPr lang="zh-CN" altLang="en-US" smtClean="0"/>
-              <a:t>2024/7/14</a:t>
+              <a:t>2024/7/15</a:t>
             </a:fld>
             <a:endParaRPr lang="zh-CN" altLang="en-US"/>
           </a:p>
@@ -1450,7 +1463,7 @@
           <a:p>
             <a:fld id="{6610E71E-2695-45D4-94CF-9FE6BDD36E50}" type="datetimeFigureOut">
               <a:rPr lang="zh-CN" altLang="en-US" smtClean="0"/>
-              <a:t>2024/7/14</a:t>
+              <a:t>2024/7/15</a:t>
             </a:fld>
             <a:endParaRPr lang="zh-CN" altLang="en-US"/>
           </a:p>
@@ -1682,7 +1695,7 @@
           <a:p>
             <a:fld id="{6610E71E-2695-45D4-94CF-9FE6BDD36E50}" type="datetimeFigureOut">
               <a:rPr lang="zh-CN" altLang="en-US" smtClean="0"/>
-              <a:t>2024/7/14</a:t>
+              <a:t>2024/7/15</a:t>
             </a:fld>
             <a:endParaRPr lang="zh-CN" altLang="en-US"/>
           </a:p>
@@ -2049,7 +2062,7 @@
           <a:p>
             <a:fld id="{6610E71E-2695-45D4-94CF-9FE6BDD36E50}" type="datetimeFigureOut">
               <a:rPr lang="zh-CN" altLang="en-US" smtClean="0"/>
-              <a:t>2024/7/14</a:t>
+              <a:t>2024/7/15</a:t>
             </a:fld>
             <a:endParaRPr lang="zh-CN" altLang="en-US"/>
           </a:p>
@@ -2167,7 +2180,7 @@
           <a:p>
             <a:fld id="{6610E71E-2695-45D4-94CF-9FE6BDD36E50}" type="datetimeFigureOut">
               <a:rPr lang="zh-CN" altLang="en-US" smtClean="0"/>
-              <a:t>2024/7/14</a:t>
+              <a:t>2024/7/15</a:t>
             </a:fld>
             <a:endParaRPr lang="zh-CN" altLang="en-US"/>
           </a:p>
@@ -2262,7 +2275,7 @@
           <a:p>
             <a:fld id="{6610E71E-2695-45D4-94CF-9FE6BDD36E50}" type="datetimeFigureOut">
               <a:rPr lang="zh-CN" altLang="en-US" smtClean="0"/>
-              <a:t>2024/7/14</a:t>
+              <a:t>2024/7/15</a:t>
             </a:fld>
             <a:endParaRPr lang="zh-CN" altLang="en-US"/>
           </a:p>
@@ -2539,7 +2552,7 @@
           <a:p>
             <a:fld id="{6610E71E-2695-45D4-94CF-9FE6BDD36E50}" type="datetimeFigureOut">
               <a:rPr lang="zh-CN" altLang="en-US" smtClean="0"/>
-              <a:t>2024/7/14</a:t>
+              <a:t>2024/7/15</a:t>
             </a:fld>
             <a:endParaRPr lang="zh-CN" altLang="en-US"/>
           </a:p>
@@ -2792,7 +2805,7 @@
           <a:p>
             <a:fld id="{6610E71E-2695-45D4-94CF-9FE6BDD36E50}" type="datetimeFigureOut">
               <a:rPr lang="zh-CN" altLang="en-US" smtClean="0"/>
-              <a:t>2024/7/14</a:t>
+              <a:t>2024/7/15</a:t>
             </a:fld>
             <a:endParaRPr lang="zh-CN" altLang="en-US"/>
           </a:p>
@@ -3005,7 +3018,7 @@
           <a:p>
             <a:fld id="{6610E71E-2695-45D4-94CF-9FE6BDD36E50}" type="datetimeFigureOut">
               <a:rPr lang="zh-CN" altLang="en-US" smtClean="0"/>
-              <a:t>2024/7/14</a:t>
+              <a:t>2024/7/15</a:t>
             </a:fld>
             <a:endParaRPr lang="zh-CN" altLang="en-US"/>
           </a:p>
@@ -3764,6 +3777,4514 @@
 </p:sld>
 </file>
 
+<file path=ppt/slides/slide10.xml><?xml version="1.0" encoding="utf-8"?>
+<p:sld xmlns:a="http://schemas.openxmlformats.org/drawingml/2006/main" xmlns:r="http://schemas.openxmlformats.org/officeDocument/2006/relationships" xmlns:p="http://schemas.openxmlformats.org/presentationml/2006/main">
+  <p:cSld>
+    <p:spTree>
+      <p:nvGrpSpPr>
+        <p:cNvPr id="1" name=""/>
+        <p:cNvGrpSpPr/>
+        <p:nvPr/>
+      </p:nvGrpSpPr>
+      <p:grpSpPr>
+        <a:xfrm>
+          <a:off x="0" y="0"/>
+          <a:ext cx="0" cy="0"/>
+          <a:chOff x="0" y="0"/>
+          <a:chExt cx="0" cy="0"/>
+        </a:xfrm>
+      </p:grpSpPr>
+      <p:sp>
+        <p:nvSpPr>
+          <p:cNvPr id="3" name="矩形 2"/>
+          <p:cNvSpPr/>
+          <p:nvPr/>
+        </p:nvSpPr>
+        <p:spPr>
+          <a:xfrm>
+            <a:off x="364855" y="606392"/>
+            <a:ext cx="3527504" cy="584775"/>
+          </a:xfrm>
+          <a:prstGeom prst="rect">
+            <a:avLst/>
+          </a:prstGeom>
+        </p:spPr>
+        <p:txBody>
+          <a:bodyPr wrap="none">
+            <a:spAutoFit/>
+          </a:bodyPr>
+          <a:lstStyle/>
+          <a:p>
+            <a:pPr marL="0" lvl="1"/>
+            <a:r>
+              <a:rPr lang="it-IT" altLang="zh-CN" sz="3200" dirty="0">
+                <a:solidFill>
+                  <a:srgbClr val="333333"/>
+                </a:solidFill>
+                <a:latin typeface="Times New Roman" panose="02020603050405020304" pitchFamily="18" charset="0"/>
+                <a:ea typeface="Open Sans"/>
+                <a:cs typeface="Times New Roman" panose="02020603050405020304" pitchFamily="18" charset="0"/>
+                <a:hlinkClick r:id="rId2"/>
+              </a:rPr>
+              <a:t>Stable </a:t>
+            </a:r>
+            <a:r>
+              <a:rPr lang="it-IT" altLang="zh-CN" sz="3200" dirty="0" smtClean="0">
+                <a:solidFill>
+                  <a:srgbClr val="333333"/>
+                </a:solidFill>
+                <a:latin typeface="Times New Roman" panose="02020603050405020304" pitchFamily="18" charset="0"/>
+                <a:ea typeface="Open Sans"/>
+                <a:cs typeface="Times New Roman" panose="02020603050405020304" pitchFamily="18" charset="0"/>
+                <a:hlinkClick r:id="rId2"/>
+              </a:rPr>
+              <a:t>Diffusion XL</a:t>
+            </a:r>
+            <a:endParaRPr lang="it-IT" altLang="zh-CN" sz="3200" dirty="0">
+              <a:solidFill>
+                <a:srgbClr val="333333"/>
+              </a:solidFill>
+              <a:latin typeface="Times New Roman" panose="02020603050405020304" pitchFamily="18" charset="0"/>
+              <a:ea typeface="Open Sans"/>
+              <a:cs typeface="Times New Roman" panose="02020603050405020304" pitchFamily="18" charset="0"/>
+            </a:endParaRPr>
+          </a:p>
+        </p:txBody>
+      </p:sp>
+      <p:grpSp>
+        <p:nvGrpSpPr>
+          <p:cNvPr id="5" name="组合 4"/>
+          <p:cNvGrpSpPr/>
+          <p:nvPr/>
+        </p:nvGrpSpPr>
+        <p:grpSpPr>
+          <a:xfrm>
+            <a:off x="8737600" y="137886"/>
+            <a:ext cx="3514167" cy="6720114"/>
+            <a:chOff x="8737600" y="137886"/>
+            <a:chExt cx="3514167" cy="6720114"/>
+          </a:xfrm>
+        </p:grpSpPr>
+        <p:pic>
+          <p:nvPicPr>
+            <p:cNvPr id="6" name="图片 5"/>
+            <p:cNvPicPr>
+              <a:picLocks noChangeAspect="1"/>
+            </p:cNvPicPr>
+            <p:nvPr/>
+          </p:nvPicPr>
+          <p:blipFill>
+            <a:blip r:embed="rId3" cstate="print">
+              <a:extLst>
+                <a:ext uri="{28A0092B-C50C-407E-A947-70E740481C1C}">
+                  <a14:useLocalDpi xmlns:a14="http://schemas.microsoft.com/office/drawing/2010/main" val="0"/>
+                </a:ext>
+              </a:extLst>
+            </a:blip>
+            <a:stretch>
+              <a:fillRect/>
+            </a:stretch>
+          </p:blipFill>
+          <p:spPr>
+            <a:xfrm>
+              <a:off x="11096357" y="137886"/>
+              <a:ext cx="825500" cy="825500"/>
+            </a:xfrm>
+            <a:prstGeom prst="rect">
+              <a:avLst/>
+            </a:prstGeom>
+          </p:spPr>
+        </p:pic>
+        <p:sp>
+          <p:nvSpPr>
+            <p:cNvPr id="7" name="矩形 6"/>
+            <p:cNvSpPr/>
+            <p:nvPr/>
+          </p:nvSpPr>
+          <p:spPr>
+            <a:xfrm>
+              <a:off x="8737600" y="6488668"/>
+              <a:ext cx="3514167" cy="369332"/>
+            </a:xfrm>
+            <a:prstGeom prst="rect">
+              <a:avLst/>
+            </a:prstGeom>
+          </p:spPr>
+          <p:txBody>
+            <a:bodyPr wrap="none">
+              <a:spAutoFit/>
+            </a:bodyPr>
+            <a:lstStyle/>
+            <a:p>
+              <a:r>
+                <a:rPr lang="en-US" altLang="zh-CN" dirty="0">
+                  <a:latin typeface="Times New Roman" panose="02020603050405020304" pitchFamily="18" charset="0"/>
+                  <a:cs typeface="Times New Roman" panose="02020603050405020304" pitchFamily="18" charset="0"/>
+                </a:rPr>
+                <a:t>© Sakura, 2024. All rights reserved.</a:t>
+              </a:r>
+              <a:endParaRPr lang="zh-CN" altLang="en-US" dirty="0">
+                <a:latin typeface="Times New Roman" panose="02020603050405020304" pitchFamily="18" charset="0"/>
+                <a:cs typeface="Times New Roman" panose="02020603050405020304" pitchFamily="18" charset="0"/>
+              </a:endParaRPr>
+            </a:p>
+          </p:txBody>
+        </p:sp>
+      </p:grpSp>
+      <p:sp>
+        <p:nvSpPr>
+          <p:cNvPr id="2" name="矩形 1"/>
+          <p:cNvSpPr/>
+          <p:nvPr/>
+        </p:nvSpPr>
+        <p:spPr>
+          <a:xfrm>
+            <a:off x="0" y="6457890"/>
+            <a:ext cx="7515225" cy="400110"/>
+          </a:xfrm>
+          <a:prstGeom prst="rect">
+            <a:avLst/>
+          </a:prstGeom>
+        </p:spPr>
+        <p:txBody>
+          <a:bodyPr wrap="square">
+            <a:spAutoFit/>
+          </a:bodyPr>
+          <a:lstStyle/>
+          <a:p>
+            <a:r>
+              <a:rPr lang="en-US" altLang="zh-CN" sz="1000" dirty="0" err="1">
+                <a:solidFill>
+                  <a:schemeClr val="bg1">
+                    <a:lumMod val="75000"/>
+                  </a:schemeClr>
+                </a:solidFill>
+                <a:latin typeface="Times New Roman" panose="02020603050405020304" pitchFamily="18" charset="0"/>
+                <a:cs typeface="Times New Roman" panose="02020603050405020304" pitchFamily="18" charset="0"/>
+              </a:rPr>
+              <a:t>Podell</a:t>
+            </a:r>
+            <a:r>
+              <a:rPr lang="en-US" altLang="zh-CN" sz="1000" dirty="0">
+                <a:solidFill>
+                  <a:schemeClr val="bg1">
+                    <a:lumMod val="75000"/>
+                  </a:schemeClr>
+                </a:solidFill>
+                <a:latin typeface="Times New Roman" panose="02020603050405020304" pitchFamily="18" charset="0"/>
+                <a:cs typeface="Times New Roman" panose="02020603050405020304" pitchFamily="18" charset="0"/>
+              </a:rPr>
+              <a:t>, D., English, Z., Lacey, K., </a:t>
+            </a:r>
+            <a:r>
+              <a:rPr lang="en-US" altLang="zh-CN" sz="1000" dirty="0" err="1">
+                <a:solidFill>
+                  <a:schemeClr val="bg1">
+                    <a:lumMod val="75000"/>
+                  </a:schemeClr>
+                </a:solidFill>
+                <a:latin typeface="Times New Roman" panose="02020603050405020304" pitchFamily="18" charset="0"/>
+                <a:cs typeface="Times New Roman" panose="02020603050405020304" pitchFamily="18" charset="0"/>
+              </a:rPr>
+              <a:t>Blattmann</a:t>
+            </a:r>
+            <a:r>
+              <a:rPr lang="en-US" altLang="zh-CN" sz="1000" dirty="0">
+                <a:solidFill>
+                  <a:schemeClr val="bg1">
+                    <a:lumMod val="75000"/>
+                  </a:schemeClr>
+                </a:solidFill>
+                <a:latin typeface="Times New Roman" panose="02020603050405020304" pitchFamily="18" charset="0"/>
+                <a:cs typeface="Times New Roman" panose="02020603050405020304" pitchFamily="18" charset="0"/>
+              </a:rPr>
+              <a:t>, A., </a:t>
+            </a:r>
+            <a:r>
+              <a:rPr lang="en-US" altLang="zh-CN" sz="1000" dirty="0" err="1">
+                <a:solidFill>
+                  <a:schemeClr val="bg1">
+                    <a:lumMod val="75000"/>
+                  </a:schemeClr>
+                </a:solidFill>
+                <a:latin typeface="Times New Roman" panose="02020603050405020304" pitchFamily="18" charset="0"/>
+                <a:cs typeface="Times New Roman" panose="02020603050405020304" pitchFamily="18" charset="0"/>
+              </a:rPr>
+              <a:t>Dockhorn</a:t>
+            </a:r>
+            <a:r>
+              <a:rPr lang="en-US" altLang="zh-CN" sz="1000" dirty="0">
+                <a:solidFill>
+                  <a:schemeClr val="bg1">
+                    <a:lumMod val="75000"/>
+                  </a:schemeClr>
+                </a:solidFill>
+                <a:latin typeface="Times New Roman" panose="02020603050405020304" pitchFamily="18" charset="0"/>
+                <a:cs typeface="Times New Roman" panose="02020603050405020304" pitchFamily="18" charset="0"/>
+              </a:rPr>
+              <a:t>, T., Müller, J., </a:t>
+            </a:r>
+            <a:r>
+              <a:rPr lang="en-US" altLang="zh-CN" sz="1000" dirty="0" err="1">
+                <a:solidFill>
+                  <a:schemeClr val="bg1">
+                    <a:lumMod val="75000"/>
+                  </a:schemeClr>
+                </a:solidFill>
+                <a:latin typeface="Times New Roman" panose="02020603050405020304" pitchFamily="18" charset="0"/>
+                <a:cs typeface="Times New Roman" panose="02020603050405020304" pitchFamily="18" charset="0"/>
+              </a:rPr>
+              <a:t>Penna</a:t>
+            </a:r>
+            <a:r>
+              <a:rPr lang="en-US" altLang="zh-CN" sz="1000" dirty="0">
+                <a:solidFill>
+                  <a:schemeClr val="bg1">
+                    <a:lumMod val="75000"/>
+                  </a:schemeClr>
+                </a:solidFill>
+                <a:latin typeface="Times New Roman" panose="02020603050405020304" pitchFamily="18" charset="0"/>
+                <a:cs typeface="Times New Roman" panose="02020603050405020304" pitchFamily="18" charset="0"/>
+              </a:rPr>
+              <a:t>, J., &amp; </a:t>
+            </a:r>
+            <a:r>
+              <a:rPr lang="en-US" altLang="zh-CN" sz="1000" dirty="0" err="1">
+                <a:solidFill>
+                  <a:schemeClr val="bg1">
+                    <a:lumMod val="75000"/>
+                  </a:schemeClr>
+                </a:solidFill>
+                <a:latin typeface="Times New Roman" panose="02020603050405020304" pitchFamily="18" charset="0"/>
+                <a:cs typeface="Times New Roman" panose="02020603050405020304" pitchFamily="18" charset="0"/>
+              </a:rPr>
+              <a:t>Rombach</a:t>
+            </a:r>
+            <a:r>
+              <a:rPr lang="en-US" altLang="zh-CN" sz="1000" dirty="0">
+                <a:solidFill>
+                  <a:schemeClr val="bg1">
+                    <a:lumMod val="75000"/>
+                  </a:schemeClr>
+                </a:solidFill>
+                <a:latin typeface="Times New Roman" panose="02020603050405020304" pitchFamily="18" charset="0"/>
+                <a:cs typeface="Times New Roman" panose="02020603050405020304" pitchFamily="18" charset="0"/>
+              </a:rPr>
+              <a:t>, R. (2023, October 13). SDXL: Improving Latent Diffusion Models for High-Resolution Image Synthesis. </a:t>
+            </a:r>
+            <a:r>
+              <a:rPr lang="en-US" altLang="zh-CN" sz="1000" dirty="0">
+                <a:solidFill>
+                  <a:schemeClr val="bg1">
+                    <a:lumMod val="75000"/>
+                  </a:schemeClr>
+                </a:solidFill>
+                <a:latin typeface="Times New Roman" panose="02020603050405020304" pitchFamily="18" charset="0"/>
+                <a:cs typeface="Times New Roman" panose="02020603050405020304" pitchFamily="18" charset="0"/>
+              </a:rPr>
+              <a:t>The Twelfth International Conference on Learning Representations. </a:t>
+            </a:r>
+          </a:p>
+        </p:txBody>
+      </p:sp>
+      <p:pic>
+        <p:nvPicPr>
+          <p:cNvPr id="4" name="图片 3"/>
+          <p:cNvPicPr>
+            <a:picLocks noChangeAspect="1"/>
+          </p:cNvPicPr>
+          <p:nvPr/>
+        </p:nvPicPr>
+        <p:blipFill>
+          <a:blip r:embed="rId4"/>
+          <a:stretch>
+            <a:fillRect/>
+          </a:stretch>
+        </p:blipFill>
+        <p:spPr>
+          <a:xfrm>
+            <a:off x="547892" y="1317904"/>
+            <a:ext cx="10840565" cy="3570287"/>
+          </a:xfrm>
+          <a:prstGeom prst="rect">
+            <a:avLst/>
+          </a:prstGeom>
+          <a:ln>
+            <a:noFill/>
+          </a:ln>
+          <a:effectLst>
+            <a:outerShdw blurRad="292100" dist="139700" dir="2700000" algn="tl" rotWithShape="0">
+              <a:srgbClr val="333333">
+                <a:alpha val="65000"/>
+              </a:srgbClr>
+            </a:outerShdw>
+          </a:effectLst>
+        </p:spPr>
+      </p:pic>
+      <p:sp>
+        <p:nvSpPr>
+          <p:cNvPr id="9" name="矩形 8"/>
+          <p:cNvSpPr/>
+          <p:nvPr/>
+        </p:nvSpPr>
+        <p:spPr>
+          <a:xfrm>
+            <a:off x="612217" y="4980562"/>
+            <a:ext cx="10896890" cy="1477328"/>
+          </a:xfrm>
+          <a:prstGeom prst="rect">
+            <a:avLst/>
+          </a:prstGeom>
+        </p:spPr>
+        <p:txBody>
+          <a:bodyPr wrap="square">
+            <a:spAutoFit/>
+          </a:bodyPr>
+          <a:lstStyle/>
+          <a:p>
+            <a:pPr algn="ctr"/>
+            <a:r>
+              <a:rPr lang="zh-CN" altLang="en-US" dirty="0">
+                <a:latin typeface="Times New Roman" panose="02020603050405020304" pitchFamily="18" charset="0"/>
+                <a:cs typeface="Times New Roman" panose="02020603050405020304" pitchFamily="18" charset="0"/>
+              </a:rPr>
+              <a:t>Left: Comparing user preferences between SDXL and Stable Diffusion 1.5 &amp; 2.1. While SDXL already clearly outperforms Stable Diffusion 1.5 &amp; 2.1, adding the additional refinement stage boosts performance. Right: Visualization of the two-stage pipeline: We generate initial latents of size 128 × 128 using SDXL. Afterwards, we utilize a specialized high-resolution refinement model and apply SDEdit </a:t>
+            </a:r>
+            <a:r>
+              <a:rPr lang="zh-CN" altLang="en-US" dirty="0" smtClean="0">
+                <a:latin typeface="Times New Roman" panose="02020603050405020304" pitchFamily="18" charset="0"/>
+                <a:cs typeface="Times New Roman" panose="02020603050405020304" pitchFamily="18" charset="0"/>
+              </a:rPr>
+              <a:t>on </a:t>
+            </a:r>
+            <a:r>
+              <a:rPr lang="zh-CN" altLang="en-US" dirty="0">
+                <a:latin typeface="Times New Roman" panose="02020603050405020304" pitchFamily="18" charset="0"/>
+                <a:cs typeface="Times New Roman" panose="02020603050405020304" pitchFamily="18" charset="0"/>
+              </a:rPr>
+              <a:t>the latents generated in the first step, using the same prompt. SDXL and the refinement model use the same </a:t>
+            </a:r>
+            <a:r>
+              <a:rPr lang="zh-CN" altLang="en-US" dirty="0" smtClean="0">
+                <a:latin typeface="Times New Roman" panose="02020603050405020304" pitchFamily="18" charset="0"/>
+                <a:cs typeface="Times New Roman" panose="02020603050405020304" pitchFamily="18" charset="0"/>
+              </a:rPr>
+              <a:t>autoencoder </a:t>
+            </a:r>
+            <a:r>
+              <a:rPr lang="en-US" altLang="zh-CN" dirty="0">
+                <a:latin typeface="Times New Roman" panose="02020603050405020304" pitchFamily="18" charset="0"/>
+                <a:cs typeface="Times New Roman" panose="02020603050405020304" pitchFamily="18" charset="0"/>
+              </a:rPr>
+              <a:t>(</a:t>
+            </a:r>
+            <a:r>
+              <a:rPr lang="en-US" altLang="zh-CN" dirty="0" err="1" smtClean="0">
+                <a:latin typeface="Times New Roman" panose="02020603050405020304" pitchFamily="18" charset="0"/>
+                <a:cs typeface="Times New Roman" panose="02020603050405020304" pitchFamily="18" charset="0"/>
+              </a:rPr>
+              <a:t>Podell</a:t>
+            </a:r>
+            <a:r>
+              <a:rPr lang="en-US" altLang="zh-CN" dirty="0" smtClean="0">
+                <a:latin typeface="Times New Roman" panose="02020603050405020304" pitchFamily="18" charset="0"/>
+                <a:cs typeface="Times New Roman" panose="02020603050405020304" pitchFamily="18" charset="0"/>
+              </a:rPr>
+              <a:t> et al., 2023)</a:t>
+            </a:r>
+            <a:r>
+              <a:rPr lang="zh-CN" altLang="en-US" dirty="0" smtClean="0">
+                <a:latin typeface="Times New Roman" panose="02020603050405020304" pitchFamily="18" charset="0"/>
+                <a:cs typeface="Times New Roman" panose="02020603050405020304" pitchFamily="18" charset="0"/>
+              </a:rPr>
+              <a:t>.</a:t>
+            </a:r>
+            <a:endParaRPr lang="zh-CN" altLang="en-US" dirty="0">
+              <a:latin typeface="Times New Roman" panose="02020603050405020304" pitchFamily="18" charset="0"/>
+              <a:cs typeface="Times New Roman" panose="02020603050405020304" pitchFamily="18" charset="0"/>
+            </a:endParaRPr>
+          </a:p>
+        </p:txBody>
+      </p:sp>
+    </p:spTree>
+    <p:extLst>
+      <p:ext uri="{BB962C8B-B14F-4D97-AF65-F5344CB8AC3E}">
+        <p14:creationId xmlns:p14="http://schemas.microsoft.com/office/powerpoint/2010/main" val="1952815022"/>
+      </p:ext>
+    </p:extLst>
+  </p:cSld>
+  <p:clrMapOvr>
+    <a:masterClrMapping/>
+  </p:clrMapOvr>
+  <p:timing>
+    <p:tnLst>
+      <p:par>
+        <p:cTn id="1" dur="indefinite" restart="never" nodeType="tmRoot"/>
+      </p:par>
+    </p:tnLst>
+  </p:timing>
+</p:sld>
+</file>
+
+<file path=ppt/slides/slide11.xml><?xml version="1.0" encoding="utf-8"?>
+<p:sld xmlns:a="http://schemas.openxmlformats.org/drawingml/2006/main" xmlns:r="http://schemas.openxmlformats.org/officeDocument/2006/relationships" xmlns:p="http://schemas.openxmlformats.org/presentationml/2006/main">
+  <p:cSld>
+    <p:spTree>
+      <p:nvGrpSpPr>
+        <p:cNvPr id="1" name=""/>
+        <p:cNvGrpSpPr/>
+        <p:nvPr/>
+      </p:nvGrpSpPr>
+      <p:grpSpPr>
+        <a:xfrm>
+          <a:off x="0" y="0"/>
+          <a:ext cx="0" cy="0"/>
+          <a:chOff x="0" y="0"/>
+          <a:chExt cx="0" cy="0"/>
+        </a:xfrm>
+      </p:grpSpPr>
+      <p:sp>
+        <p:nvSpPr>
+          <p:cNvPr id="3" name="矩形 2"/>
+          <p:cNvSpPr/>
+          <p:nvPr/>
+        </p:nvSpPr>
+        <p:spPr>
+          <a:xfrm>
+            <a:off x="364855" y="606392"/>
+            <a:ext cx="4742324" cy="584775"/>
+          </a:xfrm>
+          <a:prstGeom prst="rect">
+            <a:avLst/>
+          </a:prstGeom>
+        </p:spPr>
+        <p:txBody>
+          <a:bodyPr wrap="none">
+            <a:spAutoFit/>
+          </a:bodyPr>
+          <a:lstStyle/>
+          <a:p>
+            <a:pPr marL="0" lvl="1"/>
+            <a:r>
+              <a:rPr lang="it-IT" altLang="zh-CN" sz="3200" dirty="0">
+                <a:solidFill>
+                  <a:srgbClr val="333333"/>
+                </a:solidFill>
+                <a:latin typeface="Times New Roman" panose="02020603050405020304" pitchFamily="18" charset="0"/>
+                <a:ea typeface="Open Sans"/>
+                <a:cs typeface="Times New Roman" panose="02020603050405020304" pitchFamily="18" charset="0"/>
+                <a:hlinkClick r:id="rId2"/>
+              </a:rPr>
+              <a:t>Stable </a:t>
+            </a:r>
+            <a:r>
+              <a:rPr lang="it-IT" altLang="zh-CN" sz="3200" dirty="0" smtClean="0">
+                <a:solidFill>
+                  <a:srgbClr val="333333"/>
+                </a:solidFill>
+                <a:latin typeface="Times New Roman" panose="02020603050405020304" pitchFamily="18" charset="0"/>
+                <a:ea typeface="Open Sans"/>
+                <a:cs typeface="Times New Roman" panose="02020603050405020304" pitchFamily="18" charset="0"/>
+                <a:hlinkClick r:id="rId2"/>
+              </a:rPr>
+              <a:t>Diffusion XL T</a:t>
+            </a:r>
+            <a:r>
+              <a:rPr lang="en-US" altLang="zh-CN" sz="3200" dirty="0" err="1" smtClean="0">
+                <a:solidFill>
+                  <a:srgbClr val="333333"/>
+                </a:solidFill>
+                <a:latin typeface="Times New Roman" panose="02020603050405020304" pitchFamily="18" charset="0"/>
+                <a:ea typeface="Open Sans"/>
+                <a:cs typeface="Times New Roman" panose="02020603050405020304" pitchFamily="18" charset="0"/>
+                <a:hlinkClick r:id="rId2"/>
+              </a:rPr>
+              <a:t>urbo</a:t>
+            </a:r>
+            <a:endParaRPr lang="it-IT" altLang="zh-CN" sz="3200" dirty="0">
+              <a:solidFill>
+                <a:srgbClr val="333333"/>
+              </a:solidFill>
+              <a:latin typeface="Times New Roman" panose="02020603050405020304" pitchFamily="18" charset="0"/>
+              <a:ea typeface="Open Sans"/>
+              <a:cs typeface="Times New Roman" panose="02020603050405020304" pitchFamily="18" charset="0"/>
+            </a:endParaRPr>
+          </a:p>
+        </p:txBody>
+      </p:sp>
+      <p:grpSp>
+        <p:nvGrpSpPr>
+          <p:cNvPr id="5" name="组合 4"/>
+          <p:cNvGrpSpPr/>
+          <p:nvPr/>
+        </p:nvGrpSpPr>
+        <p:grpSpPr>
+          <a:xfrm>
+            <a:off x="8737600" y="137886"/>
+            <a:ext cx="3514167" cy="6720114"/>
+            <a:chOff x="8737600" y="137886"/>
+            <a:chExt cx="3514167" cy="6720114"/>
+          </a:xfrm>
+        </p:grpSpPr>
+        <p:pic>
+          <p:nvPicPr>
+            <p:cNvPr id="6" name="图片 5"/>
+            <p:cNvPicPr>
+              <a:picLocks noChangeAspect="1"/>
+            </p:cNvPicPr>
+            <p:nvPr/>
+          </p:nvPicPr>
+          <p:blipFill>
+            <a:blip r:embed="rId3" cstate="print">
+              <a:extLst>
+                <a:ext uri="{28A0092B-C50C-407E-A947-70E740481C1C}">
+                  <a14:useLocalDpi xmlns:a14="http://schemas.microsoft.com/office/drawing/2010/main" val="0"/>
+                </a:ext>
+              </a:extLst>
+            </a:blip>
+            <a:stretch>
+              <a:fillRect/>
+            </a:stretch>
+          </p:blipFill>
+          <p:spPr>
+            <a:xfrm>
+              <a:off x="11096357" y="137886"/>
+              <a:ext cx="825500" cy="825500"/>
+            </a:xfrm>
+            <a:prstGeom prst="rect">
+              <a:avLst/>
+            </a:prstGeom>
+          </p:spPr>
+        </p:pic>
+        <p:sp>
+          <p:nvSpPr>
+            <p:cNvPr id="7" name="矩形 6"/>
+            <p:cNvSpPr/>
+            <p:nvPr/>
+          </p:nvSpPr>
+          <p:spPr>
+            <a:xfrm>
+              <a:off x="8737600" y="6488668"/>
+              <a:ext cx="3514167" cy="369332"/>
+            </a:xfrm>
+            <a:prstGeom prst="rect">
+              <a:avLst/>
+            </a:prstGeom>
+          </p:spPr>
+          <p:txBody>
+            <a:bodyPr wrap="none">
+              <a:spAutoFit/>
+            </a:bodyPr>
+            <a:lstStyle/>
+            <a:p>
+              <a:r>
+                <a:rPr lang="en-US" altLang="zh-CN" dirty="0">
+                  <a:latin typeface="Times New Roman" panose="02020603050405020304" pitchFamily="18" charset="0"/>
+                  <a:cs typeface="Times New Roman" panose="02020603050405020304" pitchFamily="18" charset="0"/>
+                </a:rPr>
+                <a:t>© Sakura, 2024. All rights reserved.</a:t>
+              </a:r>
+              <a:endParaRPr lang="zh-CN" altLang="en-US" dirty="0">
+                <a:latin typeface="Times New Roman" panose="02020603050405020304" pitchFamily="18" charset="0"/>
+                <a:cs typeface="Times New Roman" panose="02020603050405020304" pitchFamily="18" charset="0"/>
+              </a:endParaRPr>
+            </a:p>
+          </p:txBody>
+        </p:sp>
+      </p:grpSp>
+      <p:sp>
+        <p:nvSpPr>
+          <p:cNvPr id="2" name="矩形 1"/>
+          <p:cNvSpPr/>
+          <p:nvPr/>
+        </p:nvSpPr>
+        <p:spPr>
+          <a:xfrm>
+            <a:off x="0" y="6611779"/>
+            <a:ext cx="6654800" cy="246221"/>
+          </a:xfrm>
+          <a:prstGeom prst="rect">
+            <a:avLst/>
+          </a:prstGeom>
+        </p:spPr>
+        <p:txBody>
+          <a:bodyPr wrap="square">
+            <a:spAutoFit/>
+          </a:bodyPr>
+          <a:lstStyle/>
+          <a:p>
+            <a:r>
+              <a:rPr lang="en-US" altLang="zh-CN" sz="1000" dirty="0">
+                <a:solidFill>
+                  <a:schemeClr val="bg1">
+                    <a:lumMod val="75000"/>
+                  </a:schemeClr>
+                </a:solidFill>
+                <a:latin typeface="Times New Roman" panose="02020603050405020304" pitchFamily="18" charset="0"/>
+                <a:cs typeface="Times New Roman" panose="02020603050405020304" pitchFamily="18" charset="0"/>
+              </a:rPr>
+              <a:t>Sauer, A., Lorenz, D., </a:t>
+            </a:r>
+            <a:r>
+              <a:rPr lang="en-US" altLang="zh-CN" sz="1000" dirty="0" err="1">
+                <a:solidFill>
+                  <a:schemeClr val="bg1">
+                    <a:lumMod val="75000"/>
+                  </a:schemeClr>
+                </a:solidFill>
+                <a:latin typeface="Times New Roman" panose="02020603050405020304" pitchFamily="18" charset="0"/>
+                <a:cs typeface="Times New Roman" panose="02020603050405020304" pitchFamily="18" charset="0"/>
+              </a:rPr>
+              <a:t>Blattmann</a:t>
+            </a:r>
+            <a:r>
+              <a:rPr lang="en-US" altLang="zh-CN" sz="1000" dirty="0">
+                <a:solidFill>
+                  <a:schemeClr val="bg1">
+                    <a:lumMod val="75000"/>
+                  </a:schemeClr>
+                </a:solidFill>
+                <a:latin typeface="Times New Roman" panose="02020603050405020304" pitchFamily="18" charset="0"/>
+                <a:cs typeface="Times New Roman" panose="02020603050405020304" pitchFamily="18" charset="0"/>
+              </a:rPr>
+              <a:t>, A., &amp; </a:t>
+            </a:r>
+            <a:r>
+              <a:rPr lang="en-US" altLang="zh-CN" sz="1000" dirty="0" err="1">
+                <a:solidFill>
+                  <a:schemeClr val="bg1">
+                    <a:lumMod val="75000"/>
+                  </a:schemeClr>
+                </a:solidFill>
+                <a:latin typeface="Times New Roman" panose="02020603050405020304" pitchFamily="18" charset="0"/>
+                <a:cs typeface="Times New Roman" panose="02020603050405020304" pitchFamily="18" charset="0"/>
+              </a:rPr>
+              <a:t>Rombach</a:t>
+            </a:r>
+            <a:r>
+              <a:rPr lang="en-US" altLang="zh-CN" sz="1000" dirty="0">
+                <a:solidFill>
+                  <a:schemeClr val="bg1">
+                    <a:lumMod val="75000"/>
+                  </a:schemeClr>
+                </a:solidFill>
+                <a:latin typeface="Times New Roman" panose="02020603050405020304" pitchFamily="18" charset="0"/>
+                <a:cs typeface="Times New Roman" panose="02020603050405020304" pitchFamily="18" charset="0"/>
+              </a:rPr>
+              <a:t>, R. (2023). </a:t>
+            </a:r>
+            <a:r>
+              <a:rPr lang="en-US" altLang="zh-CN" sz="1000" dirty="0">
+                <a:solidFill>
+                  <a:schemeClr val="bg1">
+                    <a:lumMod val="75000"/>
+                  </a:schemeClr>
+                </a:solidFill>
+                <a:latin typeface="Times New Roman" panose="02020603050405020304" pitchFamily="18" charset="0"/>
+                <a:cs typeface="Times New Roman" panose="02020603050405020304" pitchFamily="18" charset="0"/>
+              </a:rPr>
+              <a:t>Adversarial Diffusion Distillation (arXiv:2311.17042). </a:t>
+            </a:r>
+          </a:p>
+        </p:txBody>
+      </p:sp>
+      <p:pic>
+        <p:nvPicPr>
+          <p:cNvPr id="4" name="图片 3"/>
+          <p:cNvPicPr>
+            <a:picLocks noChangeAspect="1"/>
+          </p:cNvPicPr>
+          <p:nvPr/>
+        </p:nvPicPr>
+        <p:blipFill>
+          <a:blip r:embed="rId4"/>
+          <a:stretch>
+            <a:fillRect/>
+          </a:stretch>
+        </p:blipFill>
+        <p:spPr>
+          <a:xfrm>
+            <a:off x="471488" y="1191167"/>
+            <a:ext cx="6320780" cy="5221514"/>
+          </a:xfrm>
+          <a:prstGeom prst="rect">
+            <a:avLst/>
+          </a:prstGeom>
+          <a:ln>
+            <a:noFill/>
+          </a:ln>
+          <a:effectLst>
+            <a:outerShdw blurRad="292100" dist="139700" dir="2700000" algn="tl" rotWithShape="0">
+              <a:srgbClr val="333333">
+                <a:alpha val="65000"/>
+              </a:srgbClr>
+            </a:outerShdw>
+          </a:effectLst>
+        </p:spPr>
+      </p:pic>
+      <mc:AlternateContent xmlns:mc="http://schemas.openxmlformats.org/markup-compatibility/2006">
+        <mc:Choice xmlns:a14="http://schemas.microsoft.com/office/drawing/2010/main" Requires="a14">
+          <p:sp>
+            <p:nvSpPr>
+              <p:cNvPr id="8" name="矩形 7"/>
+              <p:cNvSpPr/>
+              <p:nvPr/>
+            </p:nvSpPr>
+            <p:spPr>
+              <a:xfrm>
+                <a:off x="7023099" y="2146638"/>
+                <a:ext cx="4771757" cy="2887072"/>
+              </a:xfrm>
+              <a:prstGeom prst="rect">
+                <a:avLst/>
+              </a:prstGeom>
+            </p:spPr>
+            <p:txBody>
+              <a:bodyPr wrap="square">
+                <a:spAutoFit/>
+              </a:bodyPr>
+              <a:lstStyle/>
+              <a:p>
+                <a:r>
+                  <a:rPr lang="en-US" altLang="zh-CN" dirty="0" smtClean="0">
+                    <a:latin typeface="Times New Roman" panose="02020603050405020304" pitchFamily="18" charset="0"/>
+                    <a:cs typeface="Times New Roman" panose="02020603050405020304" pitchFamily="18" charset="0"/>
+                  </a:rPr>
+                  <a:t>Adversarial Diffusion Distillation (ADD). The ADD-student is trained as a </a:t>
+                </a:r>
+                <a:r>
+                  <a:rPr lang="en-US" altLang="zh-CN" dirty="0" err="1">
+                    <a:latin typeface="Times New Roman" panose="02020603050405020304" pitchFamily="18" charset="0"/>
+                    <a:cs typeface="Times New Roman" panose="02020603050405020304" pitchFamily="18" charset="0"/>
+                  </a:rPr>
+                  <a:t>denoiser</a:t>
+                </a:r>
+                <a:r>
+                  <a:rPr lang="en-US" altLang="zh-CN" dirty="0">
+                    <a:latin typeface="Times New Roman" panose="02020603050405020304" pitchFamily="18" charset="0"/>
+                    <a:cs typeface="Times New Roman" panose="02020603050405020304" pitchFamily="18" charset="0"/>
+                  </a:rPr>
+                  <a:t> that receives diffused input images </a:t>
+                </a:r>
+                <a14:m>
+                  <m:oMath xmlns:m="http://schemas.openxmlformats.org/officeDocument/2006/math">
+                    <m:sSub>
+                      <m:sSubPr>
+                        <m:ctrlPr>
+                          <a:rPr lang="en-US" altLang="zh-CN" i="1" dirty="0">
+                            <a:latin typeface="Cambria Math" panose="02040503050406030204" pitchFamily="18" charset="0"/>
+                          </a:rPr>
+                        </m:ctrlPr>
+                      </m:sSubPr>
+                      <m:e>
+                        <m:r>
+                          <a:rPr lang="en-US" altLang="zh-CN" b="0" i="1" dirty="0" err="1">
+                            <a:latin typeface="Cambria Math" panose="02040503050406030204" pitchFamily="18" charset="0"/>
+                          </a:rPr>
+                          <m:t>𝑥</m:t>
+                        </m:r>
+                      </m:e>
+                      <m:sub>
+                        <m:r>
+                          <a:rPr lang="en-US" altLang="zh-CN" b="0" i="1" dirty="0" err="1">
+                            <a:latin typeface="Cambria Math" panose="02040503050406030204" pitchFamily="18" charset="0"/>
+                          </a:rPr>
+                          <m:t>𝑠</m:t>
+                        </m:r>
+                      </m:sub>
+                    </m:sSub>
+                  </m:oMath>
+                </a14:m>
+                <a:r>
+                  <a:rPr lang="en-US" altLang="zh-CN" dirty="0">
+                    <a:latin typeface="Times New Roman" panose="02020603050405020304" pitchFamily="18" charset="0"/>
+                    <a:cs typeface="Times New Roman" panose="02020603050405020304" pitchFamily="18" charset="0"/>
+                  </a:rPr>
+                  <a:t>​ and outputs sample </a:t>
+                </a:r>
+                <a14:m>
+                  <m:oMath xmlns:m="http://schemas.openxmlformats.org/officeDocument/2006/math">
+                    <m:sSub>
+                      <m:sSubPr>
+                        <m:ctrlPr>
+                          <a:rPr lang="en-US" altLang="zh-CN" i="1" dirty="0" smtClean="0">
+                            <a:latin typeface="Cambria Math" panose="02040503050406030204" pitchFamily="18" charset="0"/>
+                          </a:rPr>
+                        </m:ctrlPr>
+                      </m:sSubPr>
+                      <m:e>
+                        <m:acc>
+                          <m:accPr>
+                            <m:chr m:val="̂"/>
+                            <m:ctrlPr>
+                              <a:rPr lang="en-US" altLang="zh-CN" i="1" dirty="0" smtClean="0">
+                                <a:latin typeface="Cambria Math" panose="02040503050406030204" pitchFamily="18" charset="0"/>
+                              </a:rPr>
+                            </m:ctrlPr>
+                          </m:accPr>
+                          <m:e>
+                            <m:r>
+                              <a:rPr lang="en-US" altLang="zh-CN" b="0" i="1" dirty="0" smtClean="0">
+                                <a:latin typeface="Cambria Math" panose="02040503050406030204" pitchFamily="18" charset="0"/>
+                              </a:rPr>
+                              <m:t>𝑥</m:t>
+                            </m:r>
+                          </m:e>
+                        </m:acc>
+                      </m:e>
+                      <m:sub>
+                        <m:r>
+                          <a:rPr lang="en-US" altLang="zh-CN" b="0" i="1" dirty="0" smtClean="0">
+                            <a:latin typeface="Cambria Math" panose="02040503050406030204" pitchFamily="18" charset="0"/>
+                          </a:rPr>
+                          <m:t>𝜃</m:t>
+                        </m:r>
+                      </m:sub>
+                    </m:sSub>
+                    <m:d>
+                      <m:dPr>
+                        <m:ctrlPr>
+                          <a:rPr lang="en-US" altLang="zh-CN" i="1" dirty="0">
+                            <a:latin typeface="Cambria Math" panose="02040503050406030204" pitchFamily="18" charset="0"/>
+                          </a:rPr>
+                        </m:ctrlPr>
+                      </m:dPr>
+                      <m:e>
+                        <m:sSub>
+                          <m:sSubPr>
+                            <m:ctrlPr>
+                              <a:rPr lang="en-US" altLang="zh-CN" i="1" dirty="0" err="1">
+                                <a:latin typeface="Cambria Math" panose="02040503050406030204" pitchFamily="18" charset="0"/>
+                              </a:rPr>
+                            </m:ctrlPr>
+                          </m:sSubPr>
+                          <m:e>
+                            <m:r>
+                              <a:rPr lang="en-US" altLang="zh-CN" b="0" i="1" dirty="0" err="1">
+                                <a:latin typeface="Cambria Math" panose="02040503050406030204" pitchFamily="18" charset="0"/>
+                              </a:rPr>
+                              <m:t>𝑥</m:t>
+                            </m:r>
+                          </m:e>
+                          <m:sub>
+                            <m:r>
+                              <a:rPr lang="en-US" altLang="zh-CN" b="0" i="1" dirty="0" err="1">
+                                <a:latin typeface="Cambria Math" panose="02040503050406030204" pitchFamily="18" charset="0"/>
+                              </a:rPr>
+                              <m:t>𝑠</m:t>
+                            </m:r>
+                          </m:sub>
+                        </m:sSub>
+                        <m:r>
+                          <a:rPr lang="en-US" altLang="zh-CN" b="0" i="1" dirty="0">
+                            <a:latin typeface="Cambria Math" panose="02040503050406030204" pitchFamily="18" charset="0"/>
+                          </a:rPr>
+                          <m:t>, </m:t>
+                        </m:r>
+                        <m:r>
+                          <a:rPr lang="en-US" altLang="zh-CN" b="0" i="1" dirty="0">
+                            <a:latin typeface="Cambria Math" panose="02040503050406030204" pitchFamily="18" charset="0"/>
+                          </a:rPr>
+                          <m:t>𝑠</m:t>
+                        </m:r>
+                      </m:e>
+                    </m:d>
+                  </m:oMath>
+                </a14:m>
+                <a:r>
+                  <a:rPr lang="en-US" altLang="zh-CN" dirty="0" smtClean="0">
+                    <a:latin typeface="Times New Roman" panose="02020603050405020304" pitchFamily="18" charset="0"/>
+                    <a:cs typeface="Times New Roman" panose="02020603050405020304" pitchFamily="18" charset="0"/>
+                  </a:rPr>
+                  <a:t> , </a:t>
+                </a:r>
+                <a:r>
+                  <a:rPr lang="en-US" altLang="zh-CN" dirty="0">
+                    <a:latin typeface="Times New Roman" panose="02020603050405020304" pitchFamily="18" charset="0"/>
+                    <a:cs typeface="Times New Roman" panose="02020603050405020304" pitchFamily="18" charset="0"/>
+                  </a:rPr>
+                  <a:t>optimizing two objectives</a:t>
+                </a:r>
+                <a:r>
+                  <a:rPr lang="en-US" altLang="zh-CN" dirty="0" smtClean="0">
+                    <a:latin typeface="Times New Roman" panose="02020603050405020304" pitchFamily="18" charset="0"/>
+                    <a:cs typeface="Times New Roman" panose="02020603050405020304" pitchFamily="18" charset="0"/>
+                  </a:rPr>
+                  <a:t>: a</a:t>
+                </a:r>
+                <a:r>
+                  <a:rPr lang="en-US" altLang="zh-CN" dirty="0">
+                    <a:latin typeface="Times New Roman" panose="02020603050405020304" pitchFamily="18" charset="0"/>
+                    <a:cs typeface="Times New Roman" panose="02020603050405020304" pitchFamily="18" charset="0"/>
+                  </a:rPr>
+                  <a:t>) Adversarial loss: The model aims to fool a discriminator trained to distinguish the generated samples </a:t>
+                </a:r>
+                <a14:m>
+                  <m:oMath xmlns:m="http://schemas.openxmlformats.org/officeDocument/2006/math">
+                    <m:sSub>
+                      <m:sSubPr>
+                        <m:ctrlPr>
+                          <a:rPr lang="en-US" altLang="zh-CN" i="1" dirty="0">
+                            <a:latin typeface="Cambria Math" panose="02040503050406030204" pitchFamily="18" charset="0"/>
+                          </a:rPr>
+                        </m:ctrlPr>
+                      </m:sSubPr>
+                      <m:e>
+                        <m:r>
+                          <a:rPr lang="en-US" altLang="zh-CN" b="0" i="1" dirty="0" err="1">
+                            <a:latin typeface="Cambria Math" panose="02040503050406030204" pitchFamily="18" charset="0"/>
+                          </a:rPr>
+                          <m:t>𝑥</m:t>
+                        </m:r>
+                      </m:e>
+                      <m:sub>
+                        <m:r>
+                          <a:rPr lang="en-US" altLang="zh-CN" b="0" i="1" dirty="0">
+                            <a:latin typeface="Cambria Math" panose="02040503050406030204" pitchFamily="18" charset="0"/>
+                          </a:rPr>
+                          <m:t>𝜃</m:t>
+                        </m:r>
+                      </m:sub>
+                    </m:sSub>
+                  </m:oMath>
+                </a14:m>
+                <a:r>
+                  <a:rPr lang="en-US" altLang="zh-CN" dirty="0">
+                    <a:latin typeface="Times New Roman" panose="02020603050405020304" pitchFamily="18" charset="0"/>
+                    <a:cs typeface="Times New Roman" panose="02020603050405020304" pitchFamily="18" charset="0"/>
+                  </a:rPr>
+                  <a:t>from real images </a:t>
+                </a:r>
+                <a14:m>
+                  <m:oMath xmlns:m="http://schemas.openxmlformats.org/officeDocument/2006/math">
+                    <m:sSub>
+                      <m:sSubPr>
+                        <m:ctrlPr>
+                          <a:rPr lang="en-US" altLang="zh-CN" i="1" dirty="0">
+                            <a:latin typeface="Cambria Math" panose="02040503050406030204" pitchFamily="18" charset="0"/>
+                          </a:rPr>
+                        </m:ctrlPr>
+                      </m:sSubPr>
+                      <m:e>
+                        <m:r>
+                          <a:rPr lang="en-US" altLang="zh-CN" b="0" i="1" dirty="0" err="1">
+                            <a:latin typeface="Cambria Math" panose="02040503050406030204" pitchFamily="18" charset="0"/>
+                          </a:rPr>
+                          <m:t>𝑥</m:t>
+                        </m:r>
+                      </m:e>
+                      <m:sub>
+                        <m:r>
+                          <a:rPr lang="en-US" altLang="zh-CN" b="0" i="1" dirty="0" smtClean="0">
+                            <a:latin typeface="Cambria Math" panose="02040503050406030204" pitchFamily="18" charset="0"/>
+                          </a:rPr>
+                          <m:t>0</m:t>
+                        </m:r>
+                      </m:sub>
+                    </m:sSub>
+                  </m:oMath>
+                </a14:m>
+                <a:r>
+                  <a:rPr lang="en-US" altLang="zh-CN" dirty="0" smtClean="0">
+                    <a:latin typeface="Times New Roman" panose="02020603050405020304" pitchFamily="18" charset="0"/>
+                    <a:cs typeface="Times New Roman" panose="02020603050405020304" pitchFamily="18" charset="0"/>
+                  </a:rPr>
+                  <a:t>. b</a:t>
+                </a:r>
+                <a:r>
+                  <a:rPr lang="en-US" altLang="zh-CN" dirty="0">
+                    <a:latin typeface="Times New Roman" panose="02020603050405020304" pitchFamily="18" charset="0"/>
+                    <a:cs typeface="Times New Roman" panose="02020603050405020304" pitchFamily="18" charset="0"/>
+                  </a:rPr>
+                  <a:t>) Distillation loss: The model is trained to match the </a:t>
+                </a:r>
+                <a:r>
+                  <a:rPr lang="en-US" altLang="zh-CN" dirty="0" err="1">
+                    <a:latin typeface="Times New Roman" panose="02020603050405020304" pitchFamily="18" charset="0"/>
+                    <a:cs typeface="Times New Roman" panose="02020603050405020304" pitchFamily="18" charset="0"/>
+                  </a:rPr>
+                  <a:t>denoised</a:t>
+                </a:r>
+                <a:r>
+                  <a:rPr lang="en-US" altLang="zh-CN" dirty="0">
+                    <a:latin typeface="Times New Roman" panose="02020603050405020304" pitchFamily="18" charset="0"/>
+                    <a:cs typeface="Times New Roman" panose="02020603050405020304" pitchFamily="18" charset="0"/>
+                  </a:rPr>
+                  <a:t> targets </a:t>
+                </a:r>
+                <a14:m>
+                  <m:oMath xmlns:m="http://schemas.openxmlformats.org/officeDocument/2006/math">
+                    <m:sSub>
+                      <m:sSubPr>
+                        <m:ctrlPr>
+                          <a:rPr lang="en-US" altLang="zh-CN" i="1" dirty="0" smtClean="0">
+                            <a:latin typeface="Cambria Math" panose="02040503050406030204" pitchFamily="18" charset="0"/>
+                          </a:rPr>
+                        </m:ctrlPr>
+                      </m:sSubPr>
+                      <m:e>
+                        <m:acc>
+                          <m:accPr>
+                            <m:chr m:val="̂"/>
+                            <m:ctrlPr>
+                              <a:rPr lang="en-US" altLang="zh-CN" i="1" smtClean="0">
+                                <a:latin typeface="Cambria Math" panose="02040503050406030204" pitchFamily="18" charset="0"/>
+                              </a:rPr>
+                            </m:ctrlPr>
+                          </m:accPr>
+                          <m:e>
+                            <m:r>
+                              <a:rPr lang="en-US" altLang="zh-CN" b="0" i="1" smtClean="0">
+                                <a:latin typeface="Cambria Math" panose="02040503050406030204" pitchFamily="18" charset="0"/>
+                              </a:rPr>
+                              <m:t>𝑥</m:t>
+                            </m:r>
+                          </m:e>
+                        </m:acc>
+                      </m:e>
+                      <m:sub>
+                        <m:r>
+                          <a:rPr lang="en-US" altLang="zh-CN" b="0" i="1" dirty="0" smtClean="0">
+                            <a:latin typeface="Cambria Math" panose="02040503050406030204" pitchFamily="18" charset="0"/>
+                          </a:rPr>
+                          <m:t>𝜓</m:t>
+                        </m:r>
+                      </m:sub>
+                    </m:sSub>
+                  </m:oMath>
+                </a14:m>
+                <a:r>
+                  <a:rPr lang="en-US" altLang="zh-CN" dirty="0" smtClean="0">
+                    <a:latin typeface="Times New Roman" panose="02020603050405020304" pitchFamily="18" charset="0"/>
+                    <a:cs typeface="Times New Roman" panose="02020603050405020304" pitchFamily="18" charset="0"/>
+                  </a:rPr>
+                  <a:t> of </a:t>
+                </a:r>
+                <a:r>
+                  <a:rPr lang="en-US" altLang="zh-CN" dirty="0">
+                    <a:latin typeface="Times New Roman" panose="02020603050405020304" pitchFamily="18" charset="0"/>
+                    <a:cs typeface="Times New Roman" panose="02020603050405020304" pitchFamily="18" charset="0"/>
+                  </a:rPr>
+                  <a:t>a frozen DM </a:t>
+                </a:r>
+                <a:r>
+                  <a:rPr lang="en-US" altLang="zh-CN" dirty="0" smtClean="0">
+                    <a:latin typeface="Times New Roman" panose="02020603050405020304" pitchFamily="18" charset="0"/>
+                    <a:cs typeface="Times New Roman" panose="02020603050405020304" pitchFamily="18" charset="0"/>
+                  </a:rPr>
+                  <a:t>teacher (Sauer et al., 2023).</a:t>
+                </a:r>
+                <a:endParaRPr lang="en-US" altLang="zh-CN" dirty="0">
+                  <a:latin typeface="Times New Roman" panose="02020603050405020304" pitchFamily="18" charset="0"/>
+                  <a:cs typeface="Times New Roman" panose="02020603050405020304" pitchFamily="18" charset="0"/>
+                </a:endParaRPr>
+              </a:p>
+            </p:txBody>
+          </p:sp>
+        </mc:Choice>
+        <mc:Fallback>
+          <p:sp>
+            <p:nvSpPr>
+              <p:cNvPr id="8" name="矩形 7"/>
+              <p:cNvSpPr>
+                <a:spLocks noRot="1" noChangeAspect="1" noMove="1" noResize="1" noEditPoints="1" noAdjustHandles="1" noChangeArrowheads="1" noChangeShapeType="1" noTextEdit="1"/>
+              </p:cNvSpPr>
+              <p:nvPr/>
+            </p:nvSpPr>
+            <p:spPr>
+              <a:xfrm>
+                <a:off x="7023099" y="2146638"/>
+                <a:ext cx="4771757" cy="2887072"/>
+              </a:xfrm>
+              <a:prstGeom prst="rect">
+                <a:avLst/>
+              </a:prstGeom>
+              <a:blipFill>
+                <a:blip r:embed="rId5"/>
+                <a:stretch>
+                  <a:fillRect l="-1022" t="-1055" r="-2043" b="-2321"/>
+                </a:stretch>
+              </a:blipFill>
+            </p:spPr>
+            <p:txBody>
+              <a:bodyPr/>
+              <a:lstStyle/>
+              <a:p>
+                <a:r>
+                  <a:rPr lang="zh-CN" altLang="en-US">
+                    <a:noFill/>
+                  </a:rPr>
+                  <a:t> </a:t>
+                </a:r>
+              </a:p>
+            </p:txBody>
+          </p:sp>
+        </mc:Fallback>
+      </mc:AlternateContent>
+    </p:spTree>
+    <p:extLst>
+      <p:ext uri="{BB962C8B-B14F-4D97-AF65-F5344CB8AC3E}">
+        <p14:creationId xmlns:p14="http://schemas.microsoft.com/office/powerpoint/2010/main" val="4153186153"/>
+      </p:ext>
+    </p:extLst>
+  </p:cSld>
+  <p:clrMapOvr>
+    <a:masterClrMapping/>
+  </p:clrMapOvr>
+  <p:timing>
+    <p:tnLst>
+      <p:par>
+        <p:cTn id="1" dur="indefinite" restart="never" nodeType="tmRoot"/>
+      </p:par>
+    </p:tnLst>
+  </p:timing>
+</p:sld>
+</file>
+
+<file path=ppt/slides/slide12.xml><?xml version="1.0" encoding="utf-8"?>
+<p:sld xmlns:a="http://schemas.openxmlformats.org/drawingml/2006/main" xmlns:r="http://schemas.openxmlformats.org/officeDocument/2006/relationships" xmlns:p="http://schemas.openxmlformats.org/presentationml/2006/main">
+  <p:cSld>
+    <p:spTree>
+      <p:nvGrpSpPr>
+        <p:cNvPr id="1" name=""/>
+        <p:cNvGrpSpPr/>
+        <p:nvPr/>
+      </p:nvGrpSpPr>
+      <p:grpSpPr>
+        <a:xfrm>
+          <a:off x="0" y="0"/>
+          <a:ext cx="0" cy="0"/>
+          <a:chOff x="0" y="0"/>
+          <a:chExt cx="0" cy="0"/>
+        </a:xfrm>
+      </p:grpSpPr>
+      <p:sp>
+        <p:nvSpPr>
+          <p:cNvPr id="3" name="矩形 2"/>
+          <p:cNvSpPr/>
+          <p:nvPr/>
+        </p:nvSpPr>
+        <p:spPr>
+          <a:xfrm>
+            <a:off x="364855" y="606392"/>
+            <a:ext cx="3186065" cy="584775"/>
+          </a:xfrm>
+          <a:prstGeom prst="rect">
+            <a:avLst/>
+          </a:prstGeom>
+        </p:spPr>
+        <p:txBody>
+          <a:bodyPr wrap="none">
+            <a:spAutoFit/>
+          </a:bodyPr>
+          <a:lstStyle/>
+          <a:p>
+            <a:pPr marL="0" lvl="1"/>
+            <a:r>
+              <a:rPr lang="it-IT" altLang="zh-CN" sz="3200" dirty="0">
+                <a:solidFill>
+                  <a:srgbClr val="333333"/>
+                </a:solidFill>
+                <a:latin typeface="Times New Roman" panose="02020603050405020304" pitchFamily="18" charset="0"/>
+                <a:ea typeface="Open Sans"/>
+                <a:cs typeface="Times New Roman" panose="02020603050405020304" pitchFamily="18" charset="0"/>
+                <a:hlinkClick r:id="rId2"/>
+              </a:rPr>
+              <a:t>Stable </a:t>
+            </a:r>
+            <a:r>
+              <a:rPr lang="it-IT" altLang="zh-CN" sz="3200" dirty="0" smtClean="0">
+                <a:solidFill>
+                  <a:srgbClr val="333333"/>
+                </a:solidFill>
+                <a:latin typeface="Times New Roman" panose="02020603050405020304" pitchFamily="18" charset="0"/>
+                <a:ea typeface="Open Sans"/>
+                <a:cs typeface="Times New Roman" panose="02020603050405020304" pitchFamily="18" charset="0"/>
+                <a:hlinkClick r:id="rId2"/>
+              </a:rPr>
+              <a:t>Diffusion </a:t>
+            </a:r>
+            <a:r>
+              <a:rPr lang="en-US" altLang="zh-CN" sz="3200" dirty="0" smtClean="0">
+                <a:solidFill>
+                  <a:srgbClr val="333333"/>
+                </a:solidFill>
+                <a:latin typeface="Times New Roman" panose="02020603050405020304" pitchFamily="18" charset="0"/>
+                <a:ea typeface="Open Sans"/>
+                <a:cs typeface="Times New Roman" panose="02020603050405020304" pitchFamily="18" charset="0"/>
+                <a:hlinkClick r:id="rId2"/>
+              </a:rPr>
+              <a:t>3</a:t>
+            </a:r>
+            <a:endParaRPr lang="it-IT" altLang="zh-CN" sz="3200" dirty="0">
+              <a:solidFill>
+                <a:srgbClr val="333333"/>
+              </a:solidFill>
+              <a:latin typeface="Times New Roman" panose="02020603050405020304" pitchFamily="18" charset="0"/>
+              <a:ea typeface="Open Sans"/>
+              <a:cs typeface="Times New Roman" panose="02020603050405020304" pitchFamily="18" charset="0"/>
+            </a:endParaRPr>
+          </a:p>
+        </p:txBody>
+      </p:sp>
+      <p:grpSp>
+        <p:nvGrpSpPr>
+          <p:cNvPr id="5" name="组合 4"/>
+          <p:cNvGrpSpPr/>
+          <p:nvPr/>
+        </p:nvGrpSpPr>
+        <p:grpSpPr>
+          <a:xfrm>
+            <a:off x="8737600" y="137886"/>
+            <a:ext cx="3514167" cy="6720114"/>
+            <a:chOff x="8737600" y="137886"/>
+            <a:chExt cx="3514167" cy="6720114"/>
+          </a:xfrm>
+        </p:grpSpPr>
+        <p:pic>
+          <p:nvPicPr>
+            <p:cNvPr id="6" name="图片 5"/>
+            <p:cNvPicPr>
+              <a:picLocks noChangeAspect="1"/>
+            </p:cNvPicPr>
+            <p:nvPr/>
+          </p:nvPicPr>
+          <p:blipFill>
+            <a:blip r:embed="rId3" cstate="print">
+              <a:extLst>
+                <a:ext uri="{28A0092B-C50C-407E-A947-70E740481C1C}">
+                  <a14:useLocalDpi xmlns:a14="http://schemas.microsoft.com/office/drawing/2010/main" val="0"/>
+                </a:ext>
+              </a:extLst>
+            </a:blip>
+            <a:stretch>
+              <a:fillRect/>
+            </a:stretch>
+          </p:blipFill>
+          <p:spPr>
+            <a:xfrm>
+              <a:off x="11096357" y="137886"/>
+              <a:ext cx="825500" cy="825500"/>
+            </a:xfrm>
+            <a:prstGeom prst="rect">
+              <a:avLst/>
+            </a:prstGeom>
+          </p:spPr>
+        </p:pic>
+        <p:sp>
+          <p:nvSpPr>
+            <p:cNvPr id="7" name="矩形 6"/>
+            <p:cNvSpPr/>
+            <p:nvPr/>
+          </p:nvSpPr>
+          <p:spPr>
+            <a:xfrm>
+              <a:off x="8737600" y="6488668"/>
+              <a:ext cx="3514167" cy="369332"/>
+            </a:xfrm>
+            <a:prstGeom prst="rect">
+              <a:avLst/>
+            </a:prstGeom>
+          </p:spPr>
+          <p:txBody>
+            <a:bodyPr wrap="none">
+              <a:spAutoFit/>
+            </a:bodyPr>
+            <a:lstStyle/>
+            <a:p>
+              <a:r>
+                <a:rPr lang="en-US" altLang="zh-CN" dirty="0">
+                  <a:latin typeface="Times New Roman" panose="02020603050405020304" pitchFamily="18" charset="0"/>
+                  <a:cs typeface="Times New Roman" panose="02020603050405020304" pitchFamily="18" charset="0"/>
+                </a:rPr>
+                <a:t>© Sakura, 2024. All rights reserved.</a:t>
+              </a:r>
+              <a:endParaRPr lang="zh-CN" altLang="en-US" dirty="0">
+                <a:latin typeface="Times New Roman" panose="02020603050405020304" pitchFamily="18" charset="0"/>
+                <a:cs typeface="Times New Roman" panose="02020603050405020304" pitchFamily="18" charset="0"/>
+              </a:endParaRPr>
+            </a:p>
+          </p:txBody>
+        </p:sp>
+      </p:grpSp>
+      <p:pic>
+        <p:nvPicPr>
+          <p:cNvPr id="2" name="图片 1"/>
+          <p:cNvPicPr>
+            <a:picLocks noChangeAspect="1"/>
+          </p:cNvPicPr>
+          <p:nvPr/>
+        </p:nvPicPr>
+        <p:blipFill>
+          <a:blip r:embed="rId4"/>
+          <a:stretch>
+            <a:fillRect/>
+          </a:stretch>
+        </p:blipFill>
+        <p:spPr>
+          <a:xfrm>
+            <a:off x="2916372" y="1228643"/>
+            <a:ext cx="6323155" cy="4348438"/>
+          </a:xfrm>
+          <a:prstGeom prst="rect">
+            <a:avLst/>
+          </a:prstGeom>
+          <a:ln>
+            <a:noFill/>
+          </a:ln>
+          <a:effectLst>
+            <a:outerShdw blurRad="292100" dist="139700" dir="2700000" algn="tl" rotWithShape="0">
+              <a:srgbClr val="333333">
+                <a:alpha val="65000"/>
+              </a:srgbClr>
+            </a:outerShdw>
+          </a:effectLst>
+        </p:spPr>
+      </p:pic>
+      <p:sp>
+        <p:nvSpPr>
+          <p:cNvPr id="4" name="矩形 3"/>
+          <p:cNvSpPr/>
+          <p:nvPr/>
+        </p:nvSpPr>
+        <p:spPr>
+          <a:xfrm>
+            <a:off x="0" y="6457890"/>
+            <a:ext cx="8546916" cy="400110"/>
+          </a:xfrm>
+          <a:prstGeom prst="rect">
+            <a:avLst/>
+          </a:prstGeom>
+        </p:spPr>
+        <p:txBody>
+          <a:bodyPr wrap="square">
+            <a:spAutoFit/>
+          </a:bodyPr>
+          <a:lstStyle/>
+          <a:p>
+            <a:r>
+              <a:rPr lang="en-US" altLang="zh-CN" sz="1000" dirty="0" err="1">
+                <a:solidFill>
+                  <a:schemeClr val="bg1">
+                    <a:lumMod val="75000"/>
+                  </a:schemeClr>
+                </a:solidFill>
+                <a:latin typeface="Times New Roman" panose="02020603050405020304" pitchFamily="18" charset="0"/>
+                <a:cs typeface="Times New Roman" panose="02020603050405020304" pitchFamily="18" charset="0"/>
+              </a:rPr>
+              <a:t>Esser</a:t>
+            </a:r>
+            <a:r>
+              <a:rPr lang="en-US" altLang="zh-CN" sz="1000" dirty="0">
+                <a:solidFill>
+                  <a:schemeClr val="bg1">
+                    <a:lumMod val="75000"/>
+                  </a:schemeClr>
+                </a:solidFill>
+                <a:latin typeface="Times New Roman" panose="02020603050405020304" pitchFamily="18" charset="0"/>
+                <a:cs typeface="Times New Roman" panose="02020603050405020304" pitchFamily="18" charset="0"/>
+              </a:rPr>
+              <a:t>, P., </a:t>
+            </a:r>
+            <a:r>
+              <a:rPr lang="en-US" altLang="zh-CN" sz="1000" dirty="0" err="1">
+                <a:solidFill>
+                  <a:schemeClr val="bg1">
+                    <a:lumMod val="75000"/>
+                  </a:schemeClr>
+                </a:solidFill>
+                <a:latin typeface="Times New Roman" panose="02020603050405020304" pitchFamily="18" charset="0"/>
+                <a:cs typeface="Times New Roman" panose="02020603050405020304" pitchFamily="18" charset="0"/>
+              </a:rPr>
+              <a:t>Kulal</a:t>
+            </a:r>
+            <a:r>
+              <a:rPr lang="en-US" altLang="zh-CN" sz="1000" dirty="0">
+                <a:solidFill>
+                  <a:schemeClr val="bg1">
+                    <a:lumMod val="75000"/>
+                  </a:schemeClr>
+                </a:solidFill>
+                <a:latin typeface="Times New Roman" panose="02020603050405020304" pitchFamily="18" charset="0"/>
+                <a:cs typeface="Times New Roman" panose="02020603050405020304" pitchFamily="18" charset="0"/>
+              </a:rPr>
+              <a:t>, S., </a:t>
+            </a:r>
+            <a:r>
+              <a:rPr lang="en-US" altLang="zh-CN" sz="1000" dirty="0" err="1">
+                <a:solidFill>
+                  <a:schemeClr val="bg1">
+                    <a:lumMod val="75000"/>
+                  </a:schemeClr>
+                </a:solidFill>
+                <a:latin typeface="Times New Roman" panose="02020603050405020304" pitchFamily="18" charset="0"/>
+                <a:cs typeface="Times New Roman" panose="02020603050405020304" pitchFamily="18" charset="0"/>
+              </a:rPr>
+              <a:t>Blattmann</a:t>
+            </a:r>
+            <a:r>
+              <a:rPr lang="en-US" altLang="zh-CN" sz="1000" dirty="0">
+                <a:solidFill>
+                  <a:schemeClr val="bg1">
+                    <a:lumMod val="75000"/>
+                  </a:schemeClr>
+                </a:solidFill>
+                <a:latin typeface="Times New Roman" panose="02020603050405020304" pitchFamily="18" charset="0"/>
+                <a:cs typeface="Times New Roman" panose="02020603050405020304" pitchFamily="18" charset="0"/>
+              </a:rPr>
+              <a:t>, A., </a:t>
+            </a:r>
+            <a:r>
+              <a:rPr lang="en-US" altLang="zh-CN" sz="1000" dirty="0" err="1">
+                <a:solidFill>
+                  <a:schemeClr val="bg1">
+                    <a:lumMod val="75000"/>
+                  </a:schemeClr>
+                </a:solidFill>
+                <a:latin typeface="Times New Roman" panose="02020603050405020304" pitchFamily="18" charset="0"/>
+                <a:cs typeface="Times New Roman" panose="02020603050405020304" pitchFamily="18" charset="0"/>
+              </a:rPr>
+              <a:t>Entezari</a:t>
+            </a:r>
+            <a:r>
+              <a:rPr lang="en-US" altLang="zh-CN" sz="1000" dirty="0">
+                <a:solidFill>
+                  <a:schemeClr val="bg1">
+                    <a:lumMod val="75000"/>
+                  </a:schemeClr>
+                </a:solidFill>
+                <a:latin typeface="Times New Roman" panose="02020603050405020304" pitchFamily="18" charset="0"/>
+                <a:cs typeface="Times New Roman" panose="02020603050405020304" pitchFamily="18" charset="0"/>
+              </a:rPr>
+              <a:t>, R., Müller, J., Saini, H., Levi, Y., Lorenz, D., Sauer, A., </a:t>
+            </a:r>
+            <a:r>
+              <a:rPr lang="en-US" altLang="zh-CN" sz="1000" dirty="0" err="1">
+                <a:solidFill>
+                  <a:schemeClr val="bg1">
+                    <a:lumMod val="75000"/>
+                  </a:schemeClr>
+                </a:solidFill>
+                <a:latin typeface="Times New Roman" panose="02020603050405020304" pitchFamily="18" charset="0"/>
+                <a:cs typeface="Times New Roman" panose="02020603050405020304" pitchFamily="18" charset="0"/>
+              </a:rPr>
+              <a:t>Boesel</a:t>
+            </a:r>
+            <a:r>
+              <a:rPr lang="en-US" altLang="zh-CN" sz="1000" dirty="0">
+                <a:solidFill>
+                  <a:schemeClr val="bg1">
+                    <a:lumMod val="75000"/>
+                  </a:schemeClr>
+                </a:solidFill>
+                <a:latin typeface="Times New Roman" panose="02020603050405020304" pitchFamily="18" charset="0"/>
+                <a:cs typeface="Times New Roman" panose="02020603050405020304" pitchFamily="18" charset="0"/>
+              </a:rPr>
+              <a:t>, F., </a:t>
+            </a:r>
+            <a:r>
+              <a:rPr lang="en-US" altLang="zh-CN" sz="1000" dirty="0" err="1">
+                <a:solidFill>
+                  <a:schemeClr val="bg1">
+                    <a:lumMod val="75000"/>
+                  </a:schemeClr>
+                </a:solidFill>
+                <a:latin typeface="Times New Roman" panose="02020603050405020304" pitchFamily="18" charset="0"/>
+                <a:cs typeface="Times New Roman" panose="02020603050405020304" pitchFamily="18" charset="0"/>
+              </a:rPr>
+              <a:t>Podell</a:t>
+            </a:r>
+            <a:r>
+              <a:rPr lang="en-US" altLang="zh-CN" sz="1000" dirty="0">
+                <a:solidFill>
+                  <a:schemeClr val="bg1">
+                    <a:lumMod val="75000"/>
+                  </a:schemeClr>
+                </a:solidFill>
+                <a:latin typeface="Times New Roman" panose="02020603050405020304" pitchFamily="18" charset="0"/>
+                <a:cs typeface="Times New Roman" panose="02020603050405020304" pitchFamily="18" charset="0"/>
+              </a:rPr>
+              <a:t>, D., </a:t>
+            </a:r>
+            <a:r>
+              <a:rPr lang="en-US" altLang="zh-CN" sz="1000" dirty="0" err="1">
+                <a:solidFill>
+                  <a:schemeClr val="bg1">
+                    <a:lumMod val="75000"/>
+                  </a:schemeClr>
+                </a:solidFill>
+                <a:latin typeface="Times New Roman" panose="02020603050405020304" pitchFamily="18" charset="0"/>
+                <a:cs typeface="Times New Roman" panose="02020603050405020304" pitchFamily="18" charset="0"/>
+              </a:rPr>
+              <a:t>Dockhorn</a:t>
+            </a:r>
+            <a:r>
+              <a:rPr lang="en-US" altLang="zh-CN" sz="1000" dirty="0">
+                <a:solidFill>
+                  <a:schemeClr val="bg1">
+                    <a:lumMod val="75000"/>
+                  </a:schemeClr>
+                </a:solidFill>
+                <a:latin typeface="Times New Roman" panose="02020603050405020304" pitchFamily="18" charset="0"/>
+                <a:cs typeface="Times New Roman" panose="02020603050405020304" pitchFamily="18" charset="0"/>
+              </a:rPr>
+              <a:t>, T., English, Z., &amp; </a:t>
+            </a:r>
+            <a:r>
+              <a:rPr lang="en-US" altLang="zh-CN" sz="1000" dirty="0" err="1">
+                <a:solidFill>
+                  <a:schemeClr val="bg1">
+                    <a:lumMod val="75000"/>
+                  </a:schemeClr>
+                </a:solidFill>
+                <a:latin typeface="Times New Roman" panose="02020603050405020304" pitchFamily="18" charset="0"/>
+                <a:cs typeface="Times New Roman" panose="02020603050405020304" pitchFamily="18" charset="0"/>
+              </a:rPr>
+              <a:t>Rombach</a:t>
+            </a:r>
+            <a:r>
+              <a:rPr lang="en-US" altLang="zh-CN" sz="1000" dirty="0">
+                <a:solidFill>
+                  <a:schemeClr val="bg1">
+                    <a:lumMod val="75000"/>
+                  </a:schemeClr>
+                </a:solidFill>
+                <a:latin typeface="Times New Roman" panose="02020603050405020304" pitchFamily="18" charset="0"/>
+                <a:cs typeface="Times New Roman" panose="02020603050405020304" pitchFamily="18" charset="0"/>
+              </a:rPr>
+              <a:t>, R. (2024, June 6). Scaling Rectified Flow Transformers for High-Resolution Image Synthesis. </a:t>
+            </a:r>
+            <a:r>
+              <a:rPr lang="en-US" altLang="zh-CN" sz="1000" dirty="0">
+                <a:solidFill>
+                  <a:schemeClr val="bg1">
+                    <a:lumMod val="75000"/>
+                  </a:schemeClr>
+                </a:solidFill>
+                <a:latin typeface="Times New Roman" panose="02020603050405020304" pitchFamily="18" charset="0"/>
+                <a:cs typeface="Times New Roman" panose="02020603050405020304" pitchFamily="18" charset="0"/>
+              </a:rPr>
+              <a:t>Forty-first International Conference on Machine Learning. </a:t>
+            </a:r>
+          </a:p>
+        </p:txBody>
+      </p:sp>
+      <p:sp>
+        <p:nvSpPr>
+          <p:cNvPr id="8" name="矩形 7"/>
+          <p:cNvSpPr/>
+          <p:nvPr/>
+        </p:nvSpPr>
+        <p:spPr>
+          <a:xfrm>
+            <a:off x="1059542" y="5746332"/>
+            <a:ext cx="10421258" cy="646331"/>
+          </a:xfrm>
+          <a:prstGeom prst="rect">
+            <a:avLst/>
+          </a:prstGeom>
+        </p:spPr>
+        <p:txBody>
+          <a:bodyPr wrap="square">
+            <a:spAutoFit/>
+          </a:bodyPr>
+          <a:lstStyle/>
+          <a:p>
+            <a:pPr algn="ctr"/>
+            <a:r>
+              <a:rPr lang="zh-CN" altLang="en-US" dirty="0">
+                <a:latin typeface="Times New Roman" panose="02020603050405020304" pitchFamily="18" charset="0"/>
+                <a:cs typeface="Times New Roman" panose="02020603050405020304" pitchFamily="18" charset="0"/>
+              </a:rPr>
+              <a:t>Our model architecture. Concatenation is indicated by ⊙ and element-wise multiplication by ∗. </a:t>
+            </a:r>
+            <a:endParaRPr lang="en-US" altLang="zh-CN" dirty="0" smtClean="0">
+              <a:latin typeface="Times New Roman" panose="02020603050405020304" pitchFamily="18" charset="0"/>
+              <a:cs typeface="Times New Roman" panose="02020603050405020304" pitchFamily="18" charset="0"/>
+            </a:endParaRPr>
+          </a:p>
+          <a:p>
+            <a:pPr algn="ctr"/>
+            <a:r>
+              <a:rPr lang="zh-CN" altLang="en-US" dirty="0" smtClean="0">
+                <a:latin typeface="Times New Roman" panose="02020603050405020304" pitchFamily="18" charset="0"/>
+                <a:cs typeface="Times New Roman" panose="02020603050405020304" pitchFamily="18" charset="0"/>
+              </a:rPr>
+              <a:t>The </a:t>
+            </a:r>
+            <a:r>
+              <a:rPr lang="zh-CN" altLang="en-US" dirty="0">
+                <a:latin typeface="Times New Roman" panose="02020603050405020304" pitchFamily="18" charset="0"/>
+                <a:cs typeface="Times New Roman" panose="02020603050405020304" pitchFamily="18" charset="0"/>
+              </a:rPr>
+              <a:t>RMS-Norm for Q and K can be added to stabilize training runs. Best viewed zoomed </a:t>
+            </a:r>
+            <a:r>
+              <a:rPr lang="zh-CN" altLang="en-US" dirty="0" smtClean="0">
+                <a:latin typeface="Times New Roman" panose="02020603050405020304" pitchFamily="18" charset="0"/>
+                <a:cs typeface="Times New Roman" panose="02020603050405020304" pitchFamily="18" charset="0"/>
+              </a:rPr>
+              <a:t>in </a:t>
+            </a:r>
+            <a:r>
+              <a:rPr lang="en-US" altLang="zh-CN" dirty="0" smtClean="0">
+                <a:latin typeface="Times New Roman" panose="02020603050405020304" pitchFamily="18" charset="0"/>
+                <a:cs typeface="Times New Roman" panose="02020603050405020304" pitchFamily="18" charset="0"/>
+              </a:rPr>
+              <a:t>(</a:t>
+            </a:r>
+            <a:r>
+              <a:rPr lang="en-US" altLang="zh-CN" dirty="0" err="1" smtClean="0">
+                <a:latin typeface="Times New Roman" panose="02020603050405020304" pitchFamily="18" charset="0"/>
+                <a:cs typeface="Times New Roman" panose="02020603050405020304" pitchFamily="18" charset="0"/>
+              </a:rPr>
+              <a:t>Esser</a:t>
+            </a:r>
+            <a:r>
+              <a:rPr lang="en-US" altLang="zh-CN" dirty="0" smtClean="0">
+                <a:latin typeface="Times New Roman" panose="02020603050405020304" pitchFamily="18" charset="0"/>
+                <a:cs typeface="Times New Roman" panose="02020603050405020304" pitchFamily="18" charset="0"/>
+              </a:rPr>
+              <a:t> et al. 2024)</a:t>
+            </a:r>
+            <a:r>
+              <a:rPr lang="zh-CN" altLang="en-US" dirty="0" smtClean="0">
+                <a:latin typeface="Times New Roman" panose="02020603050405020304" pitchFamily="18" charset="0"/>
+                <a:cs typeface="Times New Roman" panose="02020603050405020304" pitchFamily="18" charset="0"/>
+              </a:rPr>
+              <a:t>.</a:t>
+            </a:r>
+            <a:endParaRPr lang="zh-CN" altLang="en-US" dirty="0">
+              <a:latin typeface="Times New Roman" panose="02020603050405020304" pitchFamily="18" charset="0"/>
+              <a:cs typeface="Times New Roman" panose="02020603050405020304" pitchFamily="18" charset="0"/>
+            </a:endParaRPr>
+          </a:p>
+        </p:txBody>
+      </p:sp>
+    </p:spTree>
+    <p:extLst>
+      <p:ext uri="{BB962C8B-B14F-4D97-AF65-F5344CB8AC3E}">
+        <p14:creationId xmlns:p14="http://schemas.microsoft.com/office/powerpoint/2010/main" val="3716405673"/>
+      </p:ext>
+    </p:extLst>
+  </p:cSld>
+  <p:clrMapOvr>
+    <a:masterClrMapping/>
+  </p:clrMapOvr>
+  <p:timing>
+    <p:tnLst>
+      <p:par>
+        <p:cTn id="1" dur="indefinite" restart="never" nodeType="tmRoot"/>
+      </p:par>
+    </p:tnLst>
+  </p:timing>
+</p:sld>
+</file>
+
+<file path=ppt/slides/slide13.xml><?xml version="1.0" encoding="utf-8"?>
+<p:sld xmlns:a="http://schemas.openxmlformats.org/drawingml/2006/main" xmlns:r="http://schemas.openxmlformats.org/officeDocument/2006/relationships" xmlns:p="http://schemas.openxmlformats.org/presentationml/2006/main">
+  <p:cSld>
+    <p:spTree>
+      <p:nvGrpSpPr>
+        <p:cNvPr id="1" name=""/>
+        <p:cNvGrpSpPr/>
+        <p:nvPr/>
+      </p:nvGrpSpPr>
+      <p:grpSpPr>
+        <a:xfrm>
+          <a:off x="0" y="0"/>
+          <a:ext cx="0" cy="0"/>
+          <a:chOff x="0" y="0"/>
+          <a:chExt cx="0" cy="0"/>
+        </a:xfrm>
+      </p:grpSpPr>
+      <p:sp>
+        <p:nvSpPr>
+          <p:cNvPr id="4" name="标题 1"/>
+          <p:cNvSpPr txBox="1">
+            <a:spLocks/>
+          </p:cNvSpPr>
+          <p:nvPr/>
+        </p:nvSpPr>
+        <p:spPr>
+          <a:xfrm>
+            <a:off x="0" y="2277997"/>
+            <a:ext cx="12192000" cy="2189228"/>
+          </a:xfrm>
+          <a:prstGeom prst="rect">
+            <a:avLst/>
+          </a:prstGeom>
+        </p:spPr>
+        <p:txBody>
+          <a:bodyPr>
+            <a:noAutofit/>
+          </a:bodyPr>
+          <a:lstStyle>
+            <a:lvl1pPr algn="l" defTabSz="914400" rtl="0" eaLnBrk="1" latinLnBrk="0" hangingPunct="1">
+              <a:lnSpc>
+                <a:spcPct val="90000"/>
+              </a:lnSpc>
+              <a:spcBef>
+                <a:spcPct val="0"/>
+              </a:spcBef>
+              <a:buNone/>
+              <a:defRPr sz="4400" kern="1200">
+                <a:solidFill>
+                  <a:schemeClr val="tx1"/>
+                </a:solidFill>
+                <a:latin typeface="+mj-lt"/>
+                <a:ea typeface="+mj-ea"/>
+                <a:cs typeface="+mj-cs"/>
+              </a:defRPr>
+            </a:lvl1pPr>
+          </a:lstStyle>
+          <a:p>
+            <a:pPr algn="ctr"/>
+            <a:r>
+              <a:rPr lang="en-US" altLang="zh-CN" sz="8000" b="1" dirty="0">
+                <a:solidFill>
+                  <a:srgbClr val="333333"/>
+                </a:solidFill>
+                <a:latin typeface="Times New Roman" panose="02020603050405020304" pitchFamily="18" charset="0"/>
+                <a:ea typeface="Open Sans"/>
+                <a:cs typeface="Times New Roman" panose="02020603050405020304" pitchFamily="18" charset="0"/>
+              </a:rPr>
+              <a:t>Quick Start with Stable Diffusion with Diffusers</a:t>
+            </a:r>
+          </a:p>
+        </p:txBody>
+      </p:sp>
+      <p:grpSp>
+        <p:nvGrpSpPr>
+          <p:cNvPr id="6" name="组合 5"/>
+          <p:cNvGrpSpPr/>
+          <p:nvPr/>
+        </p:nvGrpSpPr>
+        <p:grpSpPr>
+          <a:xfrm>
+            <a:off x="8737600" y="137886"/>
+            <a:ext cx="3514167" cy="6720114"/>
+            <a:chOff x="8737600" y="137886"/>
+            <a:chExt cx="3514167" cy="6720114"/>
+          </a:xfrm>
+        </p:grpSpPr>
+        <p:pic>
+          <p:nvPicPr>
+            <p:cNvPr id="7" name="图片 6"/>
+            <p:cNvPicPr>
+              <a:picLocks noChangeAspect="1"/>
+            </p:cNvPicPr>
+            <p:nvPr/>
+          </p:nvPicPr>
+          <p:blipFill>
+            <a:blip r:embed="rId2" cstate="print">
+              <a:extLst>
+                <a:ext uri="{28A0092B-C50C-407E-A947-70E740481C1C}">
+                  <a14:useLocalDpi xmlns:a14="http://schemas.microsoft.com/office/drawing/2010/main" val="0"/>
+                </a:ext>
+              </a:extLst>
+            </a:blip>
+            <a:stretch>
+              <a:fillRect/>
+            </a:stretch>
+          </p:blipFill>
+          <p:spPr>
+            <a:xfrm>
+              <a:off x="11096357" y="137886"/>
+              <a:ext cx="825500" cy="825500"/>
+            </a:xfrm>
+            <a:prstGeom prst="rect">
+              <a:avLst/>
+            </a:prstGeom>
+          </p:spPr>
+        </p:pic>
+        <p:sp>
+          <p:nvSpPr>
+            <p:cNvPr id="8" name="矩形 7"/>
+            <p:cNvSpPr/>
+            <p:nvPr/>
+          </p:nvSpPr>
+          <p:spPr>
+            <a:xfrm>
+              <a:off x="8737600" y="6488668"/>
+              <a:ext cx="3514167" cy="369332"/>
+            </a:xfrm>
+            <a:prstGeom prst="rect">
+              <a:avLst/>
+            </a:prstGeom>
+          </p:spPr>
+          <p:txBody>
+            <a:bodyPr wrap="none">
+              <a:spAutoFit/>
+            </a:bodyPr>
+            <a:lstStyle/>
+            <a:p>
+              <a:r>
+                <a:rPr lang="en-US" altLang="zh-CN" dirty="0">
+                  <a:latin typeface="Times New Roman" panose="02020603050405020304" pitchFamily="18" charset="0"/>
+                  <a:cs typeface="Times New Roman" panose="02020603050405020304" pitchFamily="18" charset="0"/>
+                </a:rPr>
+                <a:t>© Sakura, 2024. All rights reserved.</a:t>
+              </a:r>
+              <a:endParaRPr lang="zh-CN" altLang="en-US" dirty="0">
+                <a:latin typeface="Times New Roman" panose="02020603050405020304" pitchFamily="18" charset="0"/>
+                <a:cs typeface="Times New Roman" panose="02020603050405020304" pitchFamily="18" charset="0"/>
+              </a:endParaRPr>
+            </a:p>
+          </p:txBody>
+        </p:sp>
+      </p:grpSp>
+    </p:spTree>
+    <p:extLst>
+      <p:ext uri="{BB962C8B-B14F-4D97-AF65-F5344CB8AC3E}">
+        <p14:creationId xmlns:p14="http://schemas.microsoft.com/office/powerpoint/2010/main" val="1494867101"/>
+      </p:ext>
+    </p:extLst>
+  </p:cSld>
+  <p:clrMapOvr>
+    <a:masterClrMapping/>
+  </p:clrMapOvr>
+  <p:timing>
+    <p:tnLst>
+      <p:par>
+        <p:cTn id="1" dur="indefinite" restart="never" nodeType="tmRoot"/>
+      </p:par>
+    </p:tnLst>
+  </p:timing>
+</p:sld>
+</file>
+
+<file path=ppt/slides/slide14.xml><?xml version="1.0" encoding="utf-8"?>
+<p:sld xmlns:a="http://schemas.openxmlformats.org/drawingml/2006/main" xmlns:r="http://schemas.openxmlformats.org/officeDocument/2006/relationships" xmlns:p="http://schemas.openxmlformats.org/presentationml/2006/main">
+  <p:cSld>
+    <p:spTree>
+      <p:nvGrpSpPr>
+        <p:cNvPr id="1" name=""/>
+        <p:cNvGrpSpPr/>
+        <p:nvPr/>
+      </p:nvGrpSpPr>
+      <p:grpSpPr>
+        <a:xfrm>
+          <a:off x="0" y="0"/>
+          <a:ext cx="0" cy="0"/>
+          <a:chOff x="0" y="0"/>
+          <a:chExt cx="0" cy="0"/>
+        </a:xfrm>
+      </p:grpSpPr>
+      <p:sp>
+        <p:nvSpPr>
+          <p:cNvPr id="10" name="矩形 9"/>
+          <p:cNvSpPr/>
+          <p:nvPr/>
+        </p:nvSpPr>
+        <p:spPr>
+          <a:xfrm>
+            <a:off x="6124575" y="2031924"/>
+            <a:ext cx="5924550" cy="3396130"/>
+          </a:xfrm>
+          <a:prstGeom prst="rect">
+            <a:avLst/>
+          </a:prstGeom>
+          <a:solidFill>
+            <a:schemeClr val="bg1">
+              <a:lumMod val="95000"/>
+            </a:schemeClr>
+          </a:solidFill>
+          <a:ln>
+            <a:noFill/>
+          </a:ln>
+          <a:effectLst>
+            <a:outerShdw blurRad="50800" dist="38100" dir="2700000" algn="tl" rotWithShape="0">
+              <a:prstClr val="black">
+                <a:alpha val="40000"/>
+              </a:prstClr>
+            </a:outerShdw>
+          </a:effectLst>
+        </p:spPr>
+        <p:style>
+          <a:lnRef idx="2">
+            <a:schemeClr val="accent1">
+              <a:shade val="50000"/>
+            </a:schemeClr>
+          </a:lnRef>
+          <a:fillRef idx="1">
+            <a:schemeClr val="accent1"/>
+          </a:fillRef>
+          <a:effectRef idx="0">
+            <a:schemeClr val="accent1"/>
+          </a:effectRef>
+          <a:fontRef idx="minor">
+            <a:schemeClr val="lt1"/>
+          </a:fontRef>
+        </p:style>
+        <p:txBody>
+          <a:bodyPr rtlCol="0" anchor="ctr"/>
+          <a:lstStyle/>
+          <a:p>
+            <a:pPr algn="ctr"/>
+            <a:endParaRPr lang="zh-CN" altLang="en-US"/>
+          </a:p>
+        </p:txBody>
+      </p:sp>
+      <p:sp>
+        <p:nvSpPr>
+          <p:cNvPr id="3" name="矩形 2"/>
+          <p:cNvSpPr/>
+          <p:nvPr/>
+        </p:nvSpPr>
+        <p:spPr>
+          <a:xfrm>
+            <a:off x="364855" y="606392"/>
+            <a:ext cx="3913251" cy="584775"/>
+          </a:xfrm>
+          <a:prstGeom prst="rect">
+            <a:avLst/>
+          </a:prstGeom>
+        </p:spPr>
+        <p:txBody>
+          <a:bodyPr wrap="none">
+            <a:spAutoFit/>
+          </a:bodyPr>
+          <a:lstStyle/>
+          <a:p>
+            <a:pPr marL="0" lvl="1"/>
+            <a:r>
+              <a:rPr lang="it-IT" altLang="zh-CN" sz="3200" dirty="0" smtClean="0">
+                <a:solidFill>
+                  <a:srgbClr val="333333"/>
+                </a:solidFill>
+                <a:latin typeface="Times New Roman" panose="02020603050405020304" pitchFamily="18" charset="0"/>
+                <a:ea typeface="Open Sans"/>
+                <a:cs typeface="Times New Roman" panose="02020603050405020304" pitchFamily="18" charset="0"/>
+              </a:rPr>
+              <a:t>Model Card – </a:t>
+            </a:r>
+            <a:r>
+              <a:rPr lang="it-IT" altLang="zh-CN" sz="3200" dirty="0" smtClean="0">
+                <a:solidFill>
+                  <a:srgbClr val="333333"/>
+                </a:solidFill>
+                <a:latin typeface="Times New Roman" panose="02020603050405020304" pitchFamily="18" charset="0"/>
+                <a:ea typeface="Open Sans"/>
+                <a:cs typeface="Times New Roman" panose="02020603050405020304" pitchFamily="18" charset="0"/>
+                <a:hlinkClick r:id="rId2"/>
+              </a:rPr>
+              <a:t>SD v2.1</a:t>
+            </a:r>
+            <a:endParaRPr lang="it-IT" altLang="zh-CN" sz="3200" dirty="0">
+              <a:solidFill>
+                <a:srgbClr val="333333"/>
+              </a:solidFill>
+              <a:latin typeface="Times New Roman" panose="02020603050405020304" pitchFamily="18" charset="0"/>
+              <a:ea typeface="Open Sans"/>
+              <a:cs typeface="Times New Roman" panose="02020603050405020304" pitchFamily="18" charset="0"/>
+            </a:endParaRPr>
+          </a:p>
+        </p:txBody>
+      </p:sp>
+      <p:grpSp>
+        <p:nvGrpSpPr>
+          <p:cNvPr id="5" name="组合 4"/>
+          <p:cNvGrpSpPr/>
+          <p:nvPr/>
+        </p:nvGrpSpPr>
+        <p:grpSpPr>
+          <a:xfrm>
+            <a:off x="8737600" y="137886"/>
+            <a:ext cx="3514167" cy="6720114"/>
+            <a:chOff x="8737600" y="137886"/>
+            <a:chExt cx="3514167" cy="6720114"/>
+          </a:xfrm>
+        </p:grpSpPr>
+        <p:pic>
+          <p:nvPicPr>
+            <p:cNvPr id="6" name="图片 5"/>
+            <p:cNvPicPr>
+              <a:picLocks noChangeAspect="1"/>
+            </p:cNvPicPr>
+            <p:nvPr/>
+          </p:nvPicPr>
+          <p:blipFill>
+            <a:blip r:embed="rId3" cstate="print">
+              <a:extLst>
+                <a:ext uri="{28A0092B-C50C-407E-A947-70E740481C1C}">
+                  <a14:useLocalDpi xmlns:a14="http://schemas.microsoft.com/office/drawing/2010/main" val="0"/>
+                </a:ext>
+              </a:extLst>
+            </a:blip>
+            <a:stretch>
+              <a:fillRect/>
+            </a:stretch>
+          </p:blipFill>
+          <p:spPr>
+            <a:xfrm>
+              <a:off x="11096357" y="137886"/>
+              <a:ext cx="825500" cy="825500"/>
+            </a:xfrm>
+            <a:prstGeom prst="rect">
+              <a:avLst/>
+            </a:prstGeom>
+          </p:spPr>
+        </p:pic>
+        <p:sp>
+          <p:nvSpPr>
+            <p:cNvPr id="7" name="矩形 6"/>
+            <p:cNvSpPr/>
+            <p:nvPr/>
+          </p:nvSpPr>
+          <p:spPr>
+            <a:xfrm>
+              <a:off x="8737600" y="6488668"/>
+              <a:ext cx="3514167" cy="369332"/>
+            </a:xfrm>
+            <a:prstGeom prst="rect">
+              <a:avLst/>
+            </a:prstGeom>
+          </p:spPr>
+          <p:txBody>
+            <a:bodyPr wrap="none">
+              <a:spAutoFit/>
+            </a:bodyPr>
+            <a:lstStyle/>
+            <a:p>
+              <a:r>
+                <a:rPr lang="en-US" altLang="zh-CN" dirty="0">
+                  <a:latin typeface="Times New Roman" panose="02020603050405020304" pitchFamily="18" charset="0"/>
+                  <a:cs typeface="Times New Roman" panose="02020603050405020304" pitchFamily="18" charset="0"/>
+                </a:rPr>
+                <a:t>© Sakura, 2024. All rights reserved.</a:t>
+              </a:r>
+              <a:endParaRPr lang="zh-CN" altLang="en-US" dirty="0">
+                <a:latin typeface="Times New Roman" panose="02020603050405020304" pitchFamily="18" charset="0"/>
+                <a:cs typeface="Times New Roman" panose="02020603050405020304" pitchFamily="18" charset="0"/>
+              </a:endParaRPr>
+            </a:p>
+          </p:txBody>
+        </p:sp>
+      </p:grpSp>
+      <p:sp>
+        <p:nvSpPr>
+          <p:cNvPr id="2" name="矩形 1"/>
+          <p:cNvSpPr/>
+          <p:nvPr/>
+        </p:nvSpPr>
+        <p:spPr>
+          <a:xfrm>
+            <a:off x="0" y="6546376"/>
+            <a:ext cx="8448582" cy="253916"/>
+          </a:xfrm>
+          <a:prstGeom prst="rect">
+            <a:avLst/>
+          </a:prstGeom>
+        </p:spPr>
+        <p:txBody>
+          <a:bodyPr wrap="square">
+            <a:spAutoFit/>
+          </a:bodyPr>
+          <a:lstStyle/>
+          <a:p>
+            <a:r>
+              <a:rPr lang="en-US" altLang="zh-CN" sz="1000" dirty="0" err="1">
+                <a:solidFill>
+                  <a:schemeClr val="bg1">
+                    <a:lumMod val="75000"/>
+                  </a:schemeClr>
+                </a:solidFill>
+                <a:latin typeface="Times New Roman" panose="02020603050405020304" pitchFamily="18" charset="0"/>
+                <a:cs typeface="Times New Roman" panose="02020603050405020304" pitchFamily="18" charset="0"/>
+              </a:rPr>
+              <a:t>Rombach</a:t>
+            </a:r>
+            <a:r>
+              <a:rPr lang="en-US" altLang="zh-CN" sz="1000" dirty="0">
+                <a:solidFill>
+                  <a:schemeClr val="bg1">
+                    <a:lumMod val="75000"/>
+                  </a:schemeClr>
+                </a:solidFill>
+                <a:latin typeface="Times New Roman" panose="02020603050405020304" pitchFamily="18" charset="0"/>
+                <a:cs typeface="Times New Roman" panose="02020603050405020304" pitchFamily="18" charset="0"/>
+              </a:rPr>
+              <a:t>, R., </a:t>
+            </a:r>
+            <a:r>
+              <a:rPr lang="en-US" altLang="zh-CN" sz="1000" dirty="0" err="1">
+                <a:solidFill>
+                  <a:schemeClr val="bg1">
+                    <a:lumMod val="75000"/>
+                  </a:schemeClr>
+                </a:solidFill>
+                <a:latin typeface="Times New Roman" panose="02020603050405020304" pitchFamily="18" charset="0"/>
+                <a:cs typeface="Times New Roman" panose="02020603050405020304" pitchFamily="18" charset="0"/>
+              </a:rPr>
+              <a:t>Blattmann</a:t>
+            </a:r>
+            <a:r>
+              <a:rPr lang="en-US" altLang="zh-CN" sz="1000" dirty="0">
+                <a:solidFill>
+                  <a:schemeClr val="bg1">
+                    <a:lumMod val="75000"/>
+                  </a:schemeClr>
+                </a:solidFill>
+                <a:latin typeface="Times New Roman" panose="02020603050405020304" pitchFamily="18" charset="0"/>
+                <a:cs typeface="Times New Roman" panose="02020603050405020304" pitchFamily="18" charset="0"/>
+              </a:rPr>
+              <a:t>, A., Lorenz, D., </a:t>
+            </a:r>
+            <a:r>
+              <a:rPr lang="en-US" altLang="zh-CN" sz="1000" dirty="0" err="1">
+                <a:solidFill>
+                  <a:schemeClr val="bg1">
+                    <a:lumMod val="75000"/>
+                  </a:schemeClr>
+                </a:solidFill>
+                <a:latin typeface="Times New Roman" panose="02020603050405020304" pitchFamily="18" charset="0"/>
+                <a:cs typeface="Times New Roman" panose="02020603050405020304" pitchFamily="18" charset="0"/>
+              </a:rPr>
+              <a:t>Esser</a:t>
+            </a:r>
+            <a:r>
+              <a:rPr lang="en-US" altLang="zh-CN" sz="1000" dirty="0">
+                <a:solidFill>
+                  <a:schemeClr val="bg1">
+                    <a:lumMod val="75000"/>
+                  </a:schemeClr>
+                </a:solidFill>
+                <a:latin typeface="Times New Roman" panose="02020603050405020304" pitchFamily="18" charset="0"/>
+                <a:cs typeface="Times New Roman" panose="02020603050405020304" pitchFamily="18" charset="0"/>
+              </a:rPr>
+              <a:t>, P., &amp; </a:t>
+            </a:r>
+            <a:r>
+              <a:rPr lang="en-US" altLang="zh-CN" sz="1000" dirty="0" err="1">
+                <a:solidFill>
+                  <a:schemeClr val="bg1">
+                    <a:lumMod val="75000"/>
+                  </a:schemeClr>
+                </a:solidFill>
+                <a:latin typeface="Times New Roman" panose="02020603050405020304" pitchFamily="18" charset="0"/>
+                <a:cs typeface="Times New Roman" panose="02020603050405020304" pitchFamily="18" charset="0"/>
+              </a:rPr>
+              <a:t>Ommer</a:t>
+            </a:r>
+            <a:r>
+              <a:rPr lang="en-US" altLang="zh-CN" sz="1000" dirty="0">
+                <a:solidFill>
+                  <a:schemeClr val="bg1">
+                    <a:lumMod val="75000"/>
+                  </a:schemeClr>
+                </a:solidFill>
+                <a:latin typeface="Times New Roman" panose="02020603050405020304" pitchFamily="18" charset="0"/>
+                <a:cs typeface="Times New Roman" panose="02020603050405020304" pitchFamily="18" charset="0"/>
+              </a:rPr>
+              <a:t>, B. (2022). </a:t>
+            </a:r>
+            <a:r>
+              <a:rPr lang="en-US" altLang="zh-CN" sz="1000" i="1" dirty="0">
+                <a:solidFill>
+                  <a:schemeClr val="bg1">
+                    <a:lumMod val="75000"/>
+                  </a:schemeClr>
+                </a:solidFill>
+                <a:latin typeface="Times New Roman" panose="02020603050405020304" pitchFamily="18" charset="0"/>
+                <a:cs typeface="Times New Roman" panose="02020603050405020304" pitchFamily="18" charset="0"/>
+              </a:rPr>
+              <a:t>High-Resolution Image Synthesis With Latent Diffusion Models</a:t>
+            </a:r>
+            <a:r>
+              <a:rPr lang="en-US" altLang="zh-CN" sz="1000" dirty="0">
+                <a:solidFill>
+                  <a:schemeClr val="bg1">
+                    <a:lumMod val="75000"/>
+                  </a:schemeClr>
+                </a:solidFill>
+                <a:latin typeface="Times New Roman" panose="02020603050405020304" pitchFamily="18" charset="0"/>
+                <a:cs typeface="Times New Roman" panose="02020603050405020304" pitchFamily="18" charset="0"/>
+              </a:rPr>
+              <a:t>. 10684–10695. </a:t>
+            </a:r>
+            <a:endParaRPr lang="en-US" altLang="zh-CN" sz="1000" dirty="0">
+              <a:solidFill>
+                <a:schemeClr val="bg1">
+                  <a:lumMod val="75000"/>
+                </a:schemeClr>
+              </a:solidFill>
+              <a:effectLst/>
+              <a:latin typeface="Times New Roman" panose="02020603050405020304" pitchFamily="18" charset="0"/>
+              <a:cs typeface="Times New Roman" panose="02020603050405020304" pitchFamily="18" charset="0"/>
+            </a:endParaRPr>
+          </a:p>
+        </p:txBody>
+      </p:sp>
+      <p:sp>
+        <p:nvSpPr>
+          <p:cNvPr id="8" name="矩形 7"/>
+          <p:cNvSpPr/>
+          <p:nvPr/>
+        </p:nvSpPr>
+        <p:spPr>
+          <a:xfrm>
+            <a:off x="285212" y="5802549"/>
+            <a:ext cx="11988800" cy="369332"/>
+          </a:xfrm>
+          <a:prstGeom prst="rect">
+            <a:avLst/>
+          </a:prstGeom>
+        </p:spPr>
+        <p:txBody>
+          <a:bodyPr wrap="square">
+            <a:spAutoFit/>
+          </a:bodyPr>
+          <a:lstStyle/>
+          <a:p>
+            <a:pPr algn="ctr"/>
+            <a:r>
+              <a:rPr lang="en-US" altLang="zh-CN" dirty="0" smtClean="0">
+                <a:latin typeface="Times New Roman" panose="02020603050405020304" pitchFamily="18" charset="0"/>
+                <a:cs typeface="Times New Roman" panose="02020603050405020304" pitchFamily="18" charset="0"/>
+                <a:hlinkClick r:id="rId2"/>
+              </a:rPr>
+              <a:t>Model Card </a:t>
+            </a:r>
+            <a:r>
+              <a:rPr lang="en-US" altLang="zh-CN" dirty="0" smtClean="0">
+                <a:latin typeface="Times New Roman" panose="02020603050405020304" pitchFamily="18" charset="0"/>
+                <a:cs typeface="Times New Roman" panose="02020603050405020304" pitchFamily="18" charset="0"/>
+              </a:rPr>
+              <a:t>(part of full version) of Stable Diffusion v2-1 (</a:t>
+            </a:r>
+            <a:r>
+              <a:rPr lang="en-US" altLang="zh-CN" dirty="0" err="1" smtClean="0">
+                <a:latin typeface="Times New Roman" panose="02020603050405020304" pitchFamily="18" charset="0"/>
+                <a:cs typeface="Times New Roman" panose="02020603050405020304" pitchFamily="18" charset="0"/>
+              </a:rPr>
+              <a:t>Rombach</a:t>
+            </a:r>
+            <a:r>
+              <a:rPr lang="en-US" altLang="zh-CN" dirty="0" smtClean="0">
+                <a:latin typeface="Times New Roman" panose="02020603050405020304" pitchFamily="18" charset="0"/>
+                <a:cs typeface="Times New Roman" panose="02020603050405020304" pitchFamily="18" charset="0"/>
+              </a:rPr>
+              <a:t> et al., 2022).</a:t>
+            </a:r>
+            <a:endParaRPr lang="zh-CN" altLang="en-US" dirty="0">
+              <a:latin typeface="Times New Roman" panose="02020603050405020304" pitchFamily="18" charset="0"/>
+              <a:cs typeface="Times New Roman" panose="02020603050405020304" pitchFamily="18" charset="0"/>
+            </a:endParaRPr>
+          </a:p>
+        </p:txBody>
+      </p:sp>
+      <p:sp>
+        <p:nvSpPr>
+          <p:cNvPr id="4" name="矩形 3"/>
+          <p:cNvSpPr/>
+          <p:nvPr/>
+        </p:nvSpPr>
+        <p:spPr>
+          <a:xfrm>
+            <a:off x="185736" y="2259705"/>
+            <a:ext cx="6016357" cy="2954655"/>
+          </a:xfrm>
+          <a:prstGeom prst="rect">
+            <a:avLst/>
+          </a:prstGeom>
+        </p:spPr>
+        <p:txBody>
+          <a:bodyPr wrap="square">
+            <a:spAutoFit/>
+          </a:bodyPr>
+          <a:lstStyle/>
+          <a:p>
+            <a:r>
+              <a:rPr lang="en-US" altLang="zh-CN" sz="2400" b="1" dirty="0">
+                <a:solidFill>
+                  <a:srgbClr val="374151"/>
+                </a:solidFill>
+                <a:latin typeface="Times New Roman" panose="02020603050405020304" pitchFamily="18" charset="0"/>
+                <a:cs typeface="Times New Roman" panose="02020603050405020304" pitchFamily="18" charset="0"/>
+              </a:rPr>
+              <a:t>Model Details</a:t>
+            </a:r>
+          </a:p>
+          <a:p>
+            <a:pPr>
+              <a:buFont typeface="Arial" panose="020B0604020202020204" pitchFamily="34" charset="0"/>
+              <a:buChar char="•"/>
+            </a:pPr>
+            <a:r>
+              <a:rPr lang="en-US" altLang="zh-CN" b="1" dirty="0">
+                <a:solidFill>
+                  <a:srgbClr val="4B5563"/>
+                </a:solidFill>
+                <a:latin typeface="Times New Roman" panose="02020603050405020304" pitchFamily="18" charset="0"/>
+                <a:cs typeface="Times New Roman" panose="02020603050405020304" pitchFamily="18" charset="0"/>
+              </a:rPr>
+              <a:t>Developed by:</a:t>
+            </a:r>
+            <a:r>
+              <a:rPr lang="en-US" altLang="zh-CN" dirty="0">
+                <a:solidFill>
+                  <a:srgbClr val="4B5563"/>
+                </a:solidFill>
+                <a:latin typeface="Times New Roman" panose="02020603050405020304" pitchFamily="18" charset="0"/>
+                <a:cs typeface="Times New Roman" panose="02020603050405020304" pitchFamily="18" charset="0"/>
+              </a:rPr>
+              <a:t> Robin </a:t>
+            </a:r>
+            <a:r>
+              <a:rPr lang="en-US" altLang="zh-CN" dirty="0" err="1">
+                <a:solidFill>
+                  <a:srgbClr val="4B5563"/>
+                </a:solidFill>
+                <a:latin typeface="Times New Roman" panose="02020603050405020304" pitchFamily="18" charset="0"/>
+                <a:cs typeface="Times New Roman" panose="02020603050405020304" pitchFamily="18" charset="0"/>
+              </a:rPr>
+              <a:t>Rombach</a:t>
+            </a:r>
+            <a:r>
+              <a:rPr lang="en-US" altLang="zh-CN" dirty="0">
+                <a:solidFill>
+                  <a:srgbClr val="4B5563"/>
+                </a:solidFill>
+                <a:latin typeface="Times New Roman" panose="02020603050405020304" pitchFamily="18" charset="0"/>
+                <a:cs typeface="Times New Roman" panose="02020603050405020304" pitchFamily="18" charset="0"/>
+              </a:rPr>
+              <a:t>, Patrick </a:t>
+            </a:r>
+            <a:r>
+              <a:rPr lang="en-US" altLang="zh-CN" dirty="0" err="1">
+                <a:solidFill>
+                  <a:srgbClr val="4B5563"/>
+                </a:solidFill>
+                <a:latin typeface="Times New Roman" panose="02020603050405020304" pitchFamily="18" charset="0"/>
+                <a:cs typeface="Times New Roman" panose="02020603050405020304" pitchFamily="18" charset="0"/>
+              </a:rPr>
+              <a:t>Esser</a:t>
+            </a:r>
+            <a:endParaRPr lang="en-US" altLang="zh-CN" dirty="0">
+              <a:solidFill>
+                <a:srgbClr val="4B5563"/>
+              </a:solidFill>
+              <a:latin typeface="Times New Roman" panose="02020603050405020304" pitchFamily="18" charset="0"/>
+              <a:cs typeface="Times New Roman" panose="02020603050405020304" pitchFamily="18" charset="0"/>
+            </a:endParaRPr>
+          </a:p>
+          <a:p>
+            <a:pPr>
+              <a:buFont typeface="Arial" panose="020B0604020202020204" pitchFamily="34" charset="0"/>
+              <a:buChar char="•"/>
+            </a:pPr>
+            <a:r>
+              <a:rPr lang="en-US" altLang="zh-CN" b="1" dirty="0">
+                <a:solidFill>
+                  <a:srgbClr val="4B5563"/>
+                </a:solidFill>
+                <a:latin typeface="Times New Roman" panose="02020603050405020304" pitchFamily="18" charset="0"/>
+                <a:cs typeface="Times New Roman" panose="02020603050405020304" pitchFamily="18" charset="0"/>
+              </a:rPr>
+              <a:t>Model type:</a:t>
+            </a:r>
+            <a:r>
+              <a:rPr lang="en-US" altLang="zh-CN" dirty="0">
+                <a:solidFill>
+                  <a:srgbClr val="4B5563"/>
+                </a:solidFill>
+                <a:latin typeface="Times New Roman" panose="02020603050405020304" pitchFamily="18" charset="0"/>
+                <a:cs typeface="Times New Roman" panose="02020603050405020304" pitchFamily="18" charset="0"/>
+              </a:rPr>
+              <a:t> Diffusion-based text-to-image generation model</a:t>
+            </a:r>
+          </a:p>
+          <a:p>
+            <a:pPr>
+              <a:buFont typeface="Arial" panose="020B0604020202020204" pitchFamily="34" charset="0"/>
+              <a:buChar char="•"/>
+            </a:pPr>
+            <a:r>
+              <a:rPr lang="en-US" altLang="zh-CN" b="1" dirty="0">
+                <a:solidFill>
+                  <a:srgbClr val="4B5563"/>
+                </a:solidFill>
+                <a:latin typeface="Times New Roman" panose="02020603050405020304" pitchFamily="18" charset="0"/>
+                <a:cs typeface="Times New Roman" panose="02020603050405020304" pitchFamily="18" charset="0"/>
+              </a:rPr>
+              <a:t>Language(s):</a:t>
+            </a:r>
+            <a:r>
+              <a:rPr lang="en-US" altLang="zh-CN" dirty="0">
+                <a:solidFill>
+                  <a:srgbClr val="4B5563"/>
+                </a:solidFill>
+                <a:latin typeface="Times New Roman" panose="02020603050405020304" pitchFamily="18" charset="0"/>
+                <a:cs typeface="Times New Roman" panose="02020603050405020304" pitchFamily="18" charset="0"/>
+              </a:rPr>
+              <a:t> English</a:t>
+            </a:r>
+          </a:p>
+          <a:p>
+            <a:pPr>
+              <a:buFont typeface="Arial" panose="020B0604020202020204" pitchFamily="34" charset="0"/>
+              <a:buChar char="•"/>
+            </a:pPr>
+            <a:r>
+              <a:rPr lang="en-US" altLang="zh-CN" b="1" dirty="0">
+                <a:solidFill>
+                  <a:srgbClr val="4B5563"/>
+                </a:solidFill>
+                <a:latin typeface="Times New Roman" panose="02020603050405020304" pitchFamily="18" charset="0"/>
+                <a:cs typeface="Times New Roman" panose="02020603050405020304" pitchFamily="18" charset="0"/>
+              </a:rPr>
+              <a:t>License:</a:t>
+            </a:r>
+            <a:r>
+              <a:rPr lang="en-US" altLang="zh-CN" dirty="0">
+                <a:solidFill>
+                  <a:srgbClr val="4B5563"/>
+                </a:solidFill>
+                <a:latin typeface="Times New Roman" panose="02020603050405020304" pitchFamily="18" charset="0"/>
+                <a:cs typeface="Times New Roman" panose="02020603050405020304" pitchFamily="18" charset="0"/>
+              </a:rPr>
+              <a:t> </a:t>
+            </a:r>
+            <a:r>
+              <a:rPr lang="en-US" altLang="zh-CN" u="sng" dirty="0" err="1">
+                <a:solidFill>
+                  <a:srgbClr val="4B5563"/>
+                </a:solidFill>
+                <a:latin typeface="Times New Roman" panose="02020603050405020304" pitchFamily="18" charset="0"/>
+                <a:cs typeface="Times New Roman" panose="02020603050405020304" pitchFamily="18" charset="0"/>
+                <a:hlinkClick r:id="rId4"/>
+              </a:rPr>
+              <a:t>CreativeML</a:t>
+            </a:r>
+            <a:r>
+              <a:rPr lang="en-US" altLang="zh-CN" u="sng" dirty="0">
+                <a:solidFill>
+                  <a:srgbClr val="4B5563"/>
+                </a:solidFill>
+                <a:latin typeface="Times New Roman" panose="02020603050405020304" pitchFamily="18" charset="0"/>
+                <a:cs typeface="Times New Roman" panose="02020603050405020304" pitchFamily="18" charset="0"/>
+                <a:hlinkClick r:id="rId4"/>
+              </a:rPr>
+              <a:t> Open RAIL++-M License</a:t>
+            </a:r>
+            <a:endParaRPr lang="en-US" altLang="zh-CN" dirty="0">
+              <a:solidFill>
+                <a:srgbClr val="4B5563"/>
+              </a:solidFill>
+              <a:latin typeface="Times New Roman" panose="02020603050405020304" pitchFamily="18" charset="0"/>
+              <a:cs typeface="Times New Roman" panose="02020603050405020304" pitchFamily="18" charset="0"/>
+            </a:endParaRPr>
+          </a:p>
+          <a:p>
+            <a:pPr>
+              <a:buFont typeface="Arial" panose="020B0604020202020204" pitchFamily="34" charset="0"/>
+              <a:buChar char="•"/>
+            </a:pPr>
+            <a:r>
+              <a:rPr lang="en-US" altLang="zh-CN" b="1" dirty="0">
+                <a:solidFill>
+                  <a:srgbClr val="4B5563"/>
+                </a:solidFill>
+                <a:latin typeface="Times New Roman" panose="02020603050405020304" pitchFamily="18" charset="0"/>
+                <a:cs typeface="Times New Roman" panose="02020603050405020304" pitchFamily="18" charset="0"/>
+              </a:rPr>
+              <a:t>Model Description:</a:t>
+            </a:r>
+            <a:r>
+              <a:rPr lang="en-US" altLang="zh-CN" dirty="0">
+                <a:solidFill>
+                  <a:srgbClr val="4B5563"/>
+                </a:solidFill>
+                <a:latin typeface="Times New Roman" panose="02020603050405020304" pitchFamily="18" charset="0"/>
+                <a:cs typeface="Times New Roman" panose="02020603050405020304" pitchFamily="18" charset="0"/>
+              </a:rPr>
+              <a:t> This is a model that can be used to generate and modify images based on text prompts. It is a </a:t>
+            </a:r>
+            <a:r>
+              <a:rPr lang="en-US" altLang="zh-CN" u="sng" dirty="0">
+                <a:solidFill>
+                  <a:srgbClr val="4B5563"/>
+                </a:solidFill>
+                <a:latin typeface="Times New Roman" panose="02020603050405020304" pitchFamily="18" charset="0"/>
+                <a:cs typeface="Times New Roman" panose="02020603050405020304" pitchFamily="18" charset="0"/>
+                <a:hlinkClick r:id="rId5"/>
+              </a:rPr>
+              <a:t>Latent Diffusion Model</a:t>
+            </a:r>
+            <a:r>
+              <a:rPr lang="en-US" altLang="zh-CN" dirty="0">
+                <a:solidFill>
+                  <a:srgbClr val="4B5563"/>
+                </a:solidFill>
+                <a:latin typeface="Times New Roman" panose="02020603050405020304" pitchFamily="18" charset="0"/>
+                <a:cs typeface="Times New Roman" panose="02020603050405020304" pitchFamily="18" charset="0"/>
+              </a:rPr>
+              <a:t> that uses a fixed, </a:t>
+            </a:r>
+            <a:r>
+              <a:rPr lang="en-US" altLang="zh-CN" dirty="0" err="1">
+                <a:solidFill>
+                  <a:srgbClr val="4B5563"/>
+                </a:solidFill>
+                <a:latin typeface="Times New Roman" panose="02020603050405020304" pitchFamily="18" charset="0"/>
+                <a:cs typeface="Times New Roman" panose="02020603050405020304" pitchFamily="18" charset="0"/>
+              </a:rPr>
+              <a:t>pretrained</a:t>
+            </a:r>
+            <a:r>
+              <a:rPr lang="en-US" altLang="zh-CN" dirty="0">
+                <a:solidFill>
+                  <a:srgbClr val="4B5563"/>
+                </a:solidFill>
+                <a:latin typeface="Times New Roman" panose="02020603050405020304" pitchFamily="18" charset="0"/>
+                <a:cs typeface="Times New Roman" panose="02020603050405020304" pitchFamily="18" charset="0"/>
+              </a:rPr>
+              <a:t> text encoder (</a:t>
+            </a:r>
+            <a:r>
+              <a:rPr lang="en-US" altLang="zh-CN" u="sng" dirty="0" err="1">
+                <a:solidFill>
+                  <a:srgbClr val="4B5563"/>
+                </a:solidFill>
+                <a:latin typeface="Times New Roman" panose="02020603050405020304" pitchFamily="18" charset="0"/>
+                <a:cs typeface="Times New Roman" panose="02020603050405020304" pitchFamily="18" charset="0"/>
+                <a:hlinkClick r:id="rId6"/>
+              </a:rPr>
+              <a:t>OpenCLIP-ViT</a:t>
+            </a:r>
+            <a:r>
+              <a:rPr lang="en-US" altLang="zh-CN" u="sng" dirty="0">
+                <a:solidFill>
+                  <a:srgbClr val="4B5563"/>
+                </a:solidFill>
+                <a:latin typeface="Times New Roman" panose="02020603050405020304" pitchFamily="18" charset="0"/>
+                <a:cs typeface="Times New Roman" panose="02020603050405020304" pitchFamily="18" charset="0"/>
+                <a:hlinkClick r:id="rId6"/>
+              </a:rPr>
+              <a:t>/H</a:t>
+            </a:r>
+            <a:r>
+              <a:rPr lang="en-US" altLang="zh-CN" dirty="0">
+                <a:solidFill>
+                  <a:srgbClr val="4B5563"/>
+                </a:solidFill>
+                <a:latin typeface="Times New Roman" panose="02020603050405020304" pitchFamily="18" charset="0"/>
+                <a:cs typeface="Times New Roman" panose="02020603050405020304" pitchFamily="18" charset="0"/>
+              </a:rPr>
+              <a:t>).</a:t>
+            </a:r>
+          </a:p>
+          <a:p>
+            <a:pPr>
+              <a:buFont typeface="Arial" panose="020B0604020202020204" pitchFamily="34" charset="0"/>
+              <a:buChar char="•"/>
+            </a:pPr>
+            <a:r>
+              <a:rPr lang="en-US" altLang="zh-CN" b="1" dirty="0">
+                <a:solidFill>
+                  <a:srgbClr val="4B5563"/>
+                </a:solidFill>
+                <a:latin typeface="Times New Roman" panose="02020603050405020304" pitchFamily="18" charset="0"/>
+                <a:cs typeface="Times New Roman" panose="02020603050405020304" pitchFamily="18" charset="0"/>
+              </a:rPr>
+              <a:t>Resources for more information:</a:t>
+            </a:r>
+            <a:r>
+              <a:rPr lang="en-US" altLang="zh-CN" dirty="0">
+                <a:solidFill>
+                  <a:srgbClr val="4B5563"/>
+                </a:solidFill>
+                <a:latin typeface="Times New Roman" panose="02020603050405020304" pitchFamily="18" charset="0"/>
+                <a:cs typeface="Times New Roman" panose="02020603050405020304" pitchFamily="18" charset="0"/>
+              </a:rPr>
+              <a:t> </a:t>
+            </a:r>
+            <a:r>
+              <a:rPr lang="en-US" altLang="zh-CN" u="sng" dirty="0">
+                <a:solidFill>
+                  <a:srgbClr val="4B5563"/>
+                </a:solidFill>
+                <a:latin typeface="Times New Roman" panose="02020603050405020304" pitchFamily="18" charset="0"/>
+                <a:cs typeface="Times New Roman" panose="02020603050405020304" pitchFamily="18" charset="0"/>
+                <a:hlinkClick r:id="rId7"/>
+              </a:rPr>
+              <a:t>GitHub Repository</a:t>
+            </a:r>
+            <a:r>
+              <a:rPr lang="en-US" altLang="zh-CN" dirty="0" smtClean="0">
+                <a:solidFill>
+                  <a:srgbClr val="4B5563"/>
+                </a:solidFill>
+                <a:latin typeface="Times New Roman" panose="02020603050405020304" pitchFamily="18" charset="0"/>
+                <a:cs typeface="Times New Roman" panose="02020603050405020304" pitchFamily="18" charset="0"/>
+              </a:rPr>
+              <a:t>.</a:t>
+            </a:r>
+            <a:endParaRPr lang="en-US" altLang="zh-CN" dirty="0">
+              <a:solidFill>
+                <a:srgbClr val="4B5563"/>
+              </a:solidFill>
+              <a:latin typeface="Times New Roman" panose="02020603050405020304" pitchFamily="18" charset="0"/>
+              <a:cs typeface="Times New Roman" panose="02020603050405020304" pitchFamily="18" charset="0"/>
+            </a:endParaRPr>
+          </a:p>
+        </p:txBody>
+      </p:sp>
+      <p:sp>
+        <p:nvSpPr>
+          <p:cNvPr id="9" name="矩形 8"/>
+          <p:cNvSpPr/>
+          <p:nvPr/>
+        </p:nvSpPr>
+        <p:spPr>
+          <a:xfrm>
+            <a:off x="6279612" y="2011734"/>
+            <a:ext cx="5642245" cy="3416320"/>
+          </a:xfrm>
+          <a:prstGeom prst="rect">
+            <a:avLst/>
+          </a:prstGeom>
+        </p:spPr>
+        <p:txBody>
+          <a:bodyPr wrap="square">
+            <a:spAutoFit/>
+          </a:bodyPr>
+          <a:lstStyle/>
+          <a:p>
+            <a:r>
+              <a:rPr lang="zh-CN" altLang="en-US" dirty="0">
+                <a:latin typeface="Times New Roman" panose="02020603050405020304" pitchFamily="18" charset="0"/>
+                <a:cs typeface="Times New Roman" panose="02020603050405020304" pitchFamily="18" charset="0"/>
+              </a:rPr>
+              <a:t>@InProceedings{Rombach_2022_CVPR,</a:t>
+            </a:r>
+          </a:p>
+          <a:p>
+            <a:r>
+              <a:rPr lang="zh-CN" altLang="en-US" dirty="0">
+                <a:latin typeface="Times New Roman" panose="02020603050405020304" pitchFamily="18" charset="0"/>
+                <a:cs typeface="Times New Roman" panose="02020603050405020304" pitchFamily="18" charset="0"/>
+              </a:rPr>
+              <a:t>    author    = {Rombach, Robin and Blattmann, Andreas and Lorenz, Dominik and Esser, Patrick and Ommer, Bj\"orn},</a:t>
+            </a:r>
+          </a:p>
+          <a:p>
+            <a:r>
+              <a:rPr lang="zh-CN" altLang="en-US" dirty="0">
+                <a:latin typeface="Times New Roman" panose="02020603050405020304" pitchFamily="18" charset="0"/>
+                <a:cs typeface="Times New Roman" panose="02020603050405020304" pitchFamily="18" charset="0"/>
+              </a:rPr>
+              <a:t>    title     = {High-Resolution Image Synthesis With Latent Diffusion Models},</a:t>
+            </a:r>
+          </a:p>
+          <a:p>
+            <a:r>
+              <a:rPr lang="zh-CN" altLang="en-US" dirty="0">
+                <a:latin typeface="Times New Roman" panose="02020603050405020304" pitchFamily="18" charset="0"/>
+                <a:cs typeface="Times New Roman" panose="02020603050405020304" pitchFamily="18" charset="0"/>
+              </a:rPr>
+              <a:t>    booktitle = {Proceedings of the IEEE/CVF Conference on Computer Vision and Pattern Recognition (CVPR)},</a:t>
+            </a:r>
+          </a:p>
+          <a:p>
+            <a:r>
+              <a:rPr lang="zh-CN" altLang="en-US" dirty="0">
+                <a:latin typeface="Times New Roman" panose="02020603050405020304" pitchFamily="18" charset="0"/>
+                <a:cs typeface="Times New Roman" panose="02020603050405020304" pitchFamily="18" charset="0"/>
+              </a:rPr>
+              <a:t>    month     = {June},</a:t>
+            </a:r>
+          </a:p>
+          <a:p>
+            <a:r>
+              <a:rPr lang="zh-CN" altLang="en-US" dirty="0">
+                <a:latin typeface="Times New Roman" panose="02020603050405020304" pitchFamily="18" charset="0"/>
+                <a:cs typeface="Times New Roman" panose="02020603050405020304" pitchFamily="18" charset="0"/>
+              </a:rPr>
+              <a:t>    year      = {2022},</a:t>
+            </a:r>
+          </a:p>
+          <a:p>
+            <a:r>
+              <a:rPr lang="zh-CN" altLang="en-US" dirty="0">
+                <a:latin typeface="Times New Roman" panose="02020603050405020304" pitchFamily="18" charset="0"/>
+                <a:cs typeface="Times New Roman" panose="02020603050405020304" pitchFamily="18" charset="0"/>
+              </a:rPr>
+              <a:t>    pages     = {10684-10695}</a:t>
+            </a:r>
+          </a:p>
+          <a:p>
+            <a:r>
+              <a:rPr lang="zh-CN" altLang="en-US" dirty="0">
+                <a:latin typeface="Times New Roman" panose="02020603050405020304" pitchFamily="18" charset="0"/>
+                <a:cs typeface="Times New Roman" panose="02020603050405020304" pitchFamily="18" charset="0"/>
+              </a:rPr>
+              <a:t>}</a:t>
+            </a:r>
+          </a:p>
+        </p:txBody>
+      </p:sp>
+    </p:spTree>
+    <p:extLst>
+      <p:ext uri="{BB962C8B-B14F-4D97-AF65-F5344CB8AC3E}">
+        <p14:creationId xmlns:p14="http://schemas.microsoft.com/office/powerpoint/2010/main" val="514345002"/>
+      </p:ext>
+    </p:extLst>
+  </p:cSld>
+  <p:clrMapOvr>
+    <a:masterClrMapping/>
+  </p:clrMapOvr>
+  <p:timing>
+    <p:tnLst>
+      <p:par>
+        <p:cTn id="1" dur="indefinite" restart="never" nodeType="tmRoot"/>
+      </p:par>
+    </p:tnLst>
+  </p:timing>
+</p:sld>
+</file>
+
+<file path=ppt/slides/slide15.xml><?xml version="1.0" encoding="utf-8"?>
+<p:sld xmlns:a="http://schemas.openxmlformats.org/drawingml/2006/main" xmlns:r="http://schemas.openxmlformats.org/officeDocument/2006/relationships" xmlns:p="http://schemas.openxmlformats.org/presentationml/2006/main">
+  <p:cSld>
+    <p:spTree>
+      <p:nvGrpSpPr>
+        <p:cNvPr id="1" name=""/>
+        <p:cNvGrpSpPr/>
+        <p:nvPr/>
+      </p:nvGrpSpPr>
+      <p:grpSpPr>
+        <a:xfrm>
+          <a:off x="0" y="0"/>
+          <a:ext cx="0" cy="0"/>
+          <a:chOff x="0" y="0"/>
+          <a:chExt cx="0" cy="0"/>
+        </a:xfrm>
+      </p:grpSpPr>
+      <p:sp>
+        <p:nvSpPr>
+          <p:cNvPr id="3" name="矩形 2"/>
+          <p:cNvSpPr/>
+          <p:nvPr/>
+        </p:nvSpPr>
+        <p:spPr>
+          <a:xfrm>
+            <a:off x="364855" y="606392"/>
+            <a:ext cx="2589170" cy="584775"/>
+          </a:xfrm>
+          <a:prstGeom prst="rect">
+            <a:avLst/>
+          </a:prstGeom>
+        </p:spPr>
+        <p:txBody>
+          <a:bodyPr wrap="none">
+            <a:spAutoFit/>
+          </a:bodyPr>
+          <a:lstStyle/>
+          <a:p>
+            <a:pPr marL="0" lvl="1"/>
+            <a:r>
+              <a:rPr lang="it-IT" altLang="zh-CN" sz="3200" dirty="0" smtClean="0">
+                <a:solidFill>
+                  <a:srgbClr val="333333"/>
+                </a:solidFill>
+                <a:latin typeface="Times New Roman" panose="02020603050405020304" pitchFamily="18" charset="0"/>
+                <a:ea typeface="Open Sans"/>
+                <a:cs typeface="Times New Roman" panose="02020603050405020304" pitchFamily="18" charset="0"/>
+              </a:rPr>
+              <a:t>File Structures</a:t>
+            </a:r>
+            <a:endParaRPr lang="it-IT" altLang="zh-CN" sz="3200" dirty="0">
+              <a:solidFill>
+                <a:srgbClr val="333333"/>
+              </a:solidFill>
+              <a:latin typeface="Times New Roman" panose="02020603050405020304" pitchFamily="18" charset="0"/>
+              <a:ea typeface="Open Sans"/>
+              <a:cs typeface="Times New Roman" panose="02020603050405020304" pitchFamily="18" charset="0"/>
+            </a:endParaRPr>
+          </a:p>
+        </p:txBody>
+      </p:sp>
+      <p:grpSp>
+        <p:nvGrpSpPr>
+          <p:cNvPr id="5" name="组合 4"/>
+          <p:cNvGrpSpPr/>
+          <p:nvPr/>
+        </p:nvGrpSpPr>
+        <p:grpSpPr>
+          <a:xfrm>
+            <a:off x="8737600" y="137886"/>
+            <a:ext cx="3514167" cy="6720114"/>
+            <a:chOff x="8737600" y="137886"/>
+            <a:chExt cx="3514167" cy="6720114"/>
+          </a:xfrm>
+        </p:grpSpPr>
+        <p:pic>
+          <p:nvPicPr>
+            <p:cNvPr id="6" name="图片 5"/>
+            <p:cNvPicPr>
+              <a:picLocks noChangeAspect="1"/>
+            </p:cNvPicPr>
+            <p:nvPr/>
+          </p:nvPicPr>
+          <p:blipFill>
+            <a:blip r:embed="rId2" cstate="print">
+              <a:extLst>
+                <a:ext uri="{28A0092B-C50C-407E-A947-70E740481C1C}">
+                  <a14:useLocalDpi xmlns:a14="http://schemas.microsoft.com/office/drawing/2010/main" val="0"/>
+                </a:ext>
+              </a:extLst>
+            </a:blip>
+            <a:stretch>
+              <a:fillRect/>
+            </a:stretch>
+          </p:blipFill>
+          <p:spPr>
+            <a:xfrm>
+              <a:off x="11096357" y="137886"/>
+              <a:ext cx="825500" cy="825500"/>
+            </a:xfrm>
+            <a:prstGeom prst="rect">
+              <a:avLst/>
+            </a:prstGeom>
+          </p:spPr>
+        </p:pic>
+        <p:sp>
+          <p:nvSpPr>
+            <p:cNvPr id="7" name="矩形 6"/>
+            <p:cNvSpPr/>
+            <p:nvPr/>
+          </p:nvSpPr>
+          <p:spPr>
+            <a:xfrm>
+              <a:off x="8737600" y="6488668"/>
+              <a:ext cx="3514167" cy="369332"/>
+            </a:xfrm>
+            <a:prstGeom prst="rect">
+              <a:avLst/>
+            </a:prstGeom>
+          </p:spPr>
+          <p:txBody>
+            <a:bodyPr wrap="none">
+              <a:spAutoFit/>
+            </a:bodyPr>
+            <a:lstStyle/>
+            <a:p>
+              <a:r>
+                <a:rPr lang="en-US" altLang="zh-CN" dirty="0">
+                  <a:latin typeface="Times New Roman" panose="02020603050405020304" pitchFamily="18" charset="0"/>
+                  <a:cs typeface="Times New Roman" panose="02020603050405020304" pitchFamily="18" charset="0"/>
+                </a:rPr>
+                <a:t>© Sakura, 2024. All rights reserved.</a:t>
+              </a:r>
+              <a:endParaRPr lang="zh-CN" altLang="en-US" dirty="0">
+                <a:latin typeface="Times New Roman" panose="02020603050405020304" pitchFamily="18" charset="0"/>
+                <a:cs typeface="Times New Roman" panose="02020603050405020304" pitchFamily="18" charset="0"/>
+              </a:endParaRPr>
+            </a:p>
+          </p:txBody>
+        </p:sp>
+      </p:grpSp>
+      <p:sp>
+        <p:nvSpPr>
+          <p:cNvPr id="2" name="矩形 1"/>
+          <p:cNvSpPr/>
+          <p:nvPr/>
+        </p:nvSpPr>
+        <p:spPr>
+          <a:xfrm>
+            <a:off x="0" y="6546376"/>
+            <a:ext cx="8448582" cy="253916"/>
+          </a:xfrm>
+          <a:prstGeom prst="rect">
+            <a:avLst/>
+          </a:prstGeom>
+        </p:spPr>
+        <p:txBody>
+          <a:bodyPr wrap="square">
+            <a:spAutoFit/>
+          </a:bodyPr>
+          <a:lstStyle/>
+          <a:p>
+            <a:r>
+              <a:rPr lang="en-US" altLang="zh-CN" sz="1000" dirty="0" err="1">
+                <a:solidFill>
+                  <a:schemeClr val="bg1">
+                    <a:lumMod val="75000"/>
+                  </a:schemeClr>
+                </a:solidFill>
+                <a:latin typeface="Times New Roman" panose="02020603050405020304" pitchFamily="18" charset="0"/>
+                <a:cs typeface="Times New Roman" panose="02020603050405020304" pitchFamily="18" charset="0"/>
+              </a:rPr>
+              <a:t>Rombach</a:t>
+            </a:r>
+            <a:r>
+              <a:rPr lang="en-US" altLang="zh-CN" sz="1000" dirty="0">
+                <a:solidFill>
+                  <a:schemeClr val="bg1">
+                    <a:lumMod val="75000"/>
+                  </a:schemeClr>
+                </a:solidFill>
+                <a:latin typeface="Times New Roman" panose="02020603050405020304" pitchFamily="18" charset="0"/>
+                <a:cs typeface="Times New Roman" panose="02020603050405020304" pitchFamily="18" charset="0"/>
+              </a:rPr>
+              <a:t>, R., </a:t>
+            </a:r>
+            <a:r>
+              <a:rPr lang="en-US" altLang="zh-CN" sz="1000" dirty="0" err="1">
+                <a:solidFill>
+                  <a:schemeClr val="bg1">
+                    <a:lumMod val="75000"/>
+                  </a:schemeClr>
+                </a:solidFill>
+                <a:latin typeface="Times New Roman" panose="02020603050405020304" pitchFamily="18" charset="0"/>
+                <a:cs typeface="Times New Roman" panose="02020603050405020304" pitchFamily="18" charset="0"/>
+              </a:rPr>
+              <a:t>Blattmann</a:t>
+            </a:r>
+            <a:r>
+              <a:rPr lang="en-US" altLang="zh-CN" sz="1000" dirty="0">
+                <a:solidFill>
+                  <a:schemeClr val="bg1">
+                    <a:lumMod val="75000"/>
+                  </a:schemeClr>
+                </a:solidFill>
+                <a:latin typeface="Times New Roman" panose="02020603050405020304" pitchFamily="18" charset="0"/>
+                <a:cs typeface="Times New Roman" panose="02020603050405020304" pitchFamily="18" charset="0"/>
+              </a:rPr>
+              <a:t>, A., Lorenz, D., </a:t>
+            </a:r>
+            <a:r>
+              <a:rPr lang="en-US" altLang="zh-CN" sz="1000" dirty="0" err="1">
+                <a:solidFill>
+                  <a:schemeClr val="bg1">
+                    <a:lumMod val="75000"/>
+                  </a:schemeClr>
+                </a:solidFill>
+                <a:latin typeface="Times New Roman" panose="02020603050405020304" pitchFamily="18" charset="0"/>
+                <a:cs typeface="Times New Roman" panose="02020603050405020304" pitchFamily="18" charset="0"/>
+              </a:rPr>
+              <a:t>Esser</a:t>
+            </a:r>
+            <a:r>
+              <a:rPr lang="en-US" altLang="zh-CN" sz="1000" dirty="0">
+                <a:solidFill>
+                  <a:schemeClr val="bg1">
+                    <a:lumMod val="75000"/>
+                  </a:schemeClr>
+                </a:solidFill>
+                <a:latin typeface="Times New Roman" panose="02020603050405020304" pitchFamily="18" charset="0"/>
+                <a:cs typeface="Times New Roman" panose="02020603050405020304" pitchFamily="18" charset="0"/>
+              </a:rPr>
+              <a:t>, P., &amp; </a:t>
+            </a:r>
+            <a:r>
+              <a:rPr lang="en-US" altLang="zh-CN" sz="1000" dirty="0" err="1">
+                <a:solidFill>
+                  <a:schemeClr val="bg1">
+                    <a:lumMod val="75000"/>
+                  </a:schemeClr>
+                </a:solidFill>
+                <a:latin typeface="Times New Roman" panose="02020603050405020304" pitchFamily="18" charset="0"/>
+                <a:cs typeface="Times New Roman" panose="02020603050405020304" pitchFamily="18" charset="0"/>
+              </a:rPr>
+              <a:t>Ommer</a:t>
+            </a:r>
+            <a:r>
+              <a:rPr lang="en-US" altLang="zh-CN" sz="1000" dirty="0">
+                <a:solidFill>
+                  <a:schemeClr val="bg1">
+                    <a:lumMod val="75000"/>
+                  </a:schemeClr>
+                </a:solidFill>
+                <a:latin typeface="Times New Roman" panose="02020603050405020304" pitchFamily="18" charset="0"/>
+                <a:cs typeface="Times New Roman" panose="02020603050405020304" pitchFamily="18" charset="0"/>
+              </a:rPr>
+              <a:t>, B. (2022). </a:t>
+            </a:r>
+            <a:r>
+              <a:rPr lang="en-US" altLang="zh-CN" sz="1000" i="1" dirty="0">
+                <a:solidFill>
+                  <a:schemeClr val="bg1">
+                    <a:lumMod val="75000"/>
+                  </a:schemeClr>
+                </a:solidFill>
+                <a:latin typeface="Times New Roman" panose="02020603050405020304" pitchFamily="18" charset="0"/>
+                <a:cs typeface="Times New Roman" panose="02020603050405020304" pitchFamily="18" charset="0"/>
+              </a:rPr>
+              <a:t>High-Resolution Image Synthesis With Latent Diffusion Models</a:t>
+            </a:r>
+            <a:r>
+              <a:rPr lang="en-US" altLang="zh-CN" sz="1000" dirty="0">
+                <a:solidFill>
+                  <a:schemeClr val="bg1">
+                    <a:lumMod val="75000"/>
+                  </a:schemeClr>
+                </a:solidFill>
+                <a:latin typeface="Times New Roman" panose="02020603050405020304" pitchFamily="18" charset="0"/>
+                <a:cs typeface="Times New Roman" panose="02020603050405020304" pitchFamily="18" charset="0"/>
+              </a:rPr>
+              <a:t>. 10684–10695. </a:t>
+            </a:r>
+            <a:endParaRPr lang="en-US" altLang="zh-CN" sz="1000" dirty="0">
+              <a:solidFill>
+                <a:schemeClr val="bg1">
+                  <a:lumMod val="75000"/>
+                </a:schemeClr>
+              </a:solidFill>
+              <a:effectLst/>
+              <a:latin typeface="Times New Roman" panose="02020603050405020304" pitchFamily="18" charset="0"/>
+              <a:cs typeface="Times New Roman" panose="02020603050405020304" pitchFamily="18" charset="0"/>
+            </a:endParaRPr>
+          </a:p>
+        </p:txBody>
+      </p:sp>
+      <p:sp>
+        <p:nvSpPr>
+          <p:cNvPr id="8" name="矩形 7"/>
+          <p:cNvSpPr/>
+          <p:nvPr/>
+        </p:nvSpPr>
+        <p:spPr>
+          <a:xfrm>
+            <a:off x="364855" y="6121767"/>
+            <a:ext cx="11988800" cy="369332"/>
+          </a:xfrm>
+          <a:prstGeom prst="rect">
+            <a:avLst/>
+          </a:prstGeom>
+        </p:spPr>
+        <p:txBody>
+          <a:bodyPr wrap="square">
+            <a:spAutoFit/>
+          </a:bodyPr>
+          <a:lstStyle/>
+          <a:p>
+            <a:pPr algn="ctr"/>
+            <a:r>
+              <a:rPr lang="en-US" altLang="zh-CN" dirty="0" smtClean="0">
+                <a:latin typeface="Times New Roman" panose="02020603050405020304" pitchFamily="18" charset="0"/>
+                <a:cs typeface="Times New Roman" panose="02020603050405020304" pitchFamily="18" charset="0"/>
+              </a:rPr>
+              <a:t>Architecture of LDM (</a:t>
+            </a:r>
+            <a:r>
+              <a:rPr lang="en-US" altLang="zh-CN" dirty="0" err="1" smtClean="0">
+                <a:latin typeface="Times New Roman" panose="02020603050405020304" pitchFamily="18" charset="0"/>
+                <a:cs typeface="Times New Roman" panose="02020603050405020304" pitchFamily="18" charset="0"/>
+              </a:rPr>
+              <a:t>Rombach</a:t>
+            </a:r>
+            <a:r>
+              <a:rPr lang="en-US" altLang="zh-CN" dirty="0" smtClean="0">
+                <a:latin typeface="Times New Roman" panose="02020603050405020304" pitchFamily="18" charset="0"/>
+                <a:cs typeface="Times New Roman" panose="02020603050405020304" pitchFamily="18" charset="0"/>
+              </a:rPr>
+              <a:t> et al., 2022)</a:t>
+            </a:r>
+            <a:endParaRPr lang="zh-CN" altLang="en-US" dirty="0">
+              <a:latin typeface="Times New Roman" panose="02020603050405020304" pitchFamily="18" charset="0"/>
+              <a:cs typeface="Times New Roman" panose="02020603050405020304" pitchFamily="18" charset="0"/>
+            </a:endParaRPr>
+          </a:p>
+        </p:txBody>
+      </p:sp>
+    </p:spTree>
+    <p:extLst>
+      <p:ext uri="{BB962C8B-B14F-4D97-AF65-F5344CB8AC3E}">
+        <p14:creationId xmlns:p14="http://schemas.microsoft.com/office/powerpoint/2010/main" val="4197927843"/>
+      </p:ext>
+    </p:extLst>
+  </p:cSld>
+  <p:clrMapOvr>
+    <a:masterClrMapping/>
+  </p:clrMapOvr>
+  <p:timing>
+    <p:tnLst>
+      <p:par>
+        <p:cTn id="1" dur="indefinite" restart="never" nodeType="tmRoot"/>
+      </p:par>
+    </p:tnLst>
+  </p:timing>
+</p:sld>
+</file>
+
+<file path=ppt/slides/slide16.xml><?xml version="1.0" encoding="utf-8"?>
+<p:sld xmlns:a="http://schemas.openxmlformats.org/drawingml/2006/main" xmlns:r="http://schemas.openxmlformats.org/officeDocument/2006/relationships" xmlns:p="http://schemas.openxmlformats.org/presentationml/2006/main">
+  <p:cSld>
+    <p:spTree>
+      <p:nvGrpSpPr>
+        <p:cNvPr id="1" name=""/>
+        <p:cNvGrpSpPr/>
+        <p:nvPr/>
+      </p:nvGrpSpPr>
+      <p:grpSpPr>
+        <a:xfrm>
+          <a:off x="0" y="0"/>
+          <a:ext cx="0" cy="0"/>
+          <a:chOff x="0" y="0"/>
+          <a:chExt cx="0" cy="0"/>
+        </a:xfrm>
+      </p:grpSpPr>
+      <p:sp>
+        <p:nvSpPr>
+          <p:cNvPr id="3" name="矩形 2"/>
+          <p:cNvSpPr/>
+          <p:nvPr/>
+        </p:nvSpPr>
+        <p:spPr>
+          <a:xfrm>
+            <a:off x="364855" y="606392"/>
+            <a:ext cx="2031325" cy="584775"/>
+          </a:xfrm>
+          <a:prstGeom prst="rect">
+            <a:avLst/>
+          </a:prstGeom>
+        </p:spPr>
+        <p:txBody>
+          <a:bodyPr wrap="none">
+            <a:spAutoFit/>
+          </a:bodyPr>
+          <a:lstStyle/>
+          <a:p>
+            <a:pPr marL="0" lvl="1"/>
+            <a:r>
+              <a:rPr lang="it-IT" altLang="zh-CN" sz="3200" dirty="0" smtClean="0">
+                <a:solidFill>
+                  <a:srgbClr val="333333"/>
+                </a:solidFill>
+                <a:latin typeface="Times New Roman" panose="02020603050405020304" pitchFamily="18" charset="0"/>
+                <a:ea typeface="Open Sans"/>
+                <a:cs typeface="Times New Roman" panose="02020603050405020304" pitchFamily="18" charset="0"/>
+              </a:rPr>
+              <a:t>Installation</a:t>
+            </a:r>
+            <a:endParaRPr lang="it-IT" altLang="zh-CN" sz="3200" dirty="0">
+              <a:solidFill>
+                <a:srgbClr val="333333"/>
+              </a:solidFill>
+              <a:latin typeface="Times New Roman" panose="02020603050405020304" pitchFamily="18" charset="0"/>
+              <a:ea typeface="Open Sans"/>
+              <a:cs typeface="Times New Roman" panose="02020603050405020304" pitchFamily="18" charset="0"/>
+            </a:endParaRPr>
+          </a:p>
+        </p:txBody>
+      </p:sp>
+      <p:grpSp>
+        <p:nvGrpSpPr>
+          <p:cNvPr id="5" name="组合 4"/>
+          <p:cNvGrpSpPr/>
+          <p:nvPr/>
+        </p:nvGrpSpPr>
+        <p:grpSpPr>
+          <a:xfrm>
+            <a:off x="8737600" y="137886"/>
+            <a:ext cx="3514167" cy="6720114"/>
+            <a:chOff x="8737600" y="137886"/>
+            <a:chExt cx="3514167" cy="6720114"/>
+          </a:xfrm>
+        </p:grpSpPr>
+        <p:pic>
+          <p:nvPicPr>
+            <p:cNvPr id="6" name="图片 5"/>
+            <p:cNvPicPr>
+              <a:picLocks noChangeAspect="1"/>
+            </p:cNvPicPr>
+            <p:nvPr/>
+          </p:nvPicPr>
+          <p:blipFill>
+            <a:blip r:embed="rId2" cstate="print">
+              <a:extLst>
+                <a:ext uri="{28A0092B-C50C-407E-A947-70E740481C1C}">
+                  <a14:useLocalDpi xmlns:a14="http://schemas.microsoft.com/office/drawing/2010/main" val="0"/>
+                </a:ext>
+              </a:extLst>
+            </a:blip>
+            <a:stretch>
+              <a:fillRect/>
+            </a:stretch>
+          </p:blipFill>
+          <p:spPr>
+            <a:xfrm>
+              <a:off x="11096357" y="137886"/>
+              <a:ext cx="825500" cy="825500"/>
+            </a:xfrm>
+            <a:prstGeom prst="rect">
+              <a:avLst/>
+            </a:prstGeom>
+          </p:spPr>
+        </p:pic>
+        <p:sp>
+          <p:nvSpPr>
+            <p:cNvPr id="7" name="矩形 6"/>
+            <p:cNvSpPr/>
+            <p:nvPr/>
+          </p:nvSpPr>
+          <p:spPr>
+            <a:xfrm>
+              <a:off x="8737600" y="6488668"/>
+              <a:ext cx="3514167" cy="369332"/>
+            </a:xfrm>
+            <a:prstGeom prst="rect">
+              <a:avLst/>
+            </a:prstGeom>
+          </p:spPr>
+          <p:txBody>
+            <a:bodyPr wrap="none">
+              <a:spAutoFit/>
+            </a:bodyPr>
+            <a:lstStyle/>
+            <a:p>
+              <a:r>
+                <a:rPr lang="en-US" altLang="zh-CN" dirty="0">
+                  <a:latin typeface="Times New Roman" panose="02020603050405020304" pitchFamily="18" charset="0"/>
+                  <a:cs typeface="Times New Roman" panose="02020603050405020304" pitchFamily="18" charset="0"/>
+                </a:rPr>
+                <a:t>© Sakura, 2024. All rights reserved.</a:t>
+              </a:r>
+              <a:endParaRPr lang="zh-CN" altLang="en-US" dirty="0">
+                <a:latin typeface="Times New Roman" panose="02020603050405020304" pitchFamily="18" charset="0"/>
+                <a:cs typeface="Times New Roman" panose="02020603050405020304" pitchFamily="18" charset="0"/>
+              </a:endParaRPr>
+            </a:p>
+          </p:txBody>
+        </p:sp>
+      </p:grpSp>
+      <p:sp>
+        <p:nvSpPr>
+          <p:cNvPr id="2" name="矩形 1"/>
+          <p:cNvSpPr/>
+          <p:nvPr/>
+        </p:nvSpPr>
+        <p:spPr>
+          <a:xfrm>
+            <a:off x="0" y="6546376"/>
+            <a:ext cx="8448582" cy="253916"/>
+          </a:xfrm>
+          <a:prstGeom prst="rect">
+            <a:avLst/>
+          </a:prstGeom>
+        </p:spPr>
+        <p:txBody>
+          <a:bodyPr wrap="square">
+            <a:spAutoFit/>
+          </a:bodyPr>
+          <a:lstStyle/>
+          <a:p>
+            <a:r>
+              <a:rPr lang="en-US" altLang="zh-CN" sz="1000" dirty="0" err="1">
+                <a:solidFill>
+                  <a:schemeClr val="bg1">
+                    <a:lumMod val="75000"/>
+                  </a:schemeClr>
+                </a:solidFill>
+                <a:latin typeface="Times New Roman" panose="02020603050405020304" pitchFamily="18" charset="0"/>
+                <a:cs typeface="Times New Roman" panose="02020603050405020304" pitchFamily="18" charset="0"/>
+              </a:rPr>
+              <a:t>Rombach</a:t>
+            </a:r>
+            <a:r>
+              <a:rPr lang="en-US" altLang="zh-CN" sz="1000" dirty="0">
+                <a:solidFill>
+                  <a:schemeClr val="bg1">
+                    <a:lumMod val="75000"/>
+                  </a:schemeClr>
+                </a:solidFill>
+                <a:latin typeface="Times New Roman" panose="02020603050405020304" pitchFamily="18" charset="0"/>
+                <a:cs typeface="Times New Roman" panose="02020603050405020304" pitchFamily="18" charset="0"/>
+              </a:rPr>
+              <a:t>, R., </a:t>
+            </a:r>
+            <a:r>
+              <a:rPr lang="en-US" altLang="zh-CN" sz="1000" dirty="0" err="1">
+                <a:solidFill>
+                  <a:schemeClr val="bg1">
+                    <a:lumMod val="75000"/>
+                  </a:schemeClr>
+                </a:solidFill>
+                <a:latin typeface="Times New Roman" panose="02020603050405020304" pitchFamily="18" charset="0"/>
+                <a:cs typeface="Times New Roman" panose="02020603050405020304" pitchFamily="18" charset="0"/>
+              </a:rPr>
+              <a:t>Blattmann</a:t>
+            </a:r>
+            <a:r>
+              <a:rPr lang="en-US" altLang="zh-CN" sz="1000" dirty="0">
+                <a:solidFill>
+                  <a:schemeClr val="bg1">
+                    <a:lumMod val="75000"/>
+                  </a:schemeClr>
+                </a:solidFill>
+                <a:latin typeface="Times New Roman" panose="02020603050405020304" pitchFamily="18" charset="0"/>
+                <a:cs typeface="Times New Roman" panose="02020603050405020304" pitchFamily="18" charset="0"/>
+              </a:rPr>
+              <a:t>, A., Lorenz, D., </a:t>
+            </a:r>
+            <a:r>
+              <a:rPr lang="en-US" altLang="zh-CN" sz="1000" dirty="0" err="1">
+                <a:solidFill>
+                  <a:schemeClr val="bg1">
+                    <a:lumMod val="75000"/>
+                  </a:schemeClr>
+                </a:solidFill>
+                <a:latin typeface="Times New Roman" panose="02020603050405020304" pitchFamily="18" charset="0"/>
+                <a:cs typeface="Times New Roman" panose="02020603050405020304" pitchFamily="18" charset="0"/>
+              </a:rPr>
+              <a:t>Esser</a:t>
+            </a:r>
+            <a:r>
+              <a:rPr lang="en-US" altLang="zh-CN" sz="1000" dirty="0">
+                <a:solidFill>
+                  <a:schemeClr val="bg1">
+                    <a:lumMod val="75000"/>
+                  </a:schemeClr>
+                </a:solidFill>
+                <a:latin typeface="Times New Roman" panose="02020603050405020304" pitchFamily="18" charset="0"/>
+                <a:cs typeface="Times New Roman" panose="02020603050405020304" pitchFamily="18" charset="0"/>
+              </a:rPr>
+              <a:t>, P., &amp; </a:t>
+            </a:r>
+            <a:r>
+              <a:rPr lang="en-US" altLang="zh-CN" sz="1000" dirty="0" err="1">
+                <a:solidFill>
+                  <a:schemeClr val="bg1">
+                    <a:lumMod val="75000"/>
+                  </a:schemeClr>
+                </a:solidFill>
+                <a:latin typeface="Times New Roman" panose="02020603050405020304" pitchFamily="18" charset="0"/>
+                <a:cs typeface="Times New Roman" panose="02020603050405020304" pitchFamily="18" charset="0"/>
+              </a:rPr>
+              <a:t>Ommer</a:t>
+            </a:r>
+            <a:r>
+              <a:rPr lang="en-US" altLang="zh-CN" sz="1000" dirty="0">
+                <a:solidFill>
+                  <a:schemeClr val="bg1">
+                    <a:lumMod val="75000"/>
+                  </a:schemeClr>
+                </a:solidFill>
+                <a:latin typeface="Times New Roman" panose="02020603050405020304" pitchFamily="18" charset="0"/>
+                <a:cs typeface="Times New Roman" panose="02020603050405020304" pitchFamily="18" charset="0"/>
+              </a:rPr>
+              <a:t>, B. (2022). </a:t>
+            </a:r>
+            <a:r>
+              <a:rPr lang="en-US" altLang="zh-CN" sz="1000" i="1" dirty="0">
+                <a:solidFill>
+                  <a:schemeClr val="bg1">
+                    <a:lumMod val="75000"/>
+                  </a:schemeClr>
+                </a:solidFill>
+                <a:latin typeface="Times New Roman" panose="02020603050405020304" pitchFamily="18" charset="0"/>
+                <a:cs typeface="Times New Roman" panose="02020603050405020304" pitchFamily="18" charset="0"/>
+              </a:rPr>
+              <a:t>High-Resolution Image Synthesis With Latent Diffusion Models</a:t>
+            </a:r>
+            <a:r>
+              <a:rPr lang="en-US" altLang="zh-CN" sz="1000" dirty="0">
+                <a:solidFill>
+                  <a:schemeClr val="bg1">
+                    <a:lumMod val="75000"/>
+                  </a:schemeClr>
+                </a:solidFill>
+                <a:latin typeface="Times New Roman" panose="02020603050405020304" pitchFamily="18" charset="0"/>
+                <a:cs typeface="Times New Roman" panose="02020603050405020304" pitchFamily="18" charset="0"/>
+              </a:rPr>
+              <a:t>. 10684–10695. </a:t>
+            </a:r>
+            <a:endParaRPr lang="en-US" altLang="zh-CN" sz="1000" dirty="0">
+              <a:solidFill>
+                <a:schemeClr val="bg1">
+                  <a:lumMod val="75000"/>
+                </a:schemeClr>
+              </a:solidFill>
+              <a:effectLst/>
+              <a:latin typeface="Times New Roman" panose="02020603050405020304" pitchFamily="18" charset="0"/>
+              <a:cs typeface="Times New Roman" panose="02020603050405020304" pitchFamily="18" charset="0"/>
+            </a:endParaRPr>
+          </a:p>
+        </p:txBody>
+      </p:sp>
+      <p:sp>
+        <p:nvSpPr>
+          <p:cNvPr id="8" name="矩形 7"/>
+          <p:cNvSpPr/>
+          <p:nvPr/>
+        </p:nvSpPr>
+        <p:spPr>
+          <a:xfrm>
+            <a:off x="364855" y="6121767"/>
+            <a:ext cx="11988800" cy="369332"/>
+          </a:xfrm>
+          <a:prstGeom prst="rect">
+            <a:avLst/>
+          </a:prstGeom>
+        </p:spPr>
+        <p:txBody>
+          <a:bodyPr wrap="square">
+            <a:spAutoFit/>
+          </a:bodyPr>
+          <a:lstStyle/>
+          <a:p>
+            <a:pPr algn="ctr"/>
+            <a:r>
+              <a:rPr lang="en-US" altLang="zh-CN" dirty="0" smtClean="0">
+                <a:latin typeface="Times New Roman" panose="02020603050405020304" pitchFamily="18" charset="0"/>
+                <a:cs typeface="Times New Roman" panose="02020603050405020304" pitchFamily="18" charset="0"/>
+              </a:rPr>
+              <a:t>Architecture of LDM (</a:t>
+            </a:r>
+            <a:r>
+              <a:rPr lang="en-US" altLang="zh-CN" dirty="0" err="1" smtClean="0">
+                <a:latin typeface="Times New Roman" panose="02020603050405020304" pitchFamily="18" charset="0"/>
+                <a:cs typeface="Times New Roman" panose="02020603050405020304" pitchFamily="18" charset="0"/>
+              </a:rPr>
+              <a:t>Rombach</a:t>
+            </a:r>
+            <a:r>
+              <a:rPr lang="en-US" altLang="zh-CN" dirty="0" smtClean="0">
+                <a:latin typeface="Times New Roman" panose="02020603050405020304" pitchFamily="18" charset="0"/>
+                <a:cs typeface="Times New Roman" panose="02020603050405020304" pitchFamily="18" charset="0"/>
+              </a:rPr>
+              <a:t> et al., 2022)</a:t>
+            </a:r>
+            <a:endParaRPr lang="zh-CN" altLang="en-US" dirty="0">
+              <a:latin typeface="Times New Roman" panose="02020603050405020304" pitchFamily="18" charset="0"/>
+              <a:cs typeface="Times New Roman" panose="02020603050405020304" pitchFamily="18" charset="0"/>
+            </a:endParaRPr>
+          </a:p>
+        </p:txBody>
+      </p:sp>
+    </p:spTree>
+    <p:extLst>
+      <p:ext uri="{BB962C8B-B14F-4D97-AF65-F5344CB8AC3E}">
+        <p14:creationId xmlns:p14="http://schemas.microsoft.com/office/powerpoint/2010/main" val="1697162109"/>
+      </p:ext>
+    </p:extLst>
+  </p:cSld>
+  <p:clrMapOvr>
+    <a:masterClrMapping/>
+  </p:clrMapOvr>
+  <p:timing>
+    <p:tnLst>
+      <p:par>
+        <p:cTn id="1" dur="indefinite" restart="never" nodeType="tmRoot"/>
+      </p:par>
+    </p:tnLst>
+  </p:timing>
+</p:sld>
+</file>
+
+<file path=ppt/slides/slide17.xml><?xml version="1.0" encoding="utf-8"?>
+<p:sld xmlns:a="http://schemas.openxmlformats.org/drawingml/2006/main" xmlns:r="http://schemas.openxmlformats.org/officeDocument/2006/relationships" xmlns:p="http://schemas.openxmlformats.org/presentationml/2006/main">
+  <p:cSld>
+    <p:spTree>
+      <p:nvGrpSpPr>
+        <p:cNvPr id="1" name=""/>
+        <p:cNvGrpSpPr/>
+        <p:nvPr/>
+      </p:nvGrpSpPr>
+      <p:grpSpPr>
+        <a:xfrm>
+          <a:off x="0" y="0"/>
+          <a:ext cx="0" cy="0"/>
+          <a:chOff x="0" y="0"/>
+          <a:chExt cx="0" cy="0"/>
+        </a:xfrm>
+      </p:grpSpPr>
+      <p:sp>
+        <p:nvSpPr>
+          <p:cNvPr id="3" name="矩形 2"/>
+          <p:cNvSpPr/>
+          <p:nvPr/>
+        </p:nvSpPr>
+        <p:spPr>
+          <a:xfrm>
+            <a:off x="364855" y="606392"/>
+            <a:ext cx="2214068" cy="584775"/>
+          </a:xfrm>
+          <a:prstGeom prst="rect">
+            <a:avLst/>
+          </a:prstGeom>
+        </p:spPr>
+        <p:txBody>
+          <a:bodyPr wrap="none">
+            <a:spAutoFit/>
+          </a:bodyPr>
+          <a:lstStyle/>
+          <a:p>
+            <a:pPr marL="0" lvl="1"/>
+            <a:r>
+              <a:rPr lang="it-IT" altLang="zh-CN" sz="3200" dirty="0" smtClean="0">
+                <a:solidFill>
+                  <a:srgbClr val="333333"/>
+                </a:solidFill>
+                <a:latin typeface="Times New Roman" panose="02020603050405020304" pitchFamily="18" charset="0"/>
+                <a:ea typeface="Open Sans"/>
+                <a:cs typeface="Times New Roman" panose="02020603050405020304" pitchFamily="18" charset="0"/>
+              </a:rPr>
+              <a:t>Deployment</a:t>
+            </a:r>
+            <a:endParaRPr lang="it-IT" altLang="zh-CN" sz="3200" dirty="0">
+              <a:solidFill>
+                <a:srgbClr val="333333"/>
+              </a:solidFill>
+              <a:latin typeface="Times New Roman" panose="02020603050405020304" pitchFamily="18" charset="0"/>
+              <a:ea typeface="Open Sans"/>
+              <a:cs typeface="Times New Roman" panose="02020603050405020304" pitchFamily="18" charset="0"/>
+            </a:endParaRPr>
+          </a:p>
+        </p:txBody>
+      </p:sp>
+      <p:grpSp>
+        <p:nvGrpSpPr>
+          <p:cNvPr id="5" name="组合 4"/>
+          <p:cNvGrpSpPr/>
+          <p:nvPr/>
+        </p:nvGrpSpPr>
+        <p:grpSpPr>
+          <a:xfrm>
+            <a:off x="8737600" y="137886"/>
+            <a:ext cx="3514167" cy="6720114"/>
+            <a:chOff x="8737600" y="137886"/>
+            <a:chExt cx="3514167" cy="6720114"/>
+          </a:xfrm>
+        </p:grpSpPr>
+        <p:pic>
+          <p:nvPicPr>
+            <p:cNvPr id="6" name="图片 5"/>
+            <p:cNvPicPr>
+              <a:picLocks noChangeAspect="1"/>
+            </p:cNvPicPr>
+            <p:nvPr/>
+          </p:nvPicPr>
+          <p:blipFill>
+            <a:blip r:embed="rId2" cstate="print">
+              <a:extLst>
+                <a:ext uri="{28A0092B-C50C-407E-A947-70E740481C1C}">
+                  <a14:useLocalDpi xmlns:a14="http://schemas.microsoft.com/office/drawing/2010/main" val="0"/>
+                </a:ext>
+              </a:extLst>
+            </a:blip>
+            <a:stretch>
+              <a:fillRect/>
+            </a:stretch>
+          </p:blipFill>
+          <p:spPr>
+            <a:xfrm>
+              <a:off x="11096357" y="137886"/>
+              <a:ext cx="825500" cy="825500"/>
+            </a:xfrm>
+            <a:prstGeom prst="rect">
+              <a:avLst/>
+            </a:prstGeom>
+          </p:spPr>
+        </p:pic>
+        <p:sp>
+          <p:nvSpPr>
+            <p:cNvPr id="7" name="矩形 6"/>
+            <p:cNvSpPr/>
+            <p:nvPr/>
+          </p:nvSpPr>
+          <p:spPr>
+            <a:xfrm>
+              <a:off x="8737600" y="6488668"/>
+              <a:ext cx="3514167" cy="369332"/>
+            </a:xfrm>
+            <a:prstGeom prst="rect">
+              <a:avLst/>
+            </a:prstGeom>
+          </p:spPr>
+          <p:txBody>
+            <a:bodyPr wrap="none">
+              <a:spAutoFit/>
+            </a:bodyPr>
+            <a:lstStyle/>
+            <a:p>
+              <a:r>
+                <a:rPr lang="en-US" altLang="zh-CN" dirty="0">
+                  <a:latin typeface="Times New Roman" panose="02020603050405020304" pitchFamily="18" charset="0"/>
+                  <a:cs typeface="Times New Roman" panose="02020603050405020304" pitchFamily="18" charset="0"/>
+                </a:rPr>
+                <a:t>© Sakura, 2024. All rights reserved.</a:t>
+              </a:r>
+              <a:endParaRPr lang="zh-CN" altLang="en-US" dirty="0">
+                <a:latin typeface="Times New Roman" panose="02020603050405020304" pitchFamily="18" charset="0"/>
+                <a:cs typeface="Times New Roman" panose="02020603050405020304" pitchFamily="18" charset="0"/>
+              </a:endParaRPr>
+            </a:p>
+          </p:txBody>
+        </p:sp>
+      </p:grpSp>
+      <p:sp>
+        <p:nvSpPr>
+          <p:cNvPr id="2" name="矩形 1"/>
+          <p:cNvSpPr/>
+          <p:nvPr/>
+        </p:nvSpPr>
+        <p:spPr>
+          <a:xfrm>
+            <a:off x="0" y="6546376"/>
+            <a:ext cx="8448582" cy="253916"/>
+          </a:xfrm>
+          <a:prstGeom prst="rect">
+            <a:avLst/>
+          </a:prstGeom>
+        </p:spPr>
+        <p:txBody>
+          <a:bodyPr wrap="square">
+            <a:spAutoFit/>
+          </a:bodyPr>
+          <a:lstStyle/>
+          <a:p>
+            <a:r>
+              <a:rPr lang="en-US" altLang="zh-CN" sz="1000" dirty="0" err="1">
+                <a:solidFill>
+                  <a:schemeClr val="bg1">
+                    <a:lumMod val="75000"/>
+                  </a:schemeClr>
+                </a:solidFill>
+                <a:latin typeface="Times New Roman" panose="02020603050405020304" pitchFamily="18" charset="0"/>
+                <a:cs typeface="Times New Roman" panose="02020603050405020304" pitchFamily="18" charset="0"/>
+              </a:rPr>
+              <a:t>Rombach</a:t>
+            </a:r>
+            <a:r>
+              <a:rPr lang="en-US" altLang="zh-CN" sz="1000" dirty="0">
+                <a:solidFill>
+                  <a:schemeClr val="bg1">
+                    <a:lumMod val="75000"/>
+                  </a:schemeClr>
+                </a:solidFill>
+                <a:latin typeface="Times New Roman" panose="02020603050405020304" pitchFamily="18" charset="0"/>
+                <a:cs typeface="Times New Roman" panose="02020603050405020304" pitchFamily="18" charset="0"/>
+              </a:rPr>
+              <a:t>, R., </a:t>
+            </a:r>
+            <a:r>
+              <a:rPr lang="en-US" altLang="zh-CN" sz="1000" dirty="0" err="1">
+                <a:solidFill>
+                  <a:schemeClr val="bg1">
+                    <a:lumMod val="75000"/>
+                  </a:schemeClr>
+                </a:solidFill>
+                <a:latin typeface="Times New Roman" panose="02020603050405020304" pitchFamily="18" charset="0"/>
+                <a:cs typeface="Times New Roman" panose="02020603050405020304" pitchFamily="18" charset="0"/>
+              </a:rPr>
+              <a:t>Blattmann</a:t>
+            </a:r>
+            <a:r>
+              <a:rPr lang="en-US" altLang="zh-CN" sz="1000" dirty="0">
+                <a:solidFill>
+                  <a:schemeClr val="bg1">
+                    <a:lumMod val="75000"/>
+                  </a:schemeClr>
+                </a:solidFill>
+                <a:latin typeface="Times New Roman" panose="02020603050405020304" pitchFamily="18" charset="0"/>
+                <a:cs typeface="Times New Roman" panose="02020603050405020304" pitchFamily="18" charset="0"/>
+              </a:rPr>
+              <a:t>, A., Lorenz, D., </a:t>
+            </a:r>
+            <a:r>
+              <a:rPr lang="en-US" altLang="zh-CN" sz="1000" dirty="0" err="1">
+                <a:solidFill>
+                  <a:schemeClr val="bg1">
+                    <a:lumMod val="75000"/>
+                  </a:schemeClr>
+                </a:solidFill>
+                <a:latin typeface="Times New Roman" panose="02020603050405020304" pitchFamily="18" charset="0"/>
+                <a:cs typeface="Times New Roman" panose="02020603050405020304" pitchFamily="18" charset="0"/>
+              </a:rPr>
+              <a:t>Esser</a:t>
+            </a:r>
+            <a:r>
+              <a:rPr lang="en-US" altLang="zh-CN" sz="1000" dirty="0">
+                <a:solidFill>
+                  <a:schemeClr val="bg1">
+                    <a:lumMod val="75000"/>
+                  </a:schemeClr>
+                </a:solidFill>
+                <a:latin typeface="Times New Roman" panose="02020603050405020304" pitchFamily="18" charset="0"/>
+                <a:cs typeface="Times New Roman" panose="02020603050405020304" pitchFamily="18" charset="0"/>
+              </a:rPr>
+              <a:t>, P., &amp; </a:t>
+            </a:r>
+            <a:r>
+              <a:rPr lang="en-US" altLang="zh-CN" sz="1000" dirty="0" err="1">
+                <a:solidFill>
+                  <a:schemeClr val="bg1">
+                    <a:lumMod val="75000"/>
+                  </a:schemeClr>
+                </a:solidFill>
+                <a:latin typeface="Times New Roman" panose="02020603050405020304" pitchFamily="18" charset="0"/>
+                <a:cs typeface="Times New Roman" panose="02020603050405020304" pitchFamily="18" charset="0"/>
+              </a:rPr>
+              <a:t>Ommer</a:t>
+            </a:r>
+            <a:r>
+              <a:rPr lang="en-US" altLang="zh-CN" sz="1000" dirty="0">
+                <a:solidFill>
+                  <a:schemeClr val="bg1">
+                    <a:lumMod val="75000"/>
+                  </a:schemeClr>
+                </a:solidFill>
+                <a:latin typeface="Times New Roman" panose="02020603050405020304" pitchFamily="18" charset="0"/>
+                <a:cs typeface="Times New Roman" panose="02020603050405020304" pitchFamily="18" charset="0"/>
+              </a:rPr>
+              <a:t>, B. (2022). </a:t>
+            </a:r>
+            <a:r>
+              <a:rPr lang="en-US" altLang="zh-CN" sz="1000" i="1" dirty="0">
+                <a:solidFill>
+                  <a:schemeClr val="bg1">
+                    <a:lumMod val="75000"/>
+                  </a:schemeClr>
+                </a:solidFill>
+                <a:latin typeface="Times New Roman" panose="02020603050405020304" pitchFamily="18" charset="0"/>
+                <a:cs typeface="Times New Roman" panose="02020603050405020304" pitchFamily="18" charset="0"/>
+              </a:rPr>
+              <a:t>High-Resolution Image Synthesis With Latent Diffusion Models</a:t>
+            </a:r>
+            <a:r>
+              <a:rPr lang="en-US" altLang="zh-CN" sz="1000" dirty="0">
+                <a:solidFill>
+                  <a:schemeClr val="bg1">
+                    <a:lumMod val="75000"/>
+                  </a:schemeClr>
+                </a:solidFill>
+                <a:latin typeface="Times New Roman" panose="02020603050405020304" pitchFamily="18" charset="0"/>
+                <a:cs typeface="Times New Roman" panose="02020603050405020304" pitchFamily="18" charset="0"/>
+              </a:rPr>
+              <a:t>. 10684–10695. </a:t>
+            </a:r>
+            <a:endParaRPr lang="en-US" altLang="zh-CN" sz="1000" dirty="0">
+              <a:solidFill>
+                <a:schemeClr val="bg1">
+                  <a:lumMod val="75000"/>
+                </a:schemeClr>
+              </a:solidFill>
+              <a:effectLst/>
+              <a:latin typeface="Times New Roman" panose="02020603050405020304" pitchFamily="18" charset="0"/>
+              <a:cs typeface="Times New Roman" panose="02020603050405020304" pitchFamily="18" charset="0"/>
+            </a:endParaRPr>
+          </a:p>
+        </p:txBody>
+      </p:sp>
+      <p:sp>
+        <p:nvSpPr>
+          <p:cNvPr id="8" name="矩形 7"/>
+          <p:cNvSpPr/>
+          <p:nvPr/>
+        </p:nvSpPr>
+        <p:spPr>
+          <a:xfrm>
+            <a:off x="364855" y="6121767"/>
+            <a:ext cx="11988800" cy="369332"/>
+          </a:xfrm>
+          <a:prstGeom prst="rect">
+            <a:avLst/>
+          </a:prstGeom>
+        </p:spPr>
+        <p:txBody>
+          <a:bodyPr wrap="square">
+            <a:spAutoFit/>
+          </a:bodyPr>
+          <a:lstStyle/>
+          <a:p>
+            <a:pPr algn="ctr"/>
+            <a:r>
+              <a:rPr lang="en-US" altLang="zh-CN" dirty="0" smtClean="0">
+                <a:latin typeface="Times New Roman" panose="02020603050405020304" pitchFamily="18" charset="0"/>
+                <a:cs typeface="Times New Roman" panose="02020603050405020304" pitchFamily="18" charset="0"/>
+              </a:rPr>
+              <a:t>Architecture of LDM (</a:t>
+            </a:r>
+            <a:r>
+              <a:rPr lang="en-US" altLang="zh-CN" dirty="0" err="1" smtClean="0">
+                <a:latin typeface="Times New Roman" panose="02020603050405020304" pitchFamily="18" charset="0"/>
+                <a:cs typeface="Times New Roman" panose="02020603050405020304" pitchFamily="18" charset="0"/>
+              </a:rPr>
+              <a:t>Rombach</a:t>
+            </a:r>
+            <a:r>
+              <a:rPr lang="en-US" altLang="zh-CN" dirty="0" smtClean="0">
+                <a:latin typeface="Times New Roman" panose="02020603050405020304" pitchFamily="18" charset="0"/>
+                <a:cs typeface="Times New Roman" panose="02020603050405020304" pitchFamily="18" charset="0"/>
+              </a:rPr>
+              <a:t> et al., 2022)</a:t>
+            </a:r>
+            <a:endParaRPr lang="zh-CN" altLang="en-US" dirty="0">
+              <a:latin typeface="Times New Roman" panose="02020603050405020304" pitchFamily="18" charset="0"/>
+              <a:cs typeface="Times New Roman" panose="02020603050405020304" pitchFamily="18" charset="0"/>
+            </a:endParaRPr>
+          </a:p>
+        </p:txBody>
+      </p:sp>
+    </p:spTree>
+    <p:extLst>
+      <p:ext uri="{BB962C8B-B14F-4D97-AF65-F5344CB8AC3E}">
+        <p14:creationId xmlns:p14="http://schemas.microsoft.com/office/powerpoint/2010/main" val="2151548676"/>
+      </p:ext>
+    </p:extLst>
+  </p:cSld>
+  <p:clrMapOvr>
+    <a:masterClrMapping/>
+  </p:clrMapOvr>
+  <p:timing>
+    <p:tnLst>
+      <p:par>
+        <p:cTn id="1" dur="indefinite" restart="never" nodeType="tmRoot"/>
+      </p:par>
+    </p:tnLst>
+  </p:timing>
+</p:sld>
+</file>
+
+<file path=ppt/slides/slide18.xml><?xml version="1.0" encoding="utf-8"?>
+<p:sld xmlns:a="http://schemas.openxmlformats.org/drawingml/2006/main" xmlns:r="http://schemas.openxmlformats.org/officeDocument/2006/relationships" xmlns:p="http://schemas.openxmlformats.org/presentationml/2006/main">
+  <p:cSld>
+    <p:spTree>
+      <p:nvGrpSpPr>
+        <p:cNvPr id="1" name=""/>
+        <p:cNvGrpSpPr/>
+        <p:nvPr/>
+      </p:nvGrpSpPr>
+      <p:grpSpPr>
+        <a:xfrm>
+          <a:off x="0" y="0"/>
+          <a:ext cx="0" cy="0"/>
+          <a:chOff x="0" y="0"/>
+          <a:chExt cx="0" cy="0"/>
+        </a:xfrm>
+      </p:grpSpPr>
+      <p:sp>
+        <p:nvSpPr>
+          <p:cNvPr id="3" name="矩形 2"/>
+          <p:cNvSpPr/>
+          <p:nvPr/>
+        </p:nvSpPr>
+        <p:spPr>
+          <a:xfrm>
+            <a:off x="364855" y="606392"/>
+            <a:ext cx="5221045" cy="584775"/>
+          </a:xfrm>
+          <a:prstGeom prst="rect">
+            <a:avLst/>
+          </a:prstGeom>
+        </p:spPr>
+        <p:txBody>
+          <a:bodyPr wrap="none">
+            <a:spAutoFit/>
+          </a:bodyPr>
+          <a:lstStyle/>
+          <a:p>
+            <a:r>
+              <a:rPr lang="en-US" altLang="zh-CN" sz="3200" dirty="0" smtClean="0">
+                <a:solidFill>
+                  <a:srgbClr val="333333"/>
+                </a:solidFill>
+                <a:latin typeface="Times New Roman" panose="02020603050405020304" pitchFamily="18" charset="0"/>
+                <a:ea typeface="Open Sans"/>
+                <a:cs typeface="Times New Roman" panose="02020603050405020304" pitchFamily="18" charset="0"/>
+              </a:rPr>
+              <a:t>References and Related Works</a:t>
+            </a:r>
+            <a:endParaRPr lang="en-US" altLang="zh-CN" sz="3200" dirty="0">
+              <a:solidFill>
+                <a:srgbClr val="333333"/>
+              </a:solidFill>
+              <a:latin typeface="Times New Roman" panose="02020603050405020304" pitchFamily="18" charset="0"/>
+              <a:ea typeface="Open Sans"/>
+              <a:cs typeface="Times New Roman" panose="02020603050405020304" pitchFamily="18" charset="0"/>
+            </a:endParaRPr>
+          </a:p>
+        </p:txBody>
+      </p:sp>
+      <p:grpSp>
+        <p:nvGrpSpPr>
+          <p:cNvPr id="5" name="组合 4"/>
+          <p:cNvGrpSpPr/>
+          <p:nvPr/>
+        </p:nvGrpSpPr>
+        <p:grpSpPr>
+          <a:xfrm>
+            <a:off x="8737600" y="137886"/>
+            <a:ext cx="3514167" cy="6720114"/>
+            <a:chOff x="8737600" y="137886"/>
+            <a:chExt cx="3514167" cy="6720114"/>
+          </a:xfrm>
+        </p:grpSpPr>
+        <p:pic>
+          <p:nvPicPr>
+            <p:cNvPr id="6" name="图片 5"/>
+            <p:cNvPicPr>
+              <a:picLocks noChangeAspect="1"/>
+            </p:cNvPicPr>
+            <p:nvPr/>
+          </p:nvPicPr>
+          <p:blipFill>
+            <a:blip r:embed="rId2" cstate="print">
+              <a:extLst>
+                <a:ext uri="{28A0092B-C50C-407E-A947-70E740481C1C}">
+                  <a14:useLocalDpi xmlns:a14="http://schemas.microsoft.com/office/drawing/2010/main" val="0"/>
+                </a:ext>
+              </a:extLst>
+            </a:blip>
+            <a:stretch>
+              <a:fillRect/>
+            </a:stretch>
+          </p:blipFill>
+          <p:spPr>
+            <a:xfrm>
+              <a:off x="11096357" y="137886"/>
+              <a:ext cx="825500" cy="825500"/>
+            </a:xfrm>
+            <a:prstGeom prst="rect">
+              <a:avLst/>
+            </a:prstGeom>
+          </p:spPr>
+        </p:pic>
+        <p:sp>
+          <p:nvSpPr>
+            <p:cNvPr id="7" name="矩形 6"/>
+            <p:cNvSpPr/>
+            <p:nvPr/>
+          </p:nvSpPr>
+          <p:spPr>
+            <a:xfrm>
+              <a:off x="8737600" y="6488668"/>
+              <a:ext cx="3514167" cy="369332"/>
+            </a:xfrm>
+            <a:prstGeom prst="rect">
+              <a:avLst/>
+            </a:prstGeom>
+          </p:spPr>
+          <p:txBody>
+            <a:bodyPr wrap="none">
+              <a:spAutoFit/>
+            </a:bodyPr>
+            <a:lstStyle/>
+            <a:p>
+              <a:r>
+                <a:rPr lang="en-US" altLang="zh-CN" dirty="0">
+                  <a:latin typeface="Times New Roman" panose="02020603050405020304" pitchFamily="18" charset="0"/>
+                  <a:cs typeface="Times New Roman" panose="02020603050405020304" pitchFamily="18" charset="0"/>
+                </a:rPr>
+                <a:t>© Sakura, 2024. All rights reserved.</a:t>
+              </a:r>
+              <a:endParaRPr lang="zh-CN" altLang="en-US" dirty="0">
+                <a:latin typeface="Times New Roman" panose="02020603050405020304" pitchFamily="18" charset="0"/>
+                <a:cs typeface="Times New Roman" panose="02020603050405020304" pitchFamily="18" charset="0"/>
+              </a:endParaRPr>
+            </a:p>
+          </p:txBody>
+        </p:sp>
+      </p:grpSp>
+      <p:sp>
+        <p:nvSpPr>
+          <p:cNvPr id="2" name="矩形 1"/>
+          <p:cNvSpPr/>
+          <p:nvPr/>
+        </p:nvSpPr>
+        <p:spPr>
+          <a:xfrm>
+            <a:off x="550821" y="1343974"/>
+            <a:ext cx="10813143" cy="4524315"/>
+          </a:xfrm>
+          <a:prstGeom prst="rect">
+            <a:avLst/>
+          </a:prstGeom>
+        </p:spPr>
+        <p:txBody>
+          <a:bodyPr wrap="square">
+            <a:spAutoFit/>
+          </a:bodyPr>
+          <a:lstStyle/>
+          <a:p>
+            <a:r>
+              <a:rPr lang="en-US" altLang="zh-CN" dirty="0" err="1">
+                <a:latin typeface="Times New Roman" panose="02020603050405020304" pitchFamily="18" charset="0"/>
+                <a:cs typeface="Times New Roman" panose="02020603050405020304" pitchFamily="18" charset="0"/>
+              </a:rPr>
+              <a:t>Esser</a:t>
+            </a:r>
+            <a:r>
+              <a:rPr lang="en-US" altLang="zh-CN" dirty="0">
+                <a:latin typeface="Times New Roman" panose="02020603050405020304" pitchFamily="18" charset="0"/>
+                <a:cs typeface="Times New Roman" panose="02020603050405020304" pitchFamily="18" charset="0"/>
+              </a:rPr>
+              <a:t>, P., </a:t>
+            </a:r>
+            <a:r>
+              <a:rPr lang="en-US" altLang="zh-CN" dirty="0" err="1">
+                <a:latin typeface="Times New Roman" panose="02020603050405020304" pitchFamily="18" charset="0"/>
+                <a:cs typeface="Times New Roman" panose="02020603050405020304" pitchFamily="18" charset="0"/>
+              </a:rPr>
+              <a:t>Kulal</a:t>
+            </a:r>
+            <a:r>
+              <a:rPr lang="en-US" altLang="zh-CN" dirty="0">
+                <a:latin typeface="Times New Roman" panose="02020603050405020304" pitchFamily="18" charset="0"/>
+                <a:cs typeface="Times New Roman" panose="02020603050405020304" pitchFamily="18" charset="0"/>
+              </a:rPr>
+              <a:t>, S., </a:t>
+            </a:r>
+            <a:r>
+              <a:rPr lang="en-US" altLang="zh-CN" dirty="0" err="1">
+                <a:latin typeface="Times New Roman" panose="02020603050405020304" pitchFamily="18" charset="0"/>
+                <a:cs typeface="Times New Roman" panose="02020603050405020304" pitchFamily="18" charset="0"/>
+              </a:rPr>
+              <a:t>Blattmann</a:t>
+            </a:r>
+            <a:r>
+              <a:rPr lang="en-US" altLang="zh-CN" dirty="0">
+                <a:latin typeface="Times New Roman" panose="02020603050405020304" pitchFamily="18" charset="0"/>
+                <a:cs typeface="Times New Roman" panose="02020603050405020304" pitchFamily="18" charset="0"/>
+              </a:rPr>
+              <a:t>, A., </a:t>
+            </a:r>
+            <a:r>
+              <a:rPr lang="en-US" altLang="zh-CN" dirty="0" err="1">
+                <a:latin typeface="Times New Roman" panose="02020603050405020304" pitchFamily="18" charset="0"/>
+                <a:cs typeface="Times New Roman" panose="02020603050405020304" pitchFamily="18" charset="0"/>
+              </a:rPr>
+              <a:t>Entezari</a:t>
+            </a:r>
+            <a:r>
+              <a:rPr lang="en-US" altLang="zh-CN" dirty="0">
+                <a:latin typeface="Times New Roman" panose="02020603050405020304" pitchFamily="18" charset="0"/>
+                <a:cs typeface="Times New Roman" panose="02020603050405020304" pitchFamily="18" charset="0"/>
+              </a:rPr>
+              <a:t>, R., Müller, J., Saini, H., Levi, Y., Lorenz, D., Sauer, A., </a:t>
+            </a:r>
+            <a:r>
+              <a:rPr lang="en-US" altLang="zh-CN" dirty="0" err="1">
+                <a:latin typeface="Times New Roman" panose="02020603050405020304" pitchFamily="18" charset="0"/>
+                <a:cs typeface="Times New Roman" panose="02020603050405020304" pitchFamily="18" charset="0"/>
+              </a:rPr>
+              <a:t>Boesel</a:t>
+            </a:r>
+            <a:r>
+              <a:rPr lang="en-US" altLang="zh-CN" dirty="0">
+                <a:latin typeface="Times New Roman" panose="02020603050405020304" pitchFamily="18" charset="0"/>
+                <a:cs typeface="Times New Roman" panose="02020603050405020304" pitchFamily="18" charset="0"/>
+              </a:rPr>
+              <a:t>, F., </a:t>
+            </a:r>
+            <a:r>
+              <a:rPr lang="en-US" altLang="zh-CN" dirty="0" err="1">
+                <a:latin typeface="Times New Roman" panose="02020603050405020304" pitchFamily="18" charset="0"/>
+                <a:cs typeface="Times New Roman" panose="02020603050405020304" pitchFamily="18" charset="0"/>
+              </a:rPr>
+              <a:t>Podell</a:t>
+            </a:r>
+            <a:r>
+              <a:rPr lang="en-US" altLang="zh-CN" dirty="0">
+                <a:latin typeface="Times New Roman" panose="02020603050405020304" pitchFamily="18" charset="0"/>
+                <a:cs typeface="Times New Roman" panose="02020603050405020304" pitchFamily="18" charset="0"/>
+              </a:rPr>
+              <a:t>, D., </a:t>
+            </a:r>
+            <a:r>
+              <a:rPr lang="en-US" altLang="zh-CN" dirty="0" err="1">
+                <a:latin typeface="Times New Roman" panose="02020603050405020304" pitchFamily="18" charset="0"/>
+                <a:cs typeface="Times New Roman" panose="02020603050405020304" pitchFamily="18" charset="0"/>
+              </a:rPr>
+              <a:t>Dockhorn</a:t>
+            </a:r>
+            <a:r>
+              <a:rPr lang="en-US" altLang="zh-CN" dirty="0">
+                <a:latin typeface="Times New Roman" panose="02020603050405020304" pitchFamily="18" charset="0"/>
+                <a:cs typeface="Times New Roman" panose="02020603050405020304" pitchFamily="18" charset="0"/>
+              </a:rPr>
+              <a:t>, T., English, Z., &amp; </a:t>
+            </a:r>
+            <a:r>
+              <a:rPr lang="en-US" altLang="zh-CN" dirty="0" err="1">
+                <a:latin typeface="Times New Roman" panose="02020603050405020304" pitchFamily="18" charset="0"/>
+                <a:cs typeface="Times New Roman" panose="02020603050405020304" pitchFamily="18" charset="0"/>
+              </a:rPr>
+              <a:t>Rombach</a:t>
+            </a:r>
+            <a:r>
+              <a:rPr lang="en-US" altLang="zh-CN" dirty="0">
+                <a:latin typeface="Times New Roman" panose="02020603050405020304" pitchFamily="18" charset="0"/>
+                <a:cs typeface="Times New Roman" panose="02020603050405020304" pitchFamily="18" charset="0"/>
+              </a:rPr>
+              <a:t>, R. (2024, June 6). </a:t>
+            </a:r>
+            <a:r>
+              <a:rPr lang="en-US" altLang="zh-CN" i="1" dirty="0">
+                <a:latin typeface="Times New Roman" panose="02020603050405020304" pitchFamily="18" charset="0"/>
+                <a:cs typeface="Times New Roman" panose="02020603050405020304" pitchFamily="18" charset="0"/>
+              </a:rPr>
+              <a:t>Scaling Rectified Flow Transformers for High-Resolution Image Synthesis</a:t>
+            </a:r>
+            <a:r>
+              <a:rPr lang="en-US" altLang="zh-CN" dirty="0">
+                <a:latin typeface="Times New Roman" panose="02020603050405020304" pitchFamily="18" charset="0"/>
+                <a:cs typeface="Times New Roman" panose="02020603050405020304" pitchFamily="18" charset="0"/>
+              </a:rPr>
+              <a:t>. Forty-first International Conference on Machine Learning. </a:t>
+            </a:r>
+            <a:r>
+              <a:rPr lang="en-US" altLang="zh-CN" dirty="0">
+                <a:latin typeface="Times New Roman" panose="02020603050405020304" pitchFamily="18" charset="0"/>
+                <a:cs typeface="Times New Roman" panose="02020603050405020304" pitchFamily="18" charset="0"/>
+                <a:hlinkClick r:id="rId3"/>
+              </a:rPr>
+              <a:t>https://openreview.net/forum?id=FPnUhsQJ5B</a:t>
+            </a:r>
+            <a:endParaRPr lang="en-US" altLang="zh-CN" dirty="0">
+              <a:latin typeface="Times New Roman" panose="02020603050405020304" pitchFamily="18" charset="0"/>
+              <a:cs typeface="Times New Roman" panose="02020603050405020304" pitchFamily="18" charset="0"/>
+            </a:endParaRPr>
+          </a:p>
+          <a:p>
+            <a:r>
+              <a:rPr lang="en-US" altLang="zh-CN" dirty="0" err="1">
+                <a:latin typeface="Times New Roman" panose="02020603050405020304" pitchFamily="18" charset="0"/>
+                <a:cs typeface="Times New Roman" panose="02020603050405020304" pitchFamily="18" charset="0"/>
+              </a:rPr>
+              <a:t>Podell</a:t>
+            </a:r>
+            <a:r>
+              <a:rPr lang="en-US" altLang="zh-CN" dirty="0">
+                <a:latin typeface="Times New Roman" panose="02020603050405020304" pitchFamily="18" charset="0"/>
+                <a:cs typeface="Times New Roman" panose="02020603050405020304" pitchFamily="18" charset="0"/>
+              </a:rPr>
+              <a:t>, D., English, Z., Lacey, K., </a:t>
+            </a:r>
+            <a:r>
+              <a:rPr lang="en-US" altLang="zh-CN" dirty="0" err="1">
+                <a:latin typeface="Times New Roman" panose="02020603050405020304" pitchFamily="18" charset="0"/>
+                <a:cs typeface="Times New Roman" panose="02020603050405020304" pitchFamily="18" charset="0"/>
+              </a:rPr>
+              <a:t>Blattmann</a:t>
+            </a:r>
+            <a:r>
+              <a:rPr lang="en-US" altLang="zh-CN" dirty="0">
+                <a:latin typeface="Times New Roman" panose="02020603050405020304" pitchFamily="18" charset="0"/>
+                <a:cs typeface="Times New Roman" panose="02020603050405020304" pitchFamily="18" charset="0"/>
+              </a:rPr>
+              <a:t>, A., </a:t>
+            </a:r>
+            <a:r>
+              <a:rPr lang="en-US" altLang="zh-CN" dirty="0" err="1">
+                <a:latin typeface="Times New Roman" panose="02020603050405020304" pitchFamily="18" charset="0"/>
+                <a:cs typeface="Times New Roman" panose="02020603050405020304" pitchFamily="18" charset="0"/>
+              </a:rPr>
+              <a:t>Dockhorn</a:t>
+            </a:r>
+            <a:r>
+              <a:rPr lang="en-US" altLang="zh-CN" dirty="0">
+                <a:latin typeface="Times New Roman" panose="02020603050405020304" pitchFamily="18" charset="0"/>
+                <a:cs typeface="Times New Roman" panose="02020603050405020304" pitchFamily="18" charset="0"/>
+              </a:rPr>
+              <a:t>, T., Müller, J., </a:t>
+            </a:r>
+            <a:r>
+              <a:rPr lang="en-US" altLang="zh-CN" dirty="0" err="1">
+                <a:latin typeface="Times New Roman" panose="02020603050405020304" pitchFamily="18" charset="0"/>
+                <a:cs typeface="Times New Roman" panose="02020603050405020304" pitchFamily="18" charset="0"/>
+              </a:rPr>
+              <a:t>Penna</a:t>
+            </a:r>
+            <a:r>
+              <a:rPr lang="en-US" altLang="zh-CN" dirty="0">
+                <a:latin typeface="Times New Roman" panose="02020603050405020304" pitchFamily="18" charset="0"/>
+                <a:cs typeface="Times New Roman" panose="02020603050405020304" pitchFamily="18" charset="0"/>
+              </a:rPr>
+              <a:t>, J., &amp; </a:t>
+            </a:r>
+            <a:r>
+              <a:rPr lang="en-US" altLang="zh-CN" dirty="0" err="1">
+                <a:latin typeface="Times New Roman" panose="02020603050405020304" pitchFamily="18" charset="0"/>
+                <a:cs typeface="Times New Roman" panose="02020603050405020304" pitchFamily="18" charset="0"/>
+              </a:rPr>
+              <a:t>Rombach</a:t>
+            </a:r>
+            <a:r>
+              <a:rPr lang="en-US" altLang="zh-CN" dirty="0">
+                <a:latin typeface="Times New Roman" panose="02020603050405020304" pitchFamily="18" charset="0"/>
+                <a:cs typeface="Times New Roman" panose="02020603050405020304" pitchFamily="18" charset="0"/>
+              </a:rPr>
+              <a:t>, R. (2023, October 13). </a:t>
+            </a:r>
+            <a:r>
+              <a:rPr lang="en-US" altLang="zh-CN" i="1" dirty="0">
+                <a:latin typeface="Times New Roman" panose="02020603050405020304" pitchFamily="18" charset="0"/>
+                <a:cs typeface="Times New Roman" panose="02020603050405020304" pitchFamily="18" charset="0"/>
+              </a:rPr>
+              <a:t>SDXL: Improving Latent Diffusion Models for High-Resolution Image Synthesis</a:t>
+            </a:r>
+            <a:r>
+              <a:rPr lang="en-US" altLang="zh-CN" dirty="0">
+                <a:latin typeface="Times New Roman" panose="02020603050405020304" pitchFamily="18" charset="0"/>
+                <a:cs typeface="Times New Roman" panose="02020603050405020304" pitchFamily="18" charset="0"/>
+              </a:rPr>
+              <a:t>. The Twelfth International Conference on Learning Representations. </a:t>
+            </a:r>
+            <a:r>
+              <a:rPr lang="en-US" altLang="zh-CN" dirty="0">
+                <a:latin typeface="Times New Roman" panose="02020603050405020304" pitchFamily="18" charset="0"/>
+                <a:cs typeface="Times New Roman" panose="02020603050405020304" pitchFamily="18" charset="0"/>
+                <a:hlinkClick r:id="rId4"/>
+              </a:rPr>
+              <a:t>https://openreview.net/forum?id=di52zR8xgf</a:t>
+            </a:r>
+            <a:endParaRPr lang="en-US" altLang="zh-CN" dirty="0">
+              <a:latin typeface="Times New Roman" panose="02020603050405020304" pitchFamily="18" charset="0"/>
+              <a:cs typeface="Times New Roman" panose="02020603050405020304" pitchFamily="18" charset="0"/>
+            </a:endParaRPr>
+          </a:p>
+          <a:p>
+            <a:r>
+              <a:rPr lang="en-US" altLang="zh-CN" dirty="0" err="1">
+                <a:latin typeface="Times New Roman" panose="02020603050405020304" pitchFamily="18" charset="0"/>
+                <a:cs typeface="Times New Roman" panose="02020603050405020304" pitchFamily="18" charset="0"/>
+              </a:rPr>
+              <a:t>Rombach</a:t>
+            </a:r>
+            <a:r>
+              <a:rPr lang="en-US" altLang="zh-CN" dirty="0">
+                <a:latin typeface="Times New Roman" panose="02020603050405020304" pitchFamily="18" charset="0"/>
+                <a:cs typeface="Times New Roman" panose="02020603050405020304" pitchFamily="18" charset="0"/>
+              </a:rPr>
+              <a:t>, R., </a:t>
+            </a:r>
+            <a:r>
+              <a:rPr lang="en-US" altLang="zh-CN" dirty="0" err="1">
+                <a:latin typeface="Times New Roman" panose="02020603050405020304" pitchFamily="18" charset="0"/>
+                <a:cs typeface="Times New Roman" panose="02020603050405020304" pitchFamily="18" charset="0"/>
+              </a:rPr>
+              <a:t>Blattmann</a:t>
+            </a:r>
+            <a:r>
+              <a:rPr lang="en-US" altLang="zh-CN" dirty="0">
+                <a:latin typeface="Times New Roman" panose="02020603050405020304" pitchFamily="18" charset="0"/>
+                <a:cs typeface="Times New Roman" panose="02020603050405020304" pitchFamily="18" charset="0"/>
+              </a:rPr>
+              <a:t>, A., Lorenz, D., </a:t>
+            </a:r>
+            <a:r>
+              <a:rPr lang="en-US" altLang="zh-CN" dirty="0" err="1">
+                <a:latin typeface="Times New Roman" panose="02020603050405020304" pitchFamily="18" charset="0"/>
+                <a:cs typeface="Times New Roman" panose="02020603050405020304" pitchFamily="18" charset="0"/>
+              </a:rPr>
+              <a:t>Esser</a:t>
+            </a:r>
+            <a:r>
+              <a:rPr lang="en-US" altLang="zh-CN" dirty="0">
+                <a:latin typeface="Times New Roman" panose="02020603050405020304" pitchFamily="18" charset="0"/>
+                <a:cs typeface="Times New Roman" panose="02020603050405020304" pitchFamily="18" charset="0"/>
+              </a:rPr>
+              <a:t>, P., &amp; </a:t>
+            </a:r>
+            <a:r>
+              <a:rPr lang="en-US" altLang="zh-CN" dirty="0" err="1">
+                <a:latin typeface="Times New Roman" panose="02020603050405020304" pitchFamily="18" charset="0"/>
+                <a:cs typeface="Times New Roman" panose="02020603050405020304" pitchFamily="18" charset="0"/>
+              </a:rPr>
+              <a:t>Ommer</a:t>
+            </a:r>
+            <a:r>
+              <a:rPr lang="en-US" altLang="zh-CN" dirty="0">
+                <a:latin typeface="Times New Roman" panose="02020603050405020304" pitchFamily="18" charset="0"/>
+                <a:cs typeface="Times New Roman" panose="02020603050405020304" pitchFamily="18" charset="0"/>
+              </a:rPr>
+              <a:t>, B. (2022). </a:t>
+            </a:r>
+            <a:r>
+              <a:rPr lang="en-US" altLang="zh-CN" i="1" dirty="0">
+                <a:latin typeface="Times New Roman" panose="02020603050405020304" pitchFamily="18" charset="0"/>
+                <a:cs typeface="Times New Roman" panose="02020603050405020304" pitchFamily="18" charset="0"/>
+              </a:rPr>
+              <a:t>High-Resolution Image Synthesis With Latent Diffusion Models</a:t>
+            </a:r>
+            <a:r>
+              <a:rPr lang="en-US" altLang="zh-CN" dirty="0">
+                <a:latin typeface="Times New Roman" panose="02020603050405020304" pitchFamily="18" charset="0"/>
+                <a:cs typeface="Times New Roman" panose="02020603050405020304" pitchFamily="18" charset="0"/>
+              </a:rPr>
+              <a:t>. 10684–10695. </a:t>
+            </a:r>
+            <a:r>
+              <a:rPr lang="en-US" altLang="zh-CN" dirty="0">
+                <a:latin typeface="Times New Roman" panose="02020603050405020304" pitchFamily="18" charset="0"/>
+                <a:cs typeface="Times New Roman" panose="02020603050405020304" pitchFamily="18" charset="0"/>
+                <a:hlinkClick r:id="rId5"/>
+              </a:rPr>
+              <a:t>https://openaccess.thecvf.com/content/CVPR2022/html/Rombach_High-Resolution_Image_Synthesis_With_Latent_Diffusion_Models_CVPR_2022_paper.html</a:t>
+            </a:r>
+            <a:endParaRPr lang="en-US" altLang="zh-CN" dirty="0">
+              <a:latin typeface="Times New Roman" panose="02020603050405020304" pitchFamily="18" charset="0"/>
+              <a:cs typeface="Times New Roman" panose="02020603050405020304" pitchFamily="18" charset="0"/>
+            </a:endParaRPr>
+          </a:p>
+          <a:p>
+            <a:r>
+              <a:rPr lang="en-US" altLang="zh-CN" dirty="0">
+                <a:latin typeface="Times New Roman" panose="02020603050405020304" pitchFamily="18" charset="0"/>
+                <a:cs typeface="Times New Roman" panose="02020603050405020304" pitchFamily="18" charset="0"/>
+              </a:rPr>
+              <a:t>Sauer, A., Lorenz, D., </a:t>
+            </a:r>
+            <a:r>
+              <a:rPr lang="en-US" altLang="zh-CN" dirty="0" err="1">
+                <a:latin typeface="Times New Roman" panose="02020603050405020304" pitchFamily="18" charset="0"/>
+                <a:cs typeface="Times New Roman" panose="02020603050405020304" pitchFamily="18" charset="0"/>
+              </a:rPr>
+              <a:t>Blattmann</a:t>
+            </a:r>
+            <a:r>
+              <a:rPr lang="en-US" altLang="zh-CN" dirty="0">
+                <a:latin typeface="Times New Roman" panose="02020603050405020304" pitchFamily="18" charset="0"/>
+                <a:cs typeface="Times New Roman" panose="02020603050405020304" pitchFamily="18" charset="0"/>
+              </a:rPr>
+              <a:t>, A., &amp; </a:t>
+            </a:r>
+            <a:r>
+              <a:rPr lang="en-US" altLang="zh-CN" dirty="0" err="1">
+                <a:latin typeface="Times New Roman" panose="02020603050405020304" pitchFamily="18" charset="0"/>
+                <a:cs typeface="Times New Roman" panose="02020603050405020304" pitchFamily="18" charset="0"/>
+              </a:rPr>
+              <a:t>Rombach</a:t>
+            </a:r>
+            <a:r>
+              <a:rPr lang="en-US" altLang="zh-CN" dirty="0">
+                <a:latin typeface="Times New Roman" panose="02020603050405020304" pitchFamily="18" charset="0"/>
+                <a:cs typeface="Times New Roman" panose="02020603050405020304" pitchFamily="18" charset="0"/>
+              </a:rPr>
+              <a:t>, R. (2023). </a:t>
+            </a:r>
+            <a:r>
+              <a:rPr lang="en-US" altLang="zh-CN" i="1" dirty="0">
+                <a:latin typeface="Times New Roman" panose="02020603050405020304" pitchFamily="18" charset="0"/>
+                <a:cs typeface="Times New Roman" panose="02020603050405020304" pitchFamily="18" charset="0"/>
+              </a:rPr>
+              <a:t>Adversarial Diffusion Distillation</a:t>
+            </a:r>
+            <a:r>
+              <a:rPr lang="en-US" altLang="zh-CN" dirty="0">
+                <a:latin typeface="Times New Roman" panose="02020603050405020304" pitchFamily="18" charset="0"/>
+                <a:cs typeface="Times New Roman" panose="02020603050405020304" pitchFamily="18" charset="0"/>
+              </a:rPr>
+              <a:t> (arXiv:2311.17042). </a:t>
+            </a:r>
+            <a:r>
+              <a:rPr lang="en-US" altLang="zh-CN" dirty="0" err="1">
+                <a:latin typeface="Times New Roman" panose="02020603050405020304" pitchFamily="18" charset="0"/>
+                <a:cs typeface="Times New Roman" panose="02020603050405020304" pitchFamily="18" charset="0"/>
+              </a:rPr>
+              <a:t>arXiv</a:t>
+            </a:r>
+            <a:r>
+              <a:rPr lang="en-US" altLang="zh-CN" dirty="0">
+                <a:latin typeface="Times New Roman" panose="02020603050405020304" pitchFamily="18" charset="0"/>
+                <a:cs typeface="Times New Roman" panose="02020603050405020304" pitchFamily="18" charset="0"/>
+              </a:rPr>
+              <a:t>. </a:t>
+            </a:r>
+            <a:r>
+              <a:rPr lang="en-US" altLang="zh-CN" dirty="0">
+                <a:latin typeface="Times New Roman" panose="02020603050405020304" pitchFamily="18" charset="0"/>
+                <a:cs typeface="Times New Roman" panose="02020603050405020304" pitchFamily="18" charset="0"/>
+                <a:hlinkClick r:id="rId6"/>
+              </a:rPr>
+              <a:t>https://</a:t>
+            </a:r>
+            <a:r>
+              <a:rPr lang="en-US" altLang="zh-CN" dirty="0" smtClean="0">
+                <a:latin typeface="Times New Roman" panose="02020603050405020304" pitchFamily="18" charset="0"/>
+                <a:cs typeface="Times New Roman" panose="02020603050405020304" pitchFamily="18" charset="0"/>
+                <a:hlinkClick r:id="rId6"/>
+              </a:rPr>
+              <a:t>doi.org/10.48550/arXiv.2311.17042</a:t>
+            </a:r>
+            <a:endParaRPr lang="en-US" altLang="zh-CN" dirty="0" smtClean="0">
+              <a:latin typeface="Times New Roman" panose="02020603050405020304" pitchFamily="18" charset="0"/>
+              <a:cs typeface="Times New Roman" panose="02020603050405020304" pitchFamily="18" charset="0"/>
+            </a:endParaRPr>
+          </a:p>
+          <a:p>
+            <a:r>
+              <a:rPr lang="en-US" altLang="zh-CN" dirty="0">
+                <a:latin typeface="Times New Roman" panose="02020603050405020304" pitchFamily="18" charset="0"/>
+                <a:cs typeface="Times New Roman" panose="02020603050405020304" pitchFamily="18" charset="0"/>
+              </a:rPr>
+              <a:t>Zhang, L., Rao, A., &amp; </a:t>
+            </a:r>
+            <a:r>
+              <a:rPr lang="en-US" altLang="zh-CN" dirty="0" err="1">
+                <a:latin typeface="Times New Roman" panose="02020603050405020304" pitchFamily="18" charset="0"/>
+                <a:cs typeface="Times New Roman" panose="02020603050405020304" pitchFamily="18" charset="0"/>
+              </a:rPr>
+              <a:t>Agrawala</a:t>
+            </a:r>
+            <a:r>
+              <a:rPr lang="en-US" altLang="zh-CN" dirty="0">
+                <a:latin typeface="Times New Roman" panose="02020603050405020304" pitchFamily="18" charset="0"/>
+                <a:cs typeface="Times New Roman" panose="02020603050405020304" pitchFamily="18" charset="0"/>
+              </a:rPr>
+              <a:t>, M. (2023). Adding Conditional Control to Text-to-Image Diffusion Models. </a:t>
+            </a:r>
+            <a:r>
+              <a:rPr lang="en-US" altLang="zh-CN" i="1" dirty="0">
+                <a:latin typeface="Times New Roman" panose="02020603050405020304" pitchFamily="18" charset="0"/>
+                <a:cs typeface="Times New Roman" panose="02020603050405020304" pitchFamily="18" charset="0"/>
+              </a:rPr>
+              <a:t>2023 IEEE/CVF International Conference on Computer Vision (ICCV)</a:t>
+            </a:r>
+            <a:r>
+              <a:rPr lang="en-US" altLang="zh-CN" dirty="0">
+                <a:latin typeface="Times New Roman" panose="02020603050405020304" pitchFamily="18" charset="0"/>
+                <a:cs typeface="Times New Roman" panose="02020603050405020304" pitchFamily="18" charset="0"/>
+              </a:rPr>
+              <a:t>, 3813–3824. </a:t>
+            </a:r>
+            <a:r>
+              <a:rPr lang="en-US" altLang="zh-CN" dirty="0">
+                <a:latin typeface="Times New Roman" panose="02020603050405020304" pitchFamily="18" charset="0"/>
+                <a:cs typeface="Times New Roman" panose="02020603050405020304" pitchFamily="18" charset="0"/>
+                <a:hlinkClick r:id="rId7"/>
+              </a:rPr>
+              <a:t>https://doi.org/10.1109/ICCV51070.2023.00355</a:t>
+            </a:r>
+            <a:endParaRPr lang="en-US" altLang="zh-CN" dirty="0">
+              <a:latin typeface="Times New Roman" panose="02020603050405020304" pitchFamily="18" charset="0"/>
+              <a:cs typeface="Times New Roman" panose="02020603050405020304" pitchFamily="18" charset="0"/>
+            </a:endParaRPr>
+          </a:p>
+          <a:p>
+            <a:endParaRPr lang="en-US" altLang="zh-CN" dirty="0">
+              <a:effectLst/>
+              <a:latin typeface="Times New Roman" panose="02020603050405020304" pitchFamily="18" charset="0"/>
+              <a:cs typeface="Times New Roman" panose="02020603050405020304" pitchFamily="18" charset="0"/>
+            </a:endParaRPr>
+          </a:p>
+        </p:txBody>
+      </p:sp>
+    </p:spTree>
+    <p:extLst>
+      <p:ext uri="{BB962C8B-B14F-4D97-AF65-F5344CB8AC3E}">
+        <p14:creationId xmlns:p14="http://schemas.microsoft.com/office/powerpoint/2010/main" val="1254316788"/>
+      </p:ext>
+    </p:extLst>
+  </p:cSld>
+  <p:clrMapOvr>
+    <a:masterClrMapping/>
+  </p:clrMapOvr>
+  <p:timing>
+    <p:tnLst>
+      <p:par>
+        <p:cTn id="1" dur="indefinite" restart="never" nodeType="tmRoot"/>
+      </p:par>
+    </p:tnLst>
+  </p:timing>
+</p:sld>
+</file>
+
 <file path=ppt/slides/slide2.xml><?xml version="1.0" encoding="utf-8"?>
 <p:sld xmlns:a="http://schemas.openxmlformats.org/drawingml/2006/main" xmlns:r="http://schemas.openxmlformats.org/officeDocument/2006/relationships" xmlns:p="http://schemas.openxmlformats.org/presentationml/2006/main">
   <p:cSld>
@@ -4057,7 +8578,18 @@
                 <a:ea typeface="Open Sans"/>
                 <a:cs typeface="Times New Roman" panose="02020603050405020304" pitchFamily="18" charset="0"/>
               </a:rPr>
-              <a:t>Quick Start with Diffusers</a:t>
+              <a:t>Quick Start with </a:t>
+            </a:r>
+            <a:r>
+              <a:rPr lang="en-US" altLang="zh-CN" sz="2800" b="1" dirty="0" smtClean="0">
+                <a:solidFill>
+                  <a:srgbClr val="333333"/>
+                </a:solidFill>
+                <a:latin typeface="Times New Roman" panose="02020603050405020304" pitchFamily="18" charset="0"/>
+                <a:ea typeface="Open Sans"/>
+                <a:cs typeface="Times New Roman" panose="02020603050405020304" pitchFamily="18" charset="0"/>
+              </a:rPr>
+              <a:t>Stable Diffusion with Diffusers</a:t>
             </a:r>
             <a:endParaRPr kumimoji="0" lang="en-US" altLang="zh-CN" sz="2800" b="1" i="0" u="none" strike="noStrike" cap="none" normalizeH="0" baseline="0" dirty="0" smtClean="0">
               <a:ln>
@@ -4115,8 +8647,27 @@
                 <a:ea typeface="Open Sans"/>
                 <a:cs typeface="Times New Roman" panose="02020603050405020304" pitchFamily="18" charset="0"/>
               </a:rPr>
-              <a:t>File Structure</a:t>
-            </a:r>
+              <a:t>File </a:t>
+            </a:r>
+            <a:r>
+              <a:rPr lang="en-US" altLang="zh-CN" sz="2800" dirty="0" smtClean="0">
+                <a:solidFill>
+                  <a:srgbClr val="333333"/>
+                </a:solidFill>
+                <a:latin typeface="Times New Roman" panose="02020603050405020304" pitchFamily="18" charset="0"/>
+                <a:ea typeface="Open Sans"/>
+                <a:cs typeface="Times New Roman" panose="02020603050405020304" pitchFamily="18" charset="0"/>
+              </a:rPr>
+              <a:t>Structures</a:t>
+            </a:r>
+            <a:endParaRPr lang="en-US" altLang="zh-CN" sz="2800" dirty="0" smtClean="0">
+              <a:solidFill>
+                <a:srgbClr val="333333"/>
+              </a:solidFill>
+              <a:latin typeface="Times New Roman" panose="02020603050405020304" pitchFamily="18" charset="0"/>
+              <a:ea typeface="Open Sans"/>
+              <a:cs typeface="Times New Roman" panose="02020603050405020304" pitchFamily="18" charset="0"/>
+            </a:endParaRPr>
           </a:p>
           <a:p>
             <a:pPr marL="800100" lvl="1" indent="-342900" eaLnBrk="0" fontAlgn="base" hangingPunct="0">
@@ -4316,7 +8867,7 @@
         </p:nvSpPr>
         <p:spPr>
           <a:xfrm>
-            <a:off x="831850" y="2250514"/>
+            <a:off x="796339" y="2973322"/>
             <a:ext cx="10515600" cy="1505410"/>
           </a:xfrm>
           <a:prstGeom prst="rect">
@@ -4485,6 +9036,186 @@
       </p:grpSpPr>
       <p:sp>
         <p:nvSpPr>
+          <p:cNvPr id="4" name="标题 1"/>
+          <p:cNvSpPr txBox="1">
+            <a:spLocks/>
+          </p:cNvSpPr>
+          <p:nvPr/>
+        </p:nvSpPr>
+        <p:spPr>
+          <a:xfrm>
+            <a:off x="0" y="2973322"/>
+            <a:ext cx="12192000" cy="1505410"/>
+          </a:xfrm>
+          <a:prstGeom prst="rect">
+            <a:avLst/>
+          </a:prstGeom>
+        </p:spPr>
+        <p:txBody>
+          <a:bodyPr>
+            <a:noAutofit/>
+          </a:bodyPr>
+          <a:lstStyle>
+            <a:lvl1pPr algn="l" defTabSz="914400" rtl="0" eaLnBrk="1" latinLnBrk="0" hangingPunct="1">
+              <a:lnSpc>
+                <a:spcPct val="90000"/>
+              </a:lnSpc>
+              <a:spcBef>
+                <a:spcPct val="0"/>
+              </a:spcBef>
+              <a:buNone/>
+              <a:defRPr sz="4400" kern="1200">
+                <a:solidFill>
+                  <a:schemeClr val="tx1"/>
+                </a:solidFill>
+                <a:latin typeface="+mj-lt"/>
+                <a:ea typeface="+mj-ea"/>
+                <a:cs typeface="+mj-cs"/>
+              </a:defRPr>
+            </a:lvl1pPr>
+          </a:lstStyle>
+          <a:p>
+            <a:pPr lvl="0" algn="ctr"/>
+            <a:r>
+              <a:rPr lang="en-US" altLang="zh-CN" sz="7200" b="1" dirty="0">
+                <a:solidFill>
+                  <a:srgbClr val="333333"/>
+                </a:solidFill>
+                <a:latin typeface="Times New Roman" panose="02020603050405020304" pitchFamily="18" charset="0"/>
+                <a:ea typeface="Open Sans"/>
+                <a:cs typeface="Times New Roman" panose="02020603050405020304" pitchFamily="18" charset="0"/>
+              </a:rPr>
+              <a:t>Evolution of Stable Diffusion</a:t>
+            </a:r>
+          </a:p>
+          <a:p>
+            <a:pPr algn="ctr"/>
+            <a:endParaRPr lang="zh-CN" altLang="en-US" sz="7200" dirty="0">
+              <a:latin typeface="Times New Roman" panose="02020603050405020304" pitchFamily="18" charset="0"/>
+              <a:cs typeface="Times New Roman" panose="02020603050405020304" pitchFamily="18" charset="0"/>
+            </a:endParaRPr>
+          </a:p>
+        </p:txBody>
+      </p:sp>
+      <p:grpSp>
+        <p:nvGrpSpPr>
+          <p:cNvPr id="6" name="组合 5"/>
+          <p:cNvGrpSpPr/>
+          <p:nvPr/>
+        </p:nvGrpSpPr>
+        <p:grpSpPr>
+          <a:xfrm>
+            <a:off x="8737600" y="137886"/>
+            <a:ext cx="3514167" cy="6720114"/>
+            <a:chOff x="8737600" y="137886"/>
+            <a:chExt cx="3514167" cy="6720114"/>
+          </a:xfrm>
+        </p:grpSpPr>
+        <p:pic>
+          <p:nvPicPr>
+            <p:cNvPr id="7" name="图片 6"/>
+            <p:cNvPicPr>
+              <a:picLocks noChangeAspect="1"/>
+            </p:cNvPicPr>
+            <p:nvPr/>
+          </p:nvPicPr>
+          <p:blipFill>
+            <a:blip r:embed="rId2" cstate="print">
+              <a:extLst>
+                <a:ext uri="{28A0092B-C50C-407E-A947-70E740481C1C}">
+                  <a14:useLocalDpi xmlns:a14="http://schemas.microsoft.com/office/drawing/2010/main" val="0"/>
+                </a:ext>
+              </a:extLst>
+            </a:blip>
+            <a:stretch>
+              <a:fillRect/>
+            </a:stretch>
+          </p:blipFill>
+          <p:spPr>
+            <a:xfrm>
+              <a:off x="11096357" y="137886"/>
+              <a:ext cx="825500" cy="825500"/>
+            </a:xfrm>
+            <a:prstGeom prst="rect">
+              <a:avLst/>
+            </a:prstGeom>
+          </p:spPr>
+        </p:pic>
+        <p:sp>
+          <p:nvSpPr>
+            <p:cNvPr id="8" name="矩形 7"/>
+            <p:cNvSpPr/>
+            <p:nvPr/>
+          </p:nvSpPr>
+          <p:spPr>
+            <a:xfrm>
+              <a:off x="8737600" y="6488668"/>
+              <a:ext cx="3514167" cy="369332"/>
+            </a:xfrm>
+            <a:prstGeom prst="rect">
+              <a:avLst/>
+            </a:prstGeom>
+          </p:spPr>
+          <p:txBody>
+            <a:bodyPr wrap="none">
+              <a:spAutoFit/>
+            </a:bodyPr>
+            <a:lstStyle/>
+            <a:p>
+              <a:r>
+                <a:rPr lang="en-US" altLang="zh-CN" dirty="0">
+                  <a:latin typeface="Times New Roman" panose="02020603050405020304" pitchFamily="18" charset="0"/>
+                  <a:cs typeface="Times New Roman" panose="02020603050405020304" pitchFamily="18" charset="0"/>
+                </a:rPr>
+                <a:t>© Sakura, 2024. All rights reserved.</a:t>
+              </a:r>
+              <a:endParaRPr lang="zh-CN" altLang="en-US" dirty="0">
+                <a:latin typeface="Times New Roman" panose="02020603050405020304" pitchFamily="18" charset="0"/>
+                <a:cs typeface="Times New Roman" panose="02020603050405020304" pitchFamily="18" charset="0"/>
+              </a:endParaRPr>
+            </a:p>
+          </p:txBody>
+        </p:sp>
+      </p:grpSp>
+    </p:spTree>
+    <p:extLst>
+      <p:ext uri="{BB962C8B-B14F-4D97-AF65-F5344CB8AC3E}">
+        <p14:creationId xmlns:p14="http://schemas.microsoft.com/office/powerpoint/2010/main" val="846868648"/>
+      </p:ext>
+    </p:extLst>
+  </p:cSld>
+  <p:clrMapOvr>
+    <a:masterClrMapping/>
+  </p:clrMapOvr>
+  <p:timing>
+    <p:tnLst>
+      <p:par>
+        <p:cTn id="1" dur="indefinite" restart="never" nodeType="tmRoot"/>
+      </p:par>
+    </p:tnLst>
+  </p:timing>
+</p:sld>
+</file>
+
+<file path=ppt/slides/slide5.xml><?xml version="1.0" encoding="utf-8"?>
+<p:sld xmlns:a="http://schemas.openxmlformats.org/drawingml/2006/main" xmlns:r="http://schemas.openxmlformats.org/officeDocument/2006/relationships" xmlns:p="http://schemas.openxmlformats.org/presentationml/2006/main">
+  <p:cSld>
+    <p:spTree>
+      <p:nvGrpSpPr>
+        <p:cNvPr id="1" name=""/>
+        <p:cNvGrpSpPr/>
+        <p:nvPr/>
+      </p:nvGrpSpPr>
+      <p:grpSpPr>
+        <a:xfrm>
+          <a:off x="0" y="0"/>
+          <a:ext cx="0" cy="0"/>
+          <a:chOff x="0" y="0"/>
+          <a:chExt cx="0" cy="0"/>
+        </a:xfrm>
+      </p:grpSpPr>
+      <p:sp>
+        <p:nvSpPr>
           <p:cNvPr id="3" name="矩形 2"/>
           <p:cNvSpPr/>
           <p:nvPr/>
@@ -4492,7 +9223,7 @@
         <p:spPr>
           <a:xfrm>
             <a:off x="364855" y="606392"/>
-            <a:ext cx="4211987" cy="584775"/>
+            <a:ext cx="5362943" cy="584775"/>
           </a:xfrm>
           <a:prstGeom prst="rect">
             <a:avLst/>
@@ -4506,7 +9237,7 @@
           <a:p>
             <a:pPr marL="0" lvl="1"/>
             <a:r>
-              <a:rPr lang="it-IT" altLang="zh-CN" sz="3200" dirty="0" smtClean="0">
+              <a:rPr lang="it-IT" altLang="zh-CN" sz="3200" dirty="0">
                 <a:solidFill>
                   <a:srgbClr val="333333"/>
                 </a:solidFill>
@@ -4514,16 +9245,8 @@
                 <a:ea typeface="Open Sans"/>
                 <a:cs typeface="Times New Roman" panose="02020603050405020304" pitchFamily="18" charset="0"/>
               </a:rPr>
-              <a:t>Abstract of DiffusionSat</a:t>
-            </a:r>
-            <a:endParaRPr lang="it-IT" altLang="zh-CN" sz="3200" dirty="0">
-              <a:solidFill>
-                <a:srgbClr val="333333"/>
-              </a:solidFill>
-              <a:latin typeface="Times New Roman" panose="02020603050405020304" pitchFamily="18" charset="0"/>
-              <a:ea typeface="Open Sans"/>
-              <a:cs typeface="Times New Roman" panose="02020603050405020304" pitchFamily="18" charset="0"/>
-            </a:endParaRPr>
+              <a:t>Latent Diffusion Model (LDM)</a:t>
+            </a:r>
           </a:p>
         </p:txBody>
       </p:sp>
@@ -4609,14 +9332,14 @@
       </p:grpSp>
       <p:sp>
         <p:nvSpPr>
-          <p:cNvPr id="10" name="矩形 9"/>
+          <p:cNvPr id="2" name="矩形 1"/>
           <p:cNvSpPr/>
           <p:nvPr/>
         </p:nvSpPr>
         <p:spPr>
           <a:xfrm>
-            <a:off x="364855" y="1191167"/>
-            <a:ext cx="11217139" cy="5139869"/>
+            <a:off x="0" y="6546376"/>
+            <a:ext cx="8448582" cy="253916"/>
           </a:xfrm>
           <a:prstGeom prst="rect">
             <a:avLst/>
@@ -4629,287 +9352,216 @@
           <a:lstStyle/>
           <a:p>
             <a:r>
+              <a:rPr lang="en-US" altLang="zh-CN" sz="1000" dirty="0" err="1">
+                <a:solidFill>
+                  <a:schemeClr val="bg1">
+                    <a:lumMod val="75000"/>
+                  </a:schemeClr>
+                </a:solidFill>
+                <a:latin typeface="Times New Roman" panose="02020603050405020304" pitchFamily="18" charset="0"/>
+                <a:cs typeface="Times New Roman" panose="02020603050405020304" pitchFamily="18" charset="0"/>
+              </a:rPr>
+              <a:t>Rombach</a:t>
+            </a:r>
+            <a:r>
+              <a:rPr lang="en-US" altLang="zh-CN" sz="1000" dirty="0">
+                <a:solidFill>
+                  <a:schemeClr val="bg1">
+                    <a:lumMod val="75000"/>
+                  </a:schemeClr>
+                </a:solidFill>
+                <a:latin typeface="Times New Roman" panose="02020603050405020304" pitchFamily="18" charset="0"/>
+                <a:cs typeface="Times New Roman" panose="02020603050405020304" pitchFamily="18" charset="0"/>
+              </a:rPr>
+              <a:t>, R., </a:t>
+            </a:r>
+            <a:r>
+              <a:rPr lang="en-US" altLang="zh-CN" sz="1000" dirty="0" err="1">
+                <a:solidFill>
+                  <a:schemeClr val="bg1">
+                    <a:lumMod val="75000"/>
+                  </a:schemeClr>
+                </a:solidFill>
+                <a:latin typeface="Times New Roman" panose="02020603050405020304" pitchFamily="18" charset="0"/>
+                <a:cs typeface="Times New Roman" panose="02020603050405020304" pitchFamily="18" charset="0"/>
+              </a:rPr>
+              <a:t>Blattmann</a:t>
+            </a:r>
+            <a:r>
+              <a:rPr lang="en-US" altLang="zh-CN" sz="1000" dirty="0">
+                <a:solidFill>
+                  <a:schemeClr val="bg1">
+                    <a:lumMod val="75000"/>
+                  </a:schemeClr>
+                </a:solidFill>
+                <a:latin typeface="Times New Roman" panose="02020603050405020304" pitchFamily="18" charset="0"/>
+                <a:cs typeface="Times New Roman" panose="02020603050405020304" pitchFamily="18" charset="0"/>
+              </a:rPr>
+              <a:t>, A., Lorenz, D., </a:t>
+            </a:r>
+            <a:r>
+              <a:rPr lang="en-US" altLang="zh-CN" sz="1000" dirty="0" err="1">
+                <a:solidFill>
+                  <a:schemeClr val="bg1">
+                    <a:lumMod val="75000"/>
+                  </a:schemeClr>
+                </a:solidFill>
+                <a:latin typeface="Times New Roman" panose="02020603050405020304" pitchFamily="18" charset="0"/>
+                <a:cs typeface="Times New Roman" panose="02020603050405020304" pitchFamily="18" charset="0"/>
+              </a:rPr>
+              <a:t>Esser</a:t>
+            </a:r>
+            <a:r>
+              <a:rPr lang="en-US" altLang="zh-CN" sz="1000" dirty="0">
+                <a:solidFill>
+                  <a:schemeClr val="bg1">
+                    <a:lumMod val="75000"/>
+                  </a:schemeClr>
+                </a:solidFill>
+                <a:latin typeface="Times New Roman" panose="02020603050405020304" pitchFamily="18" charset="0"/>
+                <a:cs typeface="Times New Roman" panose="02020603050405020304" pitchFamily="18" charset="0"/>
+              </a:rPr>
+              <a:t>, P., &amp; </a:t>
+            </a:r>
+            <a:r>
+              <a:rPr lang="en-US" altLang="zh-CN" sz="1000" dirty="0" err="1">
+                <a:solidFill>
+                  <a:schemeClr val="bg1">
+                    <a:lumMod val="75000"/>
+                  </a:schemeClr>
+                </a:solidFill>
+                <a:latin typeface="Times New Roman" panose="02020603050405020304" pitchFamily="18" charset="0"/>
+                <a:cs typeface="Times New Roman" panose="02020603050405020304" pitchFamily="18" charset="0"/>
+              </a:rPr>
+              <a:t>Ommer</a:t>
+            </a:r>
+            <a:r>
+              <a:rPr lang="en-US" altLang="zh-CN" sz="1000" dirty="0">
+                <a:solidFill>
+                  <a:schemeClr val="bg1">
+                    <a:lumMod val="75000"/>
+                  </a:schemeClr>
+                </a:solidFill>
+                <a:latin typeface="Times New Roman" panose="02020603050405020304" pitchFamily="18" charset="0"/>
+                <a:cs typeface="Times New Roman" panose="02020603050405020304" pitchFamily="18" charset="0"/>
+              </a:rPr>
+              <a:t>, B. (2022). </a:t>
+            </a:r>
+            <a:r>
+              <a:rPr lang="en-US" altLang="zh-CN" sz="1000" i="1" dirty="0">
+                <a:solidFill>
+                  <a:schemeClr val="bg1">
+                    <a:lumMod val="75000"/>
+                  </a:schemeClr>
+                </a:solidFill>
+                <a:latin typeface="Times New Roman" panose="02020603050405020304" pitchFamily="18" charset="0"/>
+                <a:cs typeface="Times New Roman" panose="02020603050405020304" pitchFamily="18" charset="0"/>
+              </a:rPr>
+              <a:t>High-Resolution Image Synthesis With Latent Diffusion Models</a:t>
+            </a:r>
+            <a:r>
+              <a:rPr lang="en-US" altLang="zh-CN" sz="1000" dirty="0">
+                <a:solidFill>
+                  <a:schemeClr val="bg1">
+                    <a:lumMod val="75000"/>
+                  </a:schemeClr>
+                </a:solidFill>
+                <a:latin typeface="Times New Roman" panose="02020603050405020304" pitchFamily="18" charset="0"/>
+                <a:cs typeface="Times New Roman" panose="02020603050405020304" pitchFamily="18" charset="0"/>
+              </a:rPr>
+              <a:t>. 10684–10695. </a:t>
+            </a:r>
+            <a:endParaRPr lang="en-US" altLang="zh-CN" sz="1000" dirty="0">
+              <a:solidFill>
+                <a:schemeClr val="bg1">
+                  <a:lumMod val="75000"/>
+                </a:schemeClr>
+              </a:solidFill>
+              <a:effectLst/>
+              <a:latin typeface="Times New Roman" panose="02020603050405020304" pitchFamily="18" charset="0"/>
+              <a:cs typeface="Times New Roman" panose="02020603050405020304" pitchFamily="18" charset="0"/>
+            </a:endParaRPr>
+          </a:p>
+        </p:txBody>
+      </p:sp>
+      <p:pic>
+        <p:nvPicPr>
+          <p:cNvPr id="4" name="图片 3"/>
+          <p:cNvPicPr>
+            <a:picLocks noChangeAspect="1"/>
+          </p:cNvPicPr>
+          <p:nvPr/>
+        </p:nvPicPr>
+        <p:blipFill>
+          <a:blip r:embed="rId3"/>
+          <a:stretch>
+            <a:fillRect/>
+          </a:stretch>
+        </p:blipFill>
+        <p:spPr>
+          <a:xfrm>
+            <a:off x="1160183" y="1282027"/>
+            <a:ext cx="9777106" cy="4748880"/>
+          </a:xfrm>
+          <a:prstGeom prst="rect">
+            <a:avLst/>
+          </a:prstGeom>
+          <a:ln>
+            <a:noFill/>
+          </a:ln>
+          <a:effectLst>
+            <a:outerShdw blurRad="292100" dist="139700" dir="2700000" algn="tl" rotWithShape="0">
+              <a:srgbClr val="333333">
+                <a:alpha val="65000"/>
+              </a:srgbClr>
+            </a:outerShdw>
+          </a:effectLst>
+        </p:spPr>
+      </p:pic>
+      <p:sp>
+        <p:nvSpPr>
+          <p:cNvPr id="8" name="矩形 7"/>
+          <p:cNvSpPr/>
+          <p:nvPr/>
+        </p:nvSpPr>
+        <p:spPr>
+          <a:xfrm>
+            <a:off x="364855" y="6121767"/>
+            <a:ext cx="11988800" cy="369332"/>
+          </a:xfrm>
+          <a:prstGeom prst="rect">
+            <a:avLst/>
+          </a:prstGeom>
+        </p:spPr>
+        <p:txBody>
+          <a:bodyPr wrap="square">
+            <a:spAutoFit/>
+          </a:bodyPr>
+          <a:lstStyle/>
+          <a:p>
+            <a:pPr algn="ctr"/>
+            <a:r>
               <a:rPr lang="en-US" altLang="zh-CN" dirty="0" smtClean="0">
                 <a:latin typeface="Times New Roman" panose="02020603050405020304" pitchFamily="18" charset="0"/>
                 <a:cs typeface="Times New Roman" panose="02020603050405020304" pitchFamily="18" charset="0"/>
               </a:rPr>
-              <a:t>Diffusion models have achieved state-of-the-art results on many </a:t>
+              <a:t>Architecture of LDM (</a:t>
+            </a:r>
+            <a:r>
+              <a:rPr lang="en-US" altLang="zh-CN" dirty="0" err="1" smtClean="0">
+                <a:latin typeface="Times New Roman" panose="02020603050405020304" pitchFamily="18" charset="0"/>
+                <a:cs typeface="Times New Roman" panose="02020603050405020304" pitchFamily="18" charset="0"/>
+              </a:rPr>
+              <a:t>Rombach</a:t>
             </a:r>
             <a:r>
               <a:rPr lang="en-US" altLang="zh-CN" dirty="0" smtClean="0">
-                <a:solidFill>
-                  <a:srgbClr val="FF0000"/>
-                </a:solidFill>
-                <a:latin typeface="Times New Roman" panose="02020603050405020304" pitchFamily="18" charset="0"/>
-                <a:cs typeface="Times New Roman" panose="02020603050405020304" pitchFamily="18" charset="0"/>
-              </a:rPr>
-              <a:t>modalities</a:t>
-            </a:r>
-            <a:r>
-              <a:rPr lang="en-US" altLang="zh-CN" dirty="0" smtClean="0">
-                <a:latin typeface="Times New Roman" panose="02020603050405020304" pitchFamily="18" charset="0"/>
-                <a:cs typeface="Times New Roman" panose="02020603050405020304" pitchFamily="18" charset="0"/>
-              </a:rPr>
-              <a:t> including </a:t>
-            </a:r>
-            <a:r>
-              <a:rPr lang="en-US" altLang="zh-CN" u="sng" dirty="0" smtClean="0">
-                <a:latin typeface="Times New Roman" panose="02020603050405020304" pitchFamily="18" charset="0"/>
-                <a:cs typeface="Times New Roman" panose="02020603050405020304" pitchFamily="18" charset="0"/>
-              </a:rPr>
-              <a:t>images, speech, and video</a:t>
-            </a:r>
-            <a:r>
-              <a:rPr lang="en-US" altLang="zh-CN" dirty="0" smtClean="0">
-                <a:latin typeface="Times New Roman" panose="02020603050405020304" pitchFamily="18" charset="0"/>
-                <a:cs typeface="Times New Roman" panose="02020603050405020304" pitchFamily="18" charset="0"/>
-              </a:rPr>
-              <a:t>. However, existing models are </a:t>
-            </a:r>
-            <a:r>
-              <a:rPr lang="en-US" altLang="zh-CN" u="sng" dirty="0" smtClean="0">
-                <a:latin typeface="Times New Roman" panose="02020603050405020304" pitchFamily="18" charset="0"/>
-                <a:cs typeface="Times New Roman" panose="02020603050405020304" pitchFamily="18" charset="0"/>
-              </a:rPr>
-              <a:t>not tailored</a:t>
-            </a:r>
-            <a:r>
-              <a:rPr lang="en-US" altLang="zh-CN" dirty="0" smtClean="0">
-                <a:latin typeface="Times New Roman" panose="02020603050405020304" pitchFamily="18" charset="0"/>
-                <a:cs typeface="Times New Roman" panose="02020603050405020304" pitchFamily="18" charset="0"/>
-              </a:rPr>
-              <a:t> to support </a:t>
-            </a:r>
-            <a:r>
-              <a:rPr lang="en-US" altLang="zh-CN" dirty="0" smtClean="0">
-                <a:solidFill>
-                  <a:srgbClr val="FF0000"/>
-                </a:solidFill>
-                <a:latin typeface="Times New Roman" panose="02020603050405020304" pitchFamily="18" charset="0"/>
-                <a:cs typeface="Times New Roman" panose="02020603050405020304" pitchFamily="18" charset="0"/>
-              </a:rPr>
-              <a:t>remote sensing data</a:t>
-            </a:r>
-            <a:r>
-              <a:rPr lang="en-US" altLang="zh-CN" dirty="0" smtClean="0">
-                <a:latin typeface="Times New Roman" panose="02020603050405020304" pitchFamily="18" charset="0"/>
-                <a:cs typeface="Times New Roman" panose="02020603050405020304" pitchFamily="18" charset="0"/>
-              </a:rPr>
-              <a:t>, which is widely used in important applications including </a:t>
-            </a:r>
-            <a:r>
-              <a:rPr lang="en-US" altLang="zh-CN" u="sng" dirty="0" smtClean="0">
-                <a:latin typeface="Times New Roman" panose="02020603050405020304" pitchFamily="18" charset="0"/>
-                <a:cs typeface="Times New Roman" panose="02020603050405020304" pitchFamily="18" charset="0"/>
-              </a:rPr>
-              <a:t>environmental monitoring and crop-yield prediction</a:t>
-            </a:r>
-            <a:r>
-              <a:rPr lang="en-US" altLang="zh-CN" dirty="0" smtClean="0">
-                <a:latin typeface="Times New Roman" panose="02020603050405020304" pitchFamily="18" charset="0"/>
-                <a:cs typeface="Times New Roman" panose="02020603050405020304" pitchFamily="18" charset="0"/>
-              </a:rPr>
-              <a:t>. Satellite images are significantly different from natural images -- they can be </a:t>
-            </a:r>
-            <a:r>
-              <a:rPr lang="en-US" altLang="zh-CN" u="sng" dirty="0" smtClean="0">
-                <a:latin typeface="Times New Roman" panose="02020603050405020304" pitchFamily="18" charset="0"/>
-                <a:cs typeface="Times New Roman" panose="02020603050405020304" pitchFamily="18" charset="0"/>
-              </a:rPr>
-              <a:t>multi-spectral, irregularly sampled across time</a:t>
-            </a:r>
-            <a:r>
-              <a:rPr lang="en-US" altLang="zh-CN" dirty="0" smtClean="0">
-                <a:latin typeface="Times New Roman" panose="02020603050405020304" pitchFamily="18" charset="0"/>
-                <a:cs typeface="Times New Roman" panose="02020603050405020304" pitchFamily="18" charset="0"/>
-              </a:rPr>
-              <a:t> -- and existing diffusion models trained on images from the Web </a:t>
-            </a:r>
-            <a:r>
-              <a:rPr lang="en-US" altLang="zh-CN" u="sng" dirty="0" smtClean="0">
-                <a:latin typeface="Times New Roman" panose="02020603050405020304" pitchFamily="18" charset="0"/>
-                <a:cs typeface="Times New Roman" panose="02020603050405020304" pitchFamily="18" charset="0"/>
-              </a:rPr>
-              <a:t>do not support</a:t>
-            </a:r>
-            <a:r>
-              <a:rPr lang="en-US" altLang="zh-CN" dirty="0" smtClean="0">
-                <a:latin typeface="Times New Roman" panose="02020603050405020304" pitchFamily="18" charset="0"/>
-                <a:cs typeface="Times New Roman" panose="02020603050405020304" pitchFamily="18" charset="0"/>
-              </a:rPr>
-              <a:t> them. Furthermore, remote sensing data is </a:t>
-            </a:r>
-            <a:r>
-              <a:rPr lang="en-US" altLang="zh-CN" dirty="0" smtClean="0">
-                <a:solidFill>
-                  <a:srgbClr val="FF0000"/>
-                </a:solidFill>
-                <a:latin typeface="Times New Roman" panose="02020603050405020304" pitchFamily="18" charset="0"/>
-                <a:cs typeface="Times New Roman" panose="02020603050405020304" pitchFamily="18" charset="0"/>
-              </a:rPr>
-              <a:t>inherently </a:t>
-            </a:r>
-            <a:r>
-              <a:rPr lang="en-US" altLang="zh-CN" dirty="0" err="1" smtClean="0">
-                <a:solidFill>
-                  <a:srgbClr val="FF0000"/>
-                </a:solidFill>
-                <a:latin typeface="Times New Roman" panose="02020603050405020304" pitchFamily="18" charset="0"/>
-                <a:cs typeface="Times New Roman" panose="02020603050405020304" pitchFamily="18" charset="0"/>
-              </a:rPr>
-              <a:t>spatio</a:t>
-            </a:r>
-            <a:r>
-              <a:rPr lang="en-US" altLang="zh-CN" dirty="0" smtClean="0">
-                <a:solidFill>
-                  <a:srgbClr val="FF0000"/>
-                </a:solidFill>
-                <a:latin typeface="Times New Roman" panose="02020603050405020304" pitchFamily="18" charset="0"/>
-                <a:cs typeface="Times New Roman" panose="02020603050405020304" pitchFamily="18" charset="0"/>
-              </a:rPr>
-              <a:t>-temporal</a:t>
-            </a:r>
-            <a:r>
-              <a:rPr lang="en-US" altLang="zh-CN" dirty="0" smtClean="0">
-                <a:latin typeface="Times New Roman" panose="02020603050405020304" pitchFamily="18" charset="0"/>
-                <a:cs typeface="Times New Roman" panose="02020603050405020304" pitchFamily="18" charset="0"/>
-              </a:rPr>
-              <a:t>, requiring conditional generation tasks </a:t>
-            </a:r>
-            <a:r>
-              <a:rPr lang="en-US" altLang="zh-CN" u="sng" dirty="0" smtClean="0">
-                <a:latin typeface="Times New Roman" panose="02020603050405020304" pitchFamily="18" charset="0"/>
-                <a:cs typeface="Times New Roman" panose="02020603050405020304" pitchFamily="18" charset="0"/>
-              </a:rPr>
-              <a:t>not supported by traditional methods based on captions or images</a:t>
-            </a:r>
-            <a:r>
-              <a:rPr lang="en-US" altLang="zh-CN" dirty="0" smtClean="0">
-                <a:latin typeface="Times New Roman" panose="02020603050405020304" pitchFamily="18" charset="0"/>
-                <a:cs typeface="Times New Roman" panose="02020603050405020304" pitchFamily="18" charset="0"/>
-              </a:rPr>
-              <a:t>. In this paper, we present DiffusionSat, to date the largest generative foundation model trained on a collection of publicly available large, high-resolution remote sensing datasets. </a:t>
-            </a:r>
-            <a:r>
-              <a:rPr lang="en-US" altLang="zh-CN" u="sng" dirty="0" smtClean="0">
-                <a:latin typeface="Times New Roman" panose="02020603050405020304" pitchFamily="18" charset="0"/>
-                <a:cs typeface="Times New Roman" panose="02020603050405020304" pitchFamily="18" charset="0"/>
-              </a:rPr>
-              <a:t>As text-based </a:t>
-            </a:r>
-            <a:r>
-              <a:rPr lang="en-US" altLang="zh-CN" u="sng" dirty="0" smtClean="0">
-                <a:solidFill>
-                  <a:srgbClr val="FF0000"/>
-                </a:solidFill>
-                <a:latin typeface="Times New Roman" panose="02020603050405020304" pitchFamily="18" charset="0"/>
-                <a:cs typeface="Times New Roman" panose="02020603050405020304" pitchFamily="18" charset="0"/>
-              </a:rPr>
-              <a:t>captions</a:t>
-            </a:r>
-            <a:r>
-              <a:rPr lang="en-US" altLang="zh-CN" u="sng" dirty="0" smtClean="0">
-                <a:latin typeface="Times New Roman" panose="02020603050405020304" pitchFamily="18" charset="0"/>
-                <a:cs typeface="Times New Roman" panose="02020603050405020304" pitchFamily="18" charset="0"/>
-              </a:rPr>
-              <a:t> are </a:t>
-            </a:r>
-            <a:r>
-              <a:rPr lang="en-US" altLang="zh-CN" u="sng" dirty="0" smtClean="0">
-                <a:solidFill>
-                  <a:srgbClr val="FF0000"/>
-                </a:solidFill>
-                <a:latin typeface="Times New Roman" panose="02020603050405020304" pitchFamily="18" charset="0"/>
-                <a:cs typeface="Times New Roman" panose="02020603050405020304" pitchFamily="18" charset="0"/>
-              </a:rPr>
-              <a:t>sparsely available </a:t>
-            </a:r>
-            <a:r>
-              <a:rPr lang="en-US" altLang="zh-CN" u="sng" dirty="0" smtClean="0">
-                <a:latin typeface="Times New Roman" panose="02020603050405020304" pitchFamily="18" charset="0"/>
-                <a:cs typeface="Times New Roman" panose="02020603050405020304" pitchFamily="18" charset="0"/>
-              </a:rPr>
-              <a:t>for satellite images</a:t>
-            </a:r>
-            <a:r>
-              <a:rPr lang="en-US" altLang="zh-CN" dirty="0" smtClean="0">
-                <a:latin typeface="Times New Roman" panose="02020603050405020304" pitchFamily="18" charset="0"/>
-                <a:cs typeface="Times New Roman" panose="02020603050405020304" pitchFamily="18" charset="0"/>
-              </a:rPr>
-              <a:t>, we incorporate the associated metadata such as geolocation as conditioning information. Our method produces realistic samples and can be used to solve multiple generative tasks including </a:t>
-            </a:r>
-            <a:r>
-              <a:rPr lang="en-US" altLang="zh-CN" dirty="0" smtClean="0">
-                <a:solidFill>
-                  <a:srgbClr val="FF0000"/>
-                </a:solidFill>
-                <a:latin typeface="Times New Roman" panose="02020603050405020304" pitchFamily="18" charset="0"/>
-                <a:cs typeface="Times New Roman" panose="02020603050405020304" pitchFamily="18" charset="0"/>
-              </a:rPr>
-              <a:t>temporal generation, superresolution given multi-spectral inputs and in-painting</a:t>
-            </a:r>
-            <a:r>
-              <a:rPr lang="en-US" altLang="zh-CN" dirty="0" smtClean="0">
-                <a:latin typeface="Times New Roman" panose="02020603050405020304" pitchFamily="18" charset="0"/>
-                <a:cs typeface="Times New Roman" panose="02020603050405020304" pitchFamily="18" charset="0"/>
-              </a:rPr>
-              <a:t>. Our method outperforms previous state-of-the-art methods for satellite image generation and is the </a:t>
-            </a:r>
-            <a:r>
-              <a:rPr lang="en-US" altLang="zh-CN" dirty="0" smtClean="0">
-                <a:solidFill>
-                  <a:srgbClr val="FF0000"/>
-                </a:solidFill>
-                <a:latin typeface="Times New Roman" panose="02020603050405020304" pitchFamily="18" charset="0"/>
-                <a:cs typeface="Times New Roman" panose="02020603050405020304" pitchFamily="18" charset="0"/>
-              </a:rPr>
-              <a:t>first large-scale generative foundation model for satellite imagery</a:t>
-            </a:r>
-            <a:r>
-              <a:rPr lang="en-US" altLang="zh-CN" dirty="0" smtClean="0">
-                <a:latin typeface="Times New Roman" panose="02020603050405020304" pitchFamily="18" charset="0"/>
-                <a:cs typeface="Times New Roman" panose="02020603050405020304" pitchFamily="18" charset="0"/>
-              </a:rPr>
-              <a:t>.</a:t>
-            </a:r>
-          </a:p>
-          <a:p>
-            <a:r>
-              <a:rPr lang="zh-CN" altLang="en-US" sz="1600" dirty="0" smtClean="0">
-                <a:latin typeface="Times New Roman" panose="02020603050405020304" pitchFamily="18" charset="0"/>
-                <a:cs typeface="Times New Roman" panose="02020603050405020304" pitchFamily="18" charset="0"/>
-              </a:rPr>
-              <a:t>扩散模型在图像、语音和视频等多种模态上取得了最先进的成果。然而，现有模型并不支持在重要应用如环境监测和作物产量预测中广泛使用的遥感数据。卫星图像与自然图像显著不同</a:t>
-            </a:r>
-            <a:r>
-              <a:rPr lang="en-US" altLang="zh-CN" sz="1600" dirty="0" smtClean="0">
-                <a:latin typeface="Times New Roman" panose="02020603050405020304" pitchFamily="18" charset="0"/>
-                <a:cs typeface="Times New Roman" panose="02020603050405020304" pitchFamily="18" charset="0"/>
-              </a:rPr>
-              <a:t>——</a:t>
-            </a:r>
-            <a:r>
-              <a:rPr lang="zh-CN" altLang="en-US" sz="1600" dirty="0" smtClean="0">
-                <a:latin typeface="Times New Roman" panose="02020603050405020304" pitchFamily="18" charset="0"/>
-                <a:cs typeface="Times New Roman" panose="02020603050405020304" pitchFamily="18" charset="0"/>
-              </a:rPr>
-              <a:t>它们可以是多光谱的、时间上不规则采样的。现有的扩散模型无法处理这些数据。遥感数据本质上是时空数据，需要传统基于字幕或图像的方法不支持的条件生成任务。本文提出了</a:t>
-            </a:r>
-            <a:r>
-              <a:rPr lang="en-US" altLang="zh-CN" sz="1600" dirty="0" smtClean="0">
-                <a:latin typeface="Times New Roman" panose="02020603050405020304" pitchFamily="18" charset="0"/>
-                <a:cs typeface="Times New Roman" panose="02020603050405020304" pitchFamily="18" charset="0"/>
-              </a:rPr>
-              <a:t>DiffusionSat</a:t>
-            </a:r>
-            <a:r>
-              <a:rPr lang="zh-CN" altLang="en-US" sz="1600" dirty="0" smtClean="0">
-                <a:latin typeface="Times New Roman" panose="02020603050405020304" pitchFamily="18" charset="0"/>
-                <a:cs typeface="Times New Roman" panose="02020603050405020304" pitchFamily="18" charset="0"/>
-              </a:rPr>
-              <a:t>，这是迄今为止基于公共大规模高分辨率遥感数据集训练的最大生成基础模型。由于卫星图像的文字描述稀少，我们结合了地理位置等相关元数据作为条件信息。我们的方法生成逼真的样本，可用于解决多种生成任务，包括时间生成、多光谱输入的超分辨率和修复。我们的方法在卫星图像生成方面优于现有最先进的方法，是第一个大规模的卫星图像生成基础模型。</a:t>
-            </a:r>
-            <a:endParaRPr lang="zh-CN" altLang="en-US" sz="1600" dirty="0">
+                <a:latin typeface="Times New Roman" panose="02020603050405020304" pitchFamily="18" charset="0"/>
+                <a:cs typeface="Times New Roman" panose="02020603050405020304" pitchFamily="18" charset="0"/>
+              </a:rPr>
+              <a:t> et al., 2022)</a:t>
+            </a:r>
+            <a:endParaRPr lang="zh-CN" altLang="en-US" dirty="0">
               <a:latin typeface="Times New Roman" panose="02020603050405020304" pitchFamily="18" charset="0"/>
               <a:cs typeface="Times New Roman" panose="02020603050405020304" pitchFamily="18" charset="0"/>
             </a:endParaRPr>
@@ -4936,7 +9588,7 @@
 </p:sld>
 </file>
 
-<file path=ppt/slides/slide5.xml><?xml version="1.0" encoding="utf-8"?>
+<file path=ppt/slides/slide6.xml><?xml version="1.0" encoding="utf-8"?>
 <p:sld xmlns:a="http://schemas.openxmlformats.org/drawingml/2006/main" xmlns:r="http://schemas.openxmlformats.org/officeDocument/2006/relationships" xmlns:p="http://schemas.openxmlformats.org/presentationml/2006/main">
   <p:cSld>
     <p:spTree>
@@ -4962,7 +9614,7 @@
         <p:spPr>
           <a:xfrm>
             <a:off x="364855" y="606392"/>
-            <a:ext cx="5221045" cy="584775"/>
+            <a:ext cx="5362943" cy="584775"/>
           </a:xfrm>
           <a:prstGeom prst="rect">
             <a:avLst/>
@@ -4974,8 +9626,9 @@
           </a:bodyPr>
           <a:lstStyle/>
           <a:p>
-            <a:r>
-              <a:rPr lang="en-US" altLang="zh-CN" sz="3200" dirty="0" smtClean="0">
+            <a:pPr marL="0" lvl="1"/>
+            <a:r>
+              <a:rPr lang="it-IT" altLang="zh-CN" sz="3200" dirty="0">
                 <a:solidFill>
                   <a:srgbClr val="333333"/>
                 </a:solidFill>
@@ -4983,16 +9636,8 @@
                 <a:ea typeface="Open Sans"/>
                 <a:cs typeface="Times New Roman" panose="02020603050405020304" pitchFamily="18" charset="0"/>
               </a:rPr>
-              <a:t>References and Related Works</a:t>
-            </a:r>
-            <a:endParaRPr lang="en-US" altLang="zh-CN" sz="3200" dirty="0">
-              <a:solidFill>
-                <a:srgbClr val="333333"/>
-              </a:solidFill>
-              <a:latin typeface="Times New Roman" panose="02020603050405020304" pitchFamily="18" charset="0"/>
-              <a:ea typeface="Open Sans"/>
-              <a:cs typeface="Times New Roman" panose="02020603050405020304" pitchFamily="18" charset="0"/>
-            </a:endParaRPr>
+              <a:t>Latent Diffusion Model (LDM)</a:t>
+            </a:r>
           </a:p>
         </p:txBody>
       </p:sp>
@@ -5078,14 +9723,14 @@
       </p:grpSp>
       <p:sp>
         <p:nvSpPr>
-          <p:cNvPr id="4" name="矩形 3"/>
+          <p:cNvPr id="2" name="矩形 1"/>
           <p:cNvSpPr/>
           <p:nvPr/>
         </p:nvSpPr>
         <p:spPr>
           <a:xfrm>
-            <a:off x="364855" y="1124055"/>
-            <a:ext cx="11273770" cy="5078313"/>
+            <a:off x="-8878" y="6357276"/>
+            <a:ext cx="8448582" cy="553998"/>
           </a:xfrm>
           <a:prstGeom prst="rect">
             <a:avLst/>
@@ -5098,268 +9743,395 @@
           <a:lstStyle/>
           <a:p>
             <a:r>
-              <a:rPr lang="en-US" altLang="zh-CN" b="1" dirty="0" smtClean="0">
-                <a:latin typeface="Times New Roman" panose="02020603050405020304" pitchFamily="18" charset="0"/>
-                <a:cs typeface="Times New Roman" panose="02020603050405020304" pitchFamily="18" charset="0"/>
-              </a:rPr>
-              <a:t>[1] S. Khanna et al., ‘DiffusionSat: A Generative Foundation Model for Satellite Imagery’, in International Conference on Learning Representations, Dec. 2023. Accessed: Jul. 07, 2024. [Online]. Available: </a:t>
-            </a:r>
-            <a:r>
-              <a:rPr lang="en-US" altLang="zh-CN" b="1" dirty="0" smtClean="0">
-                <a:latin typeface="Times New Roman" panose="02020603050405020304" pitchFamily="18" charset="0"/>
-                <a:cs typeface="Times New Roman" panose="02020603050405020304" pitchFamily="18" charset="0"/>
-                <a:hlinkClick r:id="rId3"/>
-              </a:rPr>
-              <a:t>https://openreview.net/forum?id=I5webNFDgQ</a:t>
-            </a:r>
-            <a:endParaRPr lang="en-US" altLang="zh-CN" b="1" dirty="0" smtClean="0">
+              <a:rPr lang="en-US" altLang="zh-CN" sz="1000" dirty="0" err="1">
+                <a:solidFill>
+                  <a:schemeClr val="bg1">
+                    <a:lumMod val="75000"/>
+                  </a:schemeClr>
+                </a:solidFill>
+                <a:latin typeface="Times New Roman" panose="02020603050405020304" pitchFamily="18" charset="0"/>
+                <a:cs typeface="Times New Roman" panose="02020603050405020304" pitchFamily="18" charset="0"/>
+              </a:rPr>
+              <a:t>Rombach</a:t>
+            </a:r>
+            <a:r>
+              <a:rPr lang="en-US" altLang="zh-CN" sz="1000" dirty="0">
+                <a:solidFill>
+                  <a:schemeClr val="bg1">
+                    <a:lumMod val="75000"/>
+                  </a:schemeClr>
+                </a:solidFill>
+                <a:latin typeface="Times New Roman" panose="02020603050405020304" pitchFamily="18" charset="0"/>
+                <a:cs typeface="Times New Roman" panose="02020603050405020304" pitchFamily="18" charset="0"/>
+              </a:rPr>
+              <a:t>, R., </a:t>
+            </a:r>
+            <a:r>
+              <a:rPr lang="en-US" altLang="zh-CN" sz="1000" dirty="0" err="1">
+                <a:solidFill>
+                  <a:schemeClr val="bg1">
+                    <a:lumMod val="75000"/>
+                  </a:schemeClr>
+                </a:solidFill>
+                <a:latin typeface="Times New Roman" panose="02020603050405020304" pitchFamily="18" charset="0"/>
+                <a:cs typeface="Times New Roman" panose="02020603050405020304" pitchFamily="18" charset="0"/>
+              </a:rPr>
+              <a:t>Blattmann</a:t>
+            </a:r>
+            <a:r>
+              <a:rPr lang="en-US" altLang="zh-CN" sz="1000" dirty="0">
+                <a:solidFill>
+                  <a:schemeClr val="bg1">
+                    <a:lumMod val="75000"/>
+                  </a:schemeClr>
+                </a:solidFill>
+                <a:latin typeface="Times New Roman" panose="02020603050405020304" pitchFamily="18" charset="0"/>
+                <a:cs typeface="Times New Roman" panose="02020603050405020304" pitchFamily="18" charset="0"/>
+              </a:rPr>
+              <a:t>, A., Lorenz, D., </a:t>
+            </a:r>
+            <a:r>
+              <a:rPr lang="en-US" altLang="zh-CN" sz="1000" dirty="0" err="1">
+                <a:solidFill>
+                  <a:schemeClr val="bg1">
+                    <a:lumMod val="75000"/>
+                  </a:schemeClr>
+                </a:solidFill>
+                <a:latin typeface="Times New Roman" panose="02020603050405020304" pitchFamily="18" charset="0"/>
+                <a:cs typeface="Times New Roman" panose="02020603050405020304" pitchFamily="18" charset="0"/>
+              </a:rPr>
+              <a:t>Esser</a:t>
+            </a:r>
+            <a:r>
+              <a:rPr lang="en-US" altLang="zh-CN" sz="1000" dirty="0">
+                <a:solidFill>
+                  <a:schemeClr val="bg1">
+                    <a:lumMod val="75000"/>
+                  </a:schemeClr>
+                </a:solidFill>
+                <a:latin typeface="Times New Roman" panose="02020603050405020304" pitchFamily="18" charset="0"/>
+                <a:cs typeface="Times New Roman" panose="02020603050405020304" pitchFamily="18" charset="0"/>
+              </a:rPr>
+              <a:t>, P., &amp; </a:t>
+            </a:r>
+            <a:r>
+              <a:rPr lang="en-US" altLang="zh-CN" sz="1000" dirty="0" err="1">
+                <a:solidFill>
+                  <a:schemeClr val="bg1">
+                    <a:lumMod val="75000"/>
+                  </a:schemeClr>
+                </a:solidFill>
+                <a:latin typeface="Times New Roman" panose="02020603050405020304" pitchFamily="18" charset="0"/>
+                <a:cs typeface="Times New Roman" panose="02020603050405020304" pitchFamily="18" charset="0"/>
+              </a:rPr>
+              <a:t>Ommer</a:t>
+            </a:r>
+            <a:r>
+              <a:rPr lang="en-US" altLang="zh-CN" sz="1000" dirty="0">
+                <a:solidFill>
+                  <a:schemeClr val="bg1">
+                    <a:lumMod val="75000"/>
+                  </a:schemeClr>
+                </a:solidFill>
+                <a:latin typeface="Times New Roman" panose="02020603050405020304" pitchFamily="18" charset="0"/>
+                <a:cs typeface="Times New Roman" panose="02020603050405020304" pitchFamily="18" charset="0"/>
+              </a:rPr>
+              <a:t>, B. (2022). </a:t>
+            </a:r>
+            <a:r>
+              <a:rPr lang="en-US" altLang="zh-CN" sz="1000" i="1" dirty="0">
+                <a:solidFill>
+                  <a:schemeClr val="bg1">
+                    <a:lumMod val="75000"/>
+                  </a:schemeClr>
+                </a:solidFill>
+                <a:latin typeface="Times New Roman" panose="02020603050405020304" pitchFamily="18" charset="0"/>
+                <a:cs typeface="Times New Roman" panose="02020603050405020304" pitchFamily="18" charset="0"/>
+              </a:rPr>
+              <a:t>High-Resolution Image Synthesis With Latent Diffusion Models</a:t>
+            </a:r>
+            <a:r>
+              <a:rPr lang="en-US" altLang="zh-CN" sz="1000" dirty="0">
+                <a:solidFill>
+                  <a:schemeClr val="bg1">
+                    <a:lumMod val="75000"/>
+                  </a:schemeClr>
+                </a:solidFill>
+                <a:latin typeface="Times New Roman" panose="02020603050405020304" pitchFamily="18" charset="0"/>
+                <a:cs typeface="Times New Roman" panose="02020603050405020304" pitchFamily="18" charset="0"/>
+              </a:rPr>
+              <a:t>. 10684–10695</a:t>
+            </a:r>
+            <a:r>
+              <a:rPr lang="en-US" altLang="zh-CN" sz="1000" dirty="0" smtClean="0">
+                <a:solidFill>
+                  <a:schemeClr val="bg1">
+                    <a:lumMod val="75000"/>
+                  </a:schemeClr>
+                </a:solidFill>
+                <a:latin typeface="Times New Roman" panose="02020603050405020304" pitchFamily="18" charset="0"/>
+                <a:cs typeface="Times New Roman" panose="02020603050405020304" pitchFamily="18" charset="0"/>
+              </a:rPr>
+              <a:t>.</a:t>
+            </a:r>
+          </a:p>
+          <a:p>
+            <a:r>
+              <a:rPr lang="en-US" altLang="zh-CN" sz="1000" dirty="0">
+                <a:solidFill>
+                  <a:schemeClr val="bg1">
+                    <a:lumMod val="75000"/>
+                  </a:schemeClr>
+                </a:solidFill>
+                <a:latin typeface="Times New Roman" panose="02020603050405020304" pitchFamily="18" charset="0"/>
+                <a:cs typeface="Times New Roman" panose="02020603050405020304" pitchFamily="18" charset="0"/>
+              </a:rPr>
+              <a:t>Zhang, L., Rao, A., &amp; </a:t>
+            </a:r>
+            <a:r>
+              <a:rPr lang="en-US" altLang="zh-CN" sz="1000" dirty="0" err="1">
+                <a:solidFill>
+                  <a:schemeClr val="bg1">
+                    <a:lumMod val="75000"/>
+                  </a:schemeClr>
+                </a:solidFill>
+                <a:latin typeface="Times New Roman" panose="02020603050405020304" pitchFamily="18" charset="0"/>
+                <a:cs typeface="Times New Roman" panose="02020603050405020304" pitchFamily="18" charset="0"/>
+              </a:rPr>
+              <a:t>Agrawala</a:t>
+            </a:r>
+            <a:r>
+              <a:rPr lang="en-US" altLang="zh-CN" sz="1000" dirty="0">
+                <a:solidFill>
+                  <a:schemeClr val="bg1">
+                    <a:lumMod val="75000"/>
+                  </a:schemeClr>
+                </a:solidFill>
+                <a:latin typeface="Times New Roman" panose="02020603050405020304" pitchFamily="18" charset="0"/>
+                <a:cs typeface="Times New Roman" panose="02020603050405020304" pitchFamily="18" charset="0"/>
+              </a:rPr>
+              <a:t>, M. (2023). Adding Conditional Control to Text-to-Image Diffusion Models. 2023 IEEE/CVF International Conference on Computer Vision (ICCV), 3813–3824. https://doi.org/10.1109/ICCV51070.2023.00355 </a:t>
+            </a:r>
+            <a:endParaRPr lang="en-US" altLang="zh-CN" sz="1000" dirty="0">
+              <a:solidFill>
+                <a:schemeClr val="bg1">
+                  <a:lumMod val="75000"/>
+                </a:schemeClr>
+              </a:solidFill>
+              <a:effectLst/>
               <a:latin typeface="Times New Roman" panose="02020603050405020304" pitchFamily="18" charset="0"/>
               <a:cs typeface="Times New Roman" panose="02020603050405020304" pitchFamily="18" charset="0"/>
             </a:endParaRPr>
           </a:p>
-          <a:p>
+        </p:txBody>
+      </p:sp>
+      <p:pic>
+        <p:nvPicPr>
+          <p:cNvPr id="8" name="图片 7"/>
+          <p:cNvPicPr>
+            <a:picLocks noChangeAspect="1"/>
+          </p:cNvPicPr>
+          <p:nvPr/>
+        </p:nvPicPr>
+        <p:blipFill>
+          <a:blip r:embed="rId3"/>
+          <a:stretch>
+            <a:fillRect/>
+          </a:stretch>
+        </p:blipFill>
+        <p:spPr>
+          <a:xfrm>
+            <a:off x="1009554" y="1395291"/>
+            <a:ext cx="5259782" cy="4369829"/>
+          </a:xfrm>
+          <a:prstGeom prst="rect">
+            <a:avLst/>
+          </a:prstGeom>
+          <a:ln>
+            <a:noFill/>
+          </a:ln>
+          <a:effectLst>
+            <a:outerShdw blurRad="292100" dist="139700" dir="2700000" algn="tl" rotWithShape="0">
+              <a:srgbClr val="333333">
+                <a:alpha val="65000"/>
+              </a:srgbClr>
+            </a:outerShdw>
+          </a:effectLst>
+        </p:spPr>
+      </p:pic>
+      <p:sp>
+        <p:nvSpPr>
+          <p:cNvPr id="9" name="矩形 8"/>
+          <p:cNvSpPr/>
+          <p:nvPr/>
+        </p:nvSpPr>
+        <p:spPr>
+          <a:xfrm>
+            <a:off x="89648" y="5765120"/>
+            <a:ext cx="7944644" cy="646331"/>
+          </a:xfrm>
+          <a:prstGeom prst="rect">
+            <a:avLst/>
+          </a:prstGeom>
+        </p:spPr>
+        <p:txBody>
+          <a:bodyPr wrap="square">
+            <a:spAutoFit/>
+          </a:bodyPr>
+          <a:lstStyle/>
+          <a:p>
+            <a:pPr algn="ctr"/>
+            <a:r>
+              <a:rPr lang="zh-CN" altLang="en-US" dirty="0" smtClean="0">
+                <a:latin typeface="Times New Roman" panose="02020603050405020304" pitchFamily="18" charset="0"/>
+                <a:cs typeface="Times New Roman" panose="02020603050405020304" pitchFamily="18" charset="0"/>
+              </a:rPr>
+              <a:t>Top</a:t>
+            </a:r>
+            <a:r>
+              <a:rPr lang="zh-CN" altLang="en-US" dirty="0">
+                <a:latin typeface="Times New Roman" panose="02020603050405020304" pitchFamily="18" charset="0"/>
+                <a:cs typeface="Times New Roman" panose="02020603050405020304" pitchFamily="18" charset="0"/>
+              </a:rPr>
+              <a:t>: Samples from our LDM for layout-to-image </a:t>
+            </a:r>
+            <a:r>
+              <a:rPr lang="zh-CN" altLang="en-US" dirty="0" smtClean="0">
+                <a:latin typeface="Times New Roman" panose="02020603050405020304" pitchFamily="18" charset="0"/>
+                <a:cs typeface="Times New Roman" panose="02020603050405020304" pitchFamily="18" charset="0"/>
+              </a:rPr>
+              <a:t>synthesi</a:t>
+            </a:r>
             <a:r>
               <a:rPr lang="en-US" altLang="zh-CN" dirty="0" smtClean="0">
                 <a:latin typeface="Times New Roman" panose="02020603050405020304" pitchFamily="18" charset="0"/>
                 <a:cs typeface="Times New Roman" panose="02020603050405020304" pitchFamily="18" charset="0"/>
               </a:rPr>
-              <a:t>[2] R</a:t>
-            </a:r>
-            <a:r>
-              <a:rPr lang="en-US" altLang="zh-CN" dirty="0">
+              <a:t>s</a:t>
+            </a:r>
+            <a:r>
+              <a:rPr lang="zh-CN" altLang="en-US" dirty="0" smtClean="0">
                 <a:latin typeface="Times New Roman" panose="02020603050405020304" pitchFamily="18" charset="0"/>
                 <a:cs typeface="Times New Roman" panose="02020603050405020304" pitchFamily="18" charset="0"/>
               </a:rPr>
               <a:t>. </a:t>
             </a:r>
-            <a:r>
-              <a:rPr lang="en-US" altLang="zh-CN" dirty="0" err="1">
-                <a:latin typeface="Times New Roman" panose="02020603050405020304" pitchFamily="18" charset="0"/>
-                <a:cs typeface="Times New Roman" panose="02020603050405020304" pitchFamily="18" charset="0"/>
-              </a:rPr>
-              <a:t>Rombach</a:t>
-            </a:r>
-            <a:r>
-              <a:rPr lang="en-US" altLang="zh-CN" dirty="0">
-                <a:latin typeface="Times New Roman" panose="02020603050405020304" pitchFamily="18" charset="0"/>
-                <a:cs typeface="Times New Roman" panose="02020603050405020304" pitchFamily="18" charset="0"/>
-              </a:rPr>
-              <a:t>, A. </a:t>
-            </a:r>
-            <a:r>
-              <a:rPr lang="en-US" altLang="zh-CN" dirty="0" err="1">
-                <a:latin typeface="Times New Roman" panose="02020603050405020304" pitchFamily="18" charset="0"/>
-                <a:cs typeface="Times New Roman" panose="02020603050405020304" pitchFamily="18" charset="0"/>
-              </a:rPr>
-              <a:t>Blattmann</a:t>
-            </a:r>
-            <a:r>
-              <a:rPr lang="en-US" altLang="zh-CN" dirty="0">
-                <a:latin typeface="Times New Roman" panose="02020603050405020304" pitchFamily="18" charset="0"/>
-                <a:cs typeface="Times New Roman" panose="02020603050405020304" pitchFamily="18" charset="0"/>
-              </a:rPr>
-              <a:t>, D. Lorenz, P. </a:t>
-            </a:r>
-            <a:r>
-              <a:rPr lang="en-US" altLang="zh-CN" dirty="0" err="1">
-                <a:latin typeface="Times New Roman" panose="02020603050405020304" pitchFamily="18" charset="0"/>
-                <a:cs typeface="Times New Roman" panose="02020603050405020304" pitchFamily="18" charset="0"/>
-              </a:rPr>
-              <a:t>Esser</a:t>
-            </a:r>
-            <a:r>
-              <a:rPr lang="en-US" altLang="zh-CN" dirty="0">
-                <a:latin typeface="Times New Roman" panose="02020603050405020304" pitchFamily="18" charset="0"/>
-                <a:cs typeface="Times New Roman" panose="02020603050405020304" pitchFamily="18" charset="0"/>
-              </a:rPr>
-              <a:t>, and B. </a:t>
-            </a:r>
-            <a:r>
-              <a:rPr lang="en-US" altLang="zh-CN" dirty="0" err="1">
-                <a:latin typeface="Times New Roman" panose="02020603050405020304" pitchFamily="18" charset="0"/>
-                <a:cs typeface="Times New Roman" panose="02020603050405020304" pitchFamily="18" charset="0"/>
-              </a:rPr>
-              <a:t>Ommer</a:t>
-            </a:r>
-            <a:r>
-              <a:rPr lang="en-US" altLang="zh-CN" dirty="0">
-                <a:latin typeface="Times New Roman" panose="02020603050405020304" pitchFamily="18" charset="0"/>
-                <a:cs typeface="Times New Roman" panose="02020603050405020304" pitchFamily="18" charset="0"/>
-              </a:rPr>
-              <a:t>, “High-Resolution Image Synthesis With Latent Diffusion Models,” presented at the Proceedings of the IEEE/CVF Conference on Computer Vision and Pattern Recognition, 2022, pp. 10684–10695. Accessed: Jun. 29, 2024. [Online]. Available: </a:t>
-            </a:r>
-            <a:r>
-              <a:rPr lang="en-US" altLang="zh-CN" dirty="0">
-                <a:latin typeface="Times New Roman" panose="02020603050405020304" pitchFamily="18" charset="0"/>
-                <a:cs typeface="Times New Roman" panose="02020603050405020304" pitchFamily="18" charset="0"/>
-                <a:hlinkClick r:id="rId4"/>
-              </a:rPr>
-              <a:t>https://openaccess.thecvf.com/content/CVPR2022/html/Rombach_High-Resolution_Image_Synthesis_With_Latent_Diffusion_Models_CVPR_2022_paper.html</a:t>
-            </a:r>
-            <a:endParaRPr lang="en-US" altLang="zh-CN" dirty="0">
+            <a:endParaRPr lang="en-US" altLang="zh-CN" dirty="0" smtClean="0">
               <a:latin typeface="Times New Roman" panose="02020603050405020304" pitchFamily="18" charset="0"/>
               <a:cs typeface="Times New Roman" panose="02020603050405020304" pitchFamily="18" charset="0"/>
             </a:endParaRPr>
           </a:p>
           <a:p>
+            <a:pPr algn="ctr"/>
+            <a:r>
+              <a:rPr lang="zh-CN" altLang="en-US" dirty="0" smtClean="0">
+                <a:latin typeface="Times New Roman" panose="02020603050405020304" pitchFamily="18" charset="0"/>
+                <a:cs typeface="Times New Roman" panose="02020603050405020304" pitchFamily="18" charset="0"/>
+              </a:rPr>
+              <a:t>Bottom</a:t>
+            </a:r>
+            <a:r>
+              <a:rPr lang="zh-CN" altLang="en-US" dirty="0">
+                <a:latin typeface="Times New Roman" panose="02020603050405020304" pitchFamily="18" charset="0"/>
+                <a:cs typeface="Times New Roman" panose="02020603050405020304" pitchFamily="18" charset="0"/>
+              </a:rPr>
+              <a:t>: Samples from our text-to-image LDM model for userdefined text </a:t>
+            </a:r>
+            <a:r>
+              <a:rPr lang="zh-CN" altLang="en-US" dirty="0" smtClean="0">
+                <a:latin typeface="Times New Roman" panose="02020603050405020304" pitchFamily="18" charset="0"/>
+                <a:cs typeface="Times New Roman" panose="02020603050405020304" pitchFamily="18" charset="0"/>
+              </a:rPr>
+              <a:t>prompts</a:t>
+            </a:r>
             <a:r>
               <a:rPr lang="en-US" altLang="zh-CN" dirty="0" smtClean="0">
                 <a:latin typeface="Times New Roman" panose="02020603050405020304" pitchFamily="18" charset="0"/>
                 <a:cs typeface="Times New Roman" panose="02020603050405020304" pitchFamily="18" charset="0"/>
               </a:rPr>
-              <a:t>[3] L</a:t>
-            </a:r>
-            <a:r>
-              <a:rPr lang="en-US" altLang="zh-CN" dirty="0">
-                <a:latin typeface="Times New Roman" panose="02020603050405020304" pitchFamily="18" charset="0"/>
-                <a:cs typeface="Times New Roman" panose="02020603050405020304" pitchFamily="18" charset="0"/>
-              </a:rPr>
-              <a:t>. Zhang, A. Rao, and M. </a:t>
-            </a:r>
-            <a:r>
-              <a:rPr lang="en-US" altLang="zh-CN" dirty="0" err="1">
-                <a:latin typeface="Times New Roman" panose="02020603050405020304" pitchFamily="18" charset="0"/>
-                <a:cs typeface="Times New Roman" panose="02020603050405020304" pitchFamily="18" charset="0"/>
-              </a:rPr>
-              <a:t>Agrawala</a:t>
-            </a:r>
-            <a:r>
-              <a:rPr lang="en-US" altLang="zh-CN" dirty="0">
-                <a:latin typeface="Times New Roman" panose="02020603050405020304" pitchFamily="18" charset="0"/>
-                <a:cs typeface="Times New Roman" panose="02020603050405020304" pitchFamily="18" charset="0"/>
-              </a:rPr>
-              <a:t>, “Adding Conditional Control to Text-to-Image Diffusion Models,” in 2023 IEEE/CVF International Conference on Computer Vision (ICCV), Oct. 2023, pp. 3813–3824. </a:t>
-            </a:r>
-            <a:r>
-              <a:rPr lang="en-US" altLang="zh-CN" dirty="0" err="1">
-                <a:latin typeface="Times New Roman" panose="02020603050405020304" pitchFamily="18" charset="0"/>
-                <a:cs typeface="Times New Roman" panose="02020603050405020304" pitchFamily="18" charset="0"/>
-              </a:rPr>
-              <a:t>doi</a:t>
-            </a:r>
-            <a:r>
-              <a:rPr lang="en-US" altLang="zh-CN" dirty="0">
-                <a:latin typeface="Times New Roman" panose="02020603050405020304" pitchFamily="18" charset="0"/>
-                <a:cs typeface="Times New Roman" panose="02020603050405020304" pitchFamily="18" charset="0"/>
-              </a:rPr>
-              <a:t>: </a:t>
-            </a:r>
-            <a:r>
-              <a:rPr lang="en-US" altLang="zh-CN" dirty="0">
-                <a:latin typeface="Times New Roman" panose="02020603050405020304" pitchFamily="18" charset="0"/>
-                <a:cs typeface="Times New Roman" panose="02020603050405020304" pitchFamily="18" charset="0"/>
-                <a:hlinkClick r:id="rId5"/>
-              </a:rPr>
-              <a:t>10.1109/ICCV51070.2023.00355</a:t>
-            </a:r>
-            <a:r>
-              <a:rPr lang="en-US" altLang="zh-CN" dirty="0">
-                <a:latin typeface="Times New Roman" panose="02020603050405020304" pitchFamily="18" charset="0"/>
-                <a:cs typeface="Times New Roman" panose="02020603050405020304" pitchFamily="18" charset="0"/>
-              </a:rPr>
               <a:t>.</a:t>
             </a:r>
-          </a:p>
-          <a:p>
-            <a:r>
-              <a:rPr lang="en-US" altLang="zh-CN" dirty="0" smtClean="0">
-                <a:latin typeface="Times New Roman" panose="02020603050405020304" pitchFamily="18" charset="0"/>
-                <a:cs typeface="Times New Roman" panose="02020603050405020304" pitchFamily="18" charset="0"/>
-              </a:rPr>
-              <a:t>[4] D</a:t>
-            </a:r>
-            <a:r>
-              <a:rPr lang="en-US" altLang="zh-CN" dirty="0">
-                <a:latin typeface="Times New Roman" panose="02020603050405020304" pitchFamily="18" charset="0"/>
-                <a:cs typeface="Times New Roman" panose="02020603050405020304" pitchFamily="18" charset="0"/>
-              </a:rPr>
-              <a:t>. </a:t>
-            </a:r>
-            <a:r>
-              <a:rPr lang="en-US" altLang="zh-CN" dirty="0" err="1">
-                <a:latin typeface="Times New Roman" panose="02020603050405020304" pitchFamily="18" charset="0"/>
-                <a:cs typeface="Times New Roman" panose="02020603050405020304" pitchFamily="18" charset="0"/>
-              </a:rPr>
-              <a:t>Podell</a:t>
-            </a:r>
-            <a:r>
-              <a:rPr lang="en-US" altLang="zh-CN" dirty="0">
-                <a:latin typeface="Times New Roman" panose="02020603050405020304" pitchFamily="18" charset="0"/>
-                <a:cs typeface="Times New Roman" panose="02020603050405020304" pitchFamily="18" charset="0"/>
-              </a:rPr>
-              <a:t> et al., “SDXL: Improving Latent Diffusion Models for High-Resolution Image Synthesis,” presented at the </a:t>
-            </a:r>
-            <a:r>
-              <a:rPr lang="en-US" altLang="zh-CN" dirty="0" err="1">
-                <a:latin typeface="Times New Roman" panose="02020603050405020304" pitchFamily="18" charset="0"/>
-                <a:cs typeface="Times New Roman" panose="02020603050405020304" pitchFamily="18" charset="0"/>
-              </a:rPr>
-              <a:t>The</a:t>
-            </a:r>
-            <a:r>
-              <a:rPr lang="en-US" altLang="zh-CN" dirty="0">
-                <a:latin typeface="Times New Roman" panose="02020603050405020304" pitchFamily="18" charset="0"/>
-                <a:cs typeface="Times New Roman" panose="02020603050405020304" pitchFamily="18" charset="0"/>
-              </a:rPr>
-              <a:t> Twelfth International Conference on Learning Representations, Oct. 2023. Accessed: Jul. 07, 2024. [Online]. Available: </a:t>
-            </a:r>
-            <a:r>
-              <a:rPr lang="en-US" altLang="zh-CN" dirty="0">
-                <a:latin typeface="Times New Roman" panose="02020603050405020304" pitchFamily="18" charset="0"/>
-                <a:cs typeface="Times New Roman" panose="02020603050405020304" pitchFamily="18" charset="0"/>
-                <a:hlinkClick r:id="rId6"/>
-              </a:rPr>
-              <a:t>https://openreview.net/forum?id=di52zR8xgf</a:t>
-            </a:r>
-            <a:endParaRPr lang="en-US" altLang="zh-CN" dirty="0">
+            <a:endParaRPr lang="zh-CN" altLang="en-US" dirty="0">
               <a:latin typeface="Times New Roman" panose="02020603050405020304" pitchFamily="18" charset="0"/>
               <a:cs typeface="Times New Roman" panose="02020603050405020304" pitchFamily="18" charset="0"/>
             </a:endParaRPr>
           </a:p>
-          <a:p>
+        </p:txBody>
+      </p:sp>
+      <p:pic>
+        <p:nvPicPr>
+          <p:cNvPr id="4" name="图片 3"/>
+          <p:cNvPicPr>
+            <a:picLocks noChangeAspect="1"/>
+          </p:cNvPicPr>
+          <p:nvPr/>
+        </p:nvPicPr>
+        <p:blipFill>
+          <a:blip r:embed="rId4"/>
+          <a:stretch>
+            <a:fillRect/>
+          </a:stretch>
+        </p:blipFill>
+        <p:spPr>
+          <a:xfrm>
+            <a:off x="8034292" y="1407165"/>
+            <a:ext cx="3235117" cy="4367733"/>
+          </a:xfrm>
+          <a:prstGeom prst="rect">
+            <a:avLst/>
+          </a:prstGeom>
+          <a:ln>
+            <a:noFill/>
+          </a:ln>
+          <a:effectLst>
+            <a:outerShdw blurRad="292100" dist="139700" dir="2700000" algn="tl" rotWithShape="0">
+              <a:srgbClr val="333333">
+                <a:alpha val="65000"/>
+              </a:srgbClr>
+            </a:outerShdw>
+          </a:effectLst>
+        </p:spPr>
+      </p:pic>
+      <p:sp>
+        <p:nvSpPr>
+          <p:cNvPr id="10" name="矩形 9"/>
+          <p:cNvSpPr/>
+          <p:nvPr/>
+        </p:nvSpPr>
+        <p:spPr>
+          <a:xfrm>
+            <a:off x="5773020" y="5803728"/>
+            <a:ext cx="7944644" cy="646331"/>
+          </a:xfrm>
+          <a:prstGeom prst="rect">
+            <a:avLst/>
+          </a:prstGeom>
+        </p:spPr>
+        <p:txBody>
+          <a:bodyPr wrap="square">
+            <a:spAutoFit/>
+          </a:bodyPr>
+          <a:lstStyle/>
+          <a:p>
+            <a:pPr algn="ctr"/>
             <a:r>
               <a:rPr lang="en-US" altLang="zh-CN" dirty="0" smtClean="0">
                 <a:latin typeface="Times New Roman" panose="02020603050405020304" pitchFamily="18" charset="0"/>
                 <a:cs typeface="Times New Roman" panose="02020603050405020304" pitchFamily="18" charset="0"/>
               </a:rPr>
-              <a:t>[5] P</a:t>
-            </a:r>
-            <a:r>
-              <a:rPr lang="en-US" altLang="zh-CN" dirty="0">
-                <a:latin typeface="Times New Roman" panose="02020603050405020304" pitchFamily="18" charset="0"/>
-                <a:cs typeface="Times New Roman" panose="02020603050405020304" pitchFamily="18" charset="0"/>
-              </a:rPr>
-              <a:t>. </a:t>
-            </a:r>
-            <a:r>
-              <a:rPr lang="en-US" altLang="zh-CN" dirty="0" err="1">
-                <a:latin typeface="Times New Roman" panose="02020603050405020304" pitchFamily="18" charset="0"/>
-                <a:cs typeface="Times New Roman" panose="02020603050405020304" pitchFamily="18" charset="0"/>
-              </a:rPr>
-              <a:t>Esser</a:t>
-            </a:r>
-            <a:r>
-              <a:rPr lang="en-US" altLang="zh-CN" dirty="0">
-                <a:latin typeface="Times New Roman" panose="02020603050405020304" pitchFamily="18" charset="0"/>
-                <a:cs typeface="Times New Roman" panose="02020603050405020304" pitchFamily="18" charset="0"/>
-              </a:rPr>
-              <a:t> et al., “Scaling Rectified Flow Transformers for High-Resolution Image Synthesis,” presented at the Forty-first International Conference on Machine Learning, Jun. 2024. Accessed: Jul. 07, 2024. [Online]. Available: </a:t>
-            </a:r>
-            <a:r>
-              <a:rPr lang="en-US" altLang="zh-CN" dirty="0">
-                <a:latin typeface="Times New Roman" panose="02020603050405020304" pitchFamily="18" charset="0"/>
-                <a:cs typeface="Times New Roman" panose="02020603050405020304" pitchFamily="18" charset="0"/>
-                <a:hlinkClick r:id="rId7"/>
-              </a:rPr>
-              <a:t>https://openreview.net/forum?id=FPnUhsQJ5B</a:t>
-            </a:r>
-            <a:endParaRPr lang="en-US" altLang="zh-CN" dirty="0">
-              <a:latin typeface="Times New Roman" panose="02020603050405020304" pitchFamily="18" charset="0"/>
-              <a:cs typeface="Times New Roman" panose="02020603050405020304" pitchFamily="18" charset="0"/>
-            </a:endParaRPr>
-          </a:p>
-          <a:p>
-            <a:endParaRPr lang="en-US" altLang="zh-CN" dirty="0" smtClean="0">
+              <a:t>Architecture of Stable Diffusion (LDM) </a:t>
+            </a:r>
+          </a:p>
+          <a:p>
+            <a:pPr algn="ctr"/>
+            <a:r>
+              <a:rPr lang="en-US" altLang="zh-CN" dirty="0" smtClean="0">
+                <a:latin typeface="Times New Roman" panose="02020603050405020304" pitchFamily="18" charset="0"/>
+                <a:cs typeface="Times New Roman" panose="02020603050405020304" pitchFamily="18" charset="0"/>
+              </a:rPr>
+              <a:t>with ControlNet(Zhang et al., 2023)</a:t>
+            </a:r>
+            <a:endParaRPr lang="zh-CN" altLang="en-US" dirty="0">
               <a:latin typeface="Times New Roman" panose="02020603050405020304" pitchFamily="18" charset="0"/>
               <a:cs typeface="Times New Roman" panose="02020603050405020304" pitchFamily="18" charset="0"/>
             </a:endParaRPr>
@@ -5369,7 +10141,3019 @@
     </p:spTree>
     <p:extLst>
       <p:ext uri="{BB962C8B-B14F-4D97-AF65-F5344CB8AC3E}">
-        <p14:creationId xmlns:p14="http://schemas.microsoft.com/office/powerpoint/2010/main" val="1254316788"/>
+        <p14:creationId xmlns:p14="http://schemas.microsoft.com/office/powerpoint/2010/main" val="94781794"/>
+      </p:ext>
+    </p:extLst>
+  </p:cSld>
+  <p:clrMapOvr>
+    <a:masterClrMapping/>
+  </p:clrMapOvr>
+  <p:timing>
+    <p:tnLst>
+      <p:par>
+        <p:cTn id="1" dur="indefinite" restart="never" nodeType="tmRoot"/>
+      </p:par>
+    </p:tnLst>
+  </p:timing>
+</p:sld>
+</file>
+
+<file path=ppt/slides/slide7.xml><?xml version="1.0" encoding="utf-8"?>
+<p:sld xmlns:a="http://schemas.openxmlformats.org/drawingml/2006/main" xmlns:r="http://schemas.openxmlformats.org/officeDocument/2006/relationships" xmlns:p="http://schemas.openxmlformats.org/presentationml/2006/main">
+  <p:cSld>
+    <p:spTree>
+      <p:nvGrpSpPr>
+        <p:cNvPr id="1" name=""/>
+        <p:cNvGrpSpPr/>
+        <p:nvPr/>
+      </p:nvGrpSpPr>
+      <p:grpSpPr>
+        <a:xfrm>
+          <a:off x="0" y="0"/>
+          <a:ext cx="0" cy="0"/>
+          <a:chOff x="0" y="0"/>
+          <a:chExt cx="0" cy="0"/>
+        </a:xfrm>
+      </p:grpSpPr>
+      <p:sp>
+        <p:nvSpPr>
+          <p:cNvPr id="3" name="矩形 2"/>
+          <p:cNvSpPr/>
+          <p:nvPr/>
+        </p:nvSpPr>
+        <p:spPr>
+          <a:xfrm>
+            <a:off x="364855" y="606392"/>
+            <a:ext cx="4245649" cy="584775"/>
+          </a:xfrm>
+          <a:prstGeom prst="rect">
+            <a:avLst/>
+          </a:prstGeom>
+        </p:spPr>
+        <p:txBody>
+          <a:bodyPr wrap="none">
+            <a:spAutoFit/>
+          </a:bodyPr>
+          <a:lstStyle/>
+          <a:p>
+            <a:pPr marL="0" lvl="1"/>
+            <a:r>
+              <a:rPr lang="it-IT" altLang="zh-CN" sz="3200" dirty="0" smtClean="0">
+                <a:solidFill>
+                  <a:srgbClr val="333333"/>
+                </a:solidFill>
+                <a:latin typeface="Times New Roman" panose="02020603050405020304" pitchFamily="18" charset="0"/>
+                <a:ea typeface="Open Sans"/>
+                <a:cs typeface="Times New Roman" panose="02020603050405020304" pitchFamily="18" charset="0"/>
+                <a:hlinkClick r:id="rId2"/>
+              </a:rPr>
+              <a:t>Stable Diffusion v1-v1.4</a:t>
+            </a:r>
+            <a:endParaRPr lang="it-IT" altLang="zh-CN" sz="3200" dirty="0">
+              <a:solidFill>
+                <a:srgbClr val="333333"/>
+              </a:solidFill>
+              <a:latin typeface="Times New Roman" panose="02020603050405020304" pitchFamily="18" charset="0"/>
+              <a:ea typeface="Open Sans"/>
+              <a:cs typeface="Times New Roman" panose="02020603050405020304" pitchFamily="18" charset="0"/>
+            </a:endParaRPr>
+          </a:p>
+        </p:txBody>
+      </p:sp>
+      <p:grpSp>
+        <p:nvGrpSpPr>
+          <p:cNvPr id="5" name="组合 4"/>
+          <p:cNvGrpSpPr/>
+          <p:nvPr/>
+        </p:nvGrpSpPr>
+        <p:grpSpPr>
+          <a:xfrm>
+            <a:off x="8737600" y="137886"/>
+            <a:ext cx="3514167" cy="6720114"/>
+            <a:chOff x="8737600" y="137886"/>
+            <a:chExt cx="3514167" cy="6720114"/>
+          </a:xfrm>
+        </p:grpSpPr>
+        <p:pic>
+          <p:nvPicPr>
+            <p:cNvPr id="6" name="图片 5"/>
+            <p:cNvPicPr>
+              <a:picLocks noChangeAspect="1"/>
+            </p:cNvPicPr>
+            <p:nvPr/>
+          </p:nvPicPr>
+          <p:blipFill>
+            <a:blip r:embed="rId3" cstate="print">
+              <a:extLst>
+                <a:ext uri="{28A0092B-C50C-407E-A947-70E740481C1C}">
+                  <a14:useLocalDpi xmlns:a14="http://schemas.microsoft.com/office/drawing/2010/main" val="0"/>
+                </a:ext>
+              </a:extLst>
+            </a:blip>
+            <a:stretch>
+              <a:fillRect/>
+            </a:stretch>
+          </p:blipFill>
+          <p:spPr>
+            <a:xfrm>
+              <a:off x="11096357" y="137886"/>
+              <a:ext cx="825500" cy="825500"/>
+            </a:xfrm>
+            <a:prstGeom prst="rect">
+              <a:avLst/>
+            </a:prstGeom>
+          </p:spPr>
+        </p:pic>
+        <p:sp>
+          <p:nvSpPr>
+            <p:cNvPr id="7" name="矩形 6"/>
+            <p:cNvSpPr/>
+            <p:nvPr/>
+          </p:nvSpPr>
+          <p:spPr>
+            <a:xfrm>
+              <a:off x="8737600" y="6488668"/>
+              <a:ext cx="3514167" cy="369332"/>
+            </a:xfrm>
+            <a:prstGeom prst="rect">
+              <a:avLst/>
+            </a:prstGeom>
+          </p:spPr>
+          <p:txBody>
+            <a:bodyPr wrap="none">
+              <a:spAutoFit/>
+            </a:bodyPr>
+            <a:lstStyle/>
+            <a:p>
+              <a:r>
+                <a:rPr lang="en-US" altLang="zh-CN" dirty="0">
+                  <a:latin typeface="Times New Roman" panose="02020603050405020304" pitchFamily="18" charset="0"/>
+                  <a:cs typeface="Times New Roman" panose="02020603050405020304" pitchFamily="18" charset="0"/>
+                </a:rPr>
+                <a:t>© Sakura, 2024. All rights reserved.</a:t>
+              </a:r>
+              <a:endParaRPr lang="zh-CN" altLang="en-US" dirty="0">
+                <a:latin typeface="Times New Roman" panose="02020603050405020304" pitchFamily="18" charset="0"/>
+                <a:cs typeface="Times New Roman" panose="02020603050405020304" pitchFamily="18" charset="0"/>
+              </a:endParaRPr>
+            </a:p>
+          </p:txBody>
+        </p:sp>
+      </p:grpSp>
+      <p:sp>
+        <p:nvSpPr>
+          <p:cNvPr id="8" name="矩形 7"/>
+          <p:cNvSpPr/>
+          <p:nvPr/>
+        </p:nvSpPr>
+        <p:spPr>
+          <a:xfrm>
+            <a:off x="0" y="6546376"/>
+            <a:ext cx="8448582" cy="253916"/>
+          </a:xfrm>
+          <a:prstGeom prst="rect">
+            <a:avLst/>
+          </a:prstGeom>
+        </p:spPr>
+        <p:txBody>
+          <a:bodyPr wrap="square">
+            <a:spAutoFit/>
+          </a:bodyPr>
+          <a:lstStyle/>
+          <a:p>
+            <a:r>
+              <a:rPr lang="en-US" altLang="zh-CN" sz="1000" dirty="0" err="1">
+                <a:solidFill>
+                  <a:schemeClr val="bg1">
+                    <a:lumMod val="75000"/>
+                  </a:schemeClr>
+                </a:solidFill>
+                <a:latin typeface="Times New Roman" panose="02020603050405020304" pitchFamily="18" charset="0"/>
+                <a:cs typeface="Times New Roman" panose="02020603050405020304" pitchFamily="18" charset="0"/>
+              </a:rPr>
+              <a:t>Rombach</a:t>
+            </a:r>
+            <a:r>
+              <a:rPr lang="en-US" altLang="zh-CN" sz="1000" dirty="0">
+                <a:solidFill>
+                  <a:schemeClr val="bg1">
+                    <a:lumMod val="75000"/>
+                  </a:schemeClr>
+                </a:solidFill>
+                <a:latin typeface="Times New Roman" panose="02020603050405020304" pitchFamily="18" charset="0"/>
+                <a:cs typeface="Times New Roman" panose="02020603050405020304" pitchFamily="18" charset="0"/>
+              </a:rPr>
+              <a:t>, R., </a:t>
+            </a:r>
+            <a:r>
+              <a:rPr lang="en-US" altLang="zh-CN" sz="1000" dirty="0" err="1">
+                <a:solidFill>
+                  <a:schemeClr val="bg1">
+                    <a:lumMod val="75000"/>
+                  </a:schemeClr>
+                </a:solidFill>
+                <a:latin typeface="Times New Roman" panose="02020603050405020304" pitchFamily="18" charset="0"/>
+                <a:cs typeface="Times New Roman" panose="02020603050405020304" pitchFamily="18" charset="0"/>
+              </a:rPr>
+              <a:t>Blattmann</a:t>
+            </a:r>
+            <a:r>
+              <a:rPr lang="en-US" altLang="zh-CN" sz="1000" dirty="0">
+                <a:solidFill>
+                  <a:schemeClr val="bg1">
+                    <a:lumMod val="75000"/>
+                  </a:schemeClr>
+                </a:solidFill>
+                <a:latin typeface="Times New Roman" panose="02020603050405020304" pitchFamily="18" charset="0"/>
+                <a:cs typeface="Times New Roman" panose="02020603050405020304" pitchFamily="18" charset="0"/>
+              </a:rPr>
+              <a:t>, A., Lorenz, D., </a:t>
+            </a:r>
+            <a:r>
+              <a:rPr lang="en-US" altLang="zh-CN" sz="1000" dirty="0" err="1">
+                <a:solidFill>
+                  <a:schemeClr val="bg1">
+                    <a:lumMod val="75000"/>
+                  </a:schemeClr>
+                </a:solidFill>
+                <a:latin typeface="Times New Roman" panose="02020603050405020304" pitchFamily="18" charset="0"/>
+                <a:cs typeface="Times New Roman" panose="02020603050405020304" pitchFamily="18" charset="0"/>
+              </a:rPr>
+              <a:t>Esser</a:t>
+            </a:r>
+            <a:r>
+              <a:rPr lang="en-US" altLang="zh-CN" sz="1000" dirty="0">
+                <a:solidFill>
+                  <a:schemeClr val="bg1">
+                    <a:lumMod val="75000"/>
+                  </a:schemeClr>
+                </a:solidFill>
+                <a:latin typeface="Times New Roman" panose="02020603050405020304" pitchFamily="18" charset="0"/>
+                <a:cs typeface="Times New Roman" panose="02020603050405020304" pitchFamily="18" charset="0"/>
+              </a:rPr>
+              <a:t>, P., &amp; </a:t>
+            </a:r>
+            <a:r>
+              <a:rPr lang="en-US" altLang="zh-CN" sz="1000" dirty="0" err="1">
+                <a:solidFill>
+                  <a:schemeClr val="bg1">
+                    <a:lumMod val="75000"/>
+                  </a:schemeClr>
+                </a:solidFill>
+                <a:latin typeface="Times New Roman" panose="02020603050405020304" pitchFamily="18" charset="0"/>
+                <a:cs typeface="Times New Roman" panose="02020603050405020304" pitchFamily="18" charset="0"/>
+              </a:rPr>
+              <a:t>Ommer</a:t>
+            </a:r>
+            <a:r>
+              <a:rPr lang="en-US" altLang="zh-CN" sz="1000" dirty="0">
+                <a:solidFill>
+                  <a:schemeClr val="bg1">
+                    <a:lumMod val="75000"/>
+                  </a:schemeClr>
+                </a:solidFill>
+                <a:latin typeface="Times New Roman" panose="02020603050405020304" pitchFamily="18" charset="0"/>
+                <a:cs typeface="Times New Roman" panose="02020603050405020304" pitchFamily="18" charset="0"/>
+              </a:rPr>
+              <a:t>, B. (2022). </a:t>
+            </a:r>
+            <a:r>
+              <a:rPr lang="en-US" altLang="zh-CN" sz="1000" i="1" dirty="0">
+                <a:solidFill>
+                  <a:schemeClr val="bg1">
+                    <a:lumMod val="75000"/>
+                  </a:schemeClr>
+                </a:solidFill>
+                <a:latin typeface="Times New Roman" panose="02020603050405020304" pitchFamily="18" charset="0"/>
+                <a:cs typeface="Times New Roman" panose="02020603050405020304" pitchFamily="18" charset="0"/>
+              </a:rPr>
+              <a:t>High-Resolution Image Synthesis With Latent Diffusion Models</a:t>
+            </a:r>
+            <a:r>
+              <a:rPr lang="en-US" altLang="zh-CN" sz="1000" dirty="0">
+                <a:solidFill>
+                  <a:schemeClr val="bg1">
+                    <a:lumMod val="75000"/>
+                  </a:schemeClr>
+                </a:solidFill>
+                <a:latin typeface="Times New Roman" panose="02020603050405020304" pitchFamily="18" charset="0"/>
+                <a:cs typeface="Times New Roman" panose="02020603050405020304" pitchFamily="18" charset="0"/>
+              </a:rPr>
+              <a:t>. 10684–10695. </a:t>
+            </a:r>
+            <a:endParaRPr lang="en-US" altLang="zh-CN" sz="1000" dirty="0">
+              <a:solidFill>
+                <a:schemeClr val="bg1">
+                  <a:lumMod val="75000"/>
+                </a:schemeClr>
+              </a:solidFill>
+              <a:effectLst/>
+              <a:latin typeface="Times New Roman" panose="02020603050405020304" pitchFamily="18" charset="0"/>
+              <a:cs typeface="Times New Roman" panose="02020603050405020304" pitchFamily="18" charset="0"/>
+            </a:endParaRPr>
+          </a:p>
+        </p:txBody>
+      </p:sp>
+      <p:sp>
+        <p:nvSpPr>
+          <p:cNvPr id="4" name="矩形 3"/>
+          <p:cNvSpPr/>
+          <p:nvPr/>
+        </p:nvSpPr>
+        <p:spPr>
+          <a:xfrm>
+            <a:off x="364855" y="1591276"/>
+            <a:ext cx="10878533" cy="4801314"/>
+          </a:xfrm>
+          <a:prstGeom prst="rect">
+            <a:avLst/>
+          </a:prstGeom>
+        </p:spPr>
+        <p:txBody>
+          <a:bodyPr wrap="square">
+            <a:spAutoFit/>
+          </a:bodyPr>
+          <a:lstStyle/>
+          <a:p>
+            <a:r>
+              <a:rPr lang="en-US" altLang="zh-CN" dirty="0" smtClean="0">
+                <a:latin typeface="Times New Roman" panose="02020603050405020304" pitchFamily="18" charset="0"/>
+                <a:cs typeface="Times New Roman" panose="02020603050405020304" pitchFamily="18" charset="0"/>
+              </a:rPr>
+              <a:t>For </a:t>
+            </a:r>
+            <a:r>
+              <a:rPr lang="en-US" altLang="zh-CN" dirty="0">
+                <a:latin typeface="Times New Roman" panose="02020603050405020304" pitchFamily="18" charset="0"/>
+                <a:cs typeface="Times New Roman" panose="02020603050405020304" pitchFamily="18" charset="0"/>
+              </a:rPr>
+              <a:t>the first version 4 model checkpoints are released. Higher versions have been trained for longer and are thus usually better in terms of image generation quality then lower versions. More specifically</a:t>
+            </a:r>
+            <a:r>
+              <a:rPr lang="en-US" altLang="zh-CN" dirty="0" smtClean="0">
+                <a:latin typeface="Times New Roman" panose="02020603050405020304" pitchFamily="18" charset="0"/>
+                <a:cs typeface="Times New Roman" panose="02020603050405020304" pitchFamily="18" charset="0"/>
+              </a:rPr>
+              <a:t>:</a:t>
+            </a:r>
+            <a:endParaRPr lang="en-US" altLang="zh-CN" dirty="0">
+              <a:latin typeface="Times New Roman" panose="02020603050405020304" pitchFamily="18" charset="0"/>
+              <a:cs typeface="Times New Roman" panose="02020603050405020304" pitchFamily="18" charset="0"/>
+            </a:endParaRPr>
+          </a:p>
+          <a:p>
+            <a:pPr marL="285750" indent="-285750">
+              <a:buFont typeface="Arial" panose="020B0604020202020204" pitchFamily="34" charset="0"/>
+              <a:buChar char="•"/>
+            </a:pPr>
+            <a:r>
+              <a:rPr lang="en-US" altLang="zh-CN" b="1" dirty="0">
+                <a:latin typeface="Times New Roman" panose="02020603050405020304" pitchFamily="18" charset="0"/>
+                <a:cs typeface="Times New Roman" panose="02020603050405020304" pitchFamily="18" charset="0"/>
+              </a:rPr>
+              <a:t>stable-diffusion-v1-1: </a:t>
+            </a:r>
+            <a:r>
+              <a:rPr lang="en-US" altLang="zh-CN" dirty="0">
+                <a:latin typeface="Times New Roman" panose="02020603050405020304" pitchFamily="18" charset="0"/>
+                <a:cs typeface="Times New Roman" panose="02020603050405020304" pitchFamily="18" charset="0"/>
+              </a:rPr>
+              <a:t>The checkpoint is randomly initialized and has been trained on 237,000 steps at resolution 256x256 on laion2B-en. 194,000 steps at resolution 512x512 on </a:t>
+            </a:r>
+            <a:r>
+              <a:rPr lang="en-US" altLang="zh-CN" dirty="0" err="1">
+                <a:latin typeface="Times New Roman" panose="02020603050405020304" pitchFamily="18" charset="0"/>
+                <a:cs typeface="Times New Roman" panose="02020603050405020304" pitchFamily="18" charset="0"/>
+              </a:rPr>
+              <a:t>laion</a:t>
+            </a:r>
+            <a:r>
+              <a:rPr lang="en-US" altLang="zh-CN" dirty="0">
+                <a:latin typeface="Times New Roman" panose="02020603050405020304" pitchFamily="18" charset="0"/>
+                <a:cs typeface="Times New Roman" panose="02020603050405020304" pitchFamily="18" charset="0"/>
+              </a:rPr>
+              <a:t>-high-resolution (170M examples from LAION-5B with resolution &gt;= 1024x1024).</a:t>
+            </a:r>
+          </a:p>
+          <a:p>
+            <a:pPr marL="285750" indent="-285750">
+              <a:buFont typeface="Arial" panose="020B0604020202020204" pitchFamily="34" charset="0"/>
+              <a:buChar char="•"/>
+            </a:pPr>
+            <a:r>
+              <a:rPr lang="en-US" altLang="zh-CN" b="1" dirty="0">
+                <a:latin typeface="Times New Roman" panose="02020603050405020304" pitchFamily="18" charset="0"/>
+                <a:cs typeface="Times New Roman" panose="02020603050405020304" pitchFamily="18" charset="0"/>
+              </a:rPr>
+              <a:t>stable-diffusion-v1-2: </a:t>
+            </a:r>
+            <a:r>
+              <a:rPr lang="en-US" altLang="zh-CN" dirty="0">
+                <a:latin typeface="Times New Roman" panose="02020603050405020304" pitchFamily="18" charset="0"/>
+                <a:cs typeface="Times New Roman" panose="02020603050405020304" pitchFamily="18" charset="0"/>
+              </a:rPr>
+              <a:t>The checkpoint resumed training from stable-diffusion-v1-1. 515,000 steps at resolution 512x512 on "</a:t>
+            </a:r>
+            <a:r>
+              <a:rPr lang="en-US" altLang="zh-CN" dirty="0" err="1">
+                <a:latin typeface="Times New Roman" panose="02020603050405020304" pitchFamily="18" charset="0"/>
+                <a:cs typeface="Times New Roman" panose="02020603050405020304" pitchFamily="18" charset="0"/>
+              </a:rPr>
+              <a:t>laion</a:t>
+            </a:r>
+            <a:r>
+              <a:rPr lang="en-US" altLang="zh-CN" dirty="0">
+                <a:latin typeface="Times New Roman" panose="02020603050405020304" pitchFamily="18" charset="0"/>
+                <a:cs typeface="Times New Roman" panose="02020603050405020304" pitchFamily="18" charset="0"/>
+              </a:rPr>
+              <a:t>-improved-aesthetics" (a subset of laion2B-en, filtered to images with an original size &gt;= 512x512, estimated aesthetics score &gt; 5.0, and an estimated watermark probability &lt; 0.5. The watermark estimate is from the LAION-5B metadata, the aesthetics score is estimated using an improved aesthetics estimator).</a:t>
+            </a:r>
+          </a:p>
+          <a:p>
+            <a:pPr marL="285750" indent="-285750">
+              <a:buFont typeface="Arial" panose="020B0604020202020204" pitchFamily="34" charset="0"/>
+              <a:buChar char="•"/>
+            </a:pPr>
+            <a:r>
+              <a:rPr lang="en-US" altLang="zh-CN" b="1" dirty="0">
+                <a:latin typeface="Times New Roman" panose="02020603050405020304" pitchFamily="18" charset="0"/>
+                <a:cs typeface="Times New Roman" panose="02020603050405020304" pitchFamily="18" charset="0"/>
+              </a:rPr>
+              <a:t>stable-diffusion-v1-3:</a:t>
+            </a:r>
+            <a:r>
+              <a:rPr lang="en-US" altLang="zh-CN" dirty="0">
+                <a:latin typeface="Times New Roman" panose="02020603050405020304" pitchFamily="18" charset="0"/>
+                <a:cs typeface="Times New Roman" panose="02020603050405020304" pitchFamily="18" charset="0"/>
+              </a:rPr>
+              <a:t> The checkpoint resumed training from stable-diffusion-v1-2. 195,000 steps at resolution 512x512 on "</a:t>
+            </a:r>
+            <a:r>
+              <a:rPr lang="en-US" altLang="zh-CN" dirty="0" err="1">
+                <a:latin typeface="Times New Roman" panose="02020603050405020304" pitchFamily="18" charset="0"/>
+                <a:cs typeface="Times New Roman" panose="02020603050405020304" pitchFamily="18" charset="0"/>
+              </a:rPr>
+              <a:t>laion</a:t>
+            </a:r>
+            <a:r>
+              <a:rPr lang="en-US" altLang="zh-CN" dirty="0">
+                <a:latin typeface="Times New Roman" panose="02020603050405020304" pitchFamily="18" charset="0"/>
+                <a:cs typeface="Times New Roman" panose="02020603050405020304" pitchFamily="18" charset="0"/>
+              </a:rPr>
+              <a:t>-improved-aesthetics" and 10 % dropping of the text-conditioning to improve classifier-free guidance sampling</a:t>
+            </a:r>
+          </a:p>
+          <a:p>
+            <a:pPr marL="285750" indent="-285750">
+              <a:buFont typeface="Arial" panose="020B0604020202020204" pitchFamily="34" charset="0"/>
+              <a:buChar char="•"/>
+            </a:pPr>
+            <a:r>
+              <a:rPr lang="en-US" altLang="zh-CN" b="1" dirty="0">
+                <a:latin typeface="Times New Roman" panose="02020603050405020304" pitchFamily="18" charset="0"/>
+                <a:cs typeface="Times New Roman" panose="02020603050405020304" pitchFamily="18" charset="0"/>
+              </a:rPr>
+              <a:t>stable-diffusion-v1-4:</a:t>
+            </a:r>
+            <a:r>
+              <a:rPr lang="en-US" altLang="zh-CN" dirty="0">
+                <a:latin typeface="Times New Roman" panose="02020603050405020304" pitchFamily="18" charset="0"/>
+                <a:cs typeface="Times New Roman" panose="02020603050405020304" pitchFamily="18" charset="0"/>
+              </a:rPr>
+              <a:t> The checkpoint resumed training from stable-diffusion-v1-2. 195,000 steps at resolution 512x512 on "</a:t>
+            </a:r>
+            <a:r>
+              <a:rPr lang="en-US" altLang="zh-CN" dirty="0" err="1">
+                <a:latin typeface="Times New Roman" panose="02020603050405020304" pitchFamily="18" charset="0"/>
+                <a:cs typeface="Times New Roman" panose="02020603050405020304" pitchFamily="18" charset="0"/>
+              </a:rPr>
+              <a:t>laion</a:t>
+            </a:r>
+            <a:r>
+              <a:rPr lang="en-US" altLang="zh-CN" dirty="0">
+                <a:latin typeface="Times New Roman" panose="02020603050405020304" pitchFamily="18" charset="0"/>
+                <a:cs typeface="Times New Roman" panose="02020603050405020304" pitchFamily="18" charset="0"/>
+              </a:rPr>
+              <a:t>-improved-aesthetics" and 10 % dropping of the text-conditioning to improve classifier-free guidance sampling.</a:t>
+            </a:r>
+          </a:p>
+          <a:p>
+            <a:pPr marL="285750" indent="-285750">
+              <a:buFont typeface="Arial" panose="020B0604020202020204" pitchFamily="34" charset="0"/>
+              <a:buChar char="•"/>
+            </a:pPr>
+            <a:r>
+              <a:rPr lang="en-US" altLang="zh-CN" dirty="0">
+                <a:latin typeface="Times New Roman" panose="02020603050405020304" pitchFamily="18" charset="0"/>
+                <a:cs typeface="Times New Roman" panose="02020603050405020304" pitchFamily="18" charset="0"/>
+              </a:rPr>
+              <a:t>stable-diffusion-v1-4 Resumed from stable-diffusion-v1-2.225,000 steps at resolution 512x512 on "</a:t>
+            </a:r>
+            <a:r>
+              <a:rPr lang="en-US" altLang="zh-CN" dirty="0" err="1">
+                <a:latin typeface="Times New Roman" panose="02020603050405020304" pitchFamily="18" charset="0"/>
+                <a:cs typeface="Times New Roman" panose="02020603050405020304" pitchFamily="18" charset="0"/>
+              </a:rPr>
+              <a:t>laion</a:t>
+            </a:r>
+            <a:r>
+              <a:rPr lang="en-US" altLang="zh-CN" dirty="0">
+                <a:latin typeface="Times New Roman" panose="02020603050405020304" pitchFamily="18" charset="0"/>
+                <a:cs typeface="Times New Roman" panose="02020603050405020304" pitchFamily="18" charset="0"/>
+              </a:rPr>
+              <a:t>-aesthetics v2 5+" and 10 % dropping of the text-conditioning to improve classifier-free guidance sampling.</a:t>
+            </a:r>
+            <a:endParaRPr lang="zh-CN" altLang="en-US" dirty="0">
+              <a:latin typeface="Times New Roman" panose="02020603050405020304" pitchFamily="18" charset="0"/>
+              <a:cs typeface="Times New Roman" panose="02020603050405020304" pitchFamily="18" charset="0"/>
+            </a:endParaRPr>
+          </a:p>
+        </p:txBody>
+      </p:sp>
+      <p:sp>
+        <p:nvSpPr>
+          <p:cNvPr id="9" name="矩形 8"/>
+          <p:cNvSpPr/>
+          <p:nvPr/>
+        </p:nvSpPr>
+        <p:spPr>
+          <a:xfrm>
+            <a:off x="400225" y="1160287"/>
+            <a:ext cx="8048357" cy="369332"/>
+          </a:xfrm>
+          <a:prstGeom prst="rect">
+            <a:avLst/>
+          </a:prstGeom>
+        </p:spPr>
+        <p:txBody>
+          <a:bodyPr wrap="square">
+            <a:spAutoFit/>
+          </a:bodyPr>
+          <a:lstStyle/>
+          <a:p>
+            <a:r>
+              <a:rPr lang="en-US" altLang="zh-CN" dirty="0" smtClean="0">
+                <a:solidFill>
+                  <a:srgbClr val="666666"/>
+                </a:solidFill>
+                <a:latin typeface="Times New Roman" panose="02020603050405020304" pitchFamily="18" charset="0"/>
+                <a:cs typeface="Times New Roman" panose="02020603050405020304" pitchFamily="18" charset="0"/>
+              </a:rPr>
+              <a:t>Owned by </a:t>
+            </a:r>
+            <a:r>
+              <a:rPr lang="en-US" altLang="zh-CN" dirty="0" err="1" smtClean="0">
+                <a:solidFill>
+                  <a:srgbClr val="248CC8"/>
+                </a:solidFill>
+                <a:latin typeface="Times New Roman" panose="02020603050405020304" pitchFamily="18" charset="0"/>
+                <a:cs typeface="Times New Roman" panose="02020603050405020304" pitchFamily="18" charset="0"/>
+                <a:hlinkClick r:id="rId4"/>
+              </a:rPr>
+              <a:t>CompVis</a:t>
+            </a:r>
+            <a:r>
+              <a:rPr lang="en-US" altLang="zh-CN" dirty="0" smtClean="0">
+                <a:solidFill>
+                  <a:srgbClr val="666666"/>
+                </a:solidFill>
+                <a:latin typeface="Times New Roman" panose="02020603050405020304" pitchFamily="18" charset="0"/>
+                <a:cs typeface="Times New Roman" panose="02020603050405020304" pitchFamily="18" charset="0"/>
+              </a:rPr>
+              <a:t> </a:t>
+            </a:r>
+            <a:r>
+              <a:rPr lang="en-US" altLang="zh-CN" dirty="0">
+                <a:solidFill>
+                  <a:srgbClr val="666666"/>
+                </a:solidFill>
+                <a:latin typeface="Times New Roman" panose="02020603050405020304" pitchFamily="18" charset="0"/>
+                <a:cs typeface="Times New Roman" panose="02020603050405020304" pitchFamily="18" charset="0"/>
+              </a:rPr>
+              <a:t>at the </a:t>
+            </a:r>
+            <a:r>
+              <a:rPr lang="en-US" altLang="zh-CN" dirty="0">
+                <a:solidFill>
+                  <a:srgbClr val="248CC8"/>
+                </a:solidFill>
+                <a:latin typeface="Times New Roman" panose="02020603050405020304" pitchFamily="18" charset="0"/>
+                <a:cs typeface="Times New Roman" panose="02020603050405020304" pitchFamily="18" charset="0"/>
+                <a:hlinkClick r:id="rId5"/>
+              </a:rPr>
+              <a:t>Ludwig Maximilian University of Munich</a:t>
+            </a:r>
+            <a:r>
+              <a:rPr lang="en-US" altLang="zh-CN" dirty="0">
+                <a:solidFill>
+                  <a:srgbClr val="666666"/>
+                </a:solidFill>
+                <a:latin typeface="Times New Roman" panose="02020603050405020304" pitchFamily="18" charset="0"/>
+                <a:cs typeface="Times New Roman" panose="02020603050405020304" pitchFamily="18" charset="0"/>
+              </a:rPr>
+              <a:t> </a:t>
+            </a:r>
+            <a:endParaRPr lang="zh-CN" altLang="en-US" dirty="0">
+              <a:latin typeface="Times New Roman" panose="02020603050405020304" pitchFamily="18" charset="0"/>
+              <a:cs typeface="Times New Roman" panose="02020603050405020304" pitchFamily="18" charset="0"/>
+            </a:endParaRPr>
+          </a:p>
+        </p:txBody>
+      </p:sp>
+    </p:spTree>
+    <p:extLst>
+      <p:ext uri="{BB962C8B-B14F-4D97-AF65-F5344CB8AC3E}">
+        <p14:creationId xmlns:p14="http://schemas.microsoft.com/office/powerpoint/2010/main" val="1346783541"/>
+      </p:ext>
+    </p:extLst>
+  </p:cSld>
+  <p:clrMapOvr>
+    <a:masterClrMapping/>
+  </p:clrMapOvr>
+  <p:timing>
+    <p:tnLst>
+      <p:par>
+        <p:cTn id="1" dur="indefinite" restart="never" nodeType="tmRoot"/>
+      </p:par>
+    </p:tnLst>
+  </p:timing>
+</p:sld>
+</file>
+
+<file path=ppt/slides/slide8.xml><?xml version="1.0" encoding="utf-8"?>
+<p:sld xmlns:a="http://schemas.openxmlformats.org/drawingml/2006/main" xmlns:r="http://schemas.openxmlformats.org/officeDocument/2006/relationships" xmlns:p="http://schemas.openxmlformats.org/presentationml/2006/main">
+  <p:cSld>
+    <p:spTree>
+      <p:nvGrpSpPr>
+        <p:cNvPr id="1" name=""/>
+        <p:cNvGrpSpPr/>
+        <p:nvPr/>
+      </p:nvGrpSpPr>
+      <p:grpSpPr>
+        <a:xfrm>
+          <a:off x="0" y="0"/>
+          <a:ext cx="0" cy="0"/>
+          <a:chOff x="0" y="0"/>
+          <a:chExt cx="0" cy="0"/>
+        </a:xfrm>
+      </p:grpSpPr>
+      <p:sp>
+        <p:nvSpPr>
+          <p:cNvPr id="3" name="矩形 2"/>
+          <p:cNvSpPr/>
+          <p:nvPr/>
+        </p:nvSpPr>
+        <p:spPr>
+          <a:xfrm>
+            <a:off x="364855" y="606392"/>
+            <a:ext cx="3699026" cy="584775"/>
+          </a:xfrm>
+          <a:prstGeom prst="rect">
+            <a:avLst/>
+          </a:prstGeom>
+        </p:spPr>
+        <p:txBody>
+          <a:bodyPr wrap="none">
+            <a:spAutoFit/>
+          </a:bodyPr>
+          <a:lstStyle/>
+          <a:p>
+            <a:pPr marL="0" lvl="1"/>
+            <a:r>
+              <a:rPr lang="it-IT" altLang="zh-CN" sz="3200" dirty="0" smtClean="0">
+                <a:solidFill>
+                  <a:srgbClr val="333333"/>
+                </a:solidFill>
+                <a:latin typeface="Times New Roman" panose="02020603050405020304" pitchFamily="18" charset="0"/>
+                <a:ea typeface="Open Sans"/>
+                <a:cs typeface="Times New Roman" panose="02020603050405020304" pitchFamily="18" charset="0"/>
+                <a:hlinkClick r:id="rId2"/>
+              </a:rPr>
+              <a:t>Stable Diffusion v1.5</a:t>
+            </a:r>
+            <a:endParaRPr lang="it-IT" altLang="zh-CN" sz="3200" dirty="0">
+              <a:solidFill>
+                <a:srgbClr val="333333"/>
+              </a:solidFill>
+              <a:latin typeface="Times New Roman" panose="02020603050405020304" pitchFamily="18" charset="0"/>
+              <a:ea typeface="Open Sans"/>
+              <a:cs typeface="Times New Roman" panose="02020603050405020304" pitchFamily="18" charset="0"/>
+            </a:endParaRPr>
+          </a:p>
+        </p:txBody>
+      </p:sp>
+      <p:grpSp>
+        <p:nvGrpSpPr>
+          <p:cNvPr id="5" name="组合 4"/>
+          <p:cNvGrpSpPr/>
+          <p:nvPr/>
+        </p:nvGrpSpPr>
+        <p:grpSpPr>
+          <a:xfrm>
+            <a:off x="8737600" y="137886"/>
+            <a:ext cx="3514167" cy="6720114"/>
+            <a:chOff x="8737600" y="137886"/>
+            <a:chExt cx="3514167" cy="6720114"/>
+          </a:xfrm>
+        </p:grpSpPr>
+        <p:pic>
+          <p:nvPicPr>
+            <p:cNvPr id="6" name="图片 5"/>
+            <p:cNvPicPr>
+              <a:picLocks noChangeAspect="1"/>
+            </p:cNvPicPr>
+            <p:nvPr/>
+          </p:nvPicPr>
+          <p:blipFill>
+            <a:blip r:embed="rId3" cstate="print">
+              <a:extLst>
+                <a:ext uri="{28A0092B-C50C-407E-A947-70E740481C1C}">
+                  <a14:useLocalDpi xmlns:a14="http://schemas.microsoft.com/office/drawing/2010/main" val="0"/>
+                </a:ext>
+              </a:extLst>
+            </a:blip>
+            <a:stretch>
+              <a:fillRect/>
+            </a:stretch>
+          </p:blipFill>
+          <p:spPr>
+            <a:xfrm>
+              <a:off x="11096357" y="137886"/>
+              <a:ext cx="825500" cy="825500"/>
+            </a:xfrm>
+            <a:prstGeom prst="rect">
+              <a:avLst/>
+            </a:prstGeom>
+          </p:spPr>
+        </p:pic>
+        <p:sp>
+          <p:nvSpPr>
+            <p:cNvPr id="7" name="矩形 6"/>
+            <p:cNvSpPr/>
+            <p:nvPr/>
+          </p:nvSpPr>
+          <p:spPr>
+            <a:xfrm>
+              <a:off x="8737600" y="6488668"/>
+              <a:ext cx="3514167" cy="369332"/>
+            </a:xfrm>
+            <a:prstGeom prst="rect">
+              <a:avLst/>
+            </a:prstGeom>
+          </p:spPr>
+          <p:txBody>
+            <a:bodyPr wrap="none">
+              <a:spAutoFit/>
+            </a:bodyPr>
+            <a:lstStyle/>
+            <a:p>
+              <a:r>
+                <a:rPr lang="en-US" altLang="zh-CN" dirty="0">
+                  <a:latin typeface="Times New Roman" panose="02020603050405020304" pitchFamily="18" charset="0"/>
+                  <a:cs typeface="Times New Roman" panose="02020603050405020304" pitchFamily="18" charset="0"/>
+                </a:rPr>
+                <a:t>© Sakura, 2024. All rights reserved.</a:t>
+              </a:r>
+              <a:endParaRPr lang="zh-CN" altLang="en-US" dirty="0">
+                <a:latin typeface="Times New Roman" panose="02020603050405020304" pitchFamily="18" charset="0"/>
+                <a:cs typeface="Times New Roman" panose="02020603050405020304" pitchFamily="18" charset="0"/>
+              </a:endParaRPr>
+            </a:p>
+          </p:txBody>
+        </p:sp>
+      </p:grpSp>
+      <p:sp>
+        <p:nvSpPr>
+          <p:cNvPr id="8" name="矩形 7"/>
+          <p:cNvSpPr/>
+          <p:nvPr/>
+        </p:nvSpPr>
+        <p:spPr>
+          <a:xfrm>
+            <a:off x="0" y="6546376"/>
+            <a:ext cx="8448582" cy="253916"/>
+          </a:xfrm>
+          <a:prstGeom prst="rect">
+            <a:avLst/>
+          </a:prstGeom>
+        </p:spPr>
+        <p:txBody>
+          <a:bodyPr wrap="square">
+            <a:spAutoFit/>
+          </a:bodyPr>
+          <a:lstStyle/>
+          <a:p>
+            <a:r>
+              <a:rPr lang="en-US" altLang="zh-CN" sz="1000" dirty="0" err="1">
+                <a:solidFill>
+                  <a:schemeClr val="bg1">
+                    <a:lumMod val="75000"/>
+                  </a:schemeClr>
+                </a:solidFill>
+                <a:latin typeface="Times New Roman" panose="02020603050405020304" pitchFamily="18" charset="0"/>
+                <a:cs typeface="Times New Roman" panose="02020603050405020304" pitchFamily="18" charset="0"/>
+              </a:rPr>
+              <a:t>Rombach</a:t>
+            </a:r>
+            <a:r>
+              <a:rPr lang="en-US" altLang="zh-CN" sz="1000" dirty="0">
+                <a:solidFill>
+                  <a:schemeClr val="bg1">
+                    <a:lumMod val="75000"/>
+                  </a:schemeClr>
+                </a:solidFill>
+                <a:latin typeface="Times New Roman" panose="02020603050405020304" pitchFamily="18" charset="0"/>
+                <a:cs typeface="Times New Roman" panose="02020603050405020304" pitchFamily="18" charset="0"/>
+              </a:rPr>
+              <a:t>, R., </a:t>
+            </a:r>
+            <a:r>
+              <a:rPr lang="en-US" altLang="zh-CN" sz="1000" dirty="0" err="1">
+                <a:solidFill>
+                  <a:schemeClr val="bg1">
+                    <a:lumMod val="75000"/>
+                  </a:schemeClr>
+                </a:solidFill>
+                <a:latin typeface="Times New Roman" panose="02020603050405020304" pitchFamily="18" charset="0"/>
+                <a:cs typeface="Times New Roman" panose="02020603050405020304" pitchFamily="18" charset="0"/>
+              </a:rPr>
+              <a:t>Blattmann</a:t>
+            </a:r>
+            <a:r>
+              <a:rPr lang="en-US" altLang="zh-CN" sz="1000" dirty="0">
+                <a:solidFill>
+                  <a:schemeClr val="bg1">
+                    <a:lumMod val="75000"/>
+                  </a:schemeClr>
+                </a:solidFill>
+                <a:latin typeface="Times New Roman" panose="02020603050405020304" pitchFamily="18" charset="0"/>
+                <a:cs typeface="Times New Roman" panose="02020603050405020304" pitchFamily="18" charset="0"/>
+              </a:rPr>
+              <a:t>, A., Lorenz, D., </a:t>
+            </a:r>
+            <a:r>
+              <a:rPr lang="en-US" altLang="zh-CN" sz="1000" dirty="0" err="1">
+                <a:solidFill>
+                  <a:schemeClr val="bg1">
+                    <a:lumMod val="75000"/>
+                  </a:schemeClr>
+                </a:solidFill>
+                <a:latin typeface="Times New Roman" panose="02020603050405020304" pitchFamily="18" charset="0"/>
+                <a:cs typeface="Times New Roman" panose="02020603050405020304" pitchFamily="18" charset="0"/>
+              </a:rPr>
+              <a:t>Esser</a:t>
+            </a:r>
+            <a:r>
+              <a:rPr lang="en-US" altLang="zh-CN" sz="1000" dirty="0">
+                <a:solidFill>
+                  <a:schemeClr val="bg1">
+                    <a:lumMod val="75000"/>
+                  </a:schemeClr>
+                </a:solidFill>
+                <a:latin typeface="Times New Roman" panose="02020603050405020304" pitchFamily="18" charset="0"/>
+                <a:cs typeface="Times New Roman" panose="02020603050405020304" pitchFamily="18" charset="0"/>
+              </a:rPr>
+              <a:t>, P., &amp; </a:t>
+            </a:r>
+            <a:r>
+              <a:rPr lang="en-US" altLang="zh-CN" sz="1000" dirty="0" err="1">
+                <a:solidFill>
+                  <a:schemeClr val="bg1">
+                    <a:lumMod val="75000"/>
+                  </a:schemeClr>
+                </a:solidFill>
+                <a:latin typeface="Times New Roman" panose="02020603050405020304" pitchFamily="18" charset="0"/>
+                <a:cs typeface="Times New Roman" panose="02020603050405020304" pitchFamily="18" charset="0"/>
+              </a:rPr>
+              <a:t>Ommer</a:t>
+            </a:r>
+            <a:r>
+              <a:rPr lang="en-US" altLang="zh-CN" sz="1000" dirty="0">
+                <a:solidFill>
+                  <a:schemeClr val="bg1">
+                    <a:lumMod val="75000"/>
+                  </a:schemeClr>
+                </a:solidFill>
+                <a:latin typeface="Times New Roman" panose="02020603050405020304" pitchFamily="18" charset="0"/>
+                <a:cs typeface="Times New Roman" panose="02020603050405020304" pitchFamily="18" charset="0"/>
+              </a:rPr>
+              <a:t>, B. (2022). </a:t>
+            </a:r>
+            <a:r>
+              <a:rPr lang="en-US" altLang="zh-CN" sz="1000" i="1" dirty="0">
+                <a:solidFill>
+                  <a:schemeClr val="bg1">
+                    <a:lumMod val="75000"/>
+                  </a:schemeClr>
+                </a:solidFill>
+                <a:latin typeface="Times New Roman" panose="02020603050405020304" pitchFamily="18" charset="0"/>
+                <a:cs typeface="Times New Roman" panose="02020603050405020304" pitchFamily="18" charset="0"/>
+              </a:rPr>
+              <a:t>High-Resolution Image Synthesis With Latent Diffusion Models</a:t>
+            </a:r>
+            <a:r>
+              <a:rPr lang="en-US" altLang="zh-CN" sz="1000" dirty="0">
+                <a:solidFill>
+                  <a:schemeClr val="bg1">
+                    <a:lumMod val="75000"/>
+                  </a:schemeClr>
+                </a:solidFill>
+                <a:latin typeface="Times New Roman" panose="02020603050405020304" pitchFamily="18" charset="0"/>
+                <a:cs typeface="Times New Roman" panose="02020603050405020304" pitchFamily="18" charset="0"/>
+              </a:rPr>
+              <a:t>. 10684–10695. </a:t>
+            </a:r>
+            <a:endParaRPr lang="en-US" altLang="zh-CN" sz="1000" dirty="0">
+              <a:solidFill>
+                <a:schemeClr val="bg1">
+                  <a:lumMod val="75000"/>
+                </a:schemeClr>
+              </a:solidFill>
+              <a:effectLst/>
+              <a:latin typeface="Times New Roman" panose="02020603050405020304" pitchFamily="18" charset="0"/>
+              <a:cs typeface="Times New Roman" panose="02020603050405020304" pitchFamily="18" charset="0"/>
+            </a:endParaRPr>
+          </a:p>
+        </p:txBody>
+      </p:sp>
+      <p:sp>
+        <p:nvSpPr>
+          <p:cNvPr id="4" name="矩形 3"/>
+          <p:cNvSpPr/>
+          <p:nvPr/>
+        </p:nvSpPr>
+        <p:spPr>
+          <a:xfrm>
+            <a:off x="364855" y="1621849"/>
+            <a:ext cx="10878533" cy="923330"/>
+          </a:xfrm>
+          <a:prstGeom prst="rect">
+            <a:avLst/>
+          </a:prstGeom>
+        </p:spPr>
+        <p:txBody>
+          <a:bodyPr wrap="square">
+            <a:spAutoFit/>
+          </a:bodyPr>
+          <a:lstStyle/>
+          <a:p>
+            <a:r>
+              <a:rPr lang="en-US" altLang="zh-CN" dirty="0">
+                <a:latin typeface="Times New Roman" panose="02020603050405020304" pitchFamily="18" charset="0"/>
+                <a:cs typeface="Times New Roman" panose="02020603050405020304" pitchFamily="18" charset="0"/>
+              </a:rPr>
+              <a:t>The </a:t>
+            </a:r>
+            <a:r>
+              <a:rPr lang="en-US" altLang="zh-CN" b="1" dirty="0">
+                <a:latin typeface="Times New Roman" panose="02020603050405020304" pitchFamily="18" charset="0"/>
+                <a:cs typeface="Times New Roman" panose="02020603050405020304" pitchFamily="18" charset="0"/>
+              </a:rPr>
+              <a:t>Stable-Diffusion-v1-5</a:t>
+            </a:r>
+            <a:r>
+              <a:rPr lang="en-US" altLang="zh-CN" dirty="0">
+                <a:latin typeface="Times New Roman" panose="02020603050405020304" pitchFamily="18" charset="0"/>
+                <a:cs typeface="Times New Roman" panose="02020603050405020304" pitchFamily="18" charset="0"/>
+              </a:rPr>
+              <a:t> checkpoint was initialized with the weights of the </a:t>
+            </a:r>
+            <a:r>
+              <a:rPr lang="en-US" altLang="zh-CN" u="sng" dirty="0">
+                <a:latin typeface="Times New Roman" panose="02020603050405020304" pitchFamily="18" charset="0"/>
+                <a:cs typeface="Times New Roman" panose="02020603050405020304" pitchFamily="18" charset="0"/>
+                <a:hlinkClick r:id="rId4"/>
+              </a:rPr>
+              <a:t>Stable-Diffusion-v1-2</a:t>
+            </a:r>
+            <a:r>
+              <a:rPr lang="en-US" altLang="zh-CN" dirty="0">
+                <a:latin typeface="Times New Roman" panose="02020603050405020304" pitchFamily="18" charset="0"/>
+                <a:cs typeface="Times New Roman" panose="02020603050405020304" pitchFamily="18" charset="0"/>
+              </a:rPr>
+              <a:t> checkpoint and subsequently fine-tuned on 595k steps at resolution 512x512 on "</a:t>
+            </a:r>
+            <a:r>
+              <a:rPr lang="en-US" altLang="zh-CN" dirty="0" err="1">
+                <a:latin typeface="Times New Roman" panose="02020603050405020304" pitchFamily="18" charset="0"/>
+                <a:cs typeface="Times New Roman" panose="02020603050405020304" pitchFamily="18" charset="0"/>
+              </a:rPr>
+              <a:t>laion</a:t>
+            </a:r>
+            <a:r>
+              <a:rPr lang="en-US" altLang="zh-CN" dirty="0">
+                <a:latin typeface="Times New Roman" panose="02020603050405020304" pitchFamily="18" charset="0"/>
+                <a:cs typeface="Times New Roman" panose="02020603050405020304" pitchFamily="18" charset="0"/>
+              </a:rPr>
+              <a:t>-aesthetics v2 5+" and 10% dropping of the text-conditioning to improve </a:t>
+            </a:r>
+            <a:r>
+              <a:rPr lang="en-US" altLang="zh-CN" u="sng" dirty="0">
+                <a:latin typeface="Times New Roman" panose="02020603050405020304" pitchFamily="18" charset="0"/>
+                <a:cs typeface="Times New Roman" panose="02020603050405020304" pitchFamily="18" charset="0"/>
+                <a:hlinkClick r:id="rId5"/>
+              </a:rPr>
+              <a:t>classifier-free guidance sampling</a:t>
+            </a:r>
+            <a:r>
+              <a:rPr lang="en-US" altLang="zh-CN" dirty="0">
+                <a:latin typeface="Times New Roman" panose="02020603050405020304" pitchFamily="18" charset="0"/>
+                <a:cs typeface="Times New Roman" panose="02020603050405020304" pitchFamily="18" charset="0"/>
+              </a:rPr>
+              <a:t>.</a:t>
+            </a:r>
+            <a:endParaRPr lang="zh-CN" altLang="en-US" dirty="0">
+              <a:latin typeface="Times New Roman" panose="02020603050405020304" pitchFamily="18" charset="0"/>
+              <a:cs typeface="Times New Roman" panose="02020603050405020304" pitchFamily="18" charset="0"/>
+            </a:endParaRPr>
+          </a:p>
+        </p:txBody>
+      </p:sp>
+      <p:sp>
+        <p:nvSpPr>
+          <p:cNvPr id="9" name="矩形 8"/>
+          <p:cNvSpPr/>
+          <p:nvPr/>
+        </p:nvSpPr>
+        <p:spPr>
+          <a:xfrm>
+            <a:off x="400225" y="1160287"/>
+            <a:ext cx="8048357" cy="369332"/>
+          </a:xfrm>
+          <a:prstGeom prst="rect">
+            <a:avLst/>
+          </a:prstGeom>
+        </p:spPr>
+        <p:txBody>
+          <a:bodyPr wrap="square">
+            <a:spAutoFit/>
+          </a:bodyPr>
+          <a:lstStyle/>
+          <a:p>
+            <a:r>
+              <a:rPr lang="en-US" altLang="zh-CN" dirty="0" smtClean="0">
+                <a:solidFill>
+                  <a:srgbClr val="666666"/>
+                </a:solidFill>
+                <a:latin typeface="Times New Roman" panose="02020603050405020304" pitchFamily="18" charset="0"/>
+                <a:cs typeface="Times New Roman" panose="02020603050405020304" pitchFamily="18" charset="0"/>
+              </a:rPr>
+              <a:t>Owned by </a:t>
+            </a:r>
+            <a:r>
+              <a:rPr lang="en-US" altLang="zh-CN" dirty="0" smtClean="0">
+                <a:solidFill>
+                  <a:srgbClr val="248CC8"/>
+                </a:solidFill>
+                <a:latin typeface="Times New Roman" panose="02020603050405020304" pitchFamily="18" charset="0"/>
+                <a:cs typeface="Times New Roman" panose="02020603050405020304" pitchFamily="18" charset="0"/>
+                <a:hlinkClick r:id="rId6"/>
+              </a:rPr>
+              <a:t>Runway</a:t>
+            </a:r>
+            <a:r>
+              <a:rPr lang="en-US" altLang="zh-CN" dirty="0">
+                <a:solidFill>
+                  <a:srgbClr val="666666"/>
+                </a:solidFill>
+                <a:latin typeface="Times New Roman" panose="02020603050405020304" pitchFamily="18" charset="0"/>
+                <a:cs typeface="Times New Roman" panose="02020603050405020304" pitchFamily="18" charset="0"/>
+              </a:rPr>
+              <a:t> </a:t>
+            </a:r>
+            <a:endParaRPr lang="zh-CN" altLang="en-US" dirty="0">
+              <a:latin typeface="Times New Roman" panose="02020603050405020304" pitchFamily="18" charset="0"/>
+              <a:cs typeface="Times New Roman" panose="02020603050405020304" pitchFamily="18" charset="0"/>
+            </a:endParaRPr>
+          </a:p>
+        </p:txBody>
+      </p:sp>
+      <p:sp>
+        <p:nvSpPr>
+          <p:cNvPr id="2" name="矩形 1"/>
+          <p:cNvSpPr/>
+          <p:nvPr/>
+        </p:nvSpPr>
+        <p:spPr>
+          <a:xfrm>
+            <a:off x="2816101" y="2967335"/>
+            <a:ext cx="6559809" cy="1754326"/>
+          </a:xfrm>
+          <a:prstGeom prst="rect">
+            <a:avLst/>
+          </a:prstGeom>
+          <a:noFill/>
+        </p:spPr>
+        <p:txBody>
+          <a:bodyPr wrap="none" lIns="91440" tIns="45720" rIns="91440" bIns="45720">
+            <a:spAutoFit/>
+          </a:bodyPr>
+          <a:lstStyle/>
+          <a:p>
+            <a:pPr algn="ctr"/>
+            <a:r>
+              <a:rPr lang="en-US" altLang="zh-CN" sz="5400" b="1" cap="none" spc="0" dirty="0" smtClean="0">
+                <a:ln w="10160">
+                  <a:solidFill>
+                    <a:schemeClr val="accent5"/>
+                  </a:solidFill>
+                  <a:prstDash val="solid"/>
+                </a:ln>
+                <a:solidFill>
+                  <a:srgbClr val="FFFFFF"/>
+                </a:solidFill>
+                <a:effectLst>
+                  <a:outerShdw blurRad="38100" dist="22860" dir="5400000" algn="tl" rotWithShape="0">
+                    <a:srgbClr val="000000">
+                      <a:alpha val="30000"/>
+                    </a:srgbClr>
+                  </a:outerShdw>
+                </a:effectLst>
+              </a:rPr>
+              <a:t>More Training Data</a:t>
+            </a:r>
+          </a:p>
+          <a:p>
+            <a:pPr algn="ctr"/>
+            <a:r>
+              <a:rPr lang="en-US" altLang="zh-CN" sz="5400" b="1" dirty="0" smtClean="0">
+                <a:ln w="10160">
+                  <a:solidFill>
+                    <a:schemeClr val="accent5"/>
+                  </a:solidFill>
+                  <a:prstDash val="solid"/>
+                </a:ln>
+                <a:solidFill>
+                  <a:srgbClr val="FFFFFF"/>
+                </a:solidFill>
+                <a:effectLst>
+                  <a:outerShdw blurRad="38100" dist="22860" dir="5400000" algn="tl" rotWithShape="0">
+                    <a:srgbClr val="000000">
+                      <a:alpha val="30000"/>
+                    </a:srgbClr>
+                  </a:outerShdw>
+                </a:effectLst>
+              </a:rPr>
+              <a:t>Better Text Encoder </a:t>
+            </a:r>
+            <a:endParaRPr lang="zh-CN" altLang="en-US" sz="5400" b="1" cap="none" spc="0" dirty="0">
+              <a:ln w="10160">
+                <a:solidFill>
+                  <a:schemeClr val="accent5"/>
+                </a:solidFill>
+                <a:prstDash val="solid"/>
+              </a:ln>
+              <a:solidFill>
+                <a:srgbClr val="FFFFFF"/>
+              </a:solidFill>
+              <a:effectLst>
+                <a:outerShdw blurRad="38100" dist="22860" dir="5400000" algn="tl" rotWithShape="0">
+                  <a:srgbClr val="000000">
+                    <a:alpha val="30000"/>
+                  </a:srgbClr>
+                </a:outerShdw>
+              </a:effectLst>
+            </a:endParaRPr>
+          </a:p>
+        </p:txBody>
+      </p:sp>
+    </p:spTree>
+    <p:extLst>
+      <p:ext uri="{BB962C8B-B14F-4D97-AF65-F5344CB8AC3E}">
+        <p14:creationId xmlns:p14="http://schemas.microsoft.com/office/powerpoint/2010/main" val="2639726455"/>
+      </p:ext>
+    </p:extLst>
+  </p:cSld>
+  <p:clrMapOvr>
+    <a:masterClrMapping/>
+  </p:clrMapOvr>
+  <p:timing>
+    <p:tnLst>
+      <p:par>
+        <p:cTn id="1" dur="indefinite" restart="never" nodeType="tmRoot"/>
+      </p:par>
+    </p:tnLst>
+  </p:timing>
+</p:sld>
+</file>
+
+<file path=ppt/slides/slide9.xml><?xml version="1.0" encoding="utf-8"?>
+<p:sld xmlns:a="http://schemas.openxmlformats.org/drawingml/2006/main" xmlns:r="http://schemas.openxmlformats.org/officeDocument/2006/relationships" xmlns:p="http://schemas.openxmlformats.org/presentationml/2006/main">
+  <p:cSld>
+    <p:spTree>
+      <p:nvGrpSpPr>
+        <p:cNvPr id="1" name=""/>
+        <p:cNvGrpSpPr/>
+        <p:nvPr/>
+      </p:nvGrpSpPr>
+      <p:grpSpPr>
+        <a:xfrm>
+          <a:off x="0" y="0"/>
+          <a:ext cx="0" cy="0"/>
+          <a:chOff x="0" y="0"/>
+          <a:chExt cx="0" cy="0"/>
+        </a:xfrm>
+      </p:grpSpPr>
+      <p:grpSp>
+        <p:nvGrpSpPr>
+          <p:cNvPr id="5" name="组合 4"/>
+          <p:cNvGrpSpPr/>
+          <p:nvPr/>
+        </p:nvGrpSpPr>
+        <p:grpSpPr>
+          <a:xfrm>
+            <a:off x="8737600" y="137886"/>
+            <a:ext cx="3514167" cy="6720114"/>
+            <a:chOff x="8737600" y="137886"/>
+            <a:chExt cx="3514167" cy="6720114"/>
+          </a:xfrm>
+        </p:grpSpPr>
+        <p:pic>
+          <p:nvPicPr>
+            <p:cNvPr id="6" name="图片 5"/>
+            <p:cNvPicPr>
+              <a:picLocks noChangeAspect="1"/>
+            </p:cNvPicPr>
+            <p:nvPr/>
+          </p:nvPicPr>
+          <p:blipFill>
+            <a:blip r:embed="rId2" cstate="print">
+              <a:extLst>
+                <a:ext uri="{28A0092B-C50C-407E-A947-70E740481C1C}">
+                  <a14:useLocalDpi xmlns:a14="http://schemas.microsoft.com/office/drawing/2010/main" val="0"/>
+                </a:ext>
+              </a:extLst>
+            </a:blip>
+            <a:stretch>
+              <a:fillRect/>
+            </a:stretch>
+          </p:blipFill>
+          <p:spPr>
+            <a:xfrm>
+              <a:off x="11096357" y="137886"/>
+              <a:ext cx="825500" cy="825500"/>
+            </a:xfrm>
+            <a:prstGeom prst="rect">
+              <a:avLst/>
+            </a:prstGeom>
+          </p:spPr>
+        </p:pic>
+        <p:sp>
+          <p:nvSpPr>
+            <p:cNvPr id="7" name="矩形 6"/>
+            <p:cNvSpPr/>
+            <p:nvPr/>
+          </p:nvSpPr>
+          <p:spPr>
+            <a:xfrm>
+              <a:off x="8737600" y="6488668"/>
+              <a:ext cx="3514167" cy="369332"/>
+            </a:xfrm>
+            <a:prstGeom prst="rect">
+              <a:avLst/>
+            </a:prstGeom>
+          </p:spPr>
+          <p:txBody>
+            <a:bodyPr wrap="none">
+              <a:spAutoFit/>
+            </a:bodyPr>
+            <a:lstStyle/>
+            <a:p>
+              <a:r>
+                <a:rPr lang="en-US" altLang="zh-CN" dirty="0">
+                  <a:latin typeface="Times New Roman" panose="02020603050405020304" pitchFamily="18" charset="0"/>
+                  <a:cs typeface="Times New Roman" panose="02020603050405020304" pitchFamily="18" charset="0"/>
+                </a:rPr>
+                <a:t>© Sakura, 2024. All rights reserved.</a:t>
+              </a:r>
+              <a:endParaRPr lang="zh-CN" altLang="en-US" dirty="0">
+                <a:latin typeface="Times New Roman" panose="02020603050405020304" pitchFamily="18" charset="0"/>
+                <a:cs typeface="Times New Roman" panose="02020603050405020304" pitchFamily="18" charset="0"/>
+              </a:endParaRPr>
+            </a:p>
+          </p:txBody>
+        </p:sp>
+      </p:grpSp>
+      <p:sp>
+        <p:nvSpPr>
+          <p:cNvPr id="8" name="矩形 7"/>
+          <p:cNvSpPr/>
+          <p:nvPr/>
+        </p:nvSpPr>
+        <p:spPr>
+          <a:xfrm>
+            <a:off x="0" y="6546376"/>
+            <a:ext cx="8448582" cy="253916"/>
+          </a:xfrm>
+          <a:prstGeom prst="rect">
+            <a:avLst/>
+          </a:prstGeom>
+        </p:spPr>
+        <p:txBody>
+          <a:bodyPr wrap="square">
+            <a:spAutoFit/>
+          </a:bodyPr>
+          <a:lstStyle/>
+          <a:p>
+            <a:r>
+              <a:rPr lang="en-US" altLang="zh-CN" sz="1000" dirty="0" err="1">
+                <a:solidFill>
+                  <a:schemeClr val="bg1">
+                    <a:lumMod val="75000"/>
+                  </a:schemeClr>
+                </a:solidFill>
+                <a:latin typeface="Times New Roman" panose="02020603050405020304" pitchFamily="18" charset="0"/>
+                <a:cs typeface="Times New Roman" panose="02020603050405020304" pitchFamily="18" charset="0"/>
+              </a:rPr>
+              <a:t>Rombach</a:t>
+            </a:r>
+            <a:r>
+              <a:rPr lang="en-US" altLang="zh-CN" sz="1000" dirty="0">
+                <a:solidFill>
+                  <a:schemeClr val="bg1">
+                    <a:lumMod val="75000"/>
+                  </a:schemeClr>
+                </a:solidFill>
+                <a:latin typeface="Times New Roman" panose="02020603050405020304" pitchFamily="18" charset="0"/>
+                <a:cs typeface="Times New Roman" panose="02020603050405020304" pitchFamily="18" charset="0"/>
+              </a:rPr>
+              <a:t>, R., </a:t>
+            </a:r>
+            <a:r>
+              <a:rPr lang="en-US" altLang="zh-CN" sz="1000" dirty="0" err="1">
+                <a:solidFill>
+                  <a:schemeClr val="bg1">
+                    <a:lumMod val="75000"/>
+                  </a:schemeClr>
+                </a:solidFill>
+                <a:latin typeface="Times New Roman" panose="02020603050405020304" pitchFamily="18" charset="0"/>
+                <a:cs typeface="Times New Roman" panose="02020603050405020304" pitchFamily="18" charset="0"/>
+              </a:rPr>
+              <a:t>Blattmann</a:t>
+            </a:r>
+            <a:r>
+              <a:rPr lang="en-US" altLang="zh-CN" sz="1000" dirty="0">
+                <a:solidFill>
+                  <a:schemeClr val="bg1">
+                    <a:lumMod val="75000"/>
+                  </a:schemeClr>
+                </a:solidFill>
+                <a:latin typeface="Times New Roman" panose="02020603050405020304" pitchFamily="18" charset="0"/>
+                <a:cs typeface="Times New Roman" panose="02020603050405020304" pitchFamily="18" charset="0"/>
+              </a:rPr>
+              <a:t>, A., Lorenz, D., </a:t>
+            </a:r>
+            <a:r>
+              <a:rPr lang="en-US" altLang="zh-CN" sz="1000" dirty="0" err="1">
+                <a:solidFill>
+                  <a:schemeClr val="bg1">
+                    <a:lumMod val="75000"/>
+                  </a:schemeClr>
+                </a:solidFill>
+                <a:latin typeface="Times New Roman" panose="02020603050405020304" pitchFamily="18" charset="0"/>
+                <a:cs typeface="Times New Roman" panose="02020603050405020304" pitchFamily="18" charset="0"/>
+              </a:rPr>
+              <a:t>Esser</a:t>
+            </a:r>
+            <a:r>
+              <a:rPr lang="en-US" altLang="zh-CN" sz="1000" dirty="0">
+                <a:solidFill>
+                  <a:schemeClr val="bg1">
+                    <a:lumMod val="75000"/>
+                  </a:schemeClr>
+                </a:solidFill>
+                <a:latin typeface="Times New Roman" panose="02020603050405020304" pitchFamily="18" charset="0"/>
+                <a:cs typeface="Times New Roman" panose="02020603050405020304" pitchFamily="18" charset="0"/>
+              </a:rPr>
+              <a:t>, P., &amp; </a:t>
+            </a:r>
+            <a:r>
+              <a:rPr lang="en-US" altLang="zh-CN" sz="1000" dirty="0" err="1">
+                <a:solidFill>
+                  <a:schemeClr val="bg1">
+                    <a:lumMod val="75000"/>
+                  </a:schemeClr>
+                </a:solidFill>
+                <a:latin typeface="Times New Roman" panose="02020603050405020304" pitchFamily="18" charset="0"/>
+                <a:cs typeface="Times New Roman" panose="02020603050405020304" pitchFamily="18" charset="0"/>
+              </a:rPr>
+              <a:t>Ommer</a:t>
+            </a:r>
+            <a:r>
+              <a:rPr lang="en-US" altLang="zh-CN" sz="1000" dirty="0">
+                <a:solidFill>
+                  <a:schemeClr val="bg1">
+                    <a:lumMod val="75000"/>
+                  </a:schemeClr>
+                </a:solidFill>
+                <a:latin typeface="Times New Roman" panose="02020603050405020304" pitchFamily="18" charset="0"/>
+                <a:cs typeface="Times New Roman" panose="02020603050405020304" pitchFamily="18" charset="0"/>
+              </a:rPr>
+              <a:t>, B. (2022). </a:t>
+            </a:r>
+            <a:r>
+              <a:rPr lang="en-US" altLang="zh-CN" sz="1000" i="1" dirty="0">
+                <a:solidFill>
+                  <a:schemeClr val="bg1">
+                    <a:lumMod val="75000"/>
+                  </a:schemeClr>
+                </a:solidFill>
+                <a:latin typeface="Times New Roman" panose="02020603050405020304" pitchFamily="18" charset="0"/>
+                <a:cs typeface="Times New Roman" panose="02020603050405020304" pitchFamily="18" charset="0"/>
+              </a:rPr>
+              <a:t>High-Resolution Image Synthesis With Latent Diffusion Models</a:t>
+            </a:r>
+            <a:r>
+              <a:rPr lang="en-US" altLang="zh-CN" sz="1000" dirty="0">
+                <a:solidFill>
+                  <a:schemeClr val="bg1">
+                    <a:lumMod val="75000"/>
+                  </a:schemeClr>
+                </a:solidFill>
+                <a:latin typeface="Times New Roman" panose="02020603050405020304" pitchFamily="18" charset="0"/>
+                <a:cs typeface="Times New Roman" panose="02020603050405020304" pitchFamily="18" charset="0"/>
+              </a:rPr>
+              <a:t>. 10684–10695. </a:t>
+            </a:r>
+            <a:endParaRPr lang="en-US" altLang="zh-CN" sz="1000" dirty="0">
+              <a:solidFill>
+                <a:schemeClr val="bg1">
+                  <a:lumMod val="75000"/>
+                </a:schemeClr>
+              </a:solidFill>
+              <a:effectLst/>
+              <a:latin typeface="Times New Roman" panose="02020603050405020304" pitchFamily="18" charset="0"/>
+              <a:cs typeface="Times New Roman" panose="02020603050405020304" pitchFamily="18" charset="0"/>
+            </a:endParaRPr>
+          </a:p>
+        </p:txBody>
+      </p:sp>
+      <p:sp>
+        <p:nvSpPr>
+          <p:cNvPr id="11" name="矩形 10"/>
+          <p:cNvSpPr/>
+          <p:nvPr/>
+        </p:nvSpPr>
+        <p:spPr>
+          <a:xfrm>
+            <a:off x="243126" y="458433"/>
+            <a:ext cx="3699026" cy="584775"/>
+          </a:xfrm>
+          <a:prstGeom prst="rect">
+            <a:avLst/>
+          </a:prstGeom>
+        </p:spPr>
+        <p:txBody>
+          <a:bodyPr wrap="none">
+            <a:spAutoFit/>
+          </a:bodyPr>
+          <a:lstStyle/>
+          <a:p>
+            <a:pPr marL="0" lvl="1"/>
+            <a:r>
+              <a:rPr lang="it-IT" altLang="zh-CN" sz="3200" dirty="0">
+                <a:solidFill>
+                  <a:srgbClr val="333333"/>
+                </a:solidFill>
+                <a:latin typeface="Times New Roman" panose="02020603050405020304" pitchFamily="18" charset="0"/>
+                <a:ea typeface="Open Sans"/>
+                <a:cs typeface="Times New Roman" panose="02020603050405020304" pitchFamily="18" charset="0"/>
+                <a:hlinkClick r:id="rId3"/>
+              </a:rPr>
+              <a:t>Stable </a:t>
+            </a:r>
+            <a:r>
+              <a:rPr lang="it-IT" altLang="zh-CN" sz="3200" dirty="0" smtClean="0">
+                <a:solidFill>
+                  <a:srgbClr val="333333"/>
+                </a:solidFill>
+                <a:latin typeface="Times New Roman" panose="02020603050405020304" pitchFamily="18" charset="0"/>
+                <a:ea typeface="Open Sans"/>
+                <a:cs typeface="Times New Roman" panose="02020603050405020304" pitchFamily="18" charset="0"/>
+                <a:hlinkClick r:id="rId3"/>
+              </a:rPr>
+              <a:t>Diffusion v2.1</a:t>
+            </a:r>
+            <a:endParaRPr lang="it-IT" altLang="zh-CN" sz="3200" dirty="0">
+              <a:solidFill>
+                <a:srgbClr val="333333"/>
+              </a:solidFill>
+              <a:latin typeface="Times New Roman" panose="02020603050405020304" pitchFamily="18" charset="0"/>
+              <a:ea typeface="Open Sans"/>
+              <a:cs typeface="Times New Roman" panose="02020603050405020304" pitchFamily="18" charset="0"/>
+            </a:endParaRPr>
+          </a:p>
+        </p:txBody>
+      </p:sp>
+      <p:sp>
+        <p:nvSpPr>
+          <p:cNvPr id="12" name="矩形 11"/>
+          <p:cNvSpPr/>
+          <p:nvPr/>
+        </p:nvSpPr>
+        <p:spPr>
+          <a:xfrm>
+            <a:off x="298817" y="995680"/>
+            <a:ext cx="8048357" cy="369332"/>
+          </a:xfrm>
+          <a:prstGeom prst="rect">
+            <a:avLst/>
+          </a:prstGeom>
+        </p:spPr>
+        <p:txBody>
+          <a:bodyPr wrap="square">
+            <a:spAutoFit/>
+          </a:bodyPr>
+          <a:lstStyle/>
+          <a:p>
+            <a:r>
+              <a:rPr lang="en-US" altLang="zh-CN" dirty="0" smtClean="0">
+                <a:solidFill>
+                  <a:srgbClr val="666666"/>
+                </a:solidFill>
+                <a:latin typeface="Times New Roman" panose="02020603050405020304" pitchFamily="18" charset="0"/>
+                <a:cs typeface="Times New Roman" panose="02020603050405020304" pitchFamily="18" charset="0"/>
+              </a:rPr>
+              <a:t>Owned by </a:t>
+            </a:r>
+            <a:r>
+              <a:rPr lang="zh-CN" altLang="en-US" dirty="0" smtClean="0">
+                <a:latin typeface="Times New Roman" panose="02020603050405020304" pitchFamily="18" charset="0"/>
+                <a:cs typeface="Times New Roman" panose="02020603050405020304" pitchFamily="18" charset="0"/>
+                <a:hlinkClick r:id="rId4"/>
+              </a:rPr>
+              <a:t>Stability AI</a:t>
+            </a:r>
+            <a:r>
+              <a:rPr lang="en-US" altLang="zh-CN" dirty="0">
+                <a:solidFill>
+                  <a:srgbClr val="666666"/>
+                </a:solidFill>
+                <a:latin typeface="Times New Roman" panose="02020603050405020304" pitchFamily="18" charset="0"/>
+                <a:cs typeface="Times New Roman" panose="02020603050405020304" pitchFamily="18" charset="0"/>
+              </a:rPr>
+              <a:t> </a:t>
+            </a:r>
+            <a:endParaRPr lang="zh-CN" altLang="en-US" dirty="0">
+              <a:latin typeface="Times New Roman" panose="02020603050405020304" pitchFamily="18" charset="0"/>
+              <a:cs typeface="Times New Roman" panose="02020603050405020304" pitchFamily="18" charset="0"/>
+            </a:endParaRPr>
+          </a:p>
+        </p:txBody>
+      </p:sp>
+      <p:sp>
+        <p:nvSpPr>
+          <p:cNvPr id="13" name="Rectangle 1"/>
+          <p:cNvSpPr>
+            <a:spLocks noChangeArrowheads="1"/>
+          </p:cNvSpPr>
+          <p:nvPr/>
+        </p:nvSpPr>
+        <p:spPr bwMode="auto">
+          <a:xfrm>
+            <a:off x="369937" y="1365012"/>
+            <a:ext cx="10968623" cy="5170646"/>
+          </a:xfrm>
+          <a:prstGeom prst="rect">
+            <a:avLst/>
+          </a:prstGeom>
+          <a:noFill/>
+          <a:ln>
+            <a:noFill/>
+          </a:ln>
+          <a:effectLst/>
+        </p:spPr>
+        <p:txBody>
+          <a:bodyPr vert="horz" wrap="square" lIns="0" tIns="0" rIns="0" bIns="0" numCol="1" anchor="ctr" anchorCtr="0" compatLnSpc="1">
+            <a:prstTxWarp prst="textNoShape">
+              <a:avLst/>
+            </a:prstTxWarp>
+            <a:spAutoFit/>
+          </a:bodyPr>
+          <a:lstStyle>
+            <a:lvl1pPr eaLnBrk="0" fontAlgn="base" hangingPunct="0">
+              <a:spcBef>
+                <a:spcPct val="0"/>
+              </a:spcBef>
+              <a:spcAft>
+                <a:spcPct val="0"/>
+              </a:spcAft>
+              <a:defRPr>
+                <a:solidFill>
+                  <a:schemeClr val="tx1"/>
+                </a:solidFill>
+                <a:latin typeface="Arial" panose="020B0604020202020204" pitchFamily="34" charset="0"/>
+              </a:defRPr>
+            </a:lvl1pPr>
+            <a:lvl2pPr eaLnBrk="0" fontAlgn="base" hangingPunct="0">
+              <a:spcBef>
+                <a:spcPct val="0"/>
+              </a:spcBef>
+              <a:spcAft>
+                <a:spcPct val="0"/>
+              </a:spcAft>
+              <a:defRPr>
+                <a:solidFill>
+                  <a:schemeClr val="tx1"/>
+                </a:solidFill>
+                <a:latin typeface="Arial" panose="020B0604020202020204" pitchFamily="34" charset="0"/>
+              </a:defRPr>
+            </a:lvl2pPr>
+            <a:lvl3pPr eaLnBrk="0" fontAlgn="base" hangingPunct="0">
+              <a:spcBef>
+                <a:spcPct val="0"/>
+              </a:spcBef>
+              <a:spcAft>
+                <a:spcPct val="0"/>
+              </a:spcAft>
+              <a:defRPr>
+                <a:solidFill>
+                  <a:schemeClr val="tx1"/>
+                </a:solidFill>
+                <a:latin typeface="Arial" panose="020B0604020202020204" pitchFamily="34" charset="0"/>
+              </a:defRPr>
+            </a:lvl3pPr>
+            <a:lvl4pPr eaLnBrk="0" fontAlgn="base" hangingPunct="0">
+              <a:spcBef>
+                <a:spcPct val="0"/>
+              </a:spcBef>
+              <a:spcAft>
+                <a:spcPct val="0"/>
+              </a:spcAft>
+              <a:defRPr>
+                <a:solidFill>
+                  <a:schemeClr val="tx1"/>
+                </a:solidFill>
+                <a:latin typeface="Arial" panose="020B0604020202020204" pitchFamily="34" charset="0"/>
+              </a:defRPr>
+            </a:lvl4pPr>
+            <a:lvl5pPr eaLnBrk="0" fontAlgn="base" hangingPunct="0">
+              <a:spcBef>
+                <a:spcPct val="0"/>
+              </a:spcBef>
+              <a:spcAft>
+                <a:spcPct val="0"/>
+              </a:spcAft>
+              <a:defRPr>
+                <a:solidFill>
+                  <a:schemeClr val="tx1"/>
+                </a:solidFill>
+                <a:latin typeface="Arial" panose="020B0604020202020204" pitchFamily="34" charset="0"/>
+              </a:defRPr>
+            </a:lvl5pPr>
+            <a:lvl6pPr eaLnBrk="0" fontAlgn="base" hangingPunct="0">
+              <a:spcBef>
+                <a:spcPct val="0"/>
+              </a:spcBef>
+              <a:spcAft>
+                <a:spcPct val="0"/>
+              </a:spcAft>
+              <a:defRPr>
+                <a:solidFill>
+                  <a:schemeClr val="tx1"/>
+                </a:solidFill>
+                <a:latin typeface="Arial" panose="020B0604020202020204" pitchFamily="34" charset="0"/>
+              </a:defRPr>
+            </a:lvl6pPr>
+            <a:lvl7pPr eaLnBrk="0" fontAlgn="base" hangingPunct="0">
+              <a:spcBef>
+                <a:spcPct val="0"/>
+              </a:spcBef>
+              <a:spcAft>
+                <a:spcPct val="0"/>
+              </a:spcAft>
+              <a:defRPr>
+                <a:solidFill>
+                  <a:schemeClr val="tx1"/>
+                </a:solidFill>
+                <a:latin typeface="Arial" panose="020B0604020202020204" pitchFamily="34" charset="0"/>
+              </a:defRPr>
+            </a:lvl7pPr>
+            <a:lvl8pPr eaLnBrk="0" fontAlgn="base" hangingPunct="0">
+              <a:spcBef>
+                <a:spcPct val="0"/>
+              </a:spcBef>
+              <a:spcAft>
+                <a:spcPct val="0"/>
+              </a:spcAft>
+              <a:defRPr>
+                <a:solidFill>
+                  <a:schemeClr val="tx1"/>
+                </a:solidFill>
+                <a:latin typeface="Arial" panose="020B0604020202020204" pitchFamily="34" charset="0"/>
+              </a:defRPr>
+            </a:lvl8pPr>
+            <a:lvl9pPr eaLnBrk="0" fontAlgn="base" hangingPunct="0">
+              <a:spcBef>
+                <a:spcPct val="0"/>
+              </a:spcBef>
+              <a:spcAft>
+                <a:spcPct val="0"/>
+              </a:spcAft>
+              <a:defRPr>
+                <a:solidFill>
+                  <a:schemeClr val="tx1"/>
+                </a:solidFill>
+                <a:latin typeface="Arial" panose="020B0604020202020204" pitchFamily="34" charset="0"/>
+              </a:defRPr>
+            </a:lvl9pPr>
+          </a:lstStyle>
+          <a:p>
+            <a:pPr marL="0" marR="0" lvl="0" indent="0" algn="l" defTabSz="914400" rtl="0" eaLnBrk="0" fontAlgn="base" latinLnBrk="0" hangingPunct="0">
+              <a:lnSpc>
+                <a:spcPct val="100000"/>
+              </a:lnSpc>
+              <a:spcBef>
+                <a:spcPct val="0"/>
+              </a:spcBef>
+              <a:spcAft>
+                <a:spcPct val="0"/>
+              </a:spcAft>
+              <a:buClrTx/>
+              <a:buSzTx/>
+              <a:buFontTx/>
+              <a:buNone/>
+              <a:tabLst/>
+            </a:pPr>
+            <a:r>
+              <a:rPr kumimoji="0" lang="zh-CN" altLang="zh-CN" sz="1600" b="1" i="0" u="none" strike="noStrike" cap="none" normalizeH="0" baseline="0" dirty="0" smtClean="0">
+                <a:ln>
+                  <a:noFill/>
+                </a:ln>
+                <a:solidFill>
+                  <a:srgbClr val="1F2328"/>
+                </a:solidFill>
+                <a:effectLst/>
+                <a:latin typeface="Times New Roman" panose="02020603050405020304" pitchFamily="18" charset="0"/>
+                <a:ea typeface="-apple-system"/>
+                <a:cs typeface="Times New Roman" panose="02020603050405020304" pitchFamily="18" charset="0"/>
+              </a:rPr>
+              <a:t>March 24, 2023</a:t>
+            </a:r>
+            <a:r>
+              <a:rPr lang="en-US" altLang="zh-CN" sz="1000" dirty="0">
+                <a:latin typeface="Times New Roman" panose="02020603050405020304" pitchFamily="18" charset="0"/>
+                <a:cs typeface="Times New Roman" panose="02020603050405020304" pitchFamily="18" charset="0"/>
+              </a:rPr>
+              <a:t> </a:t>
+            </a:r>
+            <a:r>
+              <a:rPr lang="en-US" altLang="zh-CN" sz="1600" dirty="0" smtClean="0">
+                <a:latin typeface="Times New Roman" panose="02020603050405020304" pitchFamily="18" charset="0"/>
+                <a:cs typeface="Times New Roman" panose="02020603050405020304" pitchFamily="18" charset="0"/>
+              </a:rPr>
+              <a:t>- </a:t>
+            </a:r>
+            <a:r>
+              <a:rPr kumimoji="0" lang="zh-CN" altLang="zh-CN" sz="1600" b="0" i="1" u="none" strike="noStrike" cap="none" normalizeH="0" baseline="0" dirty="0" smtClean="0">
+                <a:ln>
+                  <a:noFill/>
+                </a:ln>
+                <a:solidFill>
+                  <a:srgbClr val="1F2328"/>
+                </a:solidFill>
+                <a:effectLst/>
+                <a:latin typeface="Times New Roman" panose="02020603050405020304" pitchFamily="18" charset="0"/>
+                <a:ea typeface="-apple-system"/>
+                <a:cs typeface="Times New Roman" panose="02020603050405020304" pitchFamily="18" charset="0"/>
+              </a:rPr>
+              <a:t>Stable UnCLIP 2.1</a:t>
+            </a:r>
+            <a:endParaRPr kumimoji="0" lang="zh-CN" altLang="zh-CN" sz="1000" b="0" i="0" u="none" strike="noStrike" cap="none" normalizeH="0" baseline="0" dirty="0" smtClean="0">
+              <a:ln>
+                <a:noFill/>
+              </a:ln>
+              <a:solidFill>
+                <a:schemeClr val="tx1"/>
+              </a:solidFill>
+              <a:effectLst/>
+              <a:latin typeface="Times New Roman" panose="02020603050405020304" pitchFamily="18" charset="0"/>
+              <a:cs typeface="Times New Roman" panose="02020603050405020304" pitchFamily="18" charset="0"/>
+            </a:endParaRPr>
+          </a:p>
+          <a:p>
+            <a:pPr marL="0" marR="0" lvl="0" indent="0" algn="l" defTabSz="914400" rtl="0" eaLnBrk="0" fontAlgn="base" latinLnBrk="0" hangingPunct="0">
+              <a:lnSpc>
+                <a:spcPct val="100000"/>
+              </a:lnSpc>
+              <a:spcBef>
+                <a:spcPct val="0"/>
+              </a:spcBef>
+              <a:spcAft>
+                <a:spcPct val="0"/>
+              </a:spcAft>
+              <a:buClrTx/>
+              <a:buSzTx/>
+              <a:buFontTx/>
+              <a:buChar char="•"/>
+              <a:tabLst/>
+            </a:pPr>
+            <a:r>
+              <a:rPr kumimoji="0" lang="zh-CN" altLang="zh-CN" sz="1600" b="0" i="0" u="none" strike="noStrike" cap="none" normalizeH="0" baseline="0" dirty="0" smtClean="0">
+                <a:ln>
+                  <a:noFill/>
+                </a:ln>
+                <a:solidFill>
+                  <a:srgbClr val="1F2328"/>
+                </a:solidFill>
+                <a:effectLst/>
+                <a:latin typeface="Times New Roman" panose="02020603050405020304" pitchFamily="18" charset="0"/>
+                <a:ea typeface="-apple-system"/>
+                <a:cs typeface="Times New Roman" panose="02020603050405020304" pitchFamily="18" charset="0"/>
+              </a:rPr>
+              <a:t>New stable diffusion finetune (</a:t>
+            </a:r>
+            <a:r>
+              <a:rPr kumimoji="0" lang="zh-CN" altLang="zh-CN" sz="1600" b="0" i="1" u="none" strike="noStrike" cap="none" normalizeH="0" baseline="0" dirty="0" smtClean="0">
+                <a:ln>
+                  <a:noFill/>
+                </a:ln>
+                <a:solidFill>
+                  <a:srgbClr val="1F2328"/>
+                </a:solidFill>
+                <a:effectLst/>
+                <a:latin typeface="Times New Roman" panose="02020603050405020304" pitchFamily="18" charset="0"/>
+                <a:ea typeface="-apple-system"/>
+                <a:cs typeface="Times New Roman" panose="02020603050405020304" pitchFamily="18" charset="0"/>
+              </a:rPr>
+              <a:t>Stable unCLIP 2.1</a:t>
+            </a:r>
+            <a:r>
+              <a:rPr kumimoji="0" lang="zh-CN" altLang="zh-CN" sz="1600" b="0" i="0" u="none" strike="noStrike" cap="none" normalizeH="0" baseline="0" dirty="0" smtClean="0">
+                <a:ln>
+                  <a:noFill/>
+                </a:ln>
+                <a:solidFill>
+                  <a:srgbClr val="1F2328"/>
+                </a:solidFill>
+                <a:effectLst/>
+                <a:latin typeface="Times New Roman" panose="02020603050405020304" pitchFamily="18" charset="0"/>
+                <a:ea typeface="-apple-system"/>
+                <a:cs typeface="Times New Roman" panose="02020603050405020304" pitchFamily="18" charset="0"/>
+              </a:rPr>
+              <a:t>, </a:t>
+            </a:r>
+            <a:r>
+              <a:rPr kumimoji="0" lang="zh-CN" altLang="zh-CN" sz="1600" b="0" i="0" u="sng" strike="noStrike" cap="none" normalizeH="0" baseline="0" dirty="0" smtClean="0">
+                <a:ln>
+                  <a:noFill/>
+                </a:ln>
+                <a:solidFill>
+                  <a:srgbClr val="1F2328"/>
+                </a:solidFill>
+                <a:effectLst/>
+                <a:latin typeface="Times New Roman" panose="02020603050405020304" pitchFamily="18" charset="0"/>
+                <a:ea typeface="-apple-system"/>
+                <a:cs typeface="Times New Roman" panose="02020603050405020304" pitchFamily="18" charset="0"/>
+                <a:hlinkClick r:id="rId5"/>
+              </a:rPr>
+              <a:t>Hugging Face</a:t>
+            </a:r>
+            <a:r>
+              <a:rPr kumimoji="0" lang="zh-CN" altLang="zh-CN" sz="1600" b="0" i="0" u="none" strike="noStrike" cap="none" normalizeH="0" baseline="0" dirty="0" smtClean="0">
+                <a:ln>
+                  <a:noFill/>
+                </a:ln>
+                <a:solidFill>
+                  <a:srgbClr val="1F2328"/>
+                </a:solidFill>
+                <a:effectLst/>
+                <a:latin typeface="Times New Roman" panose="02020603050405020304" pitchFamily="18" charset="0"/>
+                <a:ea typeface="-apple-system"/>
+                <a:cs typeface="Times New Roman" panose="02020603050405020304" pitchFamily="18" charset="0"/>
+              </a:rPr>
+              <a:t>) at 768x768 resolution, based on SD2.1-768. This model allows for image variations and mixing operations as described in </a:t>
+            </a:r>
+            <a:r>
+              <a:rPr kumimoji="0" lang="zh-CN" altLang="zh-CN" sz="1600" b="0" i="1" u="sng" strike="noStrike" cap="none" normalizeH="0" baseline="0" dirty="0" smtClean="0">
+                <a:ln>
+                  <a:noFill/>
+                </a:ln>
+                <a:solidFill>
+                  <a:srgbClr val="1F2328"/>
+                </a:solidFill>
+                <a:effectLst/>
+                <a:latin typeface="Times New Roman" panose="02020603050405020304" pitchFamily="18" charset="0"/>
+                <a:ea typeface="-apple-system"/>
+                <a:cs typeface="Times New Roman" panose="02020603050405020304" pitchFamily="18" charset="0"/>
+                <a:hlinkClick r:id="rId6"/>
+              </a:rPr>
+              <a:t>Hierarchical Text-Conditional Image Generation with CLIP Latents</a:t>
+            </a:r>
+            <a:r>
+              <a:rPr kumimoji="0" lang="zh-CN" altLang="zh-CN" sz="1600" b="0" i="0" u="none" strike="noStrike" cap="none" normalizeH="0" baseline="0" dirty="0" smtClean="0">
+                <a:ln>
+                  <a:noFill/>
+                </a:ln>
+                <a:solidFill>
+                  <a:srgbClr val="1F2328"/>
+                </a:solidFill>
+                <a:effectLst/>
+                <a:latin typeface="Times New Roman" panose="02020603050405020304" pitchFamily="18" charset="0"/>
+                <a:ea typeface="-apple-system"/>
+                <a:cs typeface="Times New Roman" panose="02020603050405020304" pitchFamily="18" charset="0"/>
+              </a:rPr>
+              <a:t>, and, thanks to its modularity, can be combined with other models such as </a:t>
+            </a:r>
+            <a:r>
+              <a:rPr kumimoji="0" lang="zh-CN" altLang="zh-CN" sz="1600" b="0" i="0" u="sng" strike="noStrike" cap="none" normalizeH="0" baseline="0" dirty="0" smtClean="0">
+                <a:ln>
+                  <a:noFill/>
+                </a:ln>
+                <a:solidFill>
+                  <a:srgbClr val="1F2328"/>
+                </a:solidFill>
+                <a:effectLst/>
+                <a:latin typeface="Times New Roman" panose="02020603050405020304" pitchFamily="18" charset="0"/>
+                <a:ea typeface="-apple-system"/>
+                <a:cs typeface="Times New Roman" panose="02020603050405020304" pitchFamily="18" charset="0"/>
+                <a:hlinkClick r:id="rId7"/>
+              </a:rPr>
+              <a:t>KARLO</a:t>
+            </a:r>
+            <a:r>
+              <a:rPr kumimoji="0" lang="zh-CN" altLang="zh-CN" sz="1600" b="0" i="0" u="none" strike="noStrike" cap="none" normalizeH="0" baseline="0" dirty="0" smtClean="0">
+                <a:ln>
+                  <a:noFill/>
+                </a:ln>
+                <a:solidFill>
+                  <a:srgbClr val="1F2328"/>
+                </a:solidFill>
+                <a:effectLst/>
+                <a:latin typeface="Times New Roman" panose="02020603050405020304" pitchFamily="18" charset="0"/>
+                <a:ea typeface="-apple-system"/>
+                <a:cs typeface="Times New Roman" panose="02020603050405020304" pitchFamily="18" charset="0"/>
+              </a:rPr>
+              <a:t>. Comes in two variants: </a:t>
+            </a:r>
+            <a:r>
+              <a:rPr kumimoji="0" lang="zh-CN" altLang="zh-CN" sz="1600" b="0" i="1" u="sng" strike="noStrike" cap="none" normalizeH="0" baseline="0" dirty="0" smtClean="0">
+                <a:ln>
+                  <a:noFill/>
+                </a:ln>
+                <a:solidFill>
+                  <a:srgbClr val="1F2328"/>
+                </a:solidFill>
+                <a:effectLst/>
+                <a:latin typeface="Times New Roman" panose="02020603050405020304" pitchFamily="18" charset="0"/>
+                <a:ea typeface="-apple-system"/>
+                <a:cs typeface="Times New Roman" panose="02020603050405020304" pitchFamily="18" charset="0"/>
+                <a:hlinkClick r:id="rId8"/>
+              </a:rPr>
+              <a:t>Stable unCLIP-L</a:t>
+            </a:r>
+            <a:r>
+              <a:rPr kumimoji="0" lang="zh-CN" altLang="zh-CN" sz="1600" b="0" i="0" u="none" strike="noStrike" cap="none" normalizeH="0" baseline="0" dirty="0" smtClean="0">
+                <a:ln>
+                  <a:noFill/>
+                </a:ln>
+                <a:solidFill>
+                  <a:srgbClr val="1F2328"/>
+                </a:solidFill>
+                <a:effectLst/>
+                <a:latin typeface="Times New Roman" panose="02020603050405020304" pitchFamily="18" charset="0"/>
+                <a:ea typeface="-apple-system"/>
+                <a:cs typeface="Times New Roman" panose="02020603050405020304" pitchFamily="18" charset="0"/>
+              </a:rPr>
+              <a:t> and </a:t>
+            </a:r>
+            <a:r>
+              <a:rPr kumimoji="0" lang="zh-CN" altLang="zh-CN" sz="1600" b="0" i="1" u="sng" strike="noStrike" cap="none" normalizeH="0" baseline="0" dirty="0" smtClean="0">
+                <a:ln>
+                  <a:noFill/>
+                </a:ln>
+                <a:solidFill>
+                  <a:srgbClr val="1F2328"/>
+                </a:solidFill>
+                <a:effectLst/>
+                <a:latin typeface="Times New Roman" panose="02020603050405020304" pitchFamily="18" charset="0"/>
+                <a:ea typeface="-apple-system"/>
+                <a:cs typeface="Times New Roman" panose="02020603050405020304" pitchFamily="18" charset="0"/>
+                <a:hlinkClick r:id="rId9"/>
+              </a:rPr>
+              <a:t>Stable unCLIP-H</a:t>
+            </a:r>
+            <a:r>
+              <a:rPr kumimoji="0" lang="zh-CN" altLang="zh-CN" sz="1600" b="0" i="0" u="none" strike="noStrike" cap="none" normalizeH="0" baseline="0" dirty="0" smtClean="0">
+                <a:ln>
+                  <a:noFill/>
+                </a:ln>
+                <a:solidFill>
+                  <a:srgbClr val="1F2328"/>
+                </a:solidFill>
+                <a:effectLst/>
+                <a:latin typeface="Times New Roman" panose="02020603050405020304" pitchFamily="18" charset="0"/>
+                <a:ea typeface="-apple-system"/>
+                <a:cs typeface="Times New Roman" panose="02020603050405020304" pitchFamily="18" charset="0"/>
+              </a:rPr>
+              <a:t>, which are conditioned on CLIP ViT-L and ViT-H image embeddings, respectively. Instructions are available </a:t>
+            </a:r>
+            <a:r>
+              <a:rPr kumimoji="0" lang="zh-CN" altLang="zh-CN" sz="1600" b="0" i="0" u="sng" strike="noStrike" cap="none" normalizeH="0" baseline="0" dirty="0" smtClean="0">
+                <a:ln>
+                  <a:noFill/>
+                </a:ln>
+                <a:solidFill>
+                  <a:srgbClr val="1F2328"/>
+                </a:solidFill>
+                <a:effectLst/>
+                <a:latin typeface="Times New Roman" panose="02020603050405020304" pitchFamily="18" charset="0"/>
+                <a:ea typeface="-apple-system"/>
+                <a:cs typeface="Times New Roman" panose="02020603050405020304" pitchFamily="18" charset="0"/>
+                <a:hlinkClick r:id="rId10"/>
+              </a:rPr>
+              <a:t>here</a:t>
+            </a:r>
+            <a:r>
+              <a:rPr kumimoji="0" lang="zh-CN" altLang="zh-CN" sz="1600" b="0" i="0" u="none" strike="noStrike" cap="none" normalizeH="0" baseline="0" dirty="0" smtClean="0">
+                <a:ln>
+                  <a:noFill/>
+                </a:ln>
+                <a:solidFill>
+                  <a:srgbClr val="1F2328"/>
+                </a:solidFill>
+                <a:effectLst/>
+                <a:latin typeface="Times New Roman" panose="02020603050405020304" pitchFamily="18" charset="0"/>
+                <a:ea typeface="-apple-system"/>
+                <a:cs typeface="Times New Roman" panose="02020603050405020304" pitchFamily="18" charset="0"/>
+              </a:rPr>
+              <a:t>.</a:t>
+            </a:r>
+          </a:p>
+          <a:p>
+            <a:pPr marL="0" marR="0" lvl="0" indent="0" algn="l" defTabSz="914400" rtl="0" eaLnBrk="0" fontAlgn="base" latinLnBrk="0" hangingPunct="0">
+              <a:lnSpc>
+                <a:spcPct val="100000"/>
+              </a:lnSpc>
+              <a:spcBef>
+                <a:spcPct val="0"/>
+              </a:spcBef>
+              <a:spcAft>
+                <a:spcPct val="0"/>
+              </a:spcAft>
+              <a:buClrTx/>
+              <a:buSzTx/>
+              <a:buFontTx/>
+              <a:buChar char="•"/>
+              <a:tabLst/>
+            </a:pPr>
+            <a:r>
+              <a:rPr kumimoji="0" lang="zh-CN" altLang="zh-CN" sz="1600" b="0" i="0" u="none" strike="noStrike" cap="none" normalizeH="0" baseline="0" dirty="0" smtClean="0">
+                <a:ln>
+                  <a:noFill/>
+                </a:ln>
+                <a:solidFill>
+                  <a:srgbClr val="1F2328"/>
+                </a:solidFill>
+                <a:effectLst/>
+                <a:latin typeface="Times New Roman" panose="02020603050405020304" pitchFamily="18" charset="0"/>
+                <a:ea typeface="-apple-system"/>
+                <a:cs typeface="Times New Roman" panose="02020603050405020304" pitchFamily="18" charset="0"/>
+              </a:rPr>
+              <a:t>A public demo of SD-unCLIP is already available at </a:t>
+            </a:r>
+            <a:r>
+              <a:rPr kumimoji="0" lang="zh-CN" altLang="zh-CN" sz="1600" b="0" i="0" u="sng" strike="noStrike" cap="none" normalizeH="0" baseline="0" dirty="0" smtClean="0">
+                <a:ln>
+                  <a:noFill/>
+                </a:ln>
+                <a:solidFill>
+                  <a:srgbClr val="1F2328"/>
+                </a:solidFill>
+                <a:effectLst/>
+                <a:latin typeface="Times New Roman" panose="02020603050405020304" pitchFamily="18" charset="0"/>
+                <a:ea typeface="-apple-system"/>
+                <a:cs typeface="Times New Roman" panose="02020603050405020304" pitchFamily="18" charset="0"/>
+                <a:hlinkClick r:id="rId11"/>
+              </a:rPr>
+              <a:t>clipdrop.co/stable-diffusion-reimagine</a:t>
+            </a:r>
+            <a:endParaRPr kumimoji="0" lang="zh-CN" altLang="zh-CN" sz="1600" b="0" i="0" u="none" strike="noStrike" cap="none" normalizeH="0" baseline="0" dirty="0" smtClean="0">
+              <a:ln>
+                <a:noFill/>
+              </a:ln>
+              <a:solidFill>
+                <a:srgbClr val="1F2328"/>
+              </a:solidFill>
+              <a:effectLst/>
+              <a:latin typeface="Times New Roman" panose="02020603050405020304" pitchFamily="18" charset="0"/>
+              <a:ea typeface="-apple-system"/>
+              <a:cs typeface="Times New Roman" panose="02020603050405020304" pitchFamily="18" charset="0"/>
+            </a:endParaRPr>
+          </a:p>
+          <a:p>
+            <a:pPr marL="0" marR="0" lvl="0" indent="0" algn="l" defTabSz="914400" rtl="0" eaLnBrk="0" fontAlgn="base" latinLnBrk="0" hangingPunct="0">
+              <a:lnSpc>
+                <a:spcPct val="100000"/>
+              </a:lnSpc>
+              <a:spcBef>
+                <a:spcPct val="0"/>
+              </a:spcBef>
+              <a:spcAft>
+                <a:spcPct val="0"/>
+              </a:spcAft>
+              <a:buClrTx/>
+              <a:buSzTx/>
+              <a:buFontTx/>
+              <a:buNone/>
+              <a:tabLst/>
+            </a:pPr>
+            <a:r>
+              <a:rPr kumimoji="0" lang="zh-CN" altLang="zh-CN" sz="1600" b="1" i="0" u="none" strike="noStrike" cap="none" normalizeH="0" baseline="0" dirty="0" smtClean="0">
+                <a:ln>
+                  <a:noFill/>
+                </a:ln>
+                <a:solidFill>
+                  <a:srgbClr val="1F2328"/>
+                </a:solidFill>
+                <a:effectLst/>
+                <a:latin typeface="Times New Roman" panose="02020603050405020304" pitchFamily="18" charset="0"/>
+                <a:ea typeface="-apple-system"/>
+                <a:cs typeface="Times New Roman" panose="02020603050405020304" pitchFamily="18" charset="0"/>
+              </a:rPr>
+              <a:t>December 7, 2022</a:t>
+            </a:r>
+            <a:r>
+              <a:rPr kumimoji="0" lang="en-US" altLang="zh-CN" sz="1600" b="1" i="0" u="none" strike="noStrike" cap="none" normalizeH="0" baseline="0" dirty="0" smtClean="0">
+                <a:ln>
+                  <a:noFill/>
+                </a:ln>
+                <a:solidFill>
+                  <a:srgbClr val="1F2328"/>
+                </a:solidFill>
+                <a:effectLst/>
+                <a:latin typeface="Times New Roman" panose="02020603050405020304" pitchFamily="18" charset="0"/>
+                <a:ea typeface="-apple-system"/>
+                <a:cs typeface="Times New Roman" panose="02020603050405020304" pitchFamily="18" charset="0"/>
+              </a:rPr>
+              <a:t> - </a:t>
+            </a:r>
+            <a:r>
+              <a:rPr kumimoji="0" lang="zh-CN" altLang="zh-CN" sz="1600" b="0" i="1" u="none" strike="noStrike" cap="none" normalizeH="0" baseline="0" dirty="0" smtClean="0">
+                <a:ln>
+                  <a:noFill/>
+                </a:ln>
+                <a:solidFill>
+                  <a:srgbClr val="1F2328"/>
+                </a:solidFill>
+                <a:effectLst/>
+                <a:latin typeface="Times New Roman" panose="02020603050405020304" pitchFamily="18" charset="0"/>
+                <a:ea typeface="-apple-system"/>
+                <a:cs typeface="Times New Roman" panose="02020603050405020304" pitchFamily="18" charset="0"/>
+              </a:rPr>
+              <a:t>Version 2.1</a:t>
+            </a:r>
+            <a:endParaRPr kumimoji="0" lang="zh-CN" altLang="zh-CN" sz="1000" b="0" i="0" u="none" strike="noStrike" cap="none" normalizeH="0" baseline="0" dirty="0" smtClean="0">
+              <a:ln>
+                <a:noFill/>
+              </a:ln>
+              <a:solidFill>
+                <a:schemeClr val="tx1"/>
+              </a:solidFill>
+              <a:effectLst/>
+              <a:latin typeface="Times New Roman" panose="02020603050405020304" pitchFamily="18" charset="0"/>
+              <a:cs typeface="Times New Roman" panose="02020603050405020304" pitchFamily="18" charset="0"/>
+            </a:endParaRPr>
+          </a:p>
+          <a:p>
+            <a:pPr marL="0" marR="0" lvl="0" indent="0" algn="l" defTabSz="914400" rtl="0" eaLnBrk="0" fontAlgn="base" latinLnBrk="0" hangingPunct="0">
+              <a:lnSpc>
+                <a:spcPct val="100000"/>
+              </a:lnSpc>
+              <a:spcBef>
+                <a:spcPct val="0"/>
+              </a:spcBef>
+              <a:spcAft>
+                <a:spcPct val="0"/>
+              </a:spcAft>
+              <a:buClrTx/>
+              <a:buSzTx/>
+              <a:buFontTx/>
+              <a:buChar char="•"/>
+              <a:tabLst/>
+            </a:pPr>
+            <a:r>
+              <a:rPr kumimoji="0" lang="zh-CN" altLang="zh-CN" sz="1600" b="0" i="0" u="none" strike="noStrike" cap="none" normalizeH="0" baseline="0" dirty="0" smtClean="0">
+                <a:ln>
+                  <a:noFill/>
+                </a:ln>
+                <a:solidFill>
+                  <a:srgbClr val="1F2328"/>
+                </a:solidFill>
+                <a:effectLst/>
+                <a:latin typeface="Times New Roman" panose="02020603050405020304" pitchFamily="18" charset="0"/>
+                <a:ea typeface="-apple-system"/>
+                <a:cs typeface="Times New Roman" panose="02020603050405020304" pitchFamily="18" charset="0"/>
+              </a:rPr>
+              <a:t>New stable diffusion model (</a:t>
+            </a:r>
+            <a:r>
+              <a:rPr kumimoji="0" lang="zh-CN" altLang="zh-CN" sz="1600" b="0" i="1" u="none" strike="noStrike" cap="none" normalizeH="0" baseline="0" dirty="0" smtClean="0">
+                <a:ln>
+                  <a:noFill/>
+                </a:ln>
+                <a:solidFill>
+                  <a:srgbClr val="1F2328"/>
+                </a:solidFill>
+                <a:effectLst/>
+                <a:latin typeface="Times New Roman" panose="02020603050405020304" pitchFamily="18" charset="0"/>
+                <a:ea typeface="-apple-system"/>
+                <a:cs typeface="Times New Roman" panose="02020603050405020304" pitchFamily="18" charset="0"/>
+              </a:rPr>
+              <a:t>Stable Diffusion 2.1-v</a:t>
+            </a:r>
+            <a:r>
+              <a:rPr kumimoji="0" lang="zh-CN" altLang="zh-CN" sz="1600" b="0" i="0" u="none" strike="noStrike" cap="none" normalizeH="0" baseline="0" dirty="0" smtClean="0">
+                <a:ln>
+                  <a:noFill/>
+                </a:ln>
+                <a:solidFill>
+                  <a:srgbClr val="1F2328"/>
+                </a:solidFill>
+                <a:effectLst/>
+                <a:latin typeface="Times New Roman" panose="02020603050405020304" pitchFamily="18" charset="0"/>
+                <a:ea typeface="-apple-system"/>
+                <a:cs typeface="Times New Roman" panose="02020603050405020304" pitchFamily="18" charset="0"/>
+              </a:rPr>
+              <a:t>, </a:t>
+            </a:r>
+            <a:r>
+              <a:rPr kumimoji="0" lang="zh-CN" altLang="zh-CN" sz="1600" b="0" i="0" u="sng" strike="noStrike" cap="none" normalizeH="0" baseline="0" dirty="0" smtClean="0">
+                <a:ln>
+                  <a:noFill/>
+                </a:ln>
+                <a:solidFill>
+                  <a:srgbClr val="1F2328"/>
+                </a:solidFill>
+                <a:effectLst/>
+                <a:latin typeface="Times New Roman" panose="02020603050405020304" pitchFamily="18" charset="0"/>
+                <a:ea typeface="-apple-system"/>
+                <a:cs typeface="Times New Roman" panose="02020603050405020304" pitchFamily="18" charset="0"/>
+                <a:hlinkClick r:id="rId12"/>
+              </a:rPr>
+              <a:t>Hugging Face</a:t>
+            </a:r>
+            <a:r>
+              <a:rPr kumimoji="0" lang="zh-CN" altLang="zh-CN" sz="1600" b="0" i="0" u="none" strike="noStrike" cap="none" normalizeH="0" baseline="0" dirty="0" smtClean="0">
+                <a:ln>
+                  <a:noFill/>
+                </a:ln>
+                <a:solidFill>
+                  <a:srgbClr val="1F2328"/>
+                </a:solidFill>
+                <a:effectLst/>
+                <a:latin typeface="Times New Roman" panose="02020603050405020304" pitchFamily="18" charset="0"/>
+                <a:ea typeface="-apple-system"/>
+                <a:cs typeface="Times New Roman" panose="02020603050405020304" pitchFamily="18" charset="0"/>
+              </a:rPr>
+              <a:t>) at 768x768 resolution and (</a:t>
+            </a:r>
+            <a:r>
+              <a:rPr kumimoji="0" lang="zh-CN" altLang="zh-CN" sz="1600" b="0" i="1" u="none" strike="noStrike" cap="none" normalizeH="0" baseline="0" dirty="0" smtClean="0">
+                <a:ln>
+                  <a:noFill/>
+                </a:ln>
+                <a:solidFill>
+                  <a:srgbClr val="1F2328"/>
+                </a:solidFill>
+                <a:effectLst/>
+                <a:latin typeface="Times New Roman" panose="02020603050405020304" pitchFamily="18" charset="0"/>
+                <a:ea typeface="-apple-system"/>
+                <a:cs typeface="Times New Roman" panose="02020603050405020304" pitchFamily="18" charset="0"/>
+              </a:rPr>
+              <a:t>Stable Diffusion 2.1-base</a:t>
+            </a:r>
+            <a:r>
+              <a:rPr kumimoji="0" lang="zh-CN" altLang="zh-CN" sz="1600" b="0" i="0" u="none" strike="noStrike" cap="none" normalizeH="0" baseline="0" dirty="0" smtClean="0">
+                <a:ln>
+                  <a:noFill/>
+                </a:ln>
+                <a:solidFill>
+                  <a:srgbClr val="1F2328"/>
+                </a:solidFill>
+                <a:effectLst/>
+                <a:latin typeface="Times New Roman" panose="02020603050405020304" pitchFamily="18" charset="0"/>
+                <a:ea typeface="-apple-system"/>
+                <a:cs typeface="Times New Roman" panose="02020603050405020304" pitchFamily="18" charset="0"/>
+              </a:rPr>
+              <a:t>, </a:t>
+            </a:r>
+            <a:r>
+              <a:rPr kumimoji="0" lang="zh-CN" altLang="zh-CN" sz="1600" b="0" i="0" u="sng" strike="noStrike" cap="none" normalizeH="0" baseline="0" dirty="0" smtClean="0">
+                <a:ln>
+                  <a:noFill/>
+                </a:ln>
+                <a:solidFill>
+                  <a:srgbClr val="1F2328"/>
+                </a:solidFill>
+                <a:effectLst/>
+                <a:latin typeface="Times New Roman" panose="02020603050405020304" pitchFamily="18" charset="0"/>
+                <a:ea typeface="-apple-system"/>
+                <a:cs typeface="Times New Roman" panose="02020603050405020304" pitchFamily="18" charset="0"/>
+                <a:hlinkClick r:id="rId13"/>
+              </a:rPr>
+              <a:t>HuggingFace</a:t>
+            </a:r>
+            <a:r>
+              <a:rPr kumimoji="0" lang="zh-CN" altLang="zh-CN" sz="1600" b="0" i="0" u="none" strike="noStrike" cap="none" normalizeH="0" baseline="0" dirty="0" smtClean="0">
+                <a:ln>
+                  <a:noFill/>
+                </a:ln>
+                <a:solidFill>
+                  <a:srgbClr val="1F2328"/>
+                </a:solidFill>
+                <a:effectLst/>
+                <a:latin typeface="Times New Roman" panose="02020603050405020304" pitchFamily="18" charset="0"/>
+                <a:ea typeface="-apple-system"/>
+                <a:cs typeface="Times New Roman" panose="02020603050405020304" pitchFamily="18" charset="0"/>
+              </a:rPr>
+              <a:t>) at 512x512 resolution, both based on the same number of parameters and architecture as 2.0 and fine-tuned on 2.0, on a less restrictive NSFW filtering of the </a:t>
+            </a:r>
+            <a:r>
+              <a:rPr kumimoji="0" lang="zh-CN" altLang="zh-CN" sz="1600" b="0" i="0" u="sng" strike="noStrike" cap="none" normalizeH="0" baseline="0" dirty="0" smtClean="0">
+                <a:ln>
+                  <a:noFill/>
+                </a:ln>
+                <a:solidFill>
+                  <a:srgbClr val="1F2328"/>
+                </a:solidFill>
+                <a:effectLst/>
+                <a:latin typeface="Times New Roman" panose="02020603050405020304" pitchFamily="18" charset="0"/>
+                <a:ea typeface="-apple-system"/>
+                <a:cs typeface="Times New Roman" panose="02020603050405020304" pitchFamily="18" charset="0"/>
+                <a:hlinkClick r:id="rId14"/>
+              </a:rPr>
+              <a:t>LAION-5B</a:t>
+            </a:r>
+            <a:r>
+              <a:rPr kumimoji="0" lang="zh-CN" altLang="zh-CN" sz="1600" b="0" i="0" u="none" strike="noStrike" cap="none" normalizeH="0" baseline="0" dirty="0" smtClean="0">
+                <a:ln>
+                  <a:noFill/>
+                </a:ln>
+                <a:solidFill>
+                  <a:srgbClr val="1F2328"/>
+                </a:solidFill>
+                <a:effectLst/>
+                <a:latin typeface="Times New Roman" panose="02020603050405020304" pitchFamily="18" charset="0"/>
+                <a:ea typeface="-apple-system"/>
+                <a:cs typeface="Times New Roman" panose="02020603050405020304" pitchFamily="18" charset="0"/>
+              </a:rPr>
+              <a:t> dataset. Per default, the attention operation of the model is evaluated at full precision when </a:t>
+            </a:r>
+            <a:r>
+              <a:rPr kumimoji="0" lang="zh-CN" altLang="zh-CN" sz="1050" b="0" i="0" u="none" strike="noStrike" cap="none" normalizeH="0" baseline="0" dirty="0" smtClean="0">
+                <a:ln>
+                  <a:noFill/>
+                </a:ln>
+                <a:solidFill>
+                  <a:srgbClr val="1F2328"/>
+                </a:solidFill>
+                <a:effectLst/>
+                <a:latin typeface="Times New Roman" panose="02020603050405020304" pitchFamily="18" charset="0"/>
+                <a:ea typeface="var(--fontStack-monospace, ui-monospace, SFMono-Regular, SF Mono, Menlo, Consolas, Liberation Mono, monospace)"/>
+                <a:cs typeface="Times New Roman" panose="02020603050405020304" pitchFamily="18" charset="0"/>
+              </a:rPr>
+              <a:t>xformers</a:t>
+            </a:r>
+            <a:r>
+              <a:rPr kumimoji="0" lang="zh-CN" altLang="zh-CN" sz="1600" b="0" i="0" u="none" strike="noStrike" cap="none" normalizeH="0" baseline="0" dirty="0" smtClean="0">
+                <a:ln>
+                  <a:noFill/>
+                </a:ln>
+                <a:solidFill>
+                  <a:srgbClr val="1F2328"/>
+                </a:solidFill>
+                <a:effectLst/>
+                <a:latin typeface="Times New Roman" panose="02020603050405020304" pitchFamily="18" charset="0"/>
+                <a:ea typeface="-apple-system"/>
+                <a:cs typeface="Times New Roman" panose="02020603050405020304" pitchFamily="18" charset="0"/>
+              </a:rPr>
+              <a:t> is not installed. To enable fp16 (which can cause numerical instabilities with the vanilla attention module on the v2.1 model) , run your script with </a:t>
+            </a:r>
+            <a:r>
+              <a:rPr kumimoji="0" lang="zh-CN" altLang="zh-CN" sz="1050" b="0" i="0" u="none" strike="noStrike" cap="none" normalizeH="0" baseline="0" dirty="0" smtClean="0">
+                <a:ln>
+                  <a:noFill/>
+                </a:ln>
+                <a:solidFill>
+                  <a:srgbClr val="1F2328"/>
+                </a:solidFill>
+                <a:effectLst/>
+                <a:latin typeface="Times New Roman" panose="02020603050405020304" pitchFamily="18" charset="0"/>
+                <a:ea typeface="var(--fontStack-monospace, ui-monospace, SFMono-Regular, SF Mono, Menlo, Consolas, Liberation Mono, monospace)"/>
+                <a:cs typeface="Times New Roman" panose="02020603050405020304" pitchFamily="18" charset="0"/>
+              </a:rPr>
+              <a:t>ATTN_PRECISION=fp16 python &lt;thescript.py&gt;</a:t>
+            </a:r>
+            <a:endParaRPr kumimoji="0" lang="zh-CN" altLang="zh-CN" sz="1600" b="0" i="0" u="none" strike="noStrike" cap="none" normalizeH="0" baseline="0" dirty="0" smtClean="0">
+              <a:ln>
+                <a:noFill/>
+              </a:ln>
+              <a:solidFill>
+                <a:srgbClr val="1F2328"/>
+              </a:solidFill>
+              <a:effectLst/>
+              <a:latin typeface="Times New Roman" panose="02020603050405020304" pitchFamily="18" charset="0"/>
+              <a:ea typeface="-apple-system"/>
+              <a:cs typeface="Times New Roman" panose="02020603050405020304" pitchFamily="18" charset="0"/>
+            </a:endParaRPr>
+          </a:p>
+          <a:p>
+            <a:pPr marL="0" marR="0" lvl="0" indent="0" algn="l" defTabSz="914400" rtl="0" eaLnBrk="0" fontAlgn="base" latinLnBrk="0" hangingPunct="0">
+              <a:lnSpc>
+                <a:spcPct val="100000"/>
+              </a:lnSpc>
+              <a:spcBef>
+                <a:spcPct val="0"/>
+              </a:spcBef>
+              <a:spcAft>
+                <a:spcPct val="0"/>
+              </a:spcAft>
+              <a:buClrTx/>
+              <a:buSzTx/>
+              <a:buFontTx/>
+              <a:buNone/>
+              <a:tabLst/>
+            </a:pPr>
+            <a:r>
+              <a:rPr kumimoji="0" lang="zh-CN" altLang="zh-CN" sz="1600" b="1" i="0" u="none" strike="noStrike" cap="none" normalizeH="0" baseline="0" dirty="0" smtClean="0">
+                <a:ln>
+                  <a:noFill/>
+                </a:ln>
+                <a:solidFill>
+                  <a:srgbClr val="1F2328"/>
+                </a:solidFill>
+                <a:effectLst/>
+                <a:latin typeface="Times New Roman" panose="02020603050405020304" pitchFamily="18" charset="0"/>
+                <a:ea typeface="-apple-system"/>
+                <a:cs typeface="Times New Roman" panose="02020603050405020304" pitchFamily="18" charset="0"/>
+              </a:rPr>
+              <a:t>November 24, 2022</a:t>
+            </a:r>
+            <a:r>
+              <a:rPr kumimoji="0" lang="en-US" altLang="zh-CN" sz="1600" b="1" i="0" u="none" strike="noStrike" cap="none" normalizeH="0" baseline="0" dirty="0" smtClean="0">
+                <a:ln>
+                  <a:noFill/>
+                </a:ln>
+                <a:solidFill>
+                  <a:srgbClr val="1F2328"/>
+                </a:solidFill>
+                <a:effectLst/>
+                <a:latin typeface="Times New Roman" panose="02020603050405020304" pitchFamily="18" charset="0"/>
+                <a:ea typeface="-apple-system"/>
+                <a:cs typeface="Times New Roman" panose="02020603050405020304" pitchFamily="18" charset="0"/>
+              </a:rPr>
+              <a:t> - </a:t>
+            </a:r>
+            <a:r>
+              <a:rPr kumimoji="0" lang="zh-CN" altLang="zh-CN" sz="1600" b="0" i="1" u="none" strike="noStrike" cap="none" normalizeH="0" baseline="0" dirty="0" smtClean="0">
+                <a:ln>
+                  <a:noFill/>
+                </a:ln>
+                <a:solidFill>
+                  <a:srgbClr val="1F2328"/>
+                </a:solidFill>
+                <a:effectLst/>
+                <a:latin typeface="Times New Roman" panose="02020603050405020304" pitchFamily="18" charset="0"/>
+                <a:ea typeface="-apple-system"/>
+                <a:cs typeface="Times New Roman" panose="02020603050405020304" pitchFamily="18" charset="0"/>
+              </a:rPr>
+              <a:t>Version 2.0</a:t>
+            </a:r>
+            <a:endParaRPr kumimoji="0" lang="zh-CN" altLang="zh-CN" sz="1000" b="0" i="0" u="none" strike="noStrike" cap="none" normalizeH="0" baseline="0" dirty="0" smtClean="0">
+              <a:ln>
+                <a:noFill/>
+              </a:ln>
+              <a:solidFill>
+                <a:schemeClr val="tx1"/>
+              </a:solidFill>
+              <a:effectLst/>
+              <a:latin typeface="Times New Roman" panose="02020603050405020304" pitchFamily="18" charset="0"/>
+              <a:cs typeface="Times New Roman" panose="02020603050405020304" pitchFamily="18" charset="0"/>
+            </a:endParaRPr>
+          </a:p>
+          <a:p>
+            <a:pPr marL="0" marR="0" lvl="0" indent="0" algn="l" defTabSz="914400" rtl="0" eaLnBrk="0" fontAlgn="base" latinLnBrk="0" hangingPunct="0">
+              <a:lnSpc>
+                <a:spcPct val="100000"/>
+              </a:lnSpc>
+              <a:spcBef>
+                <a:spcPct val="0"/>
+              </a:spcBef>
+              <a:spcAft>
+                <a:spcPct val="0"/>
+              </a:spcAft>
+              <a:buClrTx/>
+              <a:buSzTx/>
+              <a:buFontTx/>
+              <a:buChar char="•"/>
+              <a:tabLst/>
+            </a:pPr>
+            <a:r>
+              <a:rPr kumimoji="0" lang="zh-CN" altLang="zh-CN" sz="1600" b="0" i="0" u="none" strike="noStrike" cap="none" normalizeH="0" baseline="0" dirty="0" smtClean="0">
+                <a:ln>
+                  <a:noFill/>
+                </a:ln>
+                <a:solidFill>
+                  <a:srgbClr val="1F2328"/>
+                </a:solidFill>
+                <a:effectLst/>
+                <a:latin typeface="Times New Roman" panose="02020603050405020304" pitchFamily="18" charset="0"/>
+                <a:ea typeface="-apple-system"/>
+                <a:cs typeface="Times New Roman" panose="02020603050405020304" pitchFamily="18" charset="0"/>
+              </a:rPr>
+              <a:t>New stable diffusion model (</a:t>
+            </a:r>
+            <a:r>
+              <a:rPr kumimoji="0" lang="zh-CN" altLang="zh-CN" sz="1600" b="0" i="1" u="none" strike="noStrike" cap="none" normalizeH="0" baseline="0" dirty="0" smtClean="0">
+                <a:ln>
+                  <a:noFill/>
+                </a:ln>
+                <a:solidFill>
+                  <a:srgbClr val="1F2328"/>
+                </a:solidFill>
+                <a:effectLst/>
+                <a:latin typeface="Times New Roman" panose="02020603050405020304" pitchFamily="18" charset="0"/>
+                <a:ea typeface="-apple-system"/>
+                <a:cs typeface="Times New Roman" panose="02020603050405020304" pitchFamily="18" charset="0"/>
+              </a:rPr>
+              <a:t>Stable Diffusion 2.0-v</a:t>
+            </a:r>
+            <a:r>
+              <a:rPr kumimoji="0" lang="zh-CN" altLang="zh-CN" sz="1600" b="0" i="0" u="none" strike="noStrike" cap="none" normalizeH="0" baseline="0" dirty="0" smtClean="0">
+                <a:ln>
+                  <a:noFill/>
+                </a:ln>
+                <a:solidFill>
+                  <a:srgbClr val="1F2328"/>
+                </a:solidFill>
+                <a:effectLst/>
+                <a:latin typeface="Times New Roman" panose="02020603050405020304" pitchFamily="18" charset="0"/>
+                <a:ea typeface="-apple-system"/>
+                <a:cs typeface="Times New Roman" panose="02020603050405020304" pitchFamily="18" charset="0"/>
+              </a:rPr>
+              <a:t>) at 768x768 resolution. Same number of parameters in the U-Net as 1.5, but uses </a:t>
+            </a:r>
+            <a:r>
+              <a:rPr kumimoji="0" lang="zh-CN" altLang="zh-CN" sz="1600" b="0" i="0" u="sng" strike="noStrike" cap="none" normalizeH="0" baseline="0" dirty="0" smtClean="0">
+                <a:ln>
+                  <a:noFill/>
+                </a:ln>
+                <a:solidFill>
+                  <a:srgbClr val="1F2328"/>
+                </a:solidFill>
+                <a:effectLst/>
+                <a:latin typeface="Times New Roman" panose="02020603050405020304" pitchFamily="18" charset="0"/>
+                <a:ea typeface="-apple-system"/>
+                <a:cs typeface="Times New Roman" panose="02020603050405020304" pitchFamily="18" charset="0"/>
+                <a:hlinkClick r:id="rId15"/>
+              </a:rPr>
+              <a:t>OpenCLIP-ViT/H</a:t>
+            </a:r>
+            <a:r>
+              <a:rPr kumimoji="0" lang="zh-CN" altLang="zh-CN" sz="1600" b="0" i="0" u="none" strike="noStrike" cap="none" normalizeH="0" baseline="0" dirty="0" smtClean="0">
+                <a:ln>
+                  <a:noFill/>
+                </a:ln>
+                <a:solidFill>
+                  <a:srgbClr val="1F2328"/>
+                </a:solidFill>
+                <a:effectLst/>
+                <a:latin typeface="Times New Roman" panose="02020603050405020304" pitchFamily="18" charset="0"/>
+                <a:ea typeface="-apple-system"/>
+                <a:cs typeface="Times New Roman" panose="02020603050405020304" pitchFamily="18" charset="0"/>
+              </a:rPr>
+              <a:t> as the text encoder and is trained from scratch. </a:t>
+            </a:r>
+            <a:r>
+              <a:rPr kumimoji="0" lang="zh-CN" altLang="zh-CN" sz="1600" b="0" i="1" u="none" strike="noStrike" cap="none" normalizeH="0" baseline="0" dirty="0" smtClean="0">
+                <a:ln>
+                  <a:noFill/>
+                </a:ln>
+                <a:solidFill>
+                  <a:srgbClr val="1F2328"/>
+                </a:solidFill>
+                <a:effectLst/>
+                <a:latin typeface="Times New Roman" panose="02020603050405020304" pitchFamily="18" charset="0"/>
+                <a:ea typeface="-apple-system"/>
+                <a:cs typeface="Times New Roman" panose="02020603050405020304" pitchFamily="18" charset="0"/>
+              </a:rPr>
+              <a:t>SD 2.0-v</a:t>
+            </a:r>
+            <a:r>
+              <a:rPr kumimoji="0" lang="zh-CN" altLang="zh-CN" sz="1600" b="0" i="0" u="none" strike="noStrike" cap="none" normalizeH="0" baseline="0" dirty="0" smtClean="0">
+                <a:ln>
+                  <a:noFill/>
+                </a:ln>
+                <a:solidFill>
+                  <a:srgbClr val="1F2328"/>
+                </a:solidFill>
+                <a:effectLst/>
+                <a:latin typeface="Times New Roman" panose="02020603050405020304" pitchFamily="18" charset="0"/>
+                <a:ea typeface="-apple-system"/>
+                <a:cs typeface="Times New Roman" panose="02020603050405020304" pitchFamily="18" charset="0"/>
+              </a:rPr>
+              <a:t> is a so-called </a:t>
+            </a:r>
+            <a:r>
+              <a:rPr kumimoji="0" lang="zh-CN" altLang="zh-CN" sz="1600" b="0" i="0" u="sng" strike="noStrike" cap="none" normalizeH="0" baseline="0" dirty="0" smtClean="0">
+                <a:ln>
+                  <a:noFill/>
+                </a:ln>
+                <a:solidFill>
+                  <a:srgbClr val="1F2328"/>
+                </a:solidFill>
+                <a:effectLst/>
+                <a:latin typeface="Times New Roman" panose="02020603050405020304" pitchFamily="18" charset="0"/>
+                <a:ea typeface="-apple-system"/>
+                <a:cs typeface="Times New Roman" panose="02020603050405020304" pitchFamily="18" charset="0"/>
+                <a:hlinkClick r:id="rId16"/>
+              </a:rPr>
+              <a:t>v-prediction</a:t>
+            </a:r>
+            <a:r>
+              <a:rPr kumimoji="0" lang="zh-CN" altLang="zh-CN" sz="1600" b="0" i="0" u="none" strike="noStrike" cap="none" normalizeH="0" baseline="0" dirty="0" smtClean="0">
+                <a:ln>
+                  <a:noFill/>
+                </a:ln>
+                <a:solidFill>
+                  <a:srgbClr val="1F2328"/>
+                </a:solidFill>
+                <a:effectLst/>
+                <a:latin typeface="Times New Roman" panose="02020603050405020304" pitchFamily="18" charset="0"/>
+                <a:ea typeface="-apple-system"/>
+                <a:cs typeface="Times New Roman" panose="02020603050405020304" pitchFamily="18" charset="0"/>
+              </a:rPr>
+              <a:t> model.</a:t>
+            </a:r>
+          </a:p>
+          <a:p>
+            <a:pPr marL="0" marR="0" lvl="0" indent="0" algn="l" defTabSz="914400" rtl="0" eaLnBrk="0" fontAlgn="base" latinLnBrk="0" hangingPunct="0">
+              <a:lnSpc>
+                <a:spcPct val="100000"/>
+              </a:lnSpc>
+              <a:spcBef>
+                <a:spcPct val="0"/>
+              </a:spcBef>
+              <a:spcAft>
+                <a:spcPct val="0"/>
+              </a:spcAft>
+              <a:buClrTx/>
+              <a:buSzTx/>
+              <a:buFontTx/>
+              <a:buChar char="•"/>
+              <a:tabLst/>
+            </a:pPr>
+            <a:r>
+              <a:rPr kumimoji="0" lang="zh-CN" altLang="zh-CN" sz="1600" b="0" i="0" u="none" strike="noStrike" cap="none" normalizeH="0" baseline="0" dirty="0" smtClean="0">
+                <a:ln>
+                  <a:noFill/>
+                </a:ln>
+                <a:solidFill>
+                  <a:srgbClr val="1F2328"/>
+                </a:solidFill>
+                <a:effectLst/>
+                <a:latin typeface="Times New Roman" panose="02020603050405020304" pitchFamily="18" charset="0"/>
+                <a:ea typeface="-apple-system"/>
+                <a:cs typeface="Times New Roman" panose="02020603050405020304" pitchFamily="18" charset="0"/>
+              </a:rPr>
+              <a:t>The above model is finetuned from </a:t>
+            </a:r>
+            <a:r>
+              <a:rPr kumimoji="0" lang="zh-CN" altLang="zh-CN" sz="1600" b="0" i="1" u="none" strike="noStrike" cap="none" normalizeH="0" baseline="0" dirty="0" smtClean="0">
+                <a:ln>
+                  <a:noFill/>
+                </a:ln>
+                <a:solidFill>
+                  <a:srgbClr val="1F2328"/>
+                </a:solidFill>
+                <a:effectLst/>
+                <a:latin typeface="Times New Roman" panose="02020603050405020304" pitchFamily="18" charset="0"/>
+                <a:ea typeface="-apple-system"/>
+                <a:cs typeface="Times New Roman" panose="02020603050405020304" pitchFamily="18" charset="0"/>
+              </a:rPr>
+              <a:t>SD 2.0-base</a:t>
+            </a:r>
+            <a:r>
+              <a:rPr kumimoji="0" lang="zh-CN" altLang="zh-CN" sz="1600" b="0" i="0" u="none" strike="noStrike" cap="none" normalizeH="0" baseline="0" dirty="0" smtClean="0">
+                <a:ln>
+                  <a:noFill/>
+                </a:ln>
+                <a:solidFill>
+                  <a:srgbClr val="1F2328"/>
+                </a:solidFill>
+                <a:effectLst/>
+                <a:latin typeface="Times New Roman" panose="02020603050405020304" pitchFamily="18" charset="0"/>
+                <a:ea typeface="-apple-system"/>
+                <a:cs typeface="Times New Roman" panose="02020603050405020304" pitchFamily="18" charset="0"/>
+              </a:rPr>
+              <a:t>, which was trained as a standard noise-prediction model on 512x512 images and is also made available.</a:t>
+            </a:r>
+          </a:p>
+          <a:p>
+            <a:pPr marL="0" marR="0" lvl="0" indent="0" algn="l" defTabSz="914400" rtl="0" eaLnBrk="0" fontAlgn="base" latinLnBrk="0" hangingPunct="0">
+              <a:lnSpc>
+                <a:spcPct val="100000"/>
+              </a:lnSpc>
+              <a:spcBef>
+                <a:spcPct val="0"/>
+              </a:spcBef>
+              <a:spcAft>
+                <a:spcPct val="0"/>
+              </a:spcAft>
+              <a:buClrTx/>
+              <a:buSzTx/>
+              <a:buFontTx/>
+              <a:buChar char="•"/>
+              <a:tabLst/>
+            </a:pPr>
+            <a:r>
+              <a:rPr kumimoji="0" lang="zh-CN" altLang="zh-CN" sz="1600" b="0" i="0" u="none" strike="noStrike" cap="none" normalizeH="0" baseline="0" dirty="0" smtClean="0">
+                <a:ln>
+                  <a:noFill/>
+                </a:ln>
+                <a:solidFill>
+                  <a:srgbClr val="1F2328"/>
+                </a:solidFill>
+                <a:effectLst/>
+                <a:latin typeface="Times New Roman" panose="02020603050405020304" pitchFamily="18" charset="0"/>
+                <a:ea typeface="-apple-system"/>
+                <a:cs typeface="Times New Roman" panose="02020603050405020304" pitchFamily="18" charset="0"/>
+              </a:rPr>
+              <a:t>Added a </a:t>
+            </a:r>
+            <a:r>
+              <a:rPr kumimoji="0" lang="zh-CN" altLang="zh-CN" sz="1600" b="0" i="0" u="sng" strike="noStrike" cap="none" normalizeH="0" baseline="0" dirty="0" smtClean="0">
+                <a:ln>
+                  <a:noFill/>
+                </a:ln>
+                <a:solidFill>
+                  <a:srgbClr val="1F2328"/>
+                </a:solidFill>
+                <a:effectLst/>
+                <a:latin typeface="Times New Roman" panose="02020603050405020304" pitchFamily="18" charset="0"/>
+                <a:ea typeface="-apple-system"/>
+                <a:cs typeface="Times New Roman" panose="02020603050405020304" pitchFamily="18" charset="0"/>
+                <a:hlinkClick r:id="rId17"/>
+              </a:rPr>
+              <a:t>x4 upscaling latent text-guided diffusion model</a:t>
+            </a:r>
+            <a:r>
+              <a:rPr kumimoji="0" lang="zh-CN" altLang="zh-CN" sz="1600" b="0" i="0" u="none" strike="noStrike" cap="none" normalizeH="0" baseline="0" dirty="0" smtClean="0">
+                <a:ln>
+                  <a:noFill/>
+                </a:ln>
+                <a:solidFill>
+                  <a:srgbClr val="1F2328"/>
+                </a:solidFill>
+                <a:effectLst/>
+                <a:latin typeface="Times New Roman" panose="02020603050405020304" pitchFamily="18" charset="0"/>
+                <a:ea typeface="-apple-system"/>
+                <a:cs typeface="Times New Roman" panose="02020603050405020304" pitchFamily="18" charset="0"/>
+              </a:rPr>
+              <a:t>.</a:t>
+            </a:r>
+          </a:p>
+          <a:p>
+            <a:pPr marL="0" marR="0" lvl="0" indent="0" algn="l" defTabSz="914400" rtl="0" eaLnBrk="0" fontAlgn="base" latinLnBrk="0" hangingPunct="0">
+              <a:lnSpc>
+                <a:spcPct val="100000"/>
+              </a:lnSpc>
+              <a:spcBef>
+                <a:spcPct val="0"/>
+              </a:spcBef>
+              <a:spcAft>
+                <a:spcPct val="0"/>
+              </a:spcAft>
+              <a:buClrTx/>
+              <a:buSzTx/>
+              <a:buFontTx/>
+              <a:buChar char="•"/>
+              <a:tabLst/>
+            </a:pPr>
+            <a:r>
+              <a:rPr kumimoji="0" lang="zh-CN" altLang="zh-CN" sz="1600" b="0" i="0" u="none" strike="noStrike" cap="none" normalizeH="0" baseline="0" dirty="0" smtClean="0">
+                <a:ln>
+                  <a:noFill/>
+                </a:ln>
+                <a:solidFill>
+                  <a:srgbClr val="1F2328"/>
+                </a:solidFill>
+                <a:effectLst/>
+                <a:latin typeface="Times New Roman" panose="02020603050405020304" pitchFamily="18" charset="0"/>
+                <a:ea typeface="-apple-system"/>
+                <a:cs typeface="Times New Roman" panose="02020603050405020304" pitchFamily="18" charset="0"/>
+              </a:rPr>
+              <a:t>New </a:t>
+            </a:r>
+            <a:r>
+              <a:rPr kumimoji="0" lang="zh-CN" altLang="zh-CN" sz="1600" b="0" i="0" u="sng" strike="noStrike" cap="none" normalizeH="0" baseline="0" dirty="0" smtClean="0">
+                <a:ln>
+                  <a:noFill/>
+                </a:ln>
+                <a:solidFill>
+                  <a:srgbClr val="1F2328"/>
+                </a:solidFill>
+                <a:effectLst/>
+                <a:latin typeface="Times New Roman" panose="02020603050405020304" pitchFamily="18" charset="0"/>
+                <a:ea typeface="-apple-system"/>
+                <a:cs typeface="Times New Roman" panose="02020603050405020304" pitchFamily="18" charset="0"/>
+                <a:hlinkClick r:id="rId18"/>
+              </a:rPr>
+              <a:t>depth-guided stable diffusion model</a:t>
+            </a:r>
+            <a:r>
+              <a:rPr kumimoji="0" lang="zh-CN" altLang="zh-CN" sz="1600" b="0" i="0" u="none" strike="noStrike" cap="none" normalizeH="0" baseline="0" dirty="0" smtClean="0">
+                <a:ln>
+                  <a:noFill/>
+                </a:ln>
+                <a:solidFill>
+                  <a:srgbClr val="1F2328"/>
+                </a:solidFill>
+                <a:effectLst/>
+                <a:latin typeface="Times New Roman" panose="02020603050405020304" pitchFamily="18" charset="0"/>
+                <a:ea typeface="-apple-system"/>
+                <a:cs typeface="Times New Roman" panose="02020603050405020304" pitchFamily="18" charset="0"/>
+              </a:rPr>
+              <a:t>, finetuned from </a:t>
+            </a:r>
+            <a:r>
+              <a:rPr kumimoji="0" lang="zh-CN" altLang="zh-CN" sz="1600" b="0" i="1" u="none" strike="noStrike" cap="none" normalizeH="0" baseline="0" dirty="0" smtClean="0">
+                <a:ln>
+                  <a:noFill/>
+                </a:ln>
+                <a:solidFill>
+                  <a:srgbClr val="1F2328"/>
+                </a:solidFill>
+                <a:effectLst/>
+                <a:latin typeface="Times New Roman" panose="02020603050405020304" pitchFamily="18" charset="0"/>
+                <a:ea typeface="-apple-system"/>
+                <a:cs typeface="Times New Roman" panose="02020603050405020304" pitchFamily="18" charset="0"/>
+              </a:rPr>
+              <a:t>SD 2.0-base</a:t>
+            </a:r>
+            <a:r>
+              <a:rPr kumimoji="0" lang="zh-CN" altLang="zh-CN" sz="1600" b="0" i="0" u="none" strike="noStrike" cap="none" normalizeH="0" baseline="0" dirty="0" smtClean="0">
+                <a:ln>
+                  <a:noFill/>
+                </a:ln>
+                <a:solidFill>
+                  <a:srgbClr val="1F2328"/>
+                </a:solidFill>
+                <a:effectLst/>
+                <a:latin typeface="Times New Roman" panose="02020603050405020304" pitchFamily="18" charset="0"/>
+                <a:ea typeface="-apple-system"/>
+                <a:cs typeface="Times New Roman" panose="02020603050405020304" pitchFamily="18" charset="0"/>
+              </a:rPr>
+              <a:t>. The model is conditioned on monocular depth estimates inferred via </a:t>
+            </a:r>
+            <a:r>
+              <a:rPr kumimoji="0" lang="zh-CN" altLang="zh-CN" sz="1600" b="0" i="0" u="sng" strike="noStrike" cap="none" normalizeH="0" baseline="0" dirty="0" smtClean="0">
+                <a:ln>
+                  <a:noFill/>
+                </a:ln>
+                <a:solidFill>
+                  <a:srgbClr val="1F2328"/>
+                </a:solidFill>
+                <a:effectLst/>
+                <a:latin typeface="Times New Roman" panose="02020603050405020304" pitchFamily="18" charset="0"/>
+                <a:ea typeface="-apple-system"/>
+                <a:cs typeface="Times New Roman" panose="02020603050405020304" pitchFamily="18" charset="0"/>
+                <a:hlinkClick r:id="rId19"/>
+              </a:rPr>
+              <a:t>MiDaS</a:t>
+            </a:r>
+            <a:r>
+              <a:rPr kumimoji="0" lang="zh-CN" altLang="zh-CN" sz="1600" b="0" i="0" u="none" strike="noStrike" cap="none" normalizeH="0" baseline="0" dirty="0" smtClean="0">
+                <a:ln>
+                  <a:noFill/>
+                </a:ln>
+                <a:solidFill>
+                  <a:srgbClr val="1F2328"/>
+                </a:solidFill>
+                <a:effectLst/>
+                <a:latin typeface="Times New Roman" panose="02020603050405020304" pitchFamily="18" charset="0"/>
+                <a:ea typeface="-apple-system"/>
+                <a:cs typeface="Times New Roman" panose="02020603050405020304" pitchFamily="18" charset="0"/>
+              </a:rPr>
+              <a:t> and can be used for structure-preserving img2img and shape-conditional synthesis.</a:t>
+            </a:r>
+          </a:p>
+          <a:p>
+            <a:pPr marL="0" marR="0" lvl="0" indent="0" algn="l" defTabSz="914400" rtl="0" eaLnBrk="0" fontAlgn="base" latinLnBrk="0" hangingPunct="0">
+              <a:lnSpc>
+                <a:spcPct val="100000"/>
+              </a:lnSpc>
+              <a:spcBef>
+                <a:spcPct val="0"/>
+              </a:spcBef>
+              <a:spcAft>
+                <a:spcPct val="0"/>
+              </a:spcAft>
+              <a:buClrTx/>
+              <a:buSzTx/>
+              <a:buFontTx/>
+              <a:buChar char="•"/>
+              <a:tabLst/>
+            </a:pPr>
+            <a:r>
+              <a:rPr kumimoji="0" lang="zh-CN" altLang="zh-CN" sz="1600" b="0" i="0" u="sng" strike="noStrike" cap="none" normalizeH="0" baseline="0" dirty="0" smtClean="0">
+                <a:ln>
+                  <a:noFill/>
+                </a:ln>
+                <a:solidFill>
+                  <a:srgbClr val="1F2328"/>
+                </a:solidFill>
+                <a:effectLst/>
+                <a:latin typeface="Times New Roman" panose="02020603050405020304" pitchFamily="18" charset="0"/>
+                <a:ea typeface="-apple-system"/>
+                <a:cs typeface="Times New Roman" panose="02020603050405020304" pitchFamily="18" charset="0"/>
+              </a:rPr>
+              <a:t>A </a:t>
+            </a:r>
+            <a:r>
+              <a:rPr kumimoji="0" lang="zh-CN" altLang="zh-CN" sz="1600" b="0" i="0" u="sng" strike="noStrike" cap="none" normalizeH="0" baseline="0" dirty="0" smtClean="0">
+                <a:ln>
+                  <a:noFill/>
+                </a:ln>
+                <a:solidFill>
+                  <a:srgbClr val="1F2328"/>
+                </a:solidFill>
+                <a:effectLst/>
+                <a:latin typeface="Times New Roman" panose="02020603050405020304" pitchFamily="18" charset="0"/>
+                <a:ea typeface="-apple-system"/>
+                <a:cs typeface="Times New Roman" panose="02020603050405020304" pitchFamily="18" charset="0"/>
+                <a:hlinkClick r:id="rId20"/>
+              </a:rPr>
+              <a:t>text-guided inpainting model</a:t>
+            </a:r>
+            <a:r>
+              <a:rPr kumimoji="0" lang="zh-CN" altLang="zh-CN" sz="1600" b="0" i="0" u="none" strike="noStrike" cap="none" normalizeH="0" baseline="0" dirty="0" smtClean="0">
+                <a:ln>
+                  <a:noFill/>
+                </a:ln>
+                <a:solidFill>
+                  <a:srgbClr val="1F2328"/>
+                </a:solidFill>
+                <a:effectLst/>
+                <a:latin typeface="Times New Roman" panose="02020603050405020304" pitchFamily="18" charset="0"/>
+                <a:ea typeface="-apple-system"/>
+                <a:cs typeface="Times New Roman" panose="02020603050405020304" pitchFamily="18" charset="0"/>
+              </a:rPr>
+              <a:t>, finetuned from SD</a:t>
+            </a:r>
+            <a:r>
+              <a:rPr kumimoji="0" lang="zh-CN" altLang="zh-CN" sz="1600" b="0" i="0" u="sng" strike="noStrike" cap="none" normalizeH="0" baseline="0" dirty="0" smtClean="0">
+                <a:ln>
+                  <a:noFill/>
+                </a:ln>
+                <a:solidFill>
+                  <a:srgbClr val="1F2328"/>
+                </a:solidFill>
+                <a:effectLst/>
+                <a:latin typeface="Times New Roman" panose="02020603050405020304" pitchFamily="18" charset="0"/>
+                <a:ea typeface="-apple-system"/>
+                <a:cs typeface="Times New Roman" panose="02020603050405020304" pitchFamily="18" charset="0"/>
+              </a:rPr>
+              <a:t> </a:t>
+            </a:r>
+            <a:r>
+              <a:rPr kumimoji="0" lang="zh-CN" altLang="zh-CN" sz="1600" b="0" i="1" u="sng" strike="noStrike" cap="none" normalizeH="0" baseline="0" dirty="0" smtClean="0">
+                <a:ln>
+                  <a:noFill/>
+                </a:ln>
+                <a:solidFill>
+                  <a:srgbClr val="1F2328"/>
+                </a:solidFill>
+                <a:effectLst/>
+                <a:latin typeface="Times New Roman" panose="02020603050405020304" pitchFamily="18" charset="0"/>
+                <a:ea typeface="-apple-system"/>
+                <a:cs typeface="Times New Roman" panose="02020603050405020304" pitchFamily="18" charset="0"/>
+              </a:rPr>
+              <a:t>2.0-base</a:t>
+            </a:r>
+            <a:r>
+              <a:rPr kumimoji="0" lang="zh-CN" altLang="zh-CN" sz="1600" b="0" i="0" u="sng" strike="noStrike" cap="none" normalizeH="0" baseline="0" dirty="0" smtClean="0">
+                <a:ln>
+                  <a:noFill/>
+                </a:ln>
+                <a:solidFill>
+                  <a:srgbClr val="1F2328"/>
+                </a:solidFill>
+                <a:effectLst/>
+                <a:latin typeface="Times New Roman" panose="02020603050405020304" pitchFamily="18" charset="0"/>
+                <a:ea typeface="-apple-system"/>
+                <a:cs typeface="Times New Roman" panose="02020603050405020304" pitchFamily="18" charset="0"/>
+              </a:rPr>
+              <a:t>.</a:t>
+            </a:r>
+          </a:p>
+        </p:txBody>
+      </p:sp>
+    </p:spTree>
+    <p:extLst>
+      <p:ext uri="{BB962C8B-B14F-4D97-AF65-F5344CB8AC3E}">
+        <p14:creationId xmlns:p14="http://schemas.microsoft.com/office/powerpoint/2010/main" val="1645560340"/>
       </p:ext>
     </p:extLst>
   </p:cSld>
